--- a/infinispan-embedded-tutorial/Infinispan.pptx
+++ b/infinispan-embedded-tutorial/Infinispan.pptx
@@ -5,20 +5,24 @@
     <p:sldMasterId id="2147483733" r:id="rId4"/>
   </p:sldMasterIdLst>
   <p:notesMasterIdLst>
-    <p:notesMasterId r:id="rId13"/>
+    <p:notesMasterId r:id="rId17"/>
   </p:notesMasterIdLst>
   <p:handoutMasterIdLst>
-    <p:handoutMasterId r:id="rId14"/>
+    <p:handoutMasterId r:id="rId18"/>
   </p:handoutMasterIdLst>
   <p:sldIdLst>
     <p:sldId id="256" r:id="rId5"/>
     <p:sldId id="257" r:id="rId6"/>
     <p:sldId id="258" r:id="rId7"/>
-    <p:sldId id="259" r:id="rId8"/>
-    <p:sldId id="260" r:id="rId9"/>
-    <p:sldId id="261" r:id="rId10"/>
-    <p:sldId id="262" r:id="rId11"/>
-    <p:sldId id="263" r:id="rId12"/>
+    <p:sldId id="264" r:id="rId8"/>
+    <p:sldId id="265" r:id="rId9"/>
+    <p:sldId id="269" r:id="rId10"/>
+    <p:sldId id="266" r:id="rId11"/>
+    <p:sldId id="268" r:id="rId12"/>
+    <p:sldId id="267" r:id="rId13"/>
+    <p:sldId id="259" r:id="rId14"/>
+    <p:sldId id="260" r:id="rId15"/>
+    <p:sldId id="261" r:id="rId16"/>
   </p:sldIdLst>
   <p:sldSz cx="9144000" cy="6858000" type="screen4x3"/>
   <p:notesSz cx="6669088" cy="9872663"/>
@@ -238,7 +242,7 @@
             <a:fld id="{AB771C5C-997B-4FBD-B8F3-A0A3C30CDBE5}" type="datetimeFigureOut">
               <a:rPr lang="en-GB" smtClean="0"/>
               <a:pPr/>
-              <a:t>11/06/2015</a:t>
+              <a:t>17/06/2015</a:t>
             </a:fld>
             <a:endParaRPr lang="en-GB"/>
           </a:p>
@@ -1732,7 +1736,7 @@
               <a:pPr>
                 <a:defRPr/>
               </a:pPr>
-              <a:t>11 June 2015</a:t>
+              <a:t>17 June 2015</a:t>
             </a:fld>
             <a:endParaRPr lang="en-US" dirty="0"/>
           </a:p>
@@ -1923,7 +1927,7 @@
               <a:pPr>
                 <a:defRPr/>
               </a:pPr>
-              <a:t>11 June 2015</a:t>
+              <a:t>17 June 2015</a:t>
             </a:fld>
             <a:endParaRPr lang="en-US" dirty="0"/>
           </a:p>
@@ -2200,7 +2204,7 @@
               <a:pPr>
                 <a:defRPr/>
               </a:pPr>
-              <a:t>11 June 2015</a:t>
+              <a:t>17 June 2015</a:t>
             </a:fld>
             <a:endParaRPr lang="en-US" dirty="0"/>
           </a:p>
@@ -2393,7 +2397,7 @@
               <a:pPr>
                 <a:defRPr/>
               </a:pPr>
-              <a:t>11 June 2015</a:t>
+              <a:t>17 June 2015</a:t>
             </a:fld>
             <a:endParaRPr lang="en-US" dirty="0"/>
           </a:p>
@@ -2767,7 +2771,7 @@
               <a:pPr>
                 <a:defRPr/>
               </a:pPr>
-              <a:t>11 June 2015</a:t>
+              <a:t>17 June 2015</a:t>
             </a:fld>
             <a:endParaRPr lang="en-US" dirty="0"/>
           </a:p>
@@ -3271,7 +3275,7 @@
               <a:pPr>
                 <a:defRPr/>
               </a:pPr>
-              <a:t>11 June 2015</a:t>
+              <a:t>17 June 2015</a:t>
             </a:fld>
             <a:endParaRPr lang="en-US" dirty="0"/>
           </a:p>
@@ -3475,7 +3479,7 @@
               <a:pPr>
                 <a:defRPr/>
               </a:pPr>
-              <a:t>11 June 2015</a:t>
+              <a:t>17 June 2015</a:t>
             </a:fld>
             <a:endParaRPr lang="en-US" dirty="0"/>
           </a:p>
@@ -3679,7 +3683,7 @@
               <a:pPr>
                 <a:defRPr/>
               </a:pPr>
-              <a:t>11 June 2015</a:t>
+              <a:t>17 June 2015</a:t>
             </a:fld>
             <a:endParaRPr lang="en-US" dirty="0"/>
           </a:p>
@@ -3967,7 +3971,7 @@
               <a:pPr>
                 <a:defRPr/>
               </a:pPr>
-              <a:t>11 June 2015</a:t>
+              <a:t>17 June 2015</a:t>
             </a:fld>
             <a:endParaRPr lang="en-US" dirty="0"/>
           </a:p>
@@ -4236,7 +4240,7 @@
               <a:pPr>
                 <a:defRPr/>
               </a:pPr>
-              <a:t>11 June 2015</a:t>
+              <a:t>17 June 2015</a:t>
             </a:fld>
             <a:endParaRPr lang="en-US" dirty="0"/>
           </a:p>
@@ -4440,7 +4444,7 @@
               <a:pPr>
                 <a:defRPr/>
               </a:pPr>
-              <a:t>11 June 2015</a:t>
+              <a:t>17 June 2015</a:t>
             </a:fld>
             <a:endParaRPr lang="en-US" dirty="0"/>
           </a:p>
@@ -5328,6 +5332,622 @@
 </p:sld>
 </file>
 
+<file path=ppt/slides/slide10.xml><?xml version="1.0" encoding="utf-8"?>
+<p:sld xmlns:a="http://schemas.openxmlformats.org/drawingml/2006/main" xmlns:r="http://schemas.openxmlformats.org/officeDocument/2006/relationships" xmlns:p="http://schemas.openxmlformats.org/presentationml/2006/main">
+  <p:cSld>
+    <p:spTree>
+      <p:nvGrpSpPr>
+        <p:cNvPr id="1" name=""/>
+        <p:cNvGrpSpPr/>
+        <p:nvPr/>
+      </p:nvGrpSpPr>
+      <p:grpSpPr>
+        <a:xfrm>
+          <a:off x="0" y="0"/>
+          <a:ext cx="0" cy="0"/>
+          <a:chOff x="0" y="0"/>
+          <a:chExt cx="0" cy="0"/>
+        </a:xfrm>
+      </p:grpSpPr>
+      <p:sp>
+        <p:nvSpPr>
+          <p:cNvPr id="2" name="Title 1"/>
+          <p:cNvSpPr>
+            <a:spLocks noGrp="1"/>
+          </p:cNvSpPr>
+          <p:nvPr>
+            <p:ph type="title"/>
+          </p:nvPr>
+        </p:nvSpPr>
+        <p:spPr/>
+        <p:txBody>
+          <a:bodyPr/>
+          <a:lstStyle/>
+          <a:p>
+            <a:r>
+              <a:rPr lang="en-GB" dirty="0" smtClean="0"/>
+              <a:t>Features</a:t>
+            </a:r>
+            <a:endParaRPr lang="en-GB" dirty="0"/>
+          </a:p>
+        </p:txBody>
+      </p:sp>
+      <p:sp>
+        <p:nvSpPr>
+          <p:cNvPr id="3" name="Content Placeholder 2"/>
+          <p:cNvSpPr>
+            <a:spLocks noGrp="1"/>
+          </p:cNvSpPr>
+          <p:nvPr>
+            <p:ph idx="1"/>
+          </p:nvPr>
+        </p:nvSpPr>
+        <p:spPr/>
+        <p:txBody>
+          <a:bodyPr/>
+          <a:lstStyle/>
+          <a:p>
+            <a:r>
+              <a:rPr lang="en-GB" dirty="0"/>
+              <a:t>In-memory local and clustered cache</a:t>
+            </a:r>
+          </a:p>
+          <a:p>
+            <a:r>
+              <a:rPr lang="en-GB" dirty="0"/>
+              <a:t>Clustering</a:t>
+            </a:r>
+          </a:p>
+          <a:p>
+            <a:r>
+              <a:rPr lang="en-GB" dirty="0"/>
+              <a:t>Transactions</a:t>
+            </a:r>
+          </a:p>
+          <a:p>
+            <a:r>
+              <a:rPr lang="en-GB" dirty="0"/>
+              <a:t>Persistence</a:t>
+            </a:r>
+          </a:p>
+          <a:p>
+            <a:r>
+              <a:rPr lang="en-GB" dirty="0"/>
+              <a:t>Configuration / Development</a:t>
+            </a:r>
+          </a:p>
+          <a:p>
+            <a:r>
+              <a:rPr lang="en-GB" dirty="0"/>
+              <a:t>Integrations</a:t>
+            </a:r>
+          </a:p>
+          <a:p>
+            <a:endParaRPr lang="en-GB" dirty="0"/>
+          </a:p>
+        </p:txBody>
+      </p:sp>
+      <p:sp>
+        <p:nvSpPr>
+          <p:cNvPr id="4" name="Text Placeholder 3"/>
+          <p:cNvSpPr>
+            <a:spLocks noGrp="1"/>
+          </p:cNvSpPr>
+          <p:nvPr>
+            <p:ph type="body" sz="quarter" idx="13"/>
+          </p:nvPr>
+        </p:nvSpPr>
+        <p:spPr/>
+        <p:txBody>
+          <a:bodyPr/>
+          <a:lstStyle/>
+          <a:p>
+            <a:endParaRPr lang="en-GB"/>
+          </a:p>
+        </p:txBody>
+      </p:sp>
+      <p:sp>
+        <p:nvSpPr>
+          <p:cNvPr id="5" name="Date Placeholder 4"/>
+          <p:cNvSpPr>
+            <a:spLocks noGrp="1"/>
+          </p:cNvSpPr>
+          <p:nvPr>
+            <p:ph type="dt" sz="half" idx="14"/>
+          </p:nvPr>
+        </p:nvSpPr>
+        <p:spPr/>
+        <p:txBody>
+          <a:bodyPr/>
+          <a:lstStyle/>
+          <a:p>
+            <a:pPr>
+              <a:defRPr/>
+            </a:pPr>
+            <a:fld id="{D95CFEC9-DCDE-483F-9C62-EBF9D31C73AA}" type="datetime3">
+              <a:rPr lang="en-US" smtClean="0"/>
+              <a:pPr>
+                <a:defRPr/>
+              </a:pPr>
+              <a:t>17 June 2015</a:t>
+            </a:fld>
+            <a:endParaRPr lang="en-US" dirty="0"/>
+          </a:p>
+        </p:txBody>
+      </p:sp>
+      <p:sp>
+        <p:nvSpPr>
+          <p:cNvPr id="6" name="Slide Number Placeholder 5"/>
+          <p:cNvSpPr>
+            <a:spLocks noGrp="1"/>
+          </p:cNvSpPr>
+          <p:nvPr>
+            <p:ph type="sldNum" sz="quarter" idx="15"/>
+          </p:nvPr>
+        </p:nvSpPr>
+        <p:spPr/>
+        <p:txBody>
+          <a:bodyPr/>
+          <a:lstStyle/>
+          <a:p>
+            <a:pPr>
+              <a:defRPr/>
+            </a:pPr>
+            <a:fld id="{90600ADF-17AC-4085-9C50-2A0435A05455}" type="slidenum">
+              <a:rPr lang="en-US" smtClean="0"/>
+              <a:pPr>
+                <a:defRPr/>
+              </a:pPr>
+              <a:t>9</a:t>
+            </a:fld>
+            <a:endParaRPr lang="en-US" dirty="0"/>
+          </a:p>
+        </p:txBody>
+      </p:sp>
+    </p:spTree>
+    <p:extLst>
+      <p:ext uri="{BB962C8B-B14F-4D97-AF65-F5344CB8AC3E}">
+        <p14:creationId xmlns:p14="http://schemas.microsoft.com/office/powerpoint/2010/main" val="1007208415"/>
+      </p:ext>
+    </p:extLst>
+  </p:cSld>
+  <p:clrMapOvr>
+    <a:masterClrMapping/>
+  </p:clrMapOvr>
+  <p:timing>
+    <p:tnLst>
+      <p:par>
+        <p:cTn id="1" dur="indefinite" restart="never" nodeType="tmRoot"/>
+      </p:par>
+    </p:tnLst>
+  </p:timing>
+</p:sld>
+</file>
+
+<file path=ppt/slides/slide11.xml><?xml version="1.0" encoding="utf-8"?>
+<p:sld xmlns:a="http://schemas.openxmlformats.org/drawingml/2006/main" xmlns:r="http://schemas.openxmlformats.org/officeDocument/2006/relationships" xmlns:p="http://schemas.openxmlformats.org/presentationml/2006/main">
+  <p:cSld>
+    <p:spTree>
+      <p:nvGrpSpPr>
+        <p:cNvPr id="1" name=""/>
+        <p:cNvGrpSpPr/>
+        <p:nvPr/>
+      </p:nvGrpSpPr>
+      <p:grpSpPr>
+        <a:xfrm>
+          <a:off x="0" y="0"/>
+          <a:ext cx="0" cy="0"/>
+          <a:chOff x="0" y="0"/>
+          <a:chExt cx="0" cy="0"/>
+        </a:xfrm>
+      </p:grpSpPr>
+      <p:sp>
+        <p:nvSpPr>
+          <p:cNvPr id="2" name="Title 1"/>
+          <p:cNvSpPr>
+            <a:spLocks noGrp="1"/>
+          </p:cNvSpPr>
+          <p:nvPr>
+            <p:ph type="title"/>
+          </p:nvPr>
+        </p:nvSpPr>
+        <p:spPr/>
+        <p:txBody>
+          <a:bodyPr/>
+          <a:lstStyle/>
+          <a:p>
+            <a:r>
+              <a:rPr lang="en-GB" dirty="0"/>
+              <a:t>Persistence</a:t>
+            </a:r>
+            <a:endParaRPr lang="en-GB" dirty="0"/>
+          </a:p>
+        </p:txBody>
+      </p:sp>
+      <p:sp>
+        <p:nvSpPr>
+          <p:cNvPr id="3" name="Content Placeholder 2"/>
+          <p:cNvSpPr>
+            <a:spLocks noGrp="1"/>
+          </p:cNvSpPr>
+          <p:nvPr>
+            <p:ph idx="1"/>
+          </p:nvPr>
+        </p:nvSpPr>
+        <p:spPr/>
+        <p:txBody>
+          <a:bodyPr/>
+          <a:lstStyle/>
+          <a:p>
+            <a:r>
+              <a:rPr lang="en-GB" dirty="0"/>
+              <a:t>U</a:t>
+            </a:r>
+            <a:r>
+              <a:rPr lang="en-GB" smtClean="0"/>
+              <a:t>se </a:t>
+            </a:r>
+            <a:r>
+              <a:rPr lang="en-GB" dirty="0"/>
+              <a:t>a </a:t>
+            </a:r>
+            <a:r>
+              <a:rPr lang="en-GB" dirty="0" err="1"/>
+              <a:t>CacheLoader</a:t>
+            </a:r>
+            <a:r>
+              <a:rPr lang="en-GB" dirty="0"/>
+              <a:t> interface to save the in-memory cache data to a persistent cache </a:t>
+            </a:r>
+            <a:r>
+              <a:rPr lang="en-GB" dirty="0" smtClean="0"/>
+              <a:t>store</a:t>
+            </a:r>
+          </a:p>
+          <a:p>
+            <a:r>
+              <a:rPr lang="en-GB" dirty="0"/>
+              <a:t>An external persistent storage might be useful </a:t>
+            </a:r>
+            <a:r>
+              <a:rPr lang="en-GB" dirty="0" smtClean="0"/>
+              <a:t>for:</a:t>
+            </a:r>
+          </a:p>
+          <a:p>
+            <a:pPr lvl="1"/>
+            <a:r>
+              <a:rPr lang="en-GB" dirty="0"/>
+              <a:t>Increased </a:t>
+            </a:r>
+            <a:r>
+              <a:rPr lang="en-GB" dirty="0" smtClean="0"/>
+              <a:t>Durability</a:t>
+            </a:r>
+          </a:p>
+          <a:p>
+            <a:pPr lvl="1"/>
+            <a:r>
+              <a:rPr lang="en-GB" dirty="0" smtClean="0"/>
+              <a:t>Write-through</a:t>
+            </a:r>
+          </a:p>
+          <a:p>
+            <a:pPr lvl="1"/>
+            <a:r>
+              <a:rPr lang="en-GB" dirty="0"/>
+              <a:t>Overflow </a:t>
+            </a:r>
+            <a:r>
+              <a:rPr lang="en-GB" dirty="0" smtClean="0"/>
+              <a:t>Data</a:t>
+            </a:r>
+          </a:p>
+          <a:p>
+            <a:pPr lvl="1"/>
+            <a:endParaRPr lang="en-GB" dirty="0"/>
+          </a:p>
+        </p:txBody>
+      </p:sp>
+      <p:sp>
+        <p:nvSpPr>
+          <p:cNvPr id="4" name="Text Placeholder 3"/>
+          <p:cNvSpPr>
+            <a:spLocks noGrp="1"/>
+          </p:cNvSpPr>
+          <p:nvPr>
+            <p:ph type="body" sz="quarter" idx="13"/>
+          </p:nvPr>
+        </p:nvSpPr>
+        <p:spPr/>
+        <p:txBody>
+          <a:bodyPr/>
+          <a:lstStyle/>
+          <a:p>
+            <a:endParaRPr lang="en-GB"/>
+          </a:p>
+        </p:txBody>
+      </p:sp>
+      <p:sp>
+        <p:nvSpPr>
+          <p:cNvPr id="5" name="Date Placeholder 4"/>
+          <p:cNvSpPr>
+            <a:spLocks noGrp="1"/>
+          </p:cNvSpPr>
+          <p:nvPr>
+            <p:ph type="dt" sz="half" idx="14"/>
+          </p:nvPr>
+        </p:nvSpPr>
+        <p:spPr/>
+        <p:txBody>
+          <a:bodyPr/>
+          <a:lstStyle/>
+          <a:p>
+            <a:pPr>
+              <a:defRPr/>
+            </a:pPr>
+            <a:fld id="{D95CFEC9-DCDE-483F-9C62-EBF9D31C73AA}" type="datetime3">
+              <a:rPr lang="en-US" smtClean="0"/>
+              <a:pPr>
+                <a:defRPr/>
+              </a:pPr>
+              <a:t>17 June 2015</a:t>
+            </a:fld>
+            <a:endParaRPr lang="en-US" dirty="0"/>
+          </a:p>
+        </p:txBody>
+      </p:sp>
+      <p:sp>
+        <p:nvSpPr>
+          <p:cNvPr id="6" name="Slide Number Placeholder 5"/>
+          <p:cNvSpPr>
+            <a:spLocks noGrp="1"/>
+          </p:cNvSpPr>
+          <p:nvPr>
+            <p:ph type="sldNum" sz="quarter" idx="15"/>
+          </p:nvPr>
+        </p:nvSpPr>
+        <p:spPr/>
+        <p:txBody>
+          <a:bodyPr/>
+          <a:lstStyle/>
+          <a:p>
+            <a:pPr>
+              <a:defRPr/>
+            </a:pPr>
+            <a:fld id="{90600ADF-17AC-4085-9C50-2A0435A05455}" type="slidenum">
+              <a:rPr lang="en-US" smtClean="0"/>
+              <a:pPr>
+                <a:defRPr/>
+              </a:pPr>
+              <a:t>10</a:t>
+            </a:fld>
+            <a:endParaRPr lang="en-US" dirty="0"/>
+          </a:p>
+        </p:txBody>
+      </p:sp>
+      <p:pic>
+        <p:nvPicPr>
+          <p:cNvPr id="3074" name="Picture 2"/>
+          <p:cNvPicPr>
+            <a:picLocks noChangeAspect="1" noChangeArrowheads="1"/>
+          </p:cNvPicPr>
+          <p:nvPr/>
+        </p:nvPicPr>
+        <p:blipFill>
+          <a:blip r:embed="rId2">
+            <a:extLst>
+              <a:ext uri="{28A0092B-C50C-407E-A947-70E740481C1C}">
+                <a14:useLocalDpi xmlns:a14="http://schemas.microsoft.com/office/drawing/2010/main" val="0"/>
+              </a:ext>
+            </a:extLst>
+          </a:blip>
+          <a:srcRect/>
+          <a:stretch>
+            <a:fillRect/>
+          </a:stretch>
+        </p:blipFill>
+        <p:spPr bwMode="auto">
+          <a:xfrm>
+            <a:off x="5822340" y="2545685"/>
+            <a:ext cx="2476500" cy="3733800"/>
+          </a:xfrm>
+          <a:prstGeom prst="rect">
+            <a:avLst/>
+          </a:prstGeom>
+          <a:noFill/>
+          <a:ln>
+            <a:noFill/>
+          </a:ln>
+          <a:extLst>
+            <a:ext uri="{909E8E84-426E-40DD-AFC4-6F175D3DCCD1}">
+              <a14:hiddenFill xmlns:a14="http://schemas.microsoft.com/office/drawing/2010/main">
+                <a:solidFill>
+                  <a:schemeClr val="accent1"/>
+                </a:solidFill>
+              </a14:hiddenFill>
+            </a:ext>
+            <a:ext uri="{91240B29-F687-4F45-9708-019B960494DF}">
+              <a14:hiddenLine xmlns:a14="http://schemas.microsoft.com/office/drawing/2010/main" w="9525">
+                <a:solidFill>
+                  <a:schemeClr val="tx1"/>
+                </a:solidFill>
+                <a:miter lim="800000"/>
+                <a:headEnd/>
+                <a:tailEnd/>
+              </a14:hiddenLine>
+            </a:ext>
+          </a:extLst>
+        </p:spPr>
+      </p:pic>
+    </p:spTree>
+    <p:extLst>
+      <p:ext uri="{BB962C8B-B14F-4D97-AF65-F5344CB8AC3E}">
+        <p14:creationId xmlns:p14="http://schemas.microsoft.com/office/powerpoint/2010/main" val="479859234"/>
+      </p:ext>
+    </p:extLst>
+  </p:cSld>
+  <p:clrMapOvr>
+    <a:masterClrMapping/>
+  </p:clrMapOvr>
+  <p:timing>
+    <p:tnLst>
+      <p:par>
+        <p:cTn id="1" dur="indefinite" restart="never" nodeType="tmRoot"/>
+      </p:par>
+    </p:tnLst>
+  </p:timing>
+</p:sld>
+</file>
+
+<file path=ppt/slides/slide12.xml><?xml version="1.0" encoding="utf-8"?>
+<p:sld xmlns:a="http://schemas.openxmlformats.org/drawingml/2006/main" xmlns:r="http://schemas.openxmlformats.org/officeDocument/2006/relationships" xmlns:p="http://schemas.openxmlformats.org/presentationml/2006/main">
+  <p:cSld>
+    <p:spTree>
+      <p:nvGrpSpPr>
+        <p:cNvPr id="1" name=""/>
+        <p:cNvGrpSpPr/>
+        <p:nvPr/>
+      </p:nvGrpSpPr>
+      <p:grpSpPr>
+        <a:xfrm>
+          <a:off x="0" y="0"/>
+          <a:ext cx="0" cy="0"/>
+          <a:chOff x="0" y="0"/>
+          <a:chExt cx="0" cy="0"/>
+        </a:xfrm>
+      </p:grpSpPr>
+      <p:sp>
+        <p:nvSpPr>
+          <p:cNvPr id="2" name="Title 1"/>
+          <p:cNvSpPr>
+            <a:spLocks noGrp="1"/>
+          </p:cNvSpPr>
+          <p:nvPr>
+            <p:ph type="title"/>
+          </p:nvPr>
+        </p:nvSpPr>
+        <p:spPr/>
+        <p:txBody>
+          <a:bodyPr/>
+          <a:lstStyle/>
+          <a:p>
+            <a:r>
+              <a:rPr lang="en-GB" dirty="0"/>
+              <a:t>Clustering</a:t>
+            </a:r>
+          </a:p>
+        </p:txBody>
+      </p:sp>
+      <p:sp>
+        <p:nvSpPr>
+          <p:cNvPr id="3" name="Content Placeholder 2"/>
+          <p:cNvSpPr>
+            <a:spLocks noGrp="1"/>
+          </p:cNvSpPr>
+          <p:nvPr>
+            <p:ph idx="1"/>
+          </p:nvPr>
+        </p:nvSpPr>
+        <p:spPr/>
+        <p:txBody>
+          <a:bodyPr/>
+          <a:lstStyle/>
+          <a:p>
+            <a:endParaRPr lang="en-GB" dirty="0"/>
+          </a:p>
+        </p:txBody>
+      </p:sp>
+      <p:sp>
+        <p:nvSpPr>
+          <p:cNvPr id="4" name="Text Placeholder 3"/>
+          <p:cNvSpPr>
+            <a:spLocks noGrp="1"/>
+          </p:cNvSpPr>
+          <p:nvPr>
+            <p:ph type="body" sz="quarter" idx="13"/>
+          </p:nvPr>
+        </p:nvSpPr>
+        <p:spPr/>
+        <p:txBody>
+          <a:bodyPr/>
+          <a:lstStyle/>
+          <a:p>
+            <a:endParaRPr lang="en-GB"/>
+          </a:p>
+        </p:txBody>
+      </p:sp>
+      <p:sp>
+        <p:nvSpPr>
+          <p:cNvPr id="5" name="Date Placeholder 4"/>
+          <p:cNvSpPr>
+            <a:spLocks noGrp="1"/>
+          </p:cNvSpPr>
+          <p:nvPr>
+            <p:ph type="dt" sz="half" idx="14"/>
+          </p:nvPr>
+        </p:nvSpPr>
+        <p:spPr/>
+        <p:txBody>
+          <a:bodyPr/>
+          <a:lstStyle/>
+          <a:p>
+            <a:pPr>
+              <a:defRPr/>
+            </a:pPr>
+            <a:fld id="{D95CFEC9-DCDE-483F-9C62-EBF9D31C73AA}" type="datetime3">
+              <a:rPr lang="en-US" smtClean="0"/>
+              <a:pPr>
+                <a:defRPr/>
+              </a:pPr>
+              <a:t>17 June 2015</a:t>
+            </a:fld>
+            <a:endParaRPr lang="en-US" dirty="0"/>
+          </a:p>
+        </p:txBody>
+      </p:sp>
+      <p:sp>
+        <p:nvSpPr>
+          <p:cNvPr id="6" name="Slide Number Placeholder 5"/>
+          <p:cNvSpPr>
+            <a:spLocks noGrp="1"/>
+          </p:cNvSpPr>
+          <p:nvPr>
+            <p:ph type="sldNum" sz="quarter" idx="15"/>
+          </p:nvPr>
+        </p:nvSpPr>
+        <p:spPr/>
+        <p:txBody>
+          <a:bodyPr/>
+          <a:lstStyle/>
+          <a:p>
+            <a:pPr>
+              <a:defRPr/>
+            </a:pPr>
+            <a:fld id="{90600ADF-17AC-4085-9C50-2A0435A05455}" type="slidenum">
+              <a:rPr lang="en-US" smtClean="0"/>
+              <a:pPr>
+                <a:defRPr/>
+              </a:pPr>
+              <a:t>11</a:t>
+            </a:fld>
+            <a:endParaRPr lang="en-US" dirty="0"/>
+          </a:p>
+        </p:txBody>
+      </p:sp>
+    </p:spTree>
+    <p:extLst>
+      <p:ext uri="{BB962C8B-B14F-4D97-AF65-F5344CB8AC3E}">
+        <p14:creationId xmlns:p14="http://schemas.microsoft.com/office/powerpoint/2010/main" val="3515555941"/>
+      </p:ext>
+    </p:extLst>
+  </p:cSld>
+  <p:clrMapOvr>
+    <a:masterClrMapping/>
+  </p:clrMapOvr>
+</p:sld>
+</file>
+
 <file path=ppt/slides/slide2.xml><?xml version="1.0" encoding="utf-8"?>
 <p:sld xmlns:a="http://schemas.openxmlformats.org/drawingml/2006/main" xmlns:r="http://schemas.openxmlformats.org/officeDocument/2006/relationships" xmlns:p="http://schemas.openxmlformats.org/presentationml/2006/main">
   <p:cSld>
@@ -5398,6 +6018,23 @@
           </a:p>
           <a:p>
             <a:r>
+              <a:rPr lang="en-GB" dirty="0"/>
+              <a:t>Interacting with </a:t>
+            </a:r>
+            <a:r>
+              <a:rPr lang="en-GB" dirty="0" err="1" smtClean="0"/>
+              <a:t>Infinispan</a:t>
+            </a:r>
+            <a:endParaRPr lang="en-GB" dirty="0" smtClean="0"/>
+          </a:p>
+          <a:p>
+            <a:r>
+              <a:rPr lang="en-GB" dirty="0" smtClean="0"/>
+              <a:t>Modes</a:t>
+            </a:r>
+          </a:p>
+          <a:p>
+            <a:r>
               <a:rPr lang="en-GB" dirty="0" smtClean="0"/>
               <a:t>Features</a:t>
             </a:r>
@@ -5447,7 +6084,7 @@
               <a:pPr>
                 <a:defRPr/>
               </a:pPr>
-              <a:t>11 June 2015</a:t>
+              <a:t>17 June 2015</a:t>
             </a:fld>
             <a:endParaRPr lang="en-US" dirty="0"/>
           </a:p>
@@ -5564,35 +6201,66 @@
           <a:lstStyle/>
           <a:p>
             <a:r>
+              <a:rPr lang="en-GB" dirty="0" smtClean="0"/>
+              <a:t>Data Grid Platform</a:t>
+            </a:r>
+          </a:p>
+          <a:p>
+            <a:pPr lvl="1"/>
+            <a:r>
+              <a:rPr lang="en-GB" dirty="0" smtClean="0"/>
+              <a:t>Distributed Cache</a:t>
+            </a:r>
+          </a:p>
+          <a:p>
+            <a:pPr lvl="1"/>
+            <a:r>
               <a:rPr lang="en-GB" dirty="0"/>
-              <a:t>E</a:t>
+              <a:t>NoSQL key/value </a:t>
             </a:r>
             <a:r>
               <a:rPr lang="en-GB" dirty="0" smtClean="0"/>
-              <a:t>xtremely </a:t>
-            </a:r>
+              <a:t>store</a:t>
+            </a:r>
+          </a:p>
+          <a:p>
+            <a:pPr lvl="1"/>
             <a:r>
               <a:rPr lang="en-GB" dirty="0"/>
-              <a:t>scalable, highly available key/value data store and data grid platform</a:t>
+              <a:t>Extremely </a:t>
             </a:r>
             <a:r>
               <a:rPr lang="en-GB" dirty="0" smtClean="0"/>
-              <a:t>.</a:t>
-            </a:r>
-          </a:p>
-          <a:p>
-            <a:r>
-              <a:rPr lang="en-GB" dirty="0"/>
-              <a:t>O</a:t>
-            </a:r>
+              <a:t>scalable</a:t>
+            </a:r>
+          </a:p>
+          <a:p>
+            <a:pPr lvl="1"/>
             <a:r>
               <a:rPr lang="en-GB" dirty="0" smtClean="0"/>
-              <a:t>ften </a:t>
-            </a:r>
-            <a:r>
-              <a:rPr lang="en-GB" dirty="0"/>
-              <a:t>used as a distributed cache, but also as a NoSQL key/value store or object database.</a:t>
-            </a:r>
+              <a:t>In-memory cache</a:t>
+            </a:r>
+          </a:p>
+          <a:p>
+            <a:pPr lvl="1"/>
+            <a:r>
+              <a:rPr lang="en-GB" dirty="0" smtClean="0"/>
+              <a:t>Open Source</a:t>
+            </a:r>
+          </a:p>
+          <a:p>
+            <a:pPr lvl="1"/>
+            <a:r>
+              <a:rPr lang="en-GB" dirty="0" smtClean="0"/>
+              <a:t>Highly available</a:t>
+            </a:r>
+            <a:endParaRPr lang="en-GB" dirty="0"/>
+          </a:p>
+          <a:p>
+            <a:pPr marL="0" indent="0">
+              <a:buNone/>
+            </a:pPr>
+            <a:endParaRPr lang="en-GB" baseline="30000" dirty="0" smtClean="0"/>
           </a:p>
         </p:txBody>
       </p:sp>
@@ -5638,7 +6306,7 @@
               <a:pPr>
                 <a:defRPr/>
               </a:pPr>
-              <a:t>11 June 2015</a:t>
+              <a:t>17 June 2015</a:t>
             </a:fld>
             <a:endParaRPr lang="en-US" dirty="0"/>
           </a:p>
@@ -5712,12 +6380,12 @@
       </p:grpSpPr>
       <p:sp>
         <p:nvSpPr>
-          <p:cNvPr id="2" name="Title 1"/>
-          <p:cNvSpPr>
-            <a:spLocks noGrp="1"/>
-          </p:cNvSpPr>
-          <p:nvPr>
-            <p:ph type="title"/>
+          <p:cNvPr id="3" name="Content Placeholder 2"/>
+          <p:cNvSpPr>
+            <a:spLocks noGrp="1"/>
+          </p:cNvSpPr>
+          <p:nvPr>
+            <p:ph sz="half" idx="1"/>
           </p:nvPr>
         </p:nvSpPr>
         <p:spPr/>
@@ -5726,71 +6394,204 @@
           <a:lstStyle/>
           <a:p>
             <a:r>
+              <a:rPr lang="en-GB" i="1" dirty="0"/>
+              <a:t>Embedded</a:t>
+            </a:r>
+            <a:r>
+              <a:rPr lang="en-GB" dirty="0"/>
+              <a:t> </a:t>
+            </a:r>
+            <a:r>
               <a:rPr lang="en-GB" dirty="0" smtClean="0"/>
-              <a:t>Features</a:t>
-            </a:r>
+              <a:t>(P2P)</a:t>
+            </a:r>
+          </a:p>
+          <a:p>
+            <a:pPr lvl="1"/>
+            <a:r>
+              <a:rPr lang="en-GB" sz="2000" dirty="0" smtClean="0"/>
+              <a:t>into </a:t>
+            </a:r>
+            <a:r>
+              <a:rPr lang="en-GB" sz="2000" dirty="0"/>
+              <a:t>your application </a:t>
+            </a:r>
+            <a:r>
+              <a:rPr lang="en-GB" sz="2000" dirty="0" smtClean="0"/>
+              <a:t>code</a:t>
+            </a:r>
+          </a:p>
+          <a:p>
+            <a:pPr lvl="1"/>
+            <a:r>
+              <a:rPr lang="en-GB" sz="2000" dirty="0"/>
+              <a:t>Libraries exist in same JVM as application code.</a:t>
+            </a:r>
+          </a:p>
+          <a:p>
+            <a:pPr lvl="1"/>
+            <a:r>
+              <a:rPr lang="en-GB" sz="2000" dirty="0"/>
+              <a:t>Data grid is easily scalable.</a:t>
+            </a:r>
+          </a:p>
+          <a:p>
+            <a:pPr lvl="1"/>
+            <a:r>
+              <a:rPr lang="en-GB" sz="2000" dirty="0"/>
+              <a:t>Peer to Peer </a:t>
+            </a:r>
+            <a:r>
+              <a:rPr lang="en-GB" sz="2000" dirty="0"/>
+              <a:t>deployments are simpler than </a:t>
+            </a:r>
+            <a:r>
+              <a:rPr lang="en-GB" sz="2000" dirty="0"/>
+              <a:t>client-server.</a:t>
+            </a:r>
+          </a:p>
+          <a:p>
+            <a:pPr lvl="1"/>
+            <a:r>
+              <a:rPr lang="en-GB" sz="2000" dirty="0"/>
+              <a:t>Used when:</a:t>
+            </a:r>
+            <a:endParaRPr lang="en-GB" sz="2000" dirty="0"/>
+          </a:p>
+          <a:p>
+            <a:pPr lvl="2">
+              <a:buClrTx/>
+              <a:buFont typeface="Wingdings" panose="05000000000000000000" pitchFamily="2" charset="2"/>
+              <a:buChar char="§"/>
+            </a:pPr>
+            <a:r>
+              <a:rPr lang="en-GB" sz="1800" dirty="0"/>
+              <a:t>application or a framework that needs to be </a:t>
+            </a:r>
+            <a:r>
+              <a:rPr lang="en-GB" sz="1800" dirty="0" smtClean="0"/>
+              <a:t>cluster-aware</a:t>
+            </a:r>
+            <a:endParaRPr lang="en-GB" sz="1800" dirty="0"/>
+          </a:p>
+          <a:p>
+            <a:pPr lvl="2">
+              <a:buClrTx/>
+              <a:buFont typeface="Wingdings" panose="05000000000000000000" pitchFamily="2" charset="2"/>
+              <a:buChar char="§"/>
+            </a:pPr>
+            <a:r>
+              <a:rPr lang="en-GB" sz="1800" dirty="0"/>
+              <a:t>need an in-memory distributed cache to front a database or some other expensive data source</a:t>
+            </a:r>
+          </a:p>
+          <a:p>
+            <a:pPr marL="571500" lvl="1" indent="0">
+              <a:buNone/>
+            </a:pPr>
             <a:endParaRPr lang="en-GB" dirty="0"/>
           </a:p>
-        </p:txBody>
-      </p:sp>
-      <p:sp>
-        <p:nvSpPr>
-          <p:cNvPr id="3" name="Content Placeholder 2"/>
-          <p:cNvSpPr>
-            <a:spLocks noGrp="1"/>
-          </p:cNvSpPr>
-          <p:nvPr>
-            <p:ph idx="1"/>
-          </p:nvPr>
-        </p:nvSpPr>
-        <p:spPr/>
+          <a:p>
+            <a:endParaRPr lang="en-GB" dirty="0"/>
+          </a:p>
+        </p:txBody>
+      </p:sp>
+      <p:pic>
+        <p:nvPicPr>
+          <p:cNvPr id="1026" name="Picture 2"/>
+          <p:cNvPicPr>
+            <a:picLocks noGrp="1" noChangeAspect="1" noChangeArrowheads="1"/>
+          </p:cNvPicPr>
+          <p:nvPr>
+            <p:ph sz="half" idx="2"/>
+          </p:nvPr>
+        </p:nvPicPr>
+        <p:blipFill>
+          <a:blip r:embed="rId2">
+            <a:extLst>
+              <a:ext uri="{28A0092B-C50C-407E-A947-70E740481C1C}">
+                <a14:useLocalDpi xmlns:a14="http://schemas.microsoft.com/office/drawing/2010/main" val="0"/>
+              </a:ext>
+            </a:extLst>
+          </a:blip>
+          <a:stretch>
+            <a:fillRect/>
+          </a:stretch>
+        </p:blipFill>
+        <p:spPr bwMode="auto">
+          <a:xfrm>
+            <a:off x="4648200" y="2698644"/>
+            <a:ext cx="4065588" cy="2229063"/>
+          </a:xfrm>
+          <a:prstGeom prst="rect">
+            <a:avLst/>
+          </a:prstGeom>
+          <a:noFill/>
+          <a:ln>
+            <a:noFill/>
+          </a:ln>
+          <a:extLst>
+            <a:ext uri="{909E8E84-426E-40DD-AFC4-6F175D3DCCD1}">
+              <a14:hiddenFill xmlns:a14="http://schemas.microsoft.com/office/drawing/2010/main">
+                <a:solidFill>
+                  <a:schemeClr val="accent1"/>
+                </a:solidFill>
+              </a14:hiddenFill>
+            </a:ext>
+            <a:ext uri="{91240B29-F687-4F45-9708-019B960494DF}">
+              <a14:hiddenLine xmlns:a14="http://schemas.microsoft.com/office/drawing/2010/main" w="9525">
+                <a:solidFill>
+                  <a:schemeClr val="tx1"/>
+                </a:solidFill>
+                <a:miter lim="800000"/>
+                <a:headEnd/>
+                <a:tailEnd/>
+              </a14:hiddenLine>
+            </a:ext>
+          </a:extLst>
+        </p:spPr>
+      </p:pic>
+      <p:sp>
+        <p:nvSpPr>
+          <p:cNvPr id="2" name="Title 1"/>
+          <p:cNvSpPr>
+            <a:spLocks noGrp="1"/>
+          </p:cNvSpPr>
+          <p:nvPr>
+            <p:ph type="title"/>
+          </p:nvPr>
+        </p:nvSpPr>
+        <p:spPr>
+          <a:prstGeom prst="rect">
+            <a:avLst/>
+          </a:prstGeom>
+        </p:spPr>
         <p:txBody>
           <a:bodyPr/>
           <a:lstStyle/>
           <a:p>
             <a:r>
               <a:rPr lang="en-GB" dirty="0"/>
-              <a:t>In-memory local and clustered cache</a:t>
-            </a:r>
-          </a:p>
-          <a:p>
+              <a:t>Interacting with </a:t>
+            </a:r>
+            <a:r>
+              <a:rPr lang="en-GB" dirty="0" err="1"/>
+              <a:t>Infinispan</a:t>
+            </a:r>
             <a:r>
               <a:rPr lang="en-GB" dirty="0"/>
-              <a:t>Clustering</a:t>
-            </a:r>
-          </a:p>
-          <a:p>
-            <a:r>
+              <a:t/>
+            </a:r>
+            <a:br>
               <a:rPr lang="en-GB" dirty="0"/>
-              <a:t>Transactions</a:t>
-            </a:r>
-          </a:p>
-          <a:p>
-            <a:r>
-              <a:rPr lang="en-GB" dirty="0"/>
-              <a:t>Persistence</a:t>
-            </a:r>
-          </a:p>
-          <a:p>
-            <a:r>
-              <a:rPr lang="en-GB" dirty="0"/>
-              <a:t>Configuration / Development</a:t>
-            </a:r>
-          </a:p>
-          <a:p>
-            <a:r>
-              <a:rPr lang="en-GB" dirty="0"/>
-              <a:t>Integrations</a:t>
-            </a:r>
-          </a:p>
-          <a:p>
+            </a:br>
             <a:endParaRPr lang="en-GB" dirty="0"/>
           </a:p>
         </p:txBody>
       </p:sp>
       <p:sp>
         <p:nvSpPr>
-          <p:cNvPr id="4" name="Text Placeholder 3"/>
+          <p:cNvPr id="9" name="Text Placeholder 8"/>
           <p:cNvSpPr>
             <a:spLocks noGrp="1"/>
           </p:cNvSpPr>
@@ -5814,7 +6615,7 @@
             <a:spLocks noGrp="1"/>
           </p:cNvSpPr>
           <p:nvPr>
-            <p:ph type="dt" sz="half" idx="14"/>
+            <p:ph type="dt" sz="half" idx="10"/>
           </p:nvPr>
         </p:nvSpPr>
         <p:spPr/>
@@ -5830,7 +6631,7 @@
               <a:pPr>
                 <a:defRPr/>
               </a:pPr>
-              <a:t>11 June 2015</a:t>
+              <a:t>17 June 2015</a:t>
             </a:fld>
             <a:endParaRPr lang="en-US" dirty="0"/>
           </a:p>
@@ -5843,7 +6644,7 @@
             <a:spLocks noGrp="1"/>
           </p:cNvSpPr>
           <p:nvPr>
-            <p:ph type="sldNum" sz="quarter" idx="15"/>
+            <p:ph type="sldNum" sz="quarter" idx="12"/>
           </p:nvPr>
         </p:nvSpPr>
         <p:spPr/>
@@ -5868,13 +6669,20 @@
     </p:spTree>
     <p:extLst>
       <p:ext uri="{BB962C8B-B14F-4D97-AF65-F5344CB8AC3E}">
-        <p14:creationId xmlns:p14="http://schemas.microsoft.com/office/powerpoint/2010/main" val="1007208415"/>
+        <p14:creationId xmlns:p14="http://schemas.microsoft.com/office/powerpoint/2010/main" val="12587641"/>
       </p:ext>
     </p:extLst>
   </p:cSld>
   <p:clrMapOvr>
     <a:masterClrMapping/>
   </p:clrMapOvr>
+  <p:timing>
+    <p:tnLst>
+      <p:par>
+        <p:cTn id="1" dur="indefinite" restart="never" nodeType="tmRoot"/>
+      </p:par>
+    </p:tnLst>
+  </p:timing>
 </p:sld>
 </file>
 
@@ -5910,7 +6718,15 @@
           <a:bodyPr/>
           <a:lstStyle/>
           <a:p>
-            <a:endParaRPr lang="en-GB"/>
+            <a:r>
+              <a:rPr lang="en-GB" dirty="0"/>
+              <a:t>Interacting with </a:t>
+            </a:r>
+            <a:r>
+              <a:rPr lang="en-GB" dirty="0" err="1"/>
+              <a:t>Infinispan</a:t>
+            </a:r>
+            <a:endParaRPr lang="en-GB" dirty="0"/>
           </a:p>
         </p:txBody>
       </p:sp>
@@ -5929,7 +6745,193 @@
           <a:bodyPr/>
           <a:lstStyle/>
           <a:p>
-            <a:endParaRPr lang="en-GB"/>
+            <a:r>
+              <a:rPr lang="en-GB" dirty="0"/>
+              <a:t>As a </a:t>
+            </a:r>
+            <a:r>
+              <a:rPr lang="en-GB" i="1" dirty="0"/>
+              <a:t>Remote</a:t>
+            </a:r>
+            <a:r>
+              <a:rPr lang="en-GB" dirty="0"/>
+              <a:t> server : supported protocols </a:t>
+            </a:r>
+          </a:p>
+          <a:p>
+            <a:pPr lvl="1"/>
+            <a:r>
+              <a:rPr lang="en-GB" dirty="0"/>
+              <a:t>accessed by a client</a:t>
+            </a:r>
+          </a:p>
+          <a:p>
+            <a:pPr lvl="1"/>
+            <a:r>
+              <a:rPr lang="en-GB" dirty="0"/>
+              <a:t>supported protocols are:</a:t>
+            </a:r>
+          </a:p>
+          <a:p>
+            <a:pPr lvl="2">
+              <a:buClrTx/>
+              <a:buFont typeface="Wingdings" panose="05000000000000000000" pitchFamily="2" charset="2"/>
+              <a:buChar char="§"/>
+            </a:pPr>
+            <a:r>
+              <a:rPr lang="en-GB" dirty="0"/>
+              <a:t>REST</a:t>
+            </a:r>
+          </a:p>
+          <a:p>
+            <a:pPr lvl="2">
+              <a:buClrTx/>
+              <a:buFont typeface="Wingdings" panose="05000000000000000000" pitchFamily="2" charset="2"/>
+              <a:buChar char="§"/>
+            </a:pPr>
+            <a:r>
+              <a:rPr lang="en-GB" dirty="0" err="1"/>
+              <a:t>Memcached</a:t>
+            </a:r>
+            <a:endParaRPr lang="en-GB" dirty="0"/>
+          </a:p>
+          <a:p>
+            <a:pPr lvl="2">
+              <a:buClrTx/>
+              <a:buFont typeface="Wingdings" panose="05000000000000000000" pitchFamily="2" charset="2"/>
+              <a:buChar char="§"/>
+            </a:pPr>
+            <a:r>
+              <a:rPr lang="en-GB" dirty="0"/>
+              <a:t>Hot </a:t>
+            </a:r>
+            <a:r>
+              <a:rPr lang="en-GB" dirty="0" smtClean="0"/>
+              <a:t>Rod</a:t>
+            </a:r>
+          </a:p>
+          <a:p>
+            <a:pPr lvl="1"/>
+            <a:r>
+              <a:rPr lang="en-GB" dirty="0" err="1"/>
+              <a:t>Infinispan</a:t>
+            </a:r>
+            <a:r>
+              <a:rPr lang="en-GB" dirty="0"/>
+              <a:t> provides client components to access data </a:t>
+            </a:r>
+            <a:r>
+              <a:rPr lang="en-GB" dirty="0" smtClean="0"/>
+              <a:t>grid </a:t>
+            </a:r>
+            <a:r>
+              <a:rPr lang="en-GB" dirty="0"/>
+              <a:t>using these protocols.</a:t>
+            </a:r>
+          </a:p>
+          <a:p>
+            <a:pPr lvl="1"/>
+            <a:r>
+              <a:rPr lang="en-GB" dirty="0"/>
+              <a:t>Used when :</a:t>
+            </a:r>
+          </a:p>
+          <a:p>
+            <a:pPr lvl="2">
+              <a:buClrTx/>
+              <a:buFont typeface="Wingdings" panose="05000000000000000000" pitchFamily="2" charset="2"/>
+              <a:buChar char="§"/>
+            </a:pPr>
+            <a:r>
+              <a:rPr lang="en-GB" dirty="0"/>
+              <a:t>n</a:t>
+            </a:r>
+            <a:r>
+              <a:rPr lang="en-GB" dirty="0" smtClean="0"/>
+              <a:t>eed to provide external access to data grid.</a:t>
+            </a:r>
+          </a:p>
+          <a:p>
+            <a:pPr lvl="2">
+              <a:buClrTx/>
+              <a:buFont typeface="Wingdings" panose="05000000000000000000" pitchFamily="2" charset="2"/>
+              <a:buChar char="§"/>
+            </a:pPr>
+            <a:r>
+              <a:rPr lang="en-GB" dirty="0" smtClean="0"/>
+              <a:t>accessing </a:t>
+            </a:r>
+            <a:r>
+              <a:rPr lang="en-GB" dirty="0" err="1"/>
+              <a:t>Infinispan</a:t>
+            </a:r>
+            <a:r>
+              <a:rPr lang="en-GB" dirty="0"/>
+              <a:t> from a non-JVM </a:t>
+            </a:r>
+            <a:r>
+              <a:rPr lang="en-GB" dirty="0" smtClean="0"/>
+              <a:t>environment</a:t>
+            </a:r>
+            <a:endParaRPr lang="en-GB" dirty="0"/>
+          </a:p>
+          <a:p>
+            <a:pPr lvl="2">
+              <a:buClrTx/>
+              <a:buFont typeface="Wingdings" panose="05000000000000000000" pitchFamily="2" charset="2"/>
+              <a:buChar char="§"/>
+            </a:pPr>
+            <a:r>
+              <a:rPr lang="en-GB" dirty="0"/>
+              <a:t>multiple applications </a:t>
+            </a:r>
+            <a:r>
+              <a:rPr lang="en-GB" dirty="0" smtClean="0"/>
+              <a:t>need </a:t>
+            </a:r>
+            <a:r>
+              <a:rPr lang="en-GB" dirty="0"/>
+              <a:t>access to data </a:t>
+            </a:r>
+            <a:r>
+              <a:rPr lang="en-GB" dirty="0" smtClean="0"/>
+              <a:t>storage, </a:t>
+            </a:r>
+            <a:r>
+              <a:rPr lang="en-GB" dirty="0"/>
+              <a:t>deploy </a:t>
+            </a:r>
+            <a:r>
+              <a:rPr lang="en-GB" dirty="0" err="1"/>
+              <a:t>Infinispan</a:t>
+            </a:r>
+            <a:r>
+              <a:rPr lang="en-GB" dirty="0"/>
+              <a:t> in client-server mode keeping a pool of </a:t>
+            </a:r>
+            <a:r>
+              <a:rPr lang="en-GB" dirty="0" err="1"/>
+              <a:t>Infinispan</a:t>
+            </a:r>
+            <a:r>
+              <a:rPr lang="en-GB" dirty="0"/>
+              <a:t> data grid nodes acting as a shared storage tier for your applications</a:t>
+            </a:r>
+            <a:r>
+              <a:rPr lang="en-GB" dirty="0" smtClean="0"/>
+              <a:t>.</a:t>
+            </a:r>
+          </a:p>
+          <a:p>
+            <a:pPr lvl="2">
+              <a:buClrTx/>
+              <a:buFont typeface="Wingdings" panose="05000000000000000000" pitchFamily="2" charset="2"/>
+              <a:buChar char="§"/>
+            </a:pPr>
+            <a:endParaRPr lang="en-GB" dirty="0"/>
+          </a:p>
+          <a:p>
+            <a:endParaRPr lang="en-GB" dirty="0"/>
           </a:p>
         </p:txBody>
       </p:sp>
@@ -5975,7 +6977,7 @@
               <a:pPr>
                 <a:defRPr/>
               </a:pPr>
-              <a:t>11 June 2015</a:t>
+              <a:t>17 June 2015</a:t>
             </a:fld>
             <a:endParaRPr lang="en-US" dirty="0"/>
           </a:p>
@@ -6013,13 +7015,20 @@
     </p:spTree>
     <p:extLst>
       <p:ext uri="{BB962C8B-B14F-4D97-AF65-F5344CB8AC3E}">
-        <p14:creationId xmlns:p14="http://schemas.microsoft.com/office/powerpoint/2010/main" val="479859234"/>
+        <p14:creationId xmlns:p14="http://schemas.microsoft.com/office/powerpoint/2010/main" val="3297347341"/>
       </p:ext>
     </p:extLst>
   </p:cSld>
   <p:clrMapOvr>
     <a:masterClrMapping/>
   </p:clrMapOvr>
+  <p:timing>
+    <p:tnLst>
+      <p:par>
+        <p:cTn id="1" dur="indefinite" restart="never" nodeType="tmRoot"/>
+      </p:par>
+    </p:tnLst>
+  </p:timing>
 </p:sld>
 </file>
 
@@ -6055,10 +7064,7 @@
           <a:bodyPr/>
           <a:lstStyle/>
           <a:p>
-            <a:r>
-              <a:rPr lang="en-GB" dirty="0"/>
-              <a:t>Clustering</a:t>
-            </a:r>
+            <a:endParaRPr lang="en-GB"/>
           </a:p>
         </p:txBody>
       </p:sp>
@@ -6123,7 +7129,7 @@
               <a:pPr>
                 <a:defRPr/>
               </a:pPr>
-              <a:t>11 June 2015</a:t>
+              <a:t>17 June 2015</a:t>
             </a:fld>
             <a:endParaRPr lang="en-US" dirty="0"/>
           </a:p>
@@ -6158,10 +7164,51 @@
           </a:p>
         </p:txBody>
       </p:sp>
+      <p:pic>
+        <p:nvPicPr>
+          <p:cNvPr id="2050" name="Picture 2" descr="https://www.safaribooksonline.com/library/view/infinispan-data-grid/9781782169970/graphics/9970_03_04.jpg"/>
+          <p:cNvPicPr>
+            <a:picLocks noChangeAspect="1" noChangeArrowheads="1"/>
+          </p:cNvPicPr>
+          <p:nvPr/>
+        </p:nvPicPr>
+        <p:blipFill>
+          <a:blip r:embed="rId2">
+            <a:extLst>
+              <a:ext uri="{28A0092B-C50C-407E-A947-70E740481C1C}">
+                <a14:useLocalDpi xmlns:a14="http://schemas.microsoft.com/office/drawing/2010/main" val="0"/>
+              </a:ext>
+            </a:extLst>
+          </a:blip>
+          <a:srcRect/>
+          <a:stretch>
+            <a:fillRect/>
+          </a:stretch>
+        </p:blipFill>
+        <p:spPr bwMode="auto">
+          <a:xfrm>
+            <a:off x="2536535" y="2123230"/>
+            <a:ext cx="3243072" cy="2657856"/>
+          </a:xfrm>
+          <a:prstGeom prst="rect">
+            <a:avLst/>
+          </a:prstGeom>
+          <a:noFill/>
+          <a:extLst>
+            <a:ext uri="{909E8E84-426E-40DD-AFC4-6F175D3DCCD1}">
+              <a14:hiddenFill xmlns:a14="http://schemas.microsoft.com/office/drawing/2010/main">
+                <a:solidFill>
+                  <a:srgbClr val="FFFFFF"/>
+                </a:solidFill>
+              </a14:hiddenFill>
+            </a:ext>
+          </a:extLst>
+        </p:spPr>
+      </p:pic>
     </p:spTree>
     <p:extLst>
       <p:ext uri="{BB962C8B-B14F-4D97-AF65-F5344CB8AC3E}">
-        <p14:creationId xmlns:p14="http://schemas.microsoft.com/office/powerpoint/2010/main" val="3515555941"/>
+        <p14:creationId xmlns:p14="http://schemas.microsoft.com/office/powerpoint/2010/main" val="3606687161"/>
       </p:ext>
     </p:extLst>
   </p:cSld>
@@ -6212,8 +7259,8 @@
         </p:blipFill>
         <p:spPr bwMode="auto">
           <a:xfrm>
-            <a:off x="4802430" y="1278320"/>
-            <a:ext cx="4064000" cy="2790208"/>
+            <a:off x="4840835" y="1777585"/>
+            <a:ext cx="4064000" cy="3302830"/>
           </a:xfrm>
           <a:prstGeom prst="rect">
             <a:avLst/>
@@ -6264,85 +7311,85 @@
           <a:lstStyle/>
           <a:p>
             <a:r>
-              <a:rPr lang="en-GB" sz="1400" dirty="0"/>
+              <a:rPr lang="en-GB" sz="1800" dirty="0"/>
               <a:t>automatically discover </a:t>
             </a:r>
             <a:r>
-              <a:rPr lang="en-GB" sz="1400" dirty="0" err="1"/>
+              <a:rPr lang="en-GB" sz="1800" dirty="0" err="1"/>
               <a:t>neighboring</a:t>
             </a:r>
             <a:r>
-              <a:rPr lang="en-GB" sz="1400" dirty="0"/>
+              <a:rPr lang="en-GB" sz="1800" dirty="0"/>
               <a:t> instances on other JVMs on the same local network, and form a </a:t>
             </a:r>
             <a:r>
-              <a:rPr lang="en-GB" sz="1400" dirty="0" smtClean="0"/>
+              <a:rPr lang="en-GB" sz="1800" dirty="0" smtClean="0"/>
               <a:t>cluster</a:t>
             </a:r>
           </a:p>
           <a:p>
             <a:r>
-              <a:rPr lang="en-GB" sz="1400" dirty="0"/>
+              <a:rPr lang="en-GB" sz="1800" dirty="0"/>
               <a:t>Entries added to any of these cache instances will be replicated to all other cache instances in the </a:t>
             </a:r>
             <a:r>
-              <a:rPr lang="en-GB" sz="1400" dirty="0" smtClean="0"/>
+              <a:rPr lang="en-GB" sz="1800" dirty="0" smtClean="0"/>
               <a:t>cluster</a:t>
             </a:r>
           </a:p>
           <a:p>
             <a:r>
-              <a:rPr lang="en-GB" sz="1400" dirty="0"/>
+              <a:rPr lang="en-GB" sz="1800" dirty="0"/>
               <a:t>Replication can be synchronous or asynchronous</a:t>
             </a:r>
             <a:r>
-              <a:rPr lang="en-GB" sz="1400" dirty="0" smtClean="0"/>
+              <a:rPr lang="en-GB" sz="1800" dirty="0" smtClean="0"/>
               <a:t>.</a:t>
             </a:r>
           </a:p>
           <a:p>
             <a:r>
-              <a:rPr lang="en-GB" sz="1400" dirty="0"/>
+              <a:rPr lang="en-GB" sz="1800" dirty="0"/>
               <a:t>synchronous replication requires acknowledgments from all nodes in a </a:t>
             </a:r>
             <a:r>
-              <a:rPr lang="en-GB" sz="1400" dirty="0" smtClean="0"/>
+              <a:rPr lang="en-GB" sz="1800" dirty="0" smtClean="0"/>
               <a:t>cluster</a:t>
             </a:r>
           </a:p>
           <a:p>
             <a:r>
-              <a:rPr lang="en-GB" sz="1400" dirty="0" smtClean="0"/>
+              <a:rPr lang="en-GB" sz="1800" dirty="0" smtClean="0"/>
               <a:t>Asynchronous </a:t>
             </a:r>
             <a:r>
-              <a:rPr lang="en-GB" sz="1400" dirty="0"/>
+              <a:rPr lang="en-GB" sz="1800" dirty="0"/>
               <a:t>replication </a:t>
             </a:r>
             <a:r>
-              <a:rPr lang="en-GB" sz="1400" dirty="0" smtClean="0"/>
+              <a:rPr lang="en-GB" sz="1800" dirty="0" smtClean="0"/>
               <a:t>works </a:t>
             </a:r>
             <a:r>
-              <a:rPr lang="en-GB" sz="1400" dirty="0"/>
+              <a:rPr lang="en-GB" sz="1800" dirty="0"/>
               <a:t>in a </a:t>
             </a:r>
             <a:r>
-              <a:rPr lang="en-GB" sz="1400" i="1" dirty="0"/>
+              <a:rPr lang="en-GB" sz="1800" i="1" dirty="0"/>
               <a:t>fire-and-forget</a:t>
             </a:r>
             <a:r>
-              <a:rPr lang="en-GB" sz="1400" dirty="0"/>
+              <a:rPr lang="en-GB" sz="1800" dirty="0"/>
               <a:t> mode</a:t>
             </a:r>
             <a:r>
-              <a:rPr lang="en-GB" sz="1400" dirty="0" smtClean="0"/>
+              <a:rPr lang="en-GB" sz="1800" dirty="0" smtClean="0"/>
               <a:t>.</a:t>
             </a:r>
           </a:p>
           <a:p>
             <a:r>
-              <a:rPr lang="en-GB" sz="1400" dirty="0"/>
+              <a:rPr lang="en-GB" sz="1800" dirty="0"/>
               <a:t>replication practically only performs well in small clusters (under 10 nodes)</a:t>
             </a:r>
           </a:p>
@@ -6416,7 +7463,7 @@
               <a:pPr>
                 <a:defRPr/>
               </a:pPr>
-              <a:t>11 June 2015</a:t>
+              <a:t>17 June 2015</a:t>
             </a:fld>
             <a:endParaRPr lang="en-US" dirty="0"/>
           </a:p>
@@ -6454,7 +7501,211 @@
     </p:spTree>
     <p:extLst>
       <p:ext uri="{BB962C8B-B14F-4D97-AF65-F5344CB8AC3E}">
-        <p14:creationId xmlns:p14="http://schemas.microsoft.com/office/powerpoint/2010/main" val="1915182414"/>
+        <p14:creationId xmlns:p14="http://schemas.microsoft.com/office/powerpoint/2010/main" val="1749713803"/>
+      </p:ext>
+    </p:extLst>
+  </p:cSld>
+  <p:clrMapOvr>
+    <a:masterClrMapping/>
+  </p:clrMapOvr>
+  <p:timing>
+    <p:tnLst>
+      <p:par>
+        <p:cTn id="1" dur="indefinite" restart="never" nodeType="tmRoot"/>
+      </p:par>
+    </p:tnLst>
+  </p:timing>
+</p:sld>
+</file>
+
+<file path=ppt/slides/slide8.xml><?xml version="1.0" encoding="utf-8"?>
+<p:sld xmlns:a="http://schemas.openxmlformats.org/drawingml/2006/main" xmlns:r="http://schemas.openxmlformats.org/officeDocument/2006/relationships" xmlns:p="http://schemas.openxmlformats.org/presentationml/2006/main">
+  <p:cSld>
+    <p:spTree>
+      <p:nvGrpSpPr>
+        <p:cNvPr id="1" name=""/>
+        <p:cNvGrpSpPr/>
+        <p:nvPr/>
+      </p:nvGrpSpPr>
+      <p:grpSpPr>
+        <a:xfrm>
+          <a:off x="0" y="0"/>
+          <a:ext cx="0" cy="0"/>
+          <a:chOff x="0" y="0"/>
+          <a:chExt cx="0" cy="0"/>
+        </a:xfrm>
+      </p:grpSpPr>
+      <p:sp>
+        <p:nvSpPr>
+          <p:cNvPr id="14" name="Title 13"/>
+          <p:cNvSpPr>
+            <a:spLocks noGrp="1"/>
+          </p:cNvSpPr>
+          <p:nvPr>
+            <p:ph type="title"/>
+          </p:nvPr>
+        </p:nvSpPr>
+        <p:spPr/>
+        <p:txBody>
+          <a:bodyPr/>
+          <a:lstStyle/>
+          <a:p>
+            <a:r>
+              <a:rPr lang="en-GB" dirty="0" smtClean="0"/>
+              <a:t>Modes</a:t>
+            </a:r>
+            <a:endParaRPr lang="en-GB" dirty="0"/>
+          </a:p>
+        </p:txBody>
+      </p:sp>
+      <p:sp>
+        <p:nvSpPr>
+          <p:cNvPr id="15" name="Content Placeholder 14"/>
+          <p:cNvSpPr>
+            <a:spLocks noGrp="1"/>
+          </p:cNvSpPr>
+          <p:nvPr>
+            <p:ph idx="1"/>
+          </p:nvPr>
+        </p:nvSpPr>
+        <p:spPr/>
+        <p:txBody>
+          <a:bodyPr/>
+          <a:lstStyle/>
+          <a:p>
+            <a:r>
+              <a:rPr lang="en-GB" dirty="0" smtClean="0"/>
+              <a:t>Local </a:t>
+            </a:r>
+          </a:p>
+          <a:p>
+            <a:pPr lvl="1"/>
+            <a:r>
+              <a:rPr lang="en-GB" dirty="0"/>
+              <a:t>entries are stored on the local node </a:t>
+            </a:r>
+            <a:r>
+              <a:rPr lang="en-GB" dirty="0" smtClean="0"/>
+              <a:t>only</a:t>
+            </a:r>
+          </a:p>
+          <a:p>
+            <a:pPr lvl="1"/>
+            <a:r>
+              <a:rPr lang="en-GB" dirty="0" err="1"/>
+              <a:t>Infinispan</a:t>
+            </a:r>
+            <a:r>
+              <a:rPr lang="en-GB" dirty="0"/>
+              <a:t> is typically operating as a local cache</a:t>
+            </a:r>
+            <a:endParaRPr lang="en-GB" dirty="0" smtClean="0"/>
+          </a:p>
+          <a:p>
+            <a:r>
+              <a:rPr lang="en-GB" i="1" dirty="0"/>
+              <a:t>Invalidation</a:t>
+            </a:r>
+            <a:r>
+              <a:rPr lang="en-GB" dirty="0"/>
+              <a:t> </a:t>
+            </a:r>
+            <a:endParaRPr lang="en-GB" dirty="0" smtClean="0"/>
+          </a:p>
+          <a:p>
+            <a:r>
+              <a:rPr lang="en-GB" i="1" dirty="0"/>
+              <a:t>Replication</a:t>
+            </a:r>
+            <a:r>
+              <a:rPr lang="en-GB" dirty="0"/>
+              <a:t> </a:t>
+            </a:r>
+            <a:endParaRPr lang="en-GB" dirty="0" smtClean="0"/>
+          </a:p>
+          <a:p>
+            <a:r>
+              <a:rPr lang="en-GB" i="1" dirty="0"/>
+              <a:t>Distribution</a:t>
+            </a:r>
+            <a:r>
+              <a:rPr lang="en-GB" dirty="0"/>
+              <a:t> </a:t>
+            </a:r>
+          </a:p>
+        </p:txBody>
+      </p:sp>
+      <p:sp>
+        <p:nvSpPr>
+          <p:cNvPr id="16" name="Text Placeholder 15"/>
+          <p:cNvSpPr>
+            <a:spLocks noGrp="1"/>
+          </p:cNvSpPr>
+          <p:nvPr>
+            <p:ph type="body" sz="quarter" idx="13"/>
+          </p:nvPr>
+        </p:nvSpPr>
+        <p:spPr/>
+        <p:txBody>
+          <a:bodyPr/>
+          <a:lstStyle/>
+          <a:p>
+            <a:endParaRPr lang="en-GB"/>
+          </a:p>
+        </p:txBody>
+      </p:sp>
+      <p:sp>
+        <p:nvSpPr>
+          <p:cNvPr id="6" name="Date Placeholder 5"/>
+          <p:cNvSpPr>
+            <a:spLocks noGrp="1"/>
+          </p:cNvSpPr>
+          <p:nvPr>
+            <p:ph type="dt" sz="half" idx="14"/>
+          </p:nvPr>
+        </p:nvSpPr>
+        <p:spPr/>
+        <p:txBody>
+          <a:bodyPr/>
+          <a:lstStyle/>
+          <a:p>
+            <a:fld id="{262EFB65-E16C-451A-8365-0EA1441EB5B7}" type="datetime3">
+              <a:rPr lang="en-US" smtClean="0"/>
+              <a:pPr/>
+              <a:t>17 June 2015</a:t>
+            </a:fld>
+            <a:endParaRPr lang="en-US" dirty="0"/>
+          </a:p>
+        </p:txBody>
+      </p:sp>
+      <p:sp>
+        <p:nvSpPr>
+          <p:cNvPr id="7" name="Slide Number Placeholder 6"/>
+          <p:cNvSpPr>
+            <a:spLocks noGrp="1"/>
+          </p:cNvSpPr>
+          <p:nvPr>
+            <p:ph type="sldNum" sz="quarter" idx="15"/>
+          </p:nvPr>
+        </p:nvSpPr>
+        <p:spPr/>
+        <p:txBody>
+          <a:bodyPr/>
+          <a:lstStyle/>
+          <a:p>
+            <a:fld id="{62FEDF8E-5B0F-4A65-9F05-A41FA81134FA}" type="slidenum">
+              <a:rPr lang="en-US" smtClean="0"/>
+              <a:pPr/>
+              <a:t>7</a:t>
+            </a:fld>
+            <a:endParaRPr lang="en-US"/>
+          </a:p>
+        </p:txBody>
+      </p:sp>
+    </p:spTree>
+    <p:extLst>
+      <p:ext uri="{BB962C8B-B14F-4D97-AF65-F5344CB8AC3E}">
+        <p14:creationId xmlns:p14="http://schemas.microsoft.com/office/powerpoint/2010/main" val="1562823553"/>
       </p:ext>
     </p:extLst>
   </p:cSld>
@@ -6464,7 +7715,7 @@
 </p:sld>
 </file>
 
-<file path=ppt/slides/slide8.xml><?xml version="1.0" encoding="utf-8"?>
+<file path=ppt/slides/slide9.xml><?xml version="1.0" encoding="utf-8"?>
 <p:sld xmlns:a="http://schemas.openxmlformats.org/drawingml/2006/main" xmlns:r="http://schemas.openxmlformats.org/officeDocument/2006/relationships" xmlns:p="http://schemas.openxmlformats.org/presentationml/2006/main">
   <p:cSld>
     <p:spTree>
@@ -6628,7 +7879,7 @@
               <a:pPr>
                 <a:defRPr/>
               </a:pPr>
-              <a:t>11 June 2015</a:t>
+              <a:t>17 June 2015</a:t>
             </a:fld>
             <a:endParaRPr lang="en-US" dirty="0"/>
           </a:p>
@@ -6657,7 +7908,7 @@
               <a:pPr>
                 <a:defRPr/>
               </a:pPr>
-              <a:t>7</a:t>
+              <a:t>8</a:t>
             </a:fld>
             <a:endParaRPr lang="en-US" dirty="0"/>
           </a:p>
@@ -6666,7 +7917,7 @@
     </p:spTree>
     <p:extLst>
       <p:ext uri="{BB962C8B-B14F-4D97-AF65-F5344CB8AC3E}">
-        <p14:creationId xmlns:p14="http://schemas.microsoft.com/office/powerpoint/2010/main" val="2307780363"/>
+        <p14:creationId xmlns:p14="http://schemas.microsoft.com/office/powerpoint/2010/main" val="2089670844"/>
       </p:ext>
     </p:extLst>
   </p:cSld>

--- a/infinispan-embedded-tutorial/Infinispan.pptx
+++ b/infinispan-embedded-tutorial/Infinispan.pptx
@@ -17,8 +17,8 @@
     <p:sldId id="264" r:id="rId8"/>
     <p:sldId id="265" r:id="rId9"/>
     <p:sldId id="269" r:id="rId10"/>
-    <p:sldId id="266" r:id="rId11"/>
-    <p:sldId id="268" r:id="rId12"/>
+    <p:sldId id="268" r:id="rId11"/>
+    <p:sldId id="266" r:id="rId12"/>
     <p:sldId id="267" r:id="rId13"/>
     <p:sldId id="259" r:id="rId14"/>
     <p:sldId id="260" r:id="rId15"/>
@@ -242,7 +242,7 @@
             <a:fld id="{AB771C5C-997B-4FBD-B8F3-A0A3C30CDBE5}" type="datetimeFigureOut">
               <a:rPr lang="en-GB" smtClean="0"/>
               <a:pPr/>
-              <a:t>17/06/2015</a:t>
+              <a:t>19/06/2015</a:t>
             </a:fld>
             <a:endParaRPr lang="en-GB"/>
           </a:p>
@@ -1736,7 +1736,7 @@
               <a:pPr>
                 <a:defRPr/>
               </a:pPr>
-              <a:t>17 June 2015</a:t>
+              <a:t>19 June 2015</a:t>
             </a:fld>
             <a:endParaRPr lang="en-US" dirty="0"/>
           </a:p>
@@ -1927,7 +1927,7 @@
               <a:pPr>
                 <a:defRPr/>
               </a:pPr>
-              <a:t>17 June 2015</a:t>
+              <a:t>19 June 2015</a:t>
             </a:fld>
             <a:endParaRPr lang="en-US" dirty="0"/>
           </a:p>
@@ -2204,7 +2204,7 @@
               <a:pPr>
                 <a:defRPr/>
               </a:pPr>
-              <a:t>17 June 2015</a:t>
+              <a:t>19 June 2015</a:t>
             </a:fld>
             <a:endParaRPr lang="en-US" dirty="0"/>
           </a:p>
@@ -2397,7 +2397,7 @@
               <a:pPr>
                 <a:defRPr/>
               </a:pPr>
-              <a:t>17 June 2015</a:t>
+              <a:t>19 June 2015</a:t>
             </a:fld>
             <a:endParaRPr lang="en-US" dirty="0"/>
           </a:p>
@@ -2771,7 +2771,7 @@
               <a:pPr>
                 <a:defRPr/>
               </a:pPr>
-              <a:t>17 June 2015</a:t>
+              <a:t>19 June 2015</a:t>
             </a:fld>
             <a:endParaRPr lang="en-US" dirty="0"/>
           </a:p>
@@ -3275,7 +3275,7 @@
               <a:pPr>
                 <a:defRPr/>
               </a:pPr>
-              <a:t>17 June 2015</a:t>
+              <a:t>19 June 2015</a:t>
             </a:fld>
             <a:endParaRPr lang="en-US" dirty="0"/>
           </a:p>
@@ -3479,7 +3479,7 @@
               <a:pPr>
                 <a:defRPr/>
               </a:pPr>
-              <a:t>17 June 2015</a:t>
+              <a:t>19 June 2015</a:t>
             </a:fld>
             <a:endParaRPr lang="en-US" dirty="0"/>
           </a:p>
@@ -3683,7 +3683,7 @@
               <a:pPr>
                 <a:defRPr/>
               </a:pPr>
-              <a:t>17 June 2015</a:t>
+              <a:t>19 June 2015</a:t>
             </a:fld>
             <a:endParaRPr lang="en-US" dirty="0"/>
           </a:p>
@@ -3971,7 +3971,7 @@
               <a:pPr>
                 <a:defRPr/>
               </a:pPr>
-              <a:t>17 June 2015</a:t>
+              <a:t>19 June 2015</a:t>
             </a:fld>
             <a:endParaRPr lang="en-US" dirty="0"/>
           </a:p>
@@ -4240,7 +4240,7 @@
               <a:pPr>
                 <a:defRPr/>
               </a:pPr>
-              <a:t>17 June 2015</a:t>
+              <a:t>19 June 2015</a:t>
             </a:fld>
             <a:endParaRPr lang="en-US" dirty="0"/>
           </a:p>
@@ -4444,7 +4444,7 @@
               <a:pPr>
                 <a:defRPr/>
               </a:pPr>
-              <a:t>17 June 2015</a:t>
+              <a:t>19 June 2015</a:t>
             </a:fld>
             <a:endParaRPr lang="en-US" dirty="0"/>
           </a:p>
@@ -5469,7 +5469,7 @@
               <a:pPr>
                 <a:defRPr/>
               </a:pPr>
-              <a:t>17 June 2015</a:t>
+              <a:t>19 June 2015</a:t>
             </a:fld>
             <a:endParaRPr lang="en-US" dirty="0"/>
           </a:p>
@@ -5560,7 +5560,6 @@
               <a:rPr lang="en-GB" dirty="0"/>
               <a:t>Persistence</a:t>
             </a:r>
-            <a:endParaRPr lang="en-GB" dirty="0"/>
           </a:p>
         </p:txBody>
       </p:sp>
@@ -5691,7 +5690,7 @@
               <a:pPr>
                 <a:defRPr/>
               </a:pPr>
-              <a:t>17 June 2015</a:t>
+              <a:t>19 June 2015</a:t>
             </a:fld>
             <a:endParaRPr lang="en-US" dirty="0"/>
           </a:p>
@@ -5900,7 +5899,7 @@
               <a:pPr>
                 <a:defRPr/>
               </a:pPr>
-              <a:t>17 June 2015</a:t>
+              <a:t>19 June 2015</a:t>
             </a:fld>
             <a:endParaRPr lang="en-US" dirty="0"/>
           </a:p>
@@ -6084,7 +6083,7 @@
               <a:pPr>
                 <a:defRPr/>
               </a:pPr>
-              <a:t>17 June 2015</a:t>
+              <a:t>19 June 2015</a:t>
             </a:fld>
             <a:endParaRPr lang="en-US" dirty="0"/>
           </a:p>
@@ -6306,7 +6305,7 @@
               <a:pPr>
                 <a:defRPr/>
               </a:pPr>
-              <a:t>17 June 2015</a:t>
+              <a:t>19 June 2015</a:t>
             </a:fld>
             <a:endParaRPr lang="en-US" dirty="0"/>
           </a:p>
@@ -6394,15 +6393,15 @@
           <a:lstStyle/>
           <a:p>
             <a:r>
-              <a:rPr lang="en-GB" i="1" dirty="0"/>
+              <a:rPr lang="en-GB" sz="2200" i="1" dirty="0"/>
               <a:t>Embedded</a:t>
             </a:r>
             <a:r>
-              <a:rPr lang="en-GB" dirty="0"/>
+              <a:rPr lang="en-GB" sz="2200" dirty="0"/>
               <a:t> </a:t>
             </a:r>
             <a:r>
-              <a:rPr lang="en-GB" dirty="0" smtClean="0"/>
+              <a:rPr lang="en-GB" sz="2200" dirty="0" smtClean="0"/>
               <a:t>(P2P)</a:t>
             </a:r>
           </a:p>
@@ -6439,24 +6438,31 @@
             <a:pPr lvl="1"/>
             <a:r>
               <a:rPr lang="en-GB" sz="2000" dirty="0"/>
-              <a:t>Peer to Peer </a:t>
+              <a:t>S</a:t>
+            </a:r>
+            <a:r>
+              <a:rPr lang="en-GB" sz="2000" dirty="0" smtClean="0"/>
+              <a:t>tarting </a:t>
             </a:r>
             <a:r>
               <a:rPr lang="en-GB" sz="2000" dirty="0"/>
-              <a:t>deployments are simpler than </a:t>
+              <a:t>and stopping these instances can be a slow process due to state </a:t>
+            </a:r>
+            <a:r>
+              <a:rPr lang="en-GB" sz="2000" dirty="0" smtClean="0"/>
+              <a:t>transfer</a:t>
+            </a:r>
+          </a:p>
+          <a:p>
+            <a:pPr lvl="1"/>
+            <a:r>
+              <a:rPr lang="en-GB" sz="2000" dirty="0" smtClean="0"/>
+              <a:t>Used </a:t>
             </a:r>
             <a:r>
               <a:rPr lang="en-GB" sz="2000" dirty="0"/>
-              <a:t>client-server.</a:t>
-            </a:r>
-          </a:p>
-          <a:p>
-            <a:pPr lvl="1"/>
-            <a:r>
-              <a:rPr lang="en-GB" sz="2000" dirty="0"/>
-              <a:t>Used when:</a:t>
-            </a:r>
-            <a:endParaRPr lang="en-GB" sz="2000" dirty="0"/>
+              <a:t>when:</a:t>
+            </a:r>
           </a:p>
           <a:p>
             <a:pPr lvl="2">
@@ -6631,7 +6637,7 @@
               <a:pPr>
                 <a:defRPr/>
               </a:pPr>
-              <a:t>17 June 2015</a:t>
+              <a:t>19 June 2015</a:t>
             </a:fld>
             <a:endParaRPr lang="en-US" dirty="0"/>
           </a:p>
@@ -6755,8 +6761,13 @@
             </a:r>
             <a:r>
               <a:rPr lang="en-GB" dirty="0"/>
-              <a:t> server : supported protocols </a:t>
-            </a:r>
+              <a:t> </a:t>
+            </a:r>
+            <a:r>
+              <a:rPr lang="en-GB" dirty="0" smtClean="0"/>
+              <a:t>server</a:t>
+            </a:r>
+            <a:endParaRPr lang="en-GB" dirty="0"/>
           </a:p>
           <a:p>
             <a:pPr lvl="1"/>
@@ -6977,7 +6988,7 @@
               <a:pPr>
                 <a:defRPr/>
               </a:pPr>
-              <a:t>17 June 2015</a:t>
+              <a:t>19 June 2015</a:t>
             </a:fld>
             <a:endParaRPr lang="en-US" dirty="0"/>
           </a:p>
@@ -7129,7 +7140,7 @@
               <a:pPr>
                 <a:defRPr/>
               </a:pPr>
-              <a:t>17 June 2015</a:t>
+              <a:t>19 June 2015</a:t>
             </a:fld>
             <a:endParaRPr lang="en-US" dirty="0"/>
           </a:p>
@@ -7235,6 +7246,203 @@
           <a:chExt cx="0" cy="0"/>
         </a:xfrm>
       </p:grpSpPr>
+      <p:sp>
+        <p:nvSpPr>
+          <p:cNvPr id="14" name="Title 13"/>
+          <p:cNvSpPr>
+            <a:spLocks noGrp="1"/>
+          </p:cNvSpPr>
+          <p:nvPr>
+            <p:ph type="title"/>
+          </p:nvPr>
+        </p:nvSpPr>
+        <p:spPr/>
+        <p:txBody>
+          <a:bodyPr/>
+          <a:lstStyle/>
+          <a:p>
+            <a:r>
+              <a:rPr lang="en-GB" dirty="0" smtClean="0"/>
+              <a:t>Modes</a:t>
+            </a:r>
+            <a:endParaRPr lang="en-GB" dirty="0"/>
+          </a:p>
+        </p:txBody>
+      </p:sp>
+      <p:sp>
+        <p:nvSpPr>
+          <p:cNvPr id="15" name="Content Placeholder 14"/>
+          <p:cNvSpPr>
+            <a:spLocks noGrp="1"/>
+          </p:cNvSpPr>
+          <p:nvPr>
+            <p:ph idx="1"/>
+          </p:nvPr>
+        </p:nvSpPr>
+        <p:spPr/>
+        <p:txBody>
+          <a:bodyPr/>
+          <a:lstStyle/>
+          <a:p>
+            <a:r>
+              <a:rPr lang="en-GB" dirty="0" smtClean="0"/>
+              <a:t>Local </a:t>
+            </a:r>
+          </a:p>
+          <a:p>
+            <a:pPr lvl="1"/>
+            <a:r>
+              <a:rPr lang="en-GB" dirty="0"/>
+              <a:t>entries are stored on the local node </a:t>
+            </a:r>
+            <a:r>
+              <a:rPr lang="en-GB" dirty="0" smtClean="0"/>
+              <a:t>only</a:t>
+            </a:r>
+          </a:p>
+          <a:p>
+            <a:pPr lvl="1"/>
+            <a:r>
+              <a:rPr lang="en-GB" dirty="0" err="1"/>
+              <a:t>Infinispan</a:t>
+            </a:r>
+            <a:r>
+              <a:rPr lang="en-GB" dirty="0"/>
+              <a:t> is typically operating as a local cache</a:t>
+            </a:r>
+            <a:endParaRPr lang="en-GB" dirty="0" smtClean="0"/>
+          </a:p>
+          <a:p>
+            <a:r>
+              <a:rPr lang="en-GB" i="1" dirty="0"/>
+              <a:t>Invalidation</a:t>
+            </a:r>
+            <a:r>
+              <a:rPr lang="en-GB" dirty="0"/>
+              <a:t> </a:t>
+            </a:r>
+            <a:endParaRPr lang="en-GB" dirty="0" smtClean="0"/>
+          </a:p>
+          <a:p>
+            <a:r>
+              <a:rPr lang="en-GB" i="1" dirty="0"/>
+              <a:t>Replication</a:t>
+            </a:r>
+            <a:r>
+              <a:rPr lang="en-GB" dirty="0"/>
+              <a:t> </a:t>
+            </a:r>
+            <a:endParaRPr lang="en-GB" dirty="0" smtClean="0"/>
+          </a:p>
+          <a:p>
+            <a:r>
+              <a:rPr lang="en-GB" i="1" dirty="0"/>
+              <a:t>Distribution</a:t>
+            </a:r>
+            <a:r>
+              <a:rPr lang="en-GB" dirty="0"/>
+              <a:t> </a:t>
+            </a:r>
+          </a:p>
+        </p:txBody>
+      </p:sp>
+      <p:sp>
+        <p:nvSpPr>
+          <p:cNvPr id="16" name="Text Placeholder 15"/>
+          <p:cNvSpPr>
+            <a:spLocks noGrp="1"/>
+          </p:cNvSpPr>
+          <p:nvPr>
+            <p:ph type="body" sz="quarter" idx="13"/>
+          </p:nvPr>
+        </p:nvSpPr>
+        <p:spPr/>
+        <p:txBody>
+          <a:bodyPr/>
+          <a:lstStyle/>
+          <a:p>
+            <a:endParaRPr lang="en-GB"/>
+          </a:p>
+        </p:txBody>
+      </p:sp>
+      <p:sp>
+        <p:nvSpPr>
+          <p:cNvPr id="6" name="Date Placeholder 5"/>
+          <p:cNvSpPr>
+            <a:spLocks noGrp="1"/>
+          </p:cNvSpPr>
+          <p:nvPr>
+            <p:ph type="dt" sz="half" idx="14"/>
+          </p:nvPr>
+        </p:nvSpPr>
+        <p:spPr/>
+        <p:txBody>
+          <a:bodyPr/>
+          <a:lstStyle/>
+          <a:p>
+            <a:fld id="{262EFB65-E16C-451A-8365-0EA1441EB5B7}" type="datetime3">
+              <a:rPr lang="en-US" smtClean="0"/>
+              <a:pPr/>
+              <a:t>19 June 2015</a:t>
+            </a:fld>
+            <a:endParaRPr lang="en-US" dirty="0"/>
+          </a:p>
+        </p:txBody>
+      </p:sp>
+      <p:sp>
+        <p:nvSpPr>
+          <p:cNvPr id="7" name="Slide Number Placeholder 6"/>
+          <p:cNvSpPr>
+            <a:spLocks noGrp="1"/>
+          </p:cNvSpPr>
+          <p:nvPr>
+            <p:ph type="sldNum" sz="quarter" idx="15"/>
+          </p:nvPr>
+        </p:nvSpPr>
+        <p:spPr/>
+        <p:txBody>
+          <a:bodyPr/>
+          <a:lstStyle/>
+          <a:p>
+            <a:fld id="{62FEDF8E-5B0F-4A65-9F05-A41FA81134FA}" type="slidenum">
+              <a:rPr lang="en-US" smtClean="0"/>
+              <a:pPr/>
+              <a:t>6</a:t>
+            </a:fld>
+            <a:endParaRPr lang="en-US"/>
+          </a:p>
+        </p:txBody>
+      </p:sp>
+    </p:spTree>
+    <p:extLst>
+      <p:ext uri="{BB962C8B-B14F-4D97-AF65-F5344CB8AC3E}">
+        <p14:creationId xmlns:p14="http://schemas.microsoft.com/office/powerpoint/2010/main" val="1562823553"/>
+      </p:ext>
+    </p:extLst>
+  </p:cSld>
+  <p:clrMapOvr>
+    <a:masterClrMapping/>
+  </p:clrMapOvr>
+</p:sld>
+</file>
+
+<file path=ppt/slides/slide8.xml><?xml version="1.0" encoding="utf-8"?>
+<p:sld xmlns:a="http://schemas.openxmlformats.org/drawingml/2006/main" xmlns:r="http://schemas.openxmlformats.org/officeDocument/2006/relationships" xmlns:p="http://schemas.openxmlformats.org/presentationml/2006/main">
+  <p:cSld>
+    <p:spTree>
+      <p:nvGrpSpPr>
+        <p:cNvPr id="1" name=""/>
+        <p:cNvGrpSpPr/>
+        <p:nvPr/>
+      </p:nvGrpSpPr>
+      <p:grpSpPr>
+        <a:xfrm>
+          <a:off x="0" y="0"/>
+          <a:ext cx="0" cy="0"/>
+          <a:chOff x="0" y="0"/>
+          <a:chExt cx="0" cy="0"/>
+        </a:xfrm>
+      </p:grpSpPr>
       <p:pic>
         <p:nvPicPr>
           <p:cNvPr id="1026" name="Picture 2"/>
@@ -7463,7 +7671,7 @@
               <a:pPr>
                 <a:defRPr/>
               </a:pPr>
-              <a:t>17 June 2015</a:t>
+              <a:t>19 June 2015</a:t>
             </a:fld>
             <a:endParaRPr lang="en-US" dirty="0"/>
           </a:p>
@@ -7492,7 +7700,7 @@
               <a:pPr>
                 <a:defRPr/>
               </a:pPr>
-              <a:t>6</a:t>
+              <a:t>7</a:t>
             </a:fld>
             <a:endParaRPr lang="en-US" dirty="0"/>
           </a:p>
@@ -7515,203 +7723,6 @@
       </p:par>
     </p:tnLst>
   </p:timing>
-</p:sld>
-</file>
-
-<file path=ppt/slides/slide8.xml><?xml version="1.0" encoding="utf-8"?>
-<p:sld xmlns:a="http://schemas.openxmlformats.org/drawingml/2006/main" xmlns:r="http://schemas.openxmlformats.org/officeDocument/2006/relationships" xmlns:p="http://schemas.openxmlformats.org/presentationml/2006/main">
-  <p:cSld>
-    <p:spTree>
-      <p:nvGrpSpPr>
-        <p:cNvPr id="1" name=""/>
-        <p:cNvGrpSpPr/>
-        <p:nvPr/>
-      </p:nvGrpSpPr>
-      <p:grpSpPr>
-        <a:xfrm>
-          <a:off x="0" y="0"/>
-          <a:ext cx="0" cy="0"/>
-          <a:chOff x="0" y="0"/>
-          <a:chExt cx="0" cy="0"/>
-        </a:xfrm>
-      </p:grpSpPr>
-      <p:sp>
-        <p:nvSpPr>
-          <p:cNvPr id="14" name="Title 13"/>
-          <p:cNvSpPr>
-            <a:spLocks noGrp="1"/>
-          </p:cNvSpPr>
-          <p:nvPr>
-            <p:ph type="title"/>
-          </p:nvPr>
-        </p:nvSpPr>
-        <p:spPr/>
-        <p:txBody>
-          <a:bodyPr/>
-          <a:lstStyle/>
-          <a:p>
-            <a:r>
-              <a:rPr lang="en-GB" dirty="0" smtClean="0"/>
-              <a:t>Modes</a:t>
-            </a:r>
-            <a:endParaRPr lang="en-GB" dirty="0"/>
-          </a:p>
-        </p:txBody>
-      </p:sp>
-      <p:sp>
-        <p:nvSpPr>
-          <p:cNvPr id="15" name="Content Placeholder 14"/>
-          <p:cNvSpPr>
-            <a:spLocks noGrp="1"/>
-          </p:cNvSpPr>
-          <p:nvPr>
-            <p:ph idx="1"/>
-          </p:nvPr>
-        </p:nvSpPr>
-        <p:spPr/>
-        <p:txBody>
-          <a:bodyPr/>
-          <a:lstStyle/>
-          <a:p>
-            <a:r>
-              <a:rPr lang="en-GB" dirty="0" smtClean="0"/>
-              <a:t>Local </a:t>
-            </a:r>
-          </a:p>
-          <a:p>
-            <a:pPr lvl="1"/>
-            <a:r>
-              <a:rPr lang="en-GB" dirty="0"/>
-              <a:t>entries are stored on the local node </a:t>
-            </a:r>
-            <a:r>
-              <a:rPr lang="en-GB" dirty="0" smtClean="0"/>
-              <a:t>only</a:t>
-            </a:r>
-          </a:p>
-          <a:p>
-            <a:pPr lvl="1"/>
-            <a:r>
-              <a:rPr lang="en-GB" dirty="0" err="1"/>
-              <a:t>Infinispan</a:t>
-            </a:r>
-            <a:r>
-              <a:rPr lang="en-GB" dirty="0"/>
-              <a:t> is typically operating as a local cache</a:t>
-            </a:r>
-            <a:endParaRPr lang="en-GB" dirty="0" smtClean="0"/>
-          </a:p>
-          <a:p>
-            <a:r>
-              <a:rPr lang="en-GB" i="1" dirty="0"/>
-              <a:t>Invalidation</a:t>
-            </a:r>
-            <a:r>
-              <a:rPr lang="en-GB" dirty="0"/>
-              <a:t> </a:t>
-            </a:r>
-            <a:endParaRPr lang="en-GB" dirty="0" smtClean="0"/>
-          </a:p>
-          <a:p>
-            <a:r>
-              <a:rPr lang="en-GB" i="1" dirty="0"/>
-              <a:t>Replication</a:t>
-            </a:r>
-            <a:r>
-              <a:rPr lang="en-GB" dirty="0"/>
-              <a:t> </a:t>
-            </a:r>
-            <a:endParaRPr lang="en-GB" dirty="0" smtClean="0"/>
-          </a:p>
-          <a:p>
-            <a:r>
-              <a:rPr lang="en-GB" i="1" dirty="0"/>
-              <a:t>Distribution</a:t>
-            </a:r>
-            <a:r>
-              <a:rPr lang="en-GB" dirty="0"/>
-              <a:t> </a:t>
-            </a:r>
-          </a:p>
-        </p:txBody>
-      </p:sp>
-      <p:sp>
-        <p:nvSpPr>
-          <p:cNvPr id="16" name="Text Placeholder 15"/>
-          <p:cNvSpPr>
-            <a:spLocks noGrp="1"/>
-          </p:cNvSpPr>
-          <p:nvPr>
-            <p:ph type="body" sz="quarter" idx="13"/>
-          </p:nvPr>
-        </p:nvSpPr>
-        <p:spPr/>
-        <p:txBody>
-          <a:bodyPr/>
-          <a:lstStyle/>
-          <a:p>
-            <a:endParaRPr lang="en-GB"/>
-          </a:p>
-        </p:txBody>
-      </p:sp>
-      <p:sp>
-        <p:nvSpPr>
-          <p:cNvPr id="6" name="Date Placeholder 5"/>
-          <p:cNvSpPr>
-            <a:spLocks noGrp="1"/>
-          </p:cNvSpPr>
-          <p:nvPr>
-            <p:ph type="dt" sz="half" idx="14"/>
-          </p:nvPr>
-        </p:nvSpPr>
-        <p:spPr/>
-        <p:txBody>
-          <a:bodyPr/>
-          <a:lstStyle/>
-          <a:p>
-            <a:fld id="{262EFB65-E16C-451A-8365-0EA1441EB5B7}" type="datetime3">
-              <a:rPr lang="en-US" smtClean="0"/>
-              <a:pPr/>
-              <a:t>17 June 2015</a:t>
-            </a:fld>
-            <a:endParaRPr lang="en-US" dirty="0"/>
-          </a:p>
-        </p:txBody>
-      </p:sp>
-      <p:sp>
-        <p:nvSpPr>
-          <p:cNvPr id="7" name="Slide Number Placeholder 6"/>
-          <p:cNvSpPr>
-            <a:spLocks noGrp="1"/>
-          </p:cNvSpPr>
-          <p:nvPr>
-            <p:ph type="sldNum" sz="quarter" idx="15"/>
-          </p:nvPr>
-        </p:nvSpPr>
-        <p:spPr/>
-        <p:txBody>
-          <a:bodyPr/>
-          <a:lstStyle/>
-          <a:p>
-            <a:fld id="{62FEDF8E-5B0F-4A65-9F05-A41FA81134FA}" type="slidenum">
-              <a:rPr lang="en-US" smtClean="0"/>
-              <a:pPr/>
-              <a:t>7</a:t>
-            </a:fld>
-            <a:endParaRPr lang="en-US"/>
-          </a:p>
-        </p:txBody>
-      </p:sp>
-    </p:spTree>
-    <p:extLst>
-      <p:ext uri="{BB962C8B-B14F-4D97-AF65-F5344CB8AC3E}">
-        <p14:creationId xmlns:p14="http://schemas.microsoft.com/office/powerpoint/2010/main" val="1562823553"/>
-      </p:ext>
-    </p:extLst>
-  </p:cSld>
-  <p:clrMapOvr>
-    <a:masterClrMapping/>
-  </p:clrMapOvr>
 </p:sld>
 </file>
 
@@ -7879,7 +7890,7 @@
               <a:pPr>
                 <a:defRPr/>
               </a:pPr>
-              <a:t>17 June 2015</a:t>
+              <a:t>19 June 2015</a:t>
             </a:fld>
             <a:endParaRPr lang="en-US" dirty="0"/>
           </a:p>

--- a/infinispan-embedded-tutorial/Infinispan.pptx
+++ b/infinispan-embedded-tutorial/Infinispan.pptx
@@ -5,10 +5,10 @@
     <p:sldMasterId id="2147483733" r:id="rId4"/>
   </p:sldMasterIdLst>
   <p:notesMasterIdLst>
-    <p:notesMasterId r:id="rId17"/>
+    <p:notesMasterId r:id="rId18"/>
   </p:notesMasterIdLst>
   <p:handoutMasterIdLst>
-    <p:handoutMasterId r:id="rId18"/>
+    <p:handoutMasterId r:id="rId19"/>
   </p:handoutMasterIdLst>
   <p:sldIdLst>
     <p:sldId id="256" r:id="rId5"/>
@@ -16,13 +16,14 @@
     <p:sldId id="258" r:id="rId7"/>
     <p:sldId id="264" r:id="rId8"/>
     <p:sldId id="265" r:id="rId9"/>
-    <p:sldId id="269" r:id="rId10"/>
-    <p:sldId id="268" r:id="rId11"/>
-    <p:sldId id="266" r:id="rId12"/>
+    <p:sldId id="268" r:id="rId10"/>
+    <p:sldId id="266" r:id="rId11"/>
+    <p:sldId id="269" r:id="rId12"/>
     <p:sldId id="267" r:id="rId13"/>
-    <p:sldId id="259" r:id="rId14"/>
-    <p:sldId id="260" r:id="rId15"/>
-    <p:sldId id="261" r:id="rId16"/>
+    <p:sldId id="270" r:id="rId14"/>
+    <p:sldId id="259" r:id="rId15"/>
+    <p:sldId id="260" r:id="rId16"/>
+    <p:sldId id="261" r:id="rId17"/>
   </p:sldIdLst>
   <p:sldSz cx="9144000" cy="6858000" type="screen4x3"/>
   <p:notesSz cx="6669088" cy="9872663"/>
@@ -242,7 +243,7 @@
             <a:fld id="{AB771C5C-997B-4FBD-B8F3-A0A3C30CDBE5}" type="datetimeFigureOut">
               <a:rPr lang="en-GB" smtClean="0"/>
               <a:pPr/>
-              <a:t>19/06/2015</a:t>
+              <a:t>16/07/2015</a:t>
             </a:fld>
             <a:endParaRPr lang="en-GB"/>
           </a:p>
@@ -1736,7 +1737,7 @@
               <a:pPr>
                 <a:defRPr/>
               </a:pPr>
-              <a:t>19 June 2015</a:t>
+              <a:t>16 July 2015</a:t>
             </a:fld>
             <a:endParaRPr lang="en-US" dirty="0"/>
           </a:p>
@@ -1927,7 +1928,7 @@
               <a:pPr>
                 <a:defRPr/>
               </a:pPr>
-              <a:t>19 June 2015</a:t>
+              <a:t>16 July 2015</a:t>
             </a:fld>
             <a:endParaRPr lang="en-US" dirty="0"/>
           </a:p>
@@ -2204,7 +2205,7 @@
               <a:pPr>
                 <a:defRPr/>
               </a:pPr>
-              <a:t>19 June 2015</a:t>
+              <a:t>16 July 2015</a:t>
             </a:fld>
             <a:endParaRPr lang="en-US" dirty="0"/>
           </a:p>
@@ -2397,7 +2398,7 @@
               <a:pPr>
                 <a:defRPr/>
               </a:pPr>
-              <a:t>19 June 2015</a:t>
+              <a:t>16 July 2015</a:t>
             </a:fld>
             <a:endParaRPr lang="en-US" dirty="0"/>
           </a:p>
@@ -2771,7 +2772,7 @@
               <a:pPr>
                 <a:defRPr/>
               </a:pPr>
-              <a:t>19 June 2015</a:t>
+              <a:t>16 July 2015</a:t>
             </a:fld>
             <a:endParaRPr lang="en-US" dirty="0"/>
           </a:p>
@@ -3275,7 +3276,7 @@
               <a:pPr>
                 <a:defRPr/>
               </a:pPr>
-              <a:t>19 June 2015</a:t>
+              <a:t>16 July 2015</a:t>
             </a:fld>
             <a:endParaRPr lang="en-US" dirty="0"/>
           </a:p>
@@ -3479,7 +3480,7 @@
               <a:pPr>
                 <a:defRPr/>
               </a:pPr>
-              <a:t>19 June 2015</a:t>
+              <a:t>16 July 2015</a:t>
             </a:fld>
             <a:endParaRPr lang="en-US" dirty="0"/>
           </a:p>
@@ -3683,7 +3684,7 @@
               <a:pPr>
                 <a:defRPr/>
               </a:pPr>
-              <a:t>19 June 2015</a:t>
+              <a:t>16 July 2015</a:t>
             </a:fld>
             <a:endParaRPr lang="en-US" dirty="0"/>
           </a:p>
@@ -3971,7 +3972,7 @@
               <a:pPr>
                 <a:defRPr/>
               </a:pPr>
-              <a:t>19 June 2015</a:t>
+              <a:t>16 July 2015</a:t>
             </a:fld>
             <a:endParaRPr lang="en-US" dirty="0"/>
           </a:p>
@@ -4240,7 +4241,7 @@
               <a:pPr>
                 <a:defRPr/>
               </a:pPr>
-              <a:t>19 June 2015</a:t>
+              <a:t>16 July 2015</a:t>
             </a:fld>
             <a:endParaRPr lang="en-US" dirty="0"/>
           </a:p>
@@ -4444,7 +4445,7 @@
               <a:pPr>
                 <a:defRPr/>
               </a:pPr>
-              <a:t>19 June 2015</a:t>
+              <a:t>16 July 2015</a:t>
             </a:fld>
             <a:endParaRPr lang="en-US" dirty="0"/>
           </a:p>
@@ -5351,6 +5352,255 @@
       </p:grpSpPr>
       <p:sp>
         <p:nvSpPr>
+          <p:cNvPr id="4" name="Title 3"/>
+          <p:cNvSpPr>
+            <a:spLocks noGrp="1"/>
+          </p:cNvSpPr>
+          <p:nvPr>
+            <p:ph type="title"/>
+          </p:nvPr>
+        </p:nvSpPr>
+        <p:spPr/>
+        <p:txBody>
+          <a:bodyPr/>
+          <a:lstStyle/>
+          <a:p>
+            <a:r>
+              <a:rPr lang="en-GB" dirty="0"/>
+              <a:t>Distribution Mode</a:t>
+            </a:r>
+            <a:br>
+              <a:rPr lang="en-GB" dirty="0"/>
+            </a:br>
+            <a:endParaRPr lang="en-GB" dirty="0"/>
+          </a:p>
+        </p:txBody>
+      </p:sp>
+      <p:sp>
+        <p:nvSpPr>
+          <p:cNvPr id="5" name="Text Placeholder 4"/>
+          <p:cNvSpPr>
+            <a:spLocks noGrp="1"/>
+          </p:cNvSpPr>
+          <p:nvPr>
+            <p:ph type="body" sz="quarter" idx="13"/>
+          </p:nvPr>
+        </p:nvSpPr>
+        <p:spPr/>
+        <p:txBody>
+          <a:bodyPr/>
+          <a:lstStyle/>
+          <a:p>
+            <a:r>
+              <a:rPr lang="en-GB" dirty="0" smtClean="0"/>
+              <a:t>Consistent Hashing</a:t>
+            </a:r>
+            <a:endParaRPr lang="en-GB" dirty="0"/>
+          </a:p>
+        </p:txBody>
+      </p:sp>
+      <p:sp>
+        <p:nvSpPr>
+          <p:cNvPr id="6" name="Date Placeholder 5"/>
+          <p:cNvSpPr>
+            <a:spLocks noGrp="1"/>
+          </p:cNvSpPr>
+          <p:nvPr>
+            <p:ph type="dt" sz="half" idx="10"/>
+          </p:nvPr>
+        </p:nvSpPr>
+        <p:spPr/>
+        <p:txBody>
+          <a:bodyPr/>
+          <a:lstStyle/>
+          <a:p>
+            <a:pPr>
+              <a:defRPr/>
+            </a:pPr>
+            <a:fld id="{262EFB65-E16C-451A-8365-0EA1441EB5B7}" type="datetime3">
+              <a:rPr lang="en-US" smtClean="0"/>
+              <a:pPr>
+                <a:defRPr/>
+              </a:pPr>
+              <a:t>16 July 2015</a:t>
+            </a:fld>
+            <a:endParaRPr lang="en-US" dirty="0"/>
+          </a:p>
+        </p:txBody>
+      </p:sp>
+      <p:sp>
+        <p:nvSpPr>
+          <p:cNvPr id="7" name="Slide Number Placeholder 6"/>
+          <p:cNvSpPr>
+            <a:spLocks noGrp="1"/>
+          </p:cNvSpPr>
+          <p:nvPr>
+            <p:ph type="sldNum" sz="quarter" idx="12"/>
+          </p:nvPr>
+        </p:nvSpPr>
+        <p:spPr/>
+        <p:txBody>
+          <a:bodyPr/>
+          <a:lstStyle/>
+          <a:p>
+            <a:pPr>
+              <a:defRPr/>
+            </a:pPr>
+            <a:fld id="{62FEDF8E-5B0F-4A65-9F05-A41FA81134FA}" type="slidenum">
+              <a:rPr lang="en-US" smtClean="0"/>
+              <a:pPr>
+                <a:defRPr/>
+              </a:pPr>
+              <a:t>9</a:t>
+            </a:fld>
+            <a:endParaRPr lang="en-US"/>
+          </a:p>
+        </p:txBody>
+      </p:sp>
+      <p:pic>
+        <p:nvPicPr>
+          <p:cNvPr id="1026" name="Picture 2"/>
+          <p:cNvPicPr>
+            <a:picLocks noGrp="1" noChangeAspect="1" noChangeArrowheads="1"/>
+          </p:cNvPicPr>
+          <p:nvPr>
+            <p:ph sz="half" idx="1"/>
+          </p:nvPr>
+        </p:nvPicPr>
+        <p:blipFill>
+          <a:blip r:embed="rId2">
+            <a:extLst>
+              <a:ext uri="{28A0092B-C50C-407E-A947-70E740481C1C}">
+                <a14:useLocalDpi xmlns:a14="http://schemas.microsoft.com/office/drawing/2010/main" val="0"/>
+              </a:ext>
+            </a:extLst>
+          </a:blip>
+          <a:srcRect/>
+          <a:stretch>
+            <a:fillRect/>
+          </a:stretch>
+        </p:blipFill>
+        <p:spPr bwMode="auto">
+          <a:xfrm>
+            <a:off x="1307575" y="2315255"/>
+            <a:ext cx="2257425" cy="2276475"/>
+          </a:xfrm>
+          <a:prstGeom prst="rect">
+            <a:avLst/>
+          </a:prstGeom>
+          <a:noFill/>
+          <a:ln>
+            <a:noFill/>
+          </a:ln>
+          <a:extLst>
+            <a:ext uri="{909E8E84-426E-40DD-AFC4-6F175D3DCCD1}">
+              <a14:hiddenFill xmlns:a14="http://schemas.microsoft.com/office/drawing/2010/main">
+                <a:solidFill>
+                  <a:schemeClr val="accent1"/>
+                </a:solidFill>
+              </a14:hiddenFill>
+            </a:ext>
+            <a:ext uri="{91240B29-F687-4F45-9708-019B960494DF}">
+              <a14:hiddenLine xmlns:a14="http://schemas.microsoft.com/office/drawing/2010/main" w="9525">
+                <a:solidFill>
+                  <a:schemeClr val="tx1"/>
+                </a:solidFill>
+                <a:miter lim="800000"/>
+                <a:headEnd/>
+                <a:tailEnd/>
+              </a14:hiddenLine>
+            </a:ext>
+          </a:extLst>
+        </p:spPr>
+      </p:pic>
+      <p:pic>
+        <p:nvPicPr>
+          <p:cNvPr id="1027" name="Picture 3"/>
+          <p:cNvPicPr>
+            <a:picLocks noGrp="1" noChangeAspect="1" noChangeArrowheads="1"/>
+          </p:cNvPicPr>
+          <p:nvPr>
+            <p:ph sz="half" idx="2"/>
+          </p:nvPr>
+        </p:nvPicPr>
+        <p:blipFill>
+          <a:blip r:embed="rId3">
+            <a:extLst>
+              <a:ext uri="{28A0092B-C50C-407E-A947-70E740481C1C}">
+                <a14:useLocalDpi xmlns:a14="http://schemas.microsoft.com/office/drawing/2010/main" val="0"/>
+              </a:ext>
+            </a:extLst>
+          </a:blip>
+          <a:srcRect/>
+          <a:stretch>
+            <a:fillRect/>
+          </a:stretch>
+        </p:blipFill>
+        <p:spPr bwMode="auto">
+          <a:xfrm>
+            <a:off x="5532125" y="2430470"/>
+            <a:ext cx="2390775" cy="2209800"/>
+          </a:xfrm>
+          <a:prstGeom prst="rect">
+            <a:avLst/>
+          </a:prstGeom>
+          <a:noFill/>
+          <a:ln>
+            <a:noFill/>
+          </a:ln>
+          <a:extLst>
+            <a:ext uri="{909E8E84-426E-40DD-AFC4-6F175D3DCCD1}">
+              <a14:hiddenFill xmlns:a14="http://schemas.microsoft.com/office/drawing/2010/main">
+                <a:solidFill>
+                  <a:schemeClr val="accent1"/>
+                </a:solidFill>
+              </a14:hiddenFill>
+            </a:ext>
+            <a:ext uri="{91240B29-F687-4F45-9708-019B960494DF}">
+              <a14:hiddenLine xmlns:a14="http://schemas.microsoft.com/office/drawing/2010/main" w="9525">
+                <a:solidFill>
+                  <a:schemeClr val="tx1"/>
+                </a:solidFill>
+                <a:miter lim="800000"/>
+                <a:headEnd/>
+                <a:tailEnd/>
+              </a14:hiddenLine>
+            </a:ext>
+          </a:extLst>
+        </p:spPr>
+      </p:pic>
+    </p:spTree>
+    <p:extLst>
+      <p:ext uri="{BB962C8B-B14F-4D97-AF65-F5344CB8AC3E}">
+        <p14:creationId xmlns:p14="http://schemas.microsoft.com/office/powerpoint/2010/main" val="3576549177"/>
+      </p:ext>
+    </p:extLst>
+  </p:cSld>
+  <p:clrMapOvr>
+    <a:masterClrMapping/>
+  </p:clrMapOvr>
+</p:sld>
+</file>
+
+<file path=ppt/slides/slide11.xml><?xml version="1.0" encoding="utf-8"?>
+<p:sld xmlns:a="http://schemas.openxmlformats.org/drawingml/2006/main" xmlns:r="http://schemas.openxmlformats.org/officeDocument/2006/relationships" xmlns:p="http://schemas.openxmlformats.org/presentationml/2006/main">
+  <p:cSld>
+    <p:spTree>
+      <p:nvGrpSpPr>
+        <p:cNvPr id="1" name=""/>
+        <p:cNvGrpSpPr/>
+        <p:nvPr/>
+      </p:nvGrpSpPr>
+      <p:grpSpPr>
+        <a:xfrm>
+          <a:off x="0" y="0"/>
+          <a:ext cx="0" cy="0"/>
+          <a:chOff x="0" y="0"/>
+          <a:chExt cx="0" cy="0"/>
+        </a:xfrm>
+      </p:grpSpPr>
+      <p:sp>
+        <p:nvSpPr>
           <p:cNvPr id="2" name="Title 1"/>
           <p:cNvSpPr>
             <a:spLocks noGrp="1"/>
@@ -5469,7 +5719,7 @@
               <a:pPr>
                 <a:defRPr/>
               </a:pPr>
-              <a:t>19 June 2015</a:t>
+              <a:t>16 July 2015</a:t>
             </a:fld>
             <a:endParaRPr lang="en-US" dirty="0"/>
           </a:p>
@@ -5498,7 +5748,7 @@
               <a:pPr>
                 <a:defRPr/>
               </a:pPr>
-              <a:t>9</a:t>
+              <a:t>10</a:t>
             </a:fld>
             <a:endParaRPr lang="en-US" dirty="0"/>
           </a:p>
@@ -5524,7 +5774,7 @@
 </p:sld>
 </file>
 
-<file path=ppt/slides/slide11.xml><?xml version="1.0" encoding="utf-8"?>
+<file path=ppt/slides/slide12.xml><?xml version="1.0" encoding="utf-8"?>
 <p:sld xmlns:a="http://schemas.openxmlformats.org/drawingml/2006/main" xmlns:r="http://schemas.openxmlformats.org/officeDocument/2006/relationships" xmlns:p="http://schemas.openxmlformats.org/presentationml/2006/main">
   <p:cSld>
     <p:spTree>
@@ -5690,7 +5940,7 @@
               <a:pPr>
                 <a:defRPr/>
               </a:pPr>
-              <a:t>19 June 2015</a:t>
+              <a:t>16 July 2015</a:t>
             </a:fld>
             <a:endParaRPr lang="en-US" dirty="0"/>
           </a:p>
@@ -5719,7 +5969,7 @@
               <a:pPr>
                 <a:defRPr/>
               </a:pPr>
-              <a:t>10</a:t>
+              <a:t>11</a:t>
             </a:fld>
             <a:endParaRPr lang="en-US" dirty="0"/>
           </a:p>
@@ -5799,7 +6049,7 @@
 </p:sld>
 </file>
 
-<file path=ppt/slides/slide12.xml><?xml version="1.0" encoding="utf-8"?>
+<file path=ppt/slides/slide13.xml><?xml version="1.0" encoding="utf-8"?>
 <p:sld xmlns:a="http://schemas.openxmlformats.org/drawingml/2006/main" xmlns:r="http://schemas.openxmlformats.org/officeDocument/2006/relationships" xmlns:p="http://schemas.openxmlformats.org/presentationml/2006/main">
   <p:cSld>
     <p:spTree>
@@ -5899,7 +6149,7 @@
               <a:pPr>
                 <a:defRPr/>
               </a:pPr>
-              <a:t>19 June 2015</a:t>
+              <a:t>16 July 2015</a:t>
             </a:fld>
             <a:endParaRPr lang="en-US" dirty="0"/>
           </a:p>
@@ -5928,7 +6178,7 @@
               <a:pPr>
                 <a:defRPr/>
               </a:pPr>
-              <a:t>11</a:t>
+              <a:t>12</a:t>
             </a:fld>
             <a:endParaRPr lang="en-US" dirty="0"/>
           </a:p>
@@ -6034,9 +6284,18 @@
           </a:p>
           <a:p>
             <a:r>
+              <a:rPr lang="en-GB" dirty="0" err="1" smtClean="0"/>
+              <a:t>Transcations</a:t>
+            </a:r>
+            <a:endParaRPr lang="en-GB" dirty="0" smtClean="0"/>
+          </a:p>
+          <a:p>
+            <a:r>
               <a:rPr lang="en-GB" dirty="0" smtClean="0"/>
-              <a:t>Features</a:t>
-            </a:r>
+              <a:t>Persistency</a:t>
+            </a:r>
+          </a:p>
+          <a:p>
             <a:endParaRPr lang="en-GB" dirty="0"/>
           </a:p>
         </p:txBody>
@@ -6083,7 +6342,7 @@
               <a:pPr>
                 <a:defRPr/>
               </a:pPr>
-              <a:t>19 June 2015</a:t>
+              <a:t>16 July 2015</a:t>
             </a:fld>
             <a:endParaRPr lang="en-US" dirty="0"/>
           </a:p>
@@ -6305,7 +6564,7 @@
               <a:pPr>
                 <a:defRPr/>
               </a:pPr>
-              <a:t>19 June 2015</a:t>
+              <a:t>16 July 2015</a:t>
             </a:fld>
             <a:endParaRPr lang="en-US" dirty="0"/>
           </a:p>
@@ -6393,75 +6652,98 @@
           <a:lstStyle/>
           <a:p>
             <a:r>
-              <a:rPr lang="en-GB" sz="2200" i="1" dirty="0"/>
-              <a:t>Embedded</a:t>
-            </a:r>
-            <a:r>
-              <a:rPr lang="en-GB" sz="2200" dirty="0"/>
-              <a:t> </a:t>
-            </a:r>
-            <a:r>
-              <a:rPr lang="en-GB" sz="2200" dirty="0" smtClean="0"/>
-              <a:t>(P2P)</a:t>
-            </a:r>
-          </a:p>
-          <a:p>
-            <a:pPr lvl="1"/>
-            <a:r>
-              <a:rPr lang="en-GB" sz="2000" dirty="0" smtClean="0"/>
-              <a:t>into </a:t>
-            </a:r>
-            <a:r>
-              <a:rPr lang="en-GB" sz="2000" dirty="0"/>
-              <a:t>your application </a:t>
-            </a:r>
-            <a:r>
-              <a:rPr lang="en-GB" sz="2000" dirty="0" smtClean="0"/>
+              <a:rPr lang="en-GB" sz="1800" dirty="0"/>
+              <a:t>Into your application </a:t>
+            </a:r>
+            <a:r>
+              <a:rPr lang="en-GB" sz="1800" dirty="0" smtClean="0"/>
               <a:t>code</a:t>
             </a:r>
           </a:p>
           <a:p>
-            <a:pPr lvl="1"/>
-            <a:r>
-              <a:rPr lang="en-GB" sz="2000" dirty="0"/>
-              <a:t>Libraries exist in same JVM as application code.</a:t>
-            </a:r>
-          </a:p>
-          <a:p>
-            <a:pPr lvl="1"/>
-            <a:r>
-              <a:rPr lang="en-GB" sz="2000" dirty="0"/>
-              <a:t>Data grid is easily scalable.</a:t>
-            </a:r>
-          </a:p>
-          <a:p>
-            <a:pPr lvl="1"/>
-            <a:r>
-              <a:rPr lang="en-GB" sz="2000" dirty="0"/>
-              <a:t>S</a:t>
-            </a:r>
-            <a:r>
-              <a:rPr lang="en-GB" sz="2000" dirty="0" smtClean="0"/>
-              <a:t>tarting </a:t>
-            </a:r>
-            <a:r>
-              <a:rPr lang="en-GB" sz="2000" dirty="0"/>
+            <a:r>
+              <a:rPr lang="en-GB" sz="1800" dirty="0" smtClean="0"/>
+              <a:t>exist </a:t>
+            </a:r>
+            <a:r>
+              <a:rPr lang="en-GB" sz="1800" dirty="0"/>
+              <a:t>in same JVM as application </a:t>
+            </a:r>
+            <a:r>
+              <a:rPr lang="en-GB" sz="1800" dirty="0" smtClean="0"/>
+              <a:t>code.</a:t>
+            </a:r>
+          </a:p>
+          <a:p>
+            <a:r>
+              <a:rPr lang="en-GB" sz="1800" dirty="0" smtClean="0"/>
+              <a:t>Data grid </a:t>
+            </a:r>
+            <a:r>
+              <a:rPr lang="en-GB" sz="1800" dirty="0"/>
+              <a:t>easily </a:t>
+            </a:r>
+            <a:r>
+              <a:rPr lang="en-GB" sz="1800" dirty="0" smtClean="0"/>
+              <a:t>scalable.</a:t>
+            </a:r>
+          </a:p>
+          <a:p>
+            <a:r>
+              <a:rPr lang="en-GB" sz="1800" dirty="0" smtClean="0"/>
+              <a:t>Used when, application </a:t>
+            </a:r>
+            <a:r>
+              <a:rPr lang="en-GB" sz="1800" dirty="0"/>
+              <a:t>or a </a:t>
+            </a:r>
+            <a:r>
+              <a:rPr lang="en-GB" sz="1800" dirty="0" smtClean="0"/>
+              <a:t>framework needs </a:t>
+            </a:r>
+            <a:r>
+              <a:rPr lang="en-GB" sz="1800" dirty="0"/>
+              <a:t>to be </a:t>
+            </a:r>
+            <a:r>
+              <a:rPr lang="en-GB" sz="1800" dirty="0" smtClean="0"/>
+              <a:t>cluster-aware</a:t>
+            </a:r>
+          </a:p>
+          <a:p>
+            <a:r>
+              <a:rPr lang="en-GB" sz="1800" dirty="0" smtClean="0"/>
+              <a:t>Used </a:t>
+            </a:r>
+            <a:r>
+              <a:rPr lang="en-GB" sz="1800" dirty="0"/>
+              <a:t>when, application </a:t>
+            </a:r>
+            <a:r>
+              <a:rPr lang="en-GB" sz="1800" dirty="0" smtClean="0"/>
+              <a:t>needs </a:t>
+            </a:r>
+            <a:r>
+              <a:rPr lang="en-GB" sz="1800" dirty="0"/>
+              <a:t>an in-memory distributed cache to front a database or some other expensive data </a:t>
+            </a:r>
+            <a:r>
+              <a:rPr lang="en-GB" sz="1800" dirty="0" smtClean="0"/>
+              <a:t>source</a:t>
+            </a:r>
+          </a:p>
+          <a:p>
+            <a:r>
+              <a:rPr lang="en-GB" sz="1800" dirty="0" smtClean="0"/>
+              <a:t>Starting </a:t>
+            </a:r>
+            <a:r>
+              <a:rPr lang="en-GB" sz="1800" dirty="0"/>
               <a:t>and stopping these instances can be a slow process due to state </a:t>
             </a:r>
             <a:r>
-              <a:rPr lang="en-GB" sz="2000" dirty="0" smtClean="0"/>
+              <a:rPr lang="en-GB" sz="1800" dirty="0" smtClean="0"/>
               <a:t>transfer</a:t>
-            </a:r>
-          </a:p>
-          <a:p>
-            <a:pPr lvl="1"/>
-            <a:r>
-              <a:rPr lang="en-GB" sz="2000" dirty="0" smtClean="0"/>
-              <a:t>Used </a:t>
-            </a:r>
-            <a:r>
-              <a:rPr lang="en-GB" sz="2000" dirty="0"/>
-              <a:t>when:</a:t>
             </a:r>
           </a:p>
           <a:p>
@@ -6470,26 +6752,7 @@
               <a:buFont typeface="Wingdings" panose="05000000000000000000" pitchFamily="2" charset="2"/>
               <a:buChar char="§"/>
             </a:pPr>
-            <a:r>
-              <a:rPr lang="en-GB" sz="1800" dirty="0"/>
-              <a:t>application or a framework that needs to be </a:t>
-            </a:r>
-            <a:r>
-              <a:rPr lang="en-GB" sz="1800" dirty="0" smtClean="0"/>
-              <a:t>cluster-aware</a:t>
-            </a:r>
             <a:endParaRPr lang="en-GB" sz="1800" dirty="0"/>
-          </a:p>
-          <a:p>
-            <a:pPr lvl="2">
-              <a:buClrTx/>
-              <a:buFont typeface="Wingdings" panose="05000000000000000000" pitchFamily="2" charset="2"/>
-              <a:buChar char="§"/>
-            </a:pPr>
-            <a:r>
-              <a:rPr lang="en-GB" sz="1800" dirty="0"/>
-              <a:t>need an in-memory distributed cache to front a database or some other expensive data source</a:t>
-            </a:r>
           </a:p>
           <a:p>
             <a:pPr marL="571500" lvl="1" indent="0">
@@ -6526,7 +6789,7 @@
         </p:blipFill>
         <p:spPr bwMode="auto">
           <a:xfrm>
-            <a:off x="4648200" y="2698644"/>
+            <a:off x="4764025" y="2660900"/>
             <a:ext cx="4065588" cy="2229063"/>
           </a:xfrm>
           <a:prstGeom prst="rect">
@@ -6610,7 +6873,17 @@
           <a:bodyPr/>
           <a:lstStyle/>
           <a:p>
-            <a:endParaRPr lang="en-GB"/>
+            <a:r>
+              <a:rPr lang="en-GB" i="1" dirty="0"/>
+              <a:t>Embedded</a:t>
+            </a:r>
+            <a:r>
+              <a:rPr lang="en-GB" dirty="0"/>
+              <a:t> (P2P)</a:t>
+            </a:r>
+          </a:p>
+          <a:p>
+            <a:endParaRPr lang="en-GB" dirty="0"/>
           </a:p>
         </p:txBody>
       </p:sp>
@@ -6637,7 +6910,7 @@
               <a:pPr>
                 <a:defRPr/>
               </a:pPr>
-              <a:t>19 June 2015</a:t>
+              <a:t>16 July 2015</a:t>
             </a:fld>
             <a:endParaRPr lang="en-US" dirty="0"/>
           </a:p>
@@ -6711,226 +6984,121 @@
       </p:grpSpPr>
       <p:sp>
         <p:nvSpPr>
-          <p:cNvPr id="2" name="Title 1"/>
-          <p:cNvSpPr>
-            <a:spLocks noGrp="1"/>
-          </p:cNvSpPr>
-          <p:nvPr>
-            <p:ph type="title"/>
-          </p:nvPr>
-        </p:nvSpPr>
-        <p:spPr/>
+          <p:cNvPr id="3" name="Content Placeholder 2"/>
+          <p:cNvSpPr>
+            <a:spLocks noGrp="1"/>
+          </p:cNvSpPr>
+          <p:nvPr>
+            <p:ph sz="half" idx="1"/>
+          </p:nvPr>
+        </p:nvSpPr>
+        <p:spPr>
+          <a:xfrm>
+            <a:off x="232235" y="1239915"/>
+            <a:ext cx="4493385" cy="5146675"/>
+          </a:xfrm>
+        </p:spPr>
         <p:txBody>
           <a:bodyPr/>
           <a:lstStyle/>
           <a:p>
             <a:r>
-              <a:rPr lang="en-GB" dirty="0"/>
-              <a:t>Interacting with </a:t>
-            </a:r>
-            <a:r>
-              <a:rPr lang="en-GB" dirty="0" err="1"/>
-              <a:t>Infinispan</a:t>
-            </a:r>
-            <a:endParaRPr lang="en-GB" dirty="0"/>
-          </a:p>
-        </p:txBody>
-      </p:sp>
-      <p:sp>
-        <p:nvSpPr>
-          <p:cNvPr id="3" name="Content Placeholder 2"/>
-          <p:cNvSpPr>
-            <a:spLocks noGrp="1"/>
-          </p:cNvSpPr>
-          <p:nvPr>
-            <p:ph idx="1"/>
-          </p:nvPr>
-        </p:nvSpPr>
-        <p:spPr/>
-        <p:txBody>
-          <a:bodyPr/>
-          <a:lstStyle/>
-          <a:p>
-            <a:r>
-              <a:rPr lang="en-GB" dirty="0"/>
-              <a:t>As a </a:t>
-            </a:r>
-            <a:r>
-              <a:rPr lang="en-GB" i="1" dirty="0"/>
-              <a:t>Remote</a:t>
-            </a:r>
-            <a:r>
-              <a:rPr lang="en-GB" dirty="0"/>
-              <a:t> </a:t>
-            </a:r>
-            <a:r>
-              <a:rPr lang="en-GB" dirty="0" smtClean="0"/>
-              <a:t>server</a:t>
-            </a:r>
-            <a:endParaRPr lang="en-GB" dirty="0"/>
-          </a:p>
-          <a:p>
-            <a:pPr lvl="1"/>
-            <a:r>
-              <a:rPr lang="en-GB" dirty="0"/>
-              <a:t>accessed by a client</a:t>
-            </a:r>
-          </a:p>
-          <a:p>
-            <a:pPr lvl="1"/>
-            <a:r>
-              <a:rPr lang="en-GB" dirty="0"/>
-              <a:t>supported protocols are:</a:t>
-            </a:r>
-          </a:p>
-          <a:p>
-            <a:pPr lvl="2">
-              <a:buClrTx/>
-              <a:buFont typeface="Wingdings" panose="05000000000000000000" pitchFamily="2" charset="2"/>
-              <a:buChar char="§"/>
-            </a:pPr>
-            <a:r>
-              <a:rPr lang="en-GB" dirty="0"/>
-              <a:t>REST</a:t>
-            </a:r>
-          </a:p>
-          <a:p>
-            <a:pPr lvl="2">
-              <a:buClrTx/>
-              <a:buFont typeface="Wingdings" panose="05000000000000000000" pitchFamily="2" charset="2"/>
-              <a:buChar char="§"/>
-            </a:pPr>
-            <a:r>
-              <a:rPr lang="en-GB" dirty="0" err="1"/>
+              <a:rPr lang="en-GB" sz="1800" dirty="0" smtClean="0"/>
+              <a:t>Accessed </a:t>
+            </a:r>
+            <a:r>
+              <a:rPr lang="en-GB" sz="1800" dirty="0"/>
+              <a:t>by a </a:t>
+            </a:r>
+            <a:r>
+              <a:rPr lang="en-GB" sz="1800" dirty="0" smtClean="0"/>
+              <a:t>client</a:t>
+            </a:r>
+          </a:p>
+          <a:p>
+            <a:r>
+              <a:rPr lang="en-GB" sz="1800" dirty="0" smtClean="0"/>
+              <a:t>Supported </a:t>
+            </a:r>
+            <a:r>
+              <a:rPr lang="en-GB" sz="1800" dirty="0"/>
+              <a:t>protocols are</a:t>
+            </a:r>
+            <a:r>
+              <a:rPr lang="en-GB" sz="1800" dirty="0" smtClean="0"/>
+              <a:t>: REST, </a:t>
+            </a:r>
+            <a:r>
+              <a:rPr lang="en-GB" sz="1800" dirty="0" err="1" smtClean="0"/>
               <a:t>Memcached</a:t>
             </a:r>
-            <a:endParaRPr lang="en-GB" dirty="0"/>
-          </a:p>
-          <a:p>
-            <a:pPr lvl="2">
-              <a:buClrTx/>
-              <a:buFont typeface="Wingdings" panose="05000000000000000000" pitchFamily="2" charset="2"/>
-              <a:buChar char="§"/>
-            </a:pPr>
-            <a:r>
-              <a:rPr lang="en-GB" dirty="0"/>
-              <a:t>Hot </a:t>
-            </a:r>
-            <a:r>
-              <a:rPr lang="en-GB" dirty="0" smtClean="0"/>
-              <a:t>Rod</a:t>
-            </a:r>
-          </a:p>
-          <a:p>
-            <a:pPr lvl="1"/>
-            <a:r>
-              <a:rPr lang="en-GB" dirty="0" err="1"/>
-              <a:t>Infinispan</a:t>
-            </a:r>
-            <a:r>
-              <a:rPr lang="en-GB" dirty="0"/>
-              <a:t> provides client components to access data </a:t>
-            </a:r>
-            <a:r>
-              <a:rPr lang="en-GB" dirty="0" smtClean="0"/>
-              <a:t>grid </a:t>
-            </a:r>
-            <a:r>
-              <a:rPr lang="en-GB" dirty="0"/>
-              <a:t>using these protocols.</a:t>
-            </a:r>
-          </a:p>
-          <a:p>
-            <a:pPr lvl="1"/>
-            <a:r>
-              <a:rPr lang="en-GB" dirty="0"/>
-              <a:t>Used when :</a:t>
-            </a:r>
-          </a:p>
-          <a:p>
-            <a:pPr lvl="2">
-              <a:buClrTx/>
-              <a:buFont typeface="Wingdings" panose="05000000000000000000" pitchFamily="2" charset="2"/>
-              <a:buChar char="§"/>
-            </a:pPr>
-            <a:r>
-              <a:rPr lang="en-GB" dirty="0"/>
-              <a:t>n</a:t>
-            </a:r>
-            <a:r>
-              <a:rPr lang="en-GB" dirty="0" smtClean="0"/>
-              <a:t>eed to provide external access to data grid.</a:t>
-            </a:r>
-          </a:p>
-          <a:p>
-            <a:pPr lvl="2">
-              <a:buClrTx/>
-              <a:buFont typeface="Wingdings" panose="05000000000000000000" pitchFamily="2" charset="2"/>
-              <a:buChar char="§"/>
-            </a:pPr>
-            <a:r>
-              <a:rPr lang="en-GB" dirty="0" smtClean="0"/>
-              <a:t>accessing </a:t>
-            </a:r>
-            <a:r>
-              <a:rPr lang="en-GB" dirty="0" err="1"/>
-              <a:t>Infinispan</a:t>
-            </a:r>
-            <a:r>
-              <a:rPr lang="en-GB" dirty="0"/>
-              <a:t> from a non-JVM </a:t>
-            </a:r>
-            <a:r>
-              <a:rPr lang="en-GB" dirty="0" smtClean="0"/>
-              <a:t>environment</a:t>
-            </a:r>
-            <a:endParaRPr lang="en-GB" dirty="0"/>
-          </a:p>
-          <a:p>
-            <a:pPr lvl="2">
-              <a:buClrTx/>
-              <a:buFont typeface="Wingdings" panose="05000000000000000000" pitchFamily="2" charset="2"/>
-              <a:buChar char="§"/>
-            </a:pPr>
-            <a:r>
-              <a:rPr lang="en-GB" dirty="0"/>
-              <a:t>multiple applications </a:t>
-            </a:r>
-            <a:r>
-              <a:rPr lang="en-GB" dirty="0" smtClean="0"/>
+            <a:r>
+              <a:rPr lang="en-GB" sz="1800" dirty="0" smtClean="0"/>
+              <a:t>, Hot Rod</a:t>
+            </a:r>
+          </a:p>
+          <a:p>
+            <a:r>
+              <a:rPr lang="en-GB" sz="1800" dirty="0" smtClean="0"/>
+              <a:t>Built on top of </a:t>
+            </a:r>
+            <a:r>
+              <a:rPr lang="en-GB" sz="1800" dirty="0" err="1" smtClean="0"/>
+              <a:t>JBoss</a:t>
+            </a:r>
+            <a:r>
+              <a:rPr lang="en-GB" sz="1800" dirty="0" smtClean="0"/>
+              <a:t> AS 7.2</a:t>
+            </a:r>
+          </a:p>
+          <a:p>
+            <a:r>
+              <a:rPr lang="en-GB" sz="1800" dirty="0" smtClean="0"/>
+              <a:t>Provide external access to data grid.</a:t>
+            </a:r>
+          </a:p>
+          <a:p>
+            <a:r>
+              <a:rPr lang="en-GB" sz="1800" dirty="0" smtClean="0"/>
+              <a:t>Provide access from </a:t>
+            </a:r>
+            <a:r>
+              <a:rPr lang="en-GB" sz="1800" dirty="0"/>
+              <a:t>a </a:t>
+            </a:r>
+            <a:r>
+              <a:rPr lang="en-GB" sz="1800" dirty="0" smtClean="0"/>
+              <a:t>non-JVM environment</a:t>
+            </a:r>
+          </a:p>
+          <a:p>
+            <a:r>
+              <a:rPr lang="en-GB" sz="1800" dirty="0" smtClean="0"/>
+              <a:t>Acts as </a:t>
+            </a:r>
+            <a:r>
+              <a:rPr lang="en-GB" sz="1800" dirty="0"/>
+              <a:t>a shared storage </a:t>
+            </a:r>
+            <a:r>
+              <a:rPr lang="en-GB" sz="1800" dirty="0" smtClean="0"/>
+              <a:t>tier when multiple </a:t>
+            </a:r>
+            <a:r>
+              <a:rPr lang="en-GB" sz="1800" dirty="0"/>
+              <a:t>applications </a:t>
+            </a:r>
+            <a:r>
+              <a:rPr lang="en-GB" sz="1800" dirty="0" smtClean="0"/>
               <a:t>need </a:t>
             </a:r>
             <a:r>
-              <a:rPr lang="en-GB" dirty="0"/>
+              <a:rPr lang="en-GB" sz="1800" dirty="0"/>
               <a:t>access to data </a:t>
             </a:r>
             <a:r>
-              <a:rPr lang="en-GB" dirty="0" smtClean="0"/>
-              <a:t>storage, </a:t>
-            </a:r>
-            <a:r>
-              <a:rPr lang="en-GB" dirty="0"/>
-              <a:t>deploy </a:t>
-            </a:r>
-            <a:r>
-              <a:rPr lang="en-GB" dirty="0" err="1"/>
-              <a:t>Infinispan</a:t>
-            </a:r>
-            <a:r>
-              <a:rPr lang="en-GB" dirty="0"/>
-              <a:t> in client-server mode keeping a pool of </a:t>
-            </a:r>
-            <a:r>
-              <a:rPr lang="en-GB" dirty="0" err="1"/>
-              <a:t>Infinispan</a:t>
-            </a:r>
-            <a:r>
-              <a:rPr lang="en-GB" dirty="0"/>
-              <a:t> data grid nodes acting as a shared storage tier for your applications</a:t>
-            </a:r>
-            <a:r>
-              <a:rPr lang="en-GB" dirty="0" smtClean="0"/>
-              <a:t>.</a:t>
+              <a:rPr lang="en-GB" sz="1800" dirty="0" smtClean="0"/>
+              <a:t>storage.</a:t>
             </a:r>
           </a:p>
           <a:p>
@@ -6948,12 +7116,12 @@
       </p:sp>
       <p:sp>
         <p:nvSpPr>
-          <p:cNvPr id="4" name="Text Placeholder 3"/>
-          <p:cNvSpPr>
-            <a:spLocks noGrp="1"/>
-          </p:cNvSpPr>
-          <p:nvPr>
-            <p:ph type="body" sz="quarter" idx="13"/>
+          <p:cNvPr id="2" name="Title 1"/>
+          <p:cNvSpPr>
+            <a:spLocks noGrp="1"/>
+          </p:cNvSpPr>
+          <p:nvPr>
+            <p:ph type="title"/>
           </p:nvPr>
         </p:nvSpPr>
         <p:spPr/>
@@ -6961,7 +7129,48 @@
           <a:bodyPr/>
           <a:lstStyle/>
           <a:p>
-            <a:endParaRPr lang="en-GB"/>
+            <a:r>
+              <a:rPr lang="en-GB" dirty="0"/>
+              <a:t>Interacting with </a:t>
+            </a:r>
+            <a:r>
+              <a:rPr lang="en-GB" dirty="0" err="1"/>
+              <a:t>Infinispan</a:t>
+            </a:r>
+            <a:endParaRPr lang="en-GB" dirty="0"/>
+          </a:p>
+        </p:txBody>
+      </p:sp>
+      <p:sp>
+        <p:nvSpPr>
+          <p:cNvPr id="8" name="Text Placeholder 7"/>
+          <p:cNvSpPr>
+            <a:spLocks noGrp="1"/>
+          </p:cNvSpPr>
+          <p:nvPr>
+            <p:ph type="body" sz="quarter" idx="13"/>
+          </p:nvPr>
+        </p:nvSpPr>
+        <p:spPr/>
+        <p:txBody>
+          <a:bodyPr/>
+          <a:lstStyle/>
+          <a:p>
+            <a:r>
+              <a:rPr lang="en-GB" dirty="0"/>
+              <a:t>As a </a:t>
+            </a:r>
+            <a:r>
+              <a:rPr lang="en-GB" i="1" dirty="0"/>
+              <a:t>Remote</a:t>
+            </a:r>
+            <a:r>
+              <a:rPr lang="en-GB" dirty="0"/>
+              <a:t> server</a:t>
+            </a:r>
+          </a:p>
+          <a:p>
+            <a:endParaRPr lang="en-GB" dirty="0"/>
           </a:p>
         </p:txBody>
       </p:sp>
@@ -6972,7 +7181,7 @@
             <a:spLocks noGrp="1"/>
           </p:cNvSpPr>
           <p:nvPr>
-            <p:ph type="dt" sz="half" idx="14"/>
+            <p:ph type="dt" sz="half" idx="10"/>
           </p:nvPr>
         </p:nvSpPr>
         <p:spPr/>
@@ -6988,7 +7197,7 @@
               <a:pPr>
                 <a:defRPr/>
               </a:pPr>
-              <a:t>19 June 2015</a:t>
+              <a:t>16 July 2015</a:t>
             </a:fld>
             <a:endParaRPr lang="en-US" dirty="0"/>
           </a:p>
@@ -7001,7 +7210,7 @@
             <a:spLocks noGrp="1"/>
           </p:cNvSpPr>
           <p:nvPr>
-            <p:ph type="sldNum" sz="quarter" idx="15"/>
+            <p:ph type="sldNum" sz="quarter" idx="12"/>
           </p:nvPr>
         </p:nvSpPr>
         <p:spPr/>
@@ -7023,6 +7232,49 @@
           </a:p>
         </p:txBody>
       </p:sp>
+      <p:pic>
+        <p:nvPicPr>
+          <p:cNvPr id="9" name="Picture 2" descr="https://www.safaribooksonline.com/library/view/infinispan-data-grid/9781782169970/graphics/9970_03_04.jpg"/>
+          <p:cNvPicPr>
+            <a:picLocks noGrp="1" noChangeAspect="1" noChangeArrowheads="1"/>
+          </p:cNvPicPr>
+          <p:nvPr>
+            <p:ph sz="half" idx="2"/>
+          </p:nvPr>
+        </p:nvPicPr>
+        <p:blipFill>
+          <a:blip r:embed="rId2">
+            <a:extLst>
+              <a:ext uri="{28A0092B-C50C-407E-A947-70E740481C1C}">
+                <a14:useLocalDpi xmlns:a14="http://schemas.microsoft.com/office/drawing/2010/main" val="0"/>
+              </a:ext>
+            </a:extLst>
+          </a:blip>
+          <a:srcRect/>
+          <a:stretch>
+            <a:fillRect/>
+          </a:stretch>
+        </p:blipFill>
+        <p:spPr bwMode="auto">
+          <a:xfrm>
+            <a:off x="4994455" y="1931205"/>
+            <a:ext cx="3891686" cy="3189427"/>
+          </a:xfrm>
+          <a:prstGeom prst="rect">
+            <a:avLst/>
+          </a:prstGeom>
+          <a:noFill/>
+          <a:extLst>
+            <a:ext uri="{909E8E84-426E-40DD-AFC4-6F175D3DCCD1}">
+              <a14:hiddenFill xmlns:a14="http://schemas.microsoft.com/office/drawing/2010/main">
+                <a:solidFill>
+                  <a:srgbClr val="FFFFFF"/>
+                </a:solidFill>
+              </a14:hiddenFill>
+            </a:ext>
+          </a:extLst>
+        </p:spPr>
+      </p:pic>
     </p:spTree>
     <p:extLst>
       <p:ext uri="{BB962C8B-B14F-4D97-AF65-F5344CB8AC3E}">
@@ -7062,12 +7314,12 @@
       </p:grpSpPr>
       <p:sp>
         <p:nvSpPr>
-          <p:cNvPr id="2" name="Title 1"/>
-          <p:cNvSpPr>
-            <a:spLocks noGrp="1"/>
-          </p:cNvSpPr>
-          <p:nvPr>
-            <p:ph type="title"/>
+          <p:cNvPr id="15" name="Content Placeholder 14"/>
+          <p:cNvSpPr>
+            <a:spLocks noGrp="1"/>
+          </p:cNvSpPr>
+          <p:nvPr>
+            <p:ph sz="half" idx="1"/>
           </p:nvPr>
         </p:nvSpPr>
         <p:spPr/>
@@ -7075,18 +7327,60 @@
           <a:bodyPr/>
           <a:lstStyle/>
           <a:p>
-            <a:endParaRPr lang="en-GB"/>
-          </a:p>
-        </p:txBody>
-      </p:sp>
-      <p:sp>
-        <p:nvSpPr>
-          <p:cNvPr id="3" name="Content Placeholder 2"/>
-          <p:cNvSpPr>
-            <a:spLocks noGrp="1"/>
-          </p:cNvSpPr>
-          <p:nvPr>
-            <p:ph idx="1"/>
+            <a:r>
+              <a:rPr lang="en-GB" dirty="0" smtClean="0"/>
+              <a:t>acts </a:t>
+            </a:r>
+            <a:r>
+              <a:rPr lang="en-GB" dirty="0"/>
+              <a:t>as a simple, in-memory data cache </a:t>
+            </a:r>
+          </a:p>
+          <a:p>
+            <a:r>
+              <a:rPr lang="en-GB" dirty="0" smtClean="0"/>
+              <a:t>entries </a:t>
+            </a:r>
+            <a:r>
+              <a:rPr lang="en-GB" dirty="0"/>
+              <a:t>are stored on the local node </a:t>
+            </a:r>
+            <a:r>
+              <a:rPr lang="en-GB" dirty="0" smtClean="0"/>
+              <a:t>only</a:t>
+            </a:r>
+          </a:p>
+          <a:p>
+            <a:r>
+              <a:rPr lang="en-GB" dirty="0" smtClean="0"/>
+              <a:t>More features than a map:</a:t>
+            </a:r>
+          </a:p>
+          <a:p>
+            <a:pPr lvl="1"/>
+            <a:r>
+              <a:rPr lang="en-GB" dirty="0" smtClean="0"/>
+              <a:t>Eviction</a:t>
+            </a:r>
+            <a:endParaRPr lang="en-GB" dirty="0"/>
+          </a:p>
+          <a:p>
+            <a:pPr lvl="1"/>
+            <a:r>
+              <a:rPr lang="en-GB" dirty="0" smtClean="0"/>
+              <a:t>Write-through and Write-behind</a:t>
+            </a:r>
+          </a:p>
+        </p:txBody>
+      </p:sp>
+      <p:sp>
+        <p:nvSpPr>
+          <p:cNvPr id="14" name="Title 13"/>
+          <p:cNvSpPr>
+            <a:spLocks noGrp="1"/>
+          </p:cNvSpPr>
+          <p:nvPr>
+            <p:ph type="title"/>
           </p:nvPr>
         </p:nvSpPr>
         <p:spPr/>
@@ -7094,13 +7388,17 @@
           <a:bodyPr/>
           <a:lstStyle/>
           <a:p>
+            <a:r>
+              <a:rPr lang="en-GB" dirty="0" smtClean="0"/>
+              <a:t>Modes</a:t>
+            </a:r>
             <a:endParaRPr lang="en-GB" dirty="0"/>
           </a:p>
         </p:txBody>
       </p:sp>
       <p:sp>
         <p:nvSpPr>
-          <p:cNvPr id="4" name="Text Placeholder 3"/>
+          <p:cNvPr id="16" name="Text Placeholder 15"/>
           <p:cNvSpPr>
             <a:spLocks noGrp="1"/>
           </p:cNvSpPr>
@@ -7113,18 +7411,22 @@
           <a:bodyPr/>
           <a:lstStyle/>
           <a:p>
-            <a:endParaRPr lang="en-GB"/>
-          </a:p>
-        </p:txBody>
-      </p:sp>
-      <p:sp>
-        <p:nvSpPr>
-          <p:cNvPr id="5" name="Date Placeholder 4"/>
-          <p:cNvSpPr>
-            <a:spLocks noGrp="1"/>
-          </p:cNvSpPr>
-          <p:nvPr>
-            <p:ph type="dt" sz="half" idx="14"/>
+            <a:r>
+              <a:rPr lang="en-GB" dirty="0" smtClean="0"/>
+              <a:t>LOCAL MODE</a:t>
+            </a:r>
+            <a:endParaRPr lang="en-GB" dirty="0"/>
+          </a:p>
+        </p:txBody>
+      </p:sp>
+      <p:sp>
+        <p:nvSpPr>
+          <p:cNvPr id="6" name="Date Placeholder 5"/>
+          <p:cNvSpPr>
+            <a:spLocks noGrp="1"/>
+          </p:cNvSpPr>
+          <p:nvPr>
+            <p:ph type="dt" sz="half" idx="10"/>
           </p:nvPr>
         </p:nvSpPr>
         <p:spPr/>
@@ -7132,15 +7434,10 @@
           <a:bodyPr/>
           <a:lstStyle/>
           <a:p>
-            <a:pPr>
-              <a:defRPr/>
-            </a:pPr>
-            <a:fld id="{D95CFEC9-DCDE-483F-9C62-EBF9D31C73AA}" type="datetime3">
+            <a:fld id="{262EFB65-E16C-451A-8365-0EA1441EB5B7}" type="datetime3">
               <a:rPr lang="en-US" smtClean="0"/>
-              <a:pPr>
-                <a:defRPr/>
-              </a:pPr>
-              <a:t>19 June 2015</a:t>
+              <a:pPr/>
+              <a:t>16 July 2015</a:t>
             </a:fld>
             <a:endParaRPr lang="en-US" dirty="0"/>
           </a:p>
@@ -7148,12 +7445,12 @@
       </p:sp>
       <p:sp>
         <p:nvSpPr>
-          <p:cNvPr id="6" name="Slide Number Placeholder 5"/>
-          <p:cNvSpPr>
-            <a:spLocks noGrp="1"/>
-          </p:cNvSpPr>
-          <p:nvPr>
-            <p:ph type="sldNum" sz="quarter" idx="15"/>
+          <p:cNvPr id="7" name="Slide Number Placeholder 6"/>
+          <p:cNvSpPr>
+            <a:spLocks noGrp="1"/>
+          </p:cNvSpPr>
+          <p:nvPr>
+            <p:ph type="sldNum" sz="quarter" idx="12"/>
           </p:nvPr>
         </p:nvSpPr>
         <p:spPr/>
@@ -7161,27 +7458,24 @@
           <a:bodyPr/>
           <a:lstStyle/>
           <a:p>
-            <a:pPr>
-              <a:defRPr/>
-            </a:pPr>
-            <a:fld id="{90600ADF-17AC-4085-9C50-2A0435A05455}" type="slidenum">
+            <a:fld id="{62FEDF8E-5B0F-4A65-9F05-A41FA81134FA}" type="slidenum">
               <a:rPr lang="en-US" smtClean="0"/>
-              <a:pPr>
-                <a:defRPr/>
-              </a:pPr>
+              <a:pPr/>
               <a:t>5</a:t>
             </a:fld>
-            <a:endParaRPr lang="en-US" dirty="0"/>
+            <a:endParaRPr lang="en-US"/>
           </a:p>
         </p:txBody>
       </p:sp>
       <p:pic>
         <p:nvPicPr>
-          <p:cNvPr id="2050" name="Picture 2" descr="https://www.safaribooksonline.com/library/view/infinispan-data-grid/9781782169970/graphics/9970_03_04.jpg"/>
+          <p:cNvPr id="1026" name="Picture 2"/>
           <p:cNvPicPr>
-            <a:picLocks noChangeAspect="1" noChangeArrowheads="1"/>
+            <a:picLocks noGrp="1" noChangeAspect="1" noChangeArrowheads="1"/>
           </p:cNvPicPr>
-          <p:nvPr/>
+          <p:nvPr>
+            <p:ph sz="half" idx="2"/>
+          </p:nvPr>
         </p:nvPicPr>
         <p:blipFill>
           <a:blip r:embed="rId2">
@@ -7198,221 +7492,47 @@
         </p:blipFill>
         <p:spPr bwMode="auto">
           <a:xfrm>
-            <a:off x="2536535" y="2123230"/>
-            <a:ext cx="3243072" cy="2657856"/>
+            <a:off x="4687215" y="1815990"/>
+            <a:ext cx="3960451" cy="2857500"/>
           </a:xfrm>
           <a:prstGeom prst="rect">
             <a:avLst/>
           </a:prstGeom>
           <a:noFill/>
+          <a:ln>
+            <a:noFill/>
+          </a:ln>
+          <a:effectLst/>
           <a:extLst>
             <a:ext uri="{909E8E84-426E-40DD-AFC4-6F175D3DCCD1}">
               <a14:hiddenFill xmlns:a14="http://schemas.microsoft.com/office/drawing/2010/main">
                 <a:solidFill>
-                  <a:srgbClr val="FFFFFF"/>
+                  <a:schemeClr val="accent1"/>
                 </a:solidFill>
               </a14:hiddenFill>
+            </a:ext>
+            <a:ext uri="{91240B29-F687-4F45-9708-019B960494DF}">
+              <a14:hiddenLine xmlns:a14="http://schemas.microsoft.com/office/drawing/2010/main" w="9525">
+                <a:solidFill>
+                  <a:schemeClr val="tx1"/>
+                </a:solidFill>
+                <a:miter lim="800000"/>
+                <a:headEnd/>
+                <a:tailEnd/>
+              </a14:hiddenLine>
+            </a:ext>
+            <a:ext uri="{AF507438-7753-43E0-B8FC-AC1667EBCBE1}">
+              <a14:hiddenEffects xmlns:a14="http://schemas.microsoft.com/office/drawing/2010/main">
+                <a:effectLst>
+                  <a:outerShdw dist="35921" dir="2700000" algn="ctr" rotWithShape="0">
+                    <a:schemeClr val="bg2"/>
+                  </a:outerShdw>
+                </a:effectLst>
+              </a14:hiddenEffects>
             </a:ext>
           </a:extLst>
         </p:spPr>
       </p:pic>
-    </p:spTree>
-    <p:extLst>
-      <p:ext uri="{BB962C8B-B14F-4D97-AF65-F5344CB8AC3E}">
-        <p14:creationId xmlns:p14="http://schemas.microsoft.com/office/powerpoint/2010/main" val="3606687161"/>
-      </p:ext>
-    </p:extLst>
-  </p:cSld>
-  <p:clrMapOvr>
-    <a:masterClrMapping/>
-  </p:clrMapOvr>
-</p:sld>
-</file>
-
-<file path=ppt/slides/slide7.xml><?xml version="1.0" encoding="utf-8"?>
-<p:sld xmlns:a="http://schemas.openxmlformats.org/drawingml/2006/main" xmlns:r="http://schemas.openxmlformats.org/officeDocument/2006/relationships" xmlns:p="http://schemas.openxmlformats.org/presentationml/2006/main">
-  <p:cSld>
-    <p:spTree>
-      <p:nvGrpSpPr>
-        <p:cNvPr id="1" name=""/>
-        <p:cNvGrpSpPr/>
-        <p:nvPr/>
-      </p:nvGrpSpPr>
-      <p:grpSpPr>
-        <a:xfrm>
-          <a:off x="0" y="0"/>
-          <a:ext cx="0" cy="0"/>
-          <a:chOff x="0" y="0"/>
-          <a:chExt cx="0" cy="0"/>
-        </a:xfrm>
-      </p:grpSpPr>
-      <p:sp>
-        <p:nvSpPr>
-          <p:cNvPr id="14" name="Title 13"/>
-          <p:cNvSpPr>
-            <a:spLocks noGrp="1"/>
-          </p:cNvSpPr>
-          <p:nvPr>
-            <p:ph type="title"/>
-          </p:nvPr>
-        </p:nvSpPr>
-        <p:spPr/>
-        <p:txBody>
-          <a:bodyPr/>
-          <a:lstStyle/>
-          <a:p>
-            <a:r>
-              <a:rPr lang="en-GB" dirty="0" smtClean="0"/>
-              <a:t>Modes</a:t>
-            </a:r>
-            <a:endParaRPr lang="en-GB" dirty="0"/>
-          </a:p>
-        </p:txBody>
-      </p:sp>
-      <p:sp>
-        <p:nvSpPr>
-          <p:cNvPr id="15" name="Content Placeholder 14"/>
-          <p:cNvSpPr>
-            <a:spLocks noGrp="1"/>
-          </p:cNvSpPr>
-          <p:nvPr>
-            <p:ph idx="1"/>
-          </p:nvPr>
-        </p:nvSpPr>
-        <p:spPr/>
-        <p:txBody>
-          <a:bodyPr/>
-          <a:lstStyle/>
-          <a:p>
-            <a:r>
-              <a:rPr lang="en-GB" dirty="0" smtClean="0"/>
-              <a:t>Local </a:t>
-            </a:r>
-          </a:p>
-          <a:p>
-            <a:pPr lvl="1"/>
-            <a:r>
-              <a:rPr lang="en-GB" dirty="0"/>
-              <a:t>entries are stored on the local node </a:t>
-            </a:r>
-            <a:r>
-              <a:rPr lang="en-GB" dirty="0" smtClean="0"/>
-              <a:t>only</a:t>
-            </a:r>
-          </a:p>
-          <a:p>
-            <a:pPr lvl="1"/>
-            <a:r>
-              <a:rPr lang="en-GB" dirty="0" err="1"/>
-              <a:t>Infinispan</a:t>
-            </a:r>
-            <a:r>
-              <a:rPr lang="en-GB" dirty="0"/>
-              <a:t> is typically operating as a local cache</a:t>
-            </a:r>
-            <a:endParaRPr lang="en-GB" dirty="0" smtClean="0"/>
-          </a:p>
-          <a:p>
-            <a:r>
-              <a:rPr lang="en-GB" i="1" dirty="0"/>
-              <a:t>Invalidation</a:t>
-            </a:r>
-            <a:r>
-              <a:rPr lang="en-GB" dirty="0"/>
-              <a:t> </a:t>
-            </a:r>
-            <a:endParaRPr lang="en-GB" dirty="0" smtClean="0"/>
-          </a:p>
-          <a:p>
-            <a:r>
-              <a:rPr lang="en-GB" i="1" dirty="0"/>
-              <a:t>Replication</a:t>
-            </a:r>
-            <a:r>
-              <a:rPr lang="en-GB" dirty="0"/>
-              <a:t> </a:t>
-            </a:r>
-            <a:endParaRPr lang="en-GB" dirty="0" smtClean="0"/>
-          </a:p>
-          <a:p>
-            <a:r>
-              <a:rPr lang="en-GB" i="1" dirty="0"/>
-              <a:t>Distribution</a:t>
-            </a:r>
-            <a:r>
-              <a:rPr lang="en-GB" dirty="0"/>
-              <a:t> </a:t>
-            </a:r>
-          </a:p>
-        </p:txBody>
-      </p:sp>
-      <p:sp>
-        <p:nvSpPr>
-          <p:cNvPr id="16" name="Text Placeholder 15"/>
-          <p:cNvSpPr>
-            <a:spLocks noGrp="1"/>
-          </p:cNvSpPr>
-          <p:nvPr>
-            <p:ph type="body" sz="quarter" idx="13"/>
-          </p:nvPr>
-        </p:nvSpPr>
-        <p:spPr/>
-        <p:txBody>
-          <a:bodyPr/>
-          <a:lstStyle/>
-          <a:p>
-            <a:endParaRPr lang="en-GB"/>
-          </a:p>
-        </p:txBody>
-      </p:sp>
-      <p:sp>
-        <p:nvSpPr>
-          <p:cNvPr id="6" name="Date Placeholder 5"/>
-          <p:cNvSpPr>
-            <a:spLocks noGrp="1"/>
-          </p:cNvSpPr>
-          <p:nvPr>
-            <p:ph type="dt" sz="half" idx="14"/>
-          </p:nvPr>
-        </p:nvSpPr>
-        <p:spPr/>
-        <p:txBody>
-          <a:bodyPr/>
-          <a:lstStyle/>
-          <a:p>
-            <a:fld id="{262EFB65-E16C-451A-8365-0EA1441EB5B7}" type="datetime3">
-              <a:rPr lang="en-US" smtClean="0"/>
-              <a:pPr/>
-              <a:t>19 June 2015</a:t>
-            </a:fld>
-            <a:endParaRPr lang="en-US" dirty="0"/>
-          </a:p>
-        </p:txBody>
-      </p:sp>
-      <p:sp>
-        <p:nvSpPr>
-          <p:cNvPr id="7" name="Slide Number Placeholder 6"/>
-          <p:cNvSpPr>
-            <a:spLocks noGrp="1"/>
-          </p:cNvSpPr>
-          <p:nvPr>
-            <p:ph type="sldNum" sz="quarter" idx="15"/>
-          </p:nvPr>
-        </p:nvSpPr>
-        <p:spPr/>
-        <p:txBody>
-          <a:bodyPr/>
-          <a:lstStyle/>
-          <a:p>
-            <a:fld id="{62FEDF8E-5B0F-4A65-9F05-A41FA81134FA}" type="slidenum">
-              <a:rPr lang="en-US" smtClean="0"/>
-              <a:pPr/>
-              <a:t>6</a:t>
-            </a:fld>
-            <a:endParaRPr lang="en-US"/>
-          </a:p>
-        </p:txBody>
-      </p:sp>
     </p:spTree>
     <p:extLst>
       <p:ext uri="{BB962C8B-B14F-4D97-AF65-F5344CB8AC3E}">
@@ -7426,7 +7546,7 @@
 </p:sld>
 </file>
 
-<file path=ppt/slides/slide8.xml><?xml version="1.0" encoding="utf-8"?>
+<file path=ppt/slides/slide7.xml><?xml version="1.0" encoding="utf-8"?>
 <p:sld xmlns:a="http://schemas.openxmlformats.org/drawingml/2006/main" xmlns:r="http://schemas.openxmlformats.org/officeDocument/2006/relationships" xmlns:p="http://schemas.openxmlformats.org/presentationml/2006/main">
   <p:cSld>
     <p:spTree>
@@ -7518,37 +7638,93 @@
           <a:bodyPr/>
           <a:lstStyle/>
           <a:p>
+            <a:endParaRPr lang="en-GB" sz="1800" dirty="0" smtClean="0"/>
+          </a:p>
+          <a:p>
+            <a:r>
+              <a:rPr lang="en-GB" sz="1800" dirty="0" smtClean="0"/>
+              <a:t>Entries replicated </a:t>
+            </a:r>
             <a:r>
               <a:rPr lang="en-GB" sz="1800" dirty="0"/>
-              <a:t>automatically discover </a:t>
-            </a:r>
-            <a:r>
-              <a:rPr lang="en-GB" sz="1800" dirty="0" err="1"/>
-              <a:t>neighboring</a:t>
+              <a:t>to all </a:t>
+            </a:r>
+            <a:r>
+              <a:rPr lang="en-GB" sz="1800" dirty="0" smtClean="0"/>
+              <a:t>cache </a:t>
             </a:r>
             <a:r>
               <a:rPr lang="en-GB" sz="1800" dirty="0"/>
-              <a:t> instances on other JVMs on the same local network, and form a </a:t>
-            </a:r>
+              <a:t>instances </a:t>
+            </a:r>
+            <a:endParaRPr lang="en-GB" sz="1800" dirty="0" smtClean="0"/>
+          </a:p>
+          <a:p>
+            <a:pPr marL="0" indent="0">
+              <a:buNone/>
+            </a:pPr>
+            <a:endParaRPr lang="en-GB" sz="1800" dirty="0" smtClean="0"/>
+          </a:p>
+          <a:p>
             <a:r>
               <a:rPr lang="en-GB" sz="1800" dirty="0" smtClean="0"/>
-              <a:t>cluster</a:t>
-            </a:r>
+              <a:t>Does not offer increased heap space</a:t>
+            </a:r>
+          </a:p>
+          <a:p>
+            <a:pPr marL="0" indent="0">
+              <a:buNone/>
+            </a:pPr>
+            <a:endParaRPr lang="en-GB" sz="1800" dirty="0" smtClean="0"/>
           </a:p>
           <a:p>
             <a:r>
               <a:rPr lang="en-GB" sz="1800" dirty="0"/>
-              <a:t>Entries added to any of these cache instances will be replicated to all other cache instances in the </a:t>
+              <a:t>S</a:t>
             </a:r>
             <a:r>
               <a:rPr lang="en-GB" sz="1800" dirty="0" smtClean="0"/>
-              <a:t>cluster</a:t>
-            </a:r>
-          </a:p>
-          <a:p>
+              <a:t>ynchronous </a:t>
+            </a:r>
             <a:r>
               <a:rPr lang="en-GB" sz="1800" dirty="0"/>
-              <a:t>Replication can be synchronous or asynchronous</a:t>
+              <a:t>replication requires acknowledgments from </a:t>
+            </a:r>
+            <a:r>
+              <a:rPr lang="en-GB" sz="1800" dirty="0" smtClean="0"/>
+              <a:t>all </a:t>
+            </a:r>
+          </a:p>
+          <a:p>
+            <a:pPr marL="0" indent="0">
+              <a:buNone/>
+            </a:pPr>
+            <a:endParaRPr lang="en-GB" sz="1800" dirty="0" smtClean="0"/>
+          </a:p>
+          <a:p>
+            <a:r>
+              <a:rPr lang="en-GB" sz="1800" dirty="0" smtClean="0"/>
+              <a:t>Asynchronous </a:t>
+            </a:r>
+            <a:r>
+              <a:rPr lang="en-GB" sz="1800" dirty="0"/>
+              <a:t>replication </a:t>
+            </a:r>
+            <a:r>
+              <a:rPr lang="en-GB" sz="1800" dirty="0" smtClean="0"/>
+              <a:t>works </a:t>
+            </a:r>
+            <a:r>
+              <a:rPr lang="en-GB" sz="1800" dirty="0"/>
+              <a:t>in a </a:t>
+            </a:r>
+            <a:r>
+              <a:rPr lang="en-GB" sz="1800" i="1" dirty="0"/>
+              <a:t>fire-and-forget</a:t>
+            </a:r>
+            <a:r>
+              <a:rPr lang="en-GB" sz="1800" dirty="0"/>
+              <a:t> mode</a:t>
             </a:r>
             <a:r>
               <a:rPr lang="en-GB" sz="1800" dirty="0" smtClean="0"/>
@@ -7556,49 +7732,19 @@
             </a:r>
           </a:p>
           <a:p>
+            <a:pPr marL="0" indent="0">
+              <a:buNone/>
+            </a:pPr>
+            <a:endParaRPr lang="en-GB" sz="1800" dirty="0" smtClean="0"/>
+          </a:p>
+          <a:p>
+            <a:r>
+              <a:rPr lang="en-GB" sz="1800" dirty="0" smtClean="0"/>
+              <a:t>Practically performs </a:t>
+            </a:r>
             <a:r>
               <a:rPr lang="en-GB" sz="1800" dirty="0"/>
-              <a:t>synchronous replication requires acknowledgments from all nodes in a </a:t>
-            </a:r>
-            <a:r>
-              <a:rPr lang="en-GB" sz="1800" dirty="0" smtClean="0"/>
-              <a:t>cluster</a:t>
-            </a:r>
-          </a:p>
-          <a:p>
-            <a:r>
-              <a:rPr lang="en-GB" sz="1800" dirty="0" smtClean="0"/>
-              <a:t>Asynchronous </a:t>
-            </a:r>
-            <a:r>
-              <a:rPr lang="en-GB" sz="1800" dirty="0"/>
-              <a:t>replication </a:t>
-            </a:r>
-            <a:r>
-              <a:rPr lang="en-GB" sz="1800" dirty="0" smtClean="0"/>
-              <a:t>works </a:t>
-            </a:r>
-            <a:r>
-              <a:rPr lang="en-GB" sz="1800" dirty="0"/>
-              <a:t>in a </a:t>
-            </a:r>
-            <a:r>
-              <a:rPr lang="en-GB" sz="1800" i="1" dirty="0"/>
-              <a:t>fire-and-forget</a:t>
-            </a:r>
-            <a:r>
-              <a:rPr lang="en-GB" sz="1800" dirty="0"/>
-              <a:t> mode</a:t>
-            </a:r>
-            <a:r>
-              <a:rPr lang="en-GB" sz="1800" dirty="0" smtClean="0"/>
-              <a:t>.</a:t>
-            </a:r>
-          </a:p>
-          <a:p>
-            <a:r>
-              <a:rPr lang="en-GB" sz="1800" dirty="0"/>
-              <a:t>replication practically only performs well in small clusters (under 10 nodes)</a:t>
+              <a:t>well in small clusters (under 10 nodes)</a:t>
             </a:r>
           </a:p>
         </p:txBody>
@@ -7620,7 +7766,7 @@
           <a:p>
             <a:r>
               <a:rPr lang="en-GB" dirty="0"/>
-              <a:t>Replicated Mode</a:t>
+              <a:t>Modes</a:t>
             </a:r>
             <a:br>
               <a:rPr lang="en-GB" dirty="0"/>
@@ -7644,7 +7790,11 @@
           <a:bodyPr/>
           <a:lstStyle/>
           <a:p>
-            <a:endParaRPr lang="en-GB"/>
+            <a:r>
+              <a:rPr lang="en-GB" dirty="0" smtClean="0"/>
+              <a:t>Replication Mode</a:t>
+            </a:r>
+            <a:endParaRPr lang="en-GB" dirty="0"/>
           </a:p>
         </p:txBody>
       </p:sp>
@@ -7671,7 +7821,231 @@
               <a:pPr>
                 <a:defRPr/>
               </a:pPr>
-              <a:t>19 June 2015</a:t>
+              <a:t>16 July 2015</a:t>
+            </a:fld>
+            <a:endParaRPr lang="en-US" dirty="0"/>
+          </a:p>
+        </p:txBody>
+      </p:sp>
+      <p:sp>
+        <p:nvSpPr>
+          <p:cNvPr id="6" name="Slide Number Placeholder 5"/>
+          <p:cNvSpPr>
+            <a:spLocks noGrp="1"/>
+          </p:cNvSpPr>
+          <p:nvPr>
+            <p:ph type="sldNum" sz="quarter" idx="12"/>
+          </p:nvPr>
+        </p:nvSpPr>
+        <p:spPr/>
+        <p:txBody>
+          <a:bodyPr/>
+          <a:lstStyle/>
+          <a:p>
+            <a:pPr>
+              <a:defRPr/>
+            </a:pPr>
+            <a:fld id="{90600ADF-17AC-4085-9C50-2A0435A05455}" type="slidenum">
+              <a:rPr lang="en-US" smtClean="0"/>
+              <a:pPr>
+                <a:defRPr/>
+              </a:pPr>
+              <a:t>6</a:t>
+            </a:fld>
+            <a:endParaRPr lang="en-US" dirty="0"/>
+          </a:p>
+        </p:txBody>
+      </p:sp>
+    </p:spTree>
+    <p:extLst>
+      <p:ext uri="{BB962C8B-B14F-4D97-AF65-F5344CB8AC3E}">
+        <p14:creationId xmlns:p14="http://schemas.microsoft.com/office/powerpoint/2010/main" val="1749713803"/>
+      </p:ext>
+    </p:extLst>
+  </p:cSld>
+  <p:clrMapOvr>
+    <a:masterClrMapping/>
+  </p:clrMapOvr>
+  <p:timing>
+    <p:tnLst>
+      <p:par>
+        <p:cTn id="1" dur="indefinite" restart="never" nodeType="tmRoot"/>
+      </p:par>
+    </p:tnLst>
+  </p:timing>
+</p:sld>
+</file>
+
+<file path=ppt/slides/slide8.xml><?xml version="1.0" encoding="utf-8"?>
+<p:sld xmlns:a="http://schemas.openxmlformats.org/drawingml/2006/main" xmlns:r="http://schemas.openxmlformats.org/officeDocument/2006/relationships" xmlns:p="http://schemas.openxmlformats.org/presentationml/2006/main">
+  <p:cSld>
+    <p:spTree>
+      <p:nvGrpSpPr>
+        <p:cNvPr id="1" name=""/>
+        <p:cNvGrpSpPr/>
+        <p:nvPr/>
+      </p:nvGrpSpPr>
+      <p:grpSpPr>
+        <a:xfrm>
+          <a:off x="0" y="0"/>
+          <a:ext cx="0" cy="0"/>
+          <a:chOff x="0" y="0"/>
+          <a:chExt cx="0" cy="0"/>
+        </a:xfrm>
+      </p:grpSpPr>
+      <p:sp>
+        <p:nvSpPr>
+          <p:cNvPr id="20" name="Content Placeholder 19"/>
+          <p:cNvSpPr>
+            <a:spLocks noGrp="1"/>
+          </p:cNvSpPr>
+          <p:nvPr>
+            <p:ph sz="half" idx="1"/>
+          </p:nvPr>
+        </p:nvSpPr>
+        <p:spPr/>
+        <p:txBody>
+          <a:bodyPr/>
+          <a:lstStyle/>
+          <a:p>
+            <a:endParaRPr lang="en-GB" sz="1800" dirty="0" smtClean="0"/>
+          </a:p>
+          <a:p>
+            <a:r>
+              <a:rPr lang="en-GB" sz="1800" dirty="0" smtClean="0"/>
+              <a:t>Does not share data</a:t>
+            </a:r>
+          </a:p>
+          <a:p>
+            <a:pPr marL="0" indent="0">
+              <a:buNone/>
+            </a:pPr>
+            <a:endParaRPr lang="en-GB" sz="1800" dirty="0" smtClean="0"/>
+          </a:p>
+          <a:p>
+            <a:r>
+              <a:rPr lang="en-GB" sz="1800" dirty="0" smtClean="0"/>
+              <a:t>Removes data that may be stale from remote cache</a:t>
+            </a:r>
+          </a:p>
+          <a:p>
+            <a:pPr marL="0" indent="0">
+              <a:buNone/>
+            </a:pPr>
+            <a:endParaRPr lang="en-GB" sz="1800" dirty="0" smtClean="0"/>
+          </a:p>
+          <a:p>
+            <a:r>
+              <a:rPr lang="en-GB" sz="1800" dirty="0" smtClean="0"/>
+              <a:t>Used for optimization with other permanent store</a:t>
+            </a:r>
+            <a:endParaRPr lang="en-GB" sz="1800" dirty="0"/>
+          </a:p>
+          <a:p>
+            <a:endParaRPr lang="en-GB" sz="1800" dirty="0" smtClean="0"/>
+          </a:p>
+          <a:p>
+            <a:r>
+              <a:rPr lang="en-GB" sz="1800" dirty="0"/>
+              <a:t>Minimized network </a:t>
+            </a:r>
+            <a:r>
+              <a:rPr lang="en-GB" sz="1800" dirty="0" smtClean="0"/>
+              <a:t>traffic</a:t>
+            </a:r>
+          </a:p>
+          <a:p>
+            <a:endParaRPr lang="en-GB" sz="1800" dirty="0"/>
+          </a:p>
+          <a:p>
+            <a:r>
+              <a:rPr lang="en-GB" sz="1800" dirty="0"/>
+              <a:t>Modified data is </a:t>
+            </a:r>
+            <a:r>
+              <a:rPr lang="en-GB" sz="1800" dirty="0" smtClean="0"/>
+              <a:t>looked up </a:t>
+            </a:r>
+            <a:r>
+              <a:rPr lang="en-GB" sz="1800" dirty="0"/>
+              <a:t>in lazy manner.</a:t>
+            </a:r>
+          </a:p>
+        </p:txBody>
+      </p:sp>
+      <p:sp>
+        <p:nvSpPr>
+          <p:cNvPr id="19" name="Title 18"/>
+          <p:cNvSpPr>
+            <a:spLocks noGrp="1"/>
+          </p:cNvSpPr>
+          <p:nvPr>
+            <p:ph type="title"/>
+          </p:nvPr>
+        </p:nvSpPr>
+        <p:spPr/>
+        <p:txBody>
+          <a:bodyPr/>
+          <a:lstStyle/>
+          <a:p>
+            <a:r>
+              <a:rPr lang="en-GB" dirty="0"/>
+              <a:t>Modes</a:t>
+            </a:r>
+            <a:br>
+              <a:rPr lang="en-GB" dirty="0"/>
+            </a:br>
+            <a:endParaRPr lang="en-GB" dirty="0"/>
+          </a:p>
+        </p:txBody>
+      </p:sp>
+      <p:sp>
+        <p:nvSpPr>
+          <p:cNvPr id="21" name="Text Placeholder 20"/>
+          <p:cNvSpPr>
+            <a:spLocks noGrp="1"/>
+          </p:cNvSpPr>
+          <p:nvPr>
+            <p:ph type="body" sz="quarter" idx="13"/>
+          </p:nvPr>
+        </p:nvSpPr>
+        <p:spPr/>
+        <p:txBody>
+          <a:bodyPr/>
+          <a:lstStyle/>
+          <a:p>
+            <a:r>
+              <a:rPr lang="en-GB" dirty="0" smtClean="0"/>
+              <a:t>Invalidation Mode</a:t>
+            </a:r>
+            <a:endParaRPr lang="en-GB" dirty="0"/>
+          </a:p>
+        </p:txBody>
+      </p:sp>
+      <p:sp>
+        <p:nvSpPr>
+          <p:cNvPr id="5" name="Date Placeholder 4"/>
+          <p:cNvSpPr>
+            <a:spLocks noGrp="1"/>
+          </p:cNvSpPr>
+          <p:nvPr>
+            <p:ph type="dt" sz="half" idx="10"/>
+          </p:nvPr>
+        </p:nvSpPr>
+        <p:spPr/>
+        <p:txBody>
+          <a:bodyPr/>
+          <a:lstStyle/>
+          <a:p>
+            <a:pPr>
+              <a:defRPr/>
+            </a:pPr>
+            <a:fld id="{D95CFEC9-DCDE-483F-9C62-EBF9D31C73AA}" type="datetime3">
+              <a:rPr lang="en-US" smtClean="0"/>
+              <a:pPr>
+                <a:defRPr/>
+              </a:pPr>
+              <a:t>16 July 2015</a:t>
             </a:fld>
             <a:endParaRPr lang="en-US" dirty="0"/>
           </a:p>
@@ -7706,10 +8080,53 @@
           </a:p>
         </p:txBody>
       </p:sp>
+      <p:pic>
+        <p:nvPicPr>
+          <p:cNvPr id="11" name="Content Placeholder 10" descr="Figure2 5"/>
+          <p:cNvPicPr>
+            <a:picLocks noGrp="1" noChangeAspect="1" noChangeArrowheads="1"/>
+          </p:cNvPicPr>
+          <p:nvPr>
+            <p:ph sz="half" idx="2"/>
+          </p:nvPr>
+        </p:nvPicPr>
+        <p:blipFill>
+          <a:blip r:embed="rId2">
+            <a:extLst>
+              <a:ext uri="{28A0092B-C50C-407E-A947-70E740481C1C}">
+                <a14:useLocalDpi xmlns:a14="http://schemas.microsoft.com/office/drawing/2010/main" val="0"/>
+              </a:ext>
+            </a:extLst>
+          </a:blip>
+          <a:srcRect/>
+          <a:stretch>
+            <a:fillRect/>
+          </a:stretch>
+        </p:blipFill>
+        <p:spPr bwMode="auto">
+          <a:xfrm>
+            <a:off x="4648200" y="2595432"/>
+            <a:ext cx="4065588" cy="2435486"/>
+          </a:xfrm>
+          <a:prstGeom prst="rect">
+            <a:avLst/>
+          </a:prstGeom>
+          <a:noFill/>
+          <a:extLst>
+            <a:ext uri="{909E8E84-426E-40DD-AFC4-6F175D3DCCD1}">
+              <a14:hiddenFill xmlns:a14="http://schemas.microsoft.com/office/drawing/2010/main">
+                <a:solidFill>
+                  <a:srgbClr val="FFFFFF"/>
+                </a:solidFill>
+              </a14:hiddenFill>
+            </a:ext>
+          </a:extLst>
+        </p:spPr>
+      </p:pic>
     </p:spTree>
     <p:extLst>
       <p:ext uri="{BB962C8B-B14F-4D97-AF65-F5344CB8AC3E}">
-        <p14:creationId xmlns:p14="http://schemas.microsoft.com/office/powerpoint/2010/main" val="1749713803"/>
+        <p14:creationId xmlns:p14="http://schemas.microsoft.com/office/powerpoint/2010/main" val="1524566408"/>
       </p:ext>
     </p:extLst>
   </p:cSld>
@@ -7767,7 +8184,7 @@
         </p:blipFill>
         <p:spPr bwMode="auto">
           <a:xfrm>
-            <a:off x="4648810" y="1393535"/>
+            <a:off x="4648810" y="2200040"/>
             <a:ext cx="4064000" cy="3003826"/>
           </a:xfrm>
           <a:prstGeom prst="rect">
@@ -7839,7 +8256,7 @@
           <a:p>
             <a:r>
               <a:rPr lang="en-GB" dirty="0"/>
-              <a:t>Distribution Mode</a:t>
+              <a:t>Modes</a:t>
             </a:r>
             <a:br>
               <a:rPr lang="en-GB" dirty="0"/>
@@ -7863,7 +8280,10 @@
           <a:bodyPr/>
           <a:lstStyle/>
           <a:p>
-            <a:endParaRPr lang="en-GB"/>
+            <a:r>
+              <a:rPr lang="en-GB" dirty="0"/>
+              <a:t>Distribution Mode</a:t>
+            </a:r>
           </a:p>
         </p:txBody>
       </p:sp>
@@ -7890,7 +8310,7 @@
               <a:pPr>
                 <a:defRPr/>
               </a:pPr>
-              <a:t>19 June 2015</a:t>
+              <a:t>16 July 2015</a:t>
             </a:fld>
             <a:endParaRPr lang="en-US" dirty="0"/>
           </a:p>

--- a/infinispan-embedded-tutorial/Infinispan.pptx
+++ b/infinispan-embedded-tutorial/Infinispan.pptx
@@ -5,10 +5,10 @@
     <p:sldMasterId id="2147483733" r:id="rId4"/>
   </p:sldMasterIdLst>
   <p:notesMasterIdLst>
-    <p:notesMasterId r:id="rId18"/>
+    <p:notesMasterId r:id="rId19"/>
   </p:notesMasterIdLst>
   <p:handoutMasterIdLst>
-    <p:handoutMasterId r:id="rId19"/>
+    <p:handoutMasterId r:id="rId20"/>
   </p:handoutMasterIdLst>
   <p:sldIdLst>
     <p:sldId id="256" r:id="rId5"/>
@@ -16,14 +16,15 @@
     <p:sldId id="258" r:id="rId7"/>
     <p:sldId id="264" r:id="rId8"/>
     <p:sldId id="265" r:id="rId9"/>
-    <p:sldId id="268" r:id="rId10"/>
-    <p:sldId id="266" r:id="rId11"/>
-    <p:sldId id="269" r:id="rId12"/>
+    <p:sldId id="274" r:id="rId10"/>
+    <p:sldId id="269" r:id="rId11"/>
+    <p:sldId id="266" r:id="rId12"/>
     <p:sldId id="267" r:id="rId13"/>
     <p:sldId id="270" r:id="rId14"/>
-    <p:sldId id="259" r:id="rId15"/>
-    <p:sldId id="260" r:id="rId16"/>
-    <p:sldId id="261" r:id="rId17"/>
+    <p:sldId id="272" r:id="rId15"/>
+    <p:sldId id="259" r:id="rId16"/>
+    <p:sldId id="260" r:id="rId17"/>
+    <p:sldId id="273" r:id="rId18"/>
   </p:sldIdLst>
   <p:sldSz cx="9144000" cy="6858000" type="screen4x3"/>
   <p:notesSz cx="6669088" cy="9872663"/>
@@ -157,6 +158,34 @@
       </a:defRPr>
     </a:lvl9pPr>
   </p:defaultTextStyle>
+  <p:extLst>
+    <p:ext uri="{521415D9-36F7-43E2-AB2F-B90AF26B5E84}">
+      <p14:sectionLst xmlns:p14="http://schemas.microsoft.com/office/powerpoint/2010/main">
+        <p14:section name="Default Section" id="{7646ED15-4D97-4F1A-8D5E-683D581EADE9}">
+          <p14:sldIdLst>
+            <p14:sldId id="256"/>
+            <p14:sldId id="257"/>
+            <p14:sldId id="258"/>
+            <p14:sldId id="264"/>
+            <p14:sldId id="265"/>
+            <p14:sldId id="274"/>
+            <p14:sldId id="269"/>
+            <p14:sldId id="266"/>
+            <p14:sldId id="267"/>
+            <p14:sldId id="270"/>
+          </p14:sldIdLst>
+        </p14:section>
+        <p14:section name="Untitled Section" id="{FCA8E30B-4624-4390-AA21-5108CAC0652F}">
+          <p14:sldIdLst>
+            <p14:sldId id="272"/>
+            <p14:sldId id="259"/>
+            <p14:sldId id="260"/>
+            <p14:sldId id="273"/>
+          </p14:sldIdLst>
+        </p14:section>
+      </p14:sectionLst>
+    </p:ext>
+  </p:extLst>
 </p:presentation>
 </file>
 
@@ -243,7 +272,7 @@
             <a:fld id="{AB771C5C-997B-4FBD-B8F3-A0A3C30CDBE5}" type="datetimeFigureOut">
               <a:rPr lang="en-GB" smtClean="0"/>
               <a:pPr/>
-              <a:t>16/07/2015</a:t>
+              <a:t>24/07/2015</a:t>
             </a:fld>
             <a:endParaRPr lang="en-GB"/>
           </a:p>
@@ -1737,7 +1766,7 @@
               <a:pPr>
                 <a:defRPr/>
               </a:pPr>
-              <a:t>16 July 2015</a:t>
+              <a:t>24 July 2015</a:t>
             </a:fld>
             <a:endParaRPr lang="en-US" dirty="0"/>
           </a:p>
@@ -1928,7 +1957,7 @@
               <a:pPr>
                 <a:defRPr/>
               </a:pPr>
-              <a:t>16 July 2015</a:t>
+              <a:t>24 July 2015</a:t>
             </a:fld>
             <a:endParaRPr lang="en-US" dirty="0"/>
           </a:p>
@@ -2205,7 +2234,7 @@
               <a:pPr>
                 <a:defRPr/>
               </a:pPr>
-              <a:t>16 July 2015</a:t>
+              <a:t>24 July 2015</a:t>
             </a:fld>
             <a:endParaRPr lang="en-US" dirty="0"/>
           </a:p>
@@ -2398,7 +2427,7 @@
               <a:pPr>
                 <a:defRPr/>
               </a:pPr>
-              <a:t>16 July 2015</a:t>
+              <a:t>24 July 2015</a:t>
             </a:fld>
             <a:endParaRPr lang="en-US" dirty="0"/>
           </a:p>
@@ -2772,7 +2801,7 @@
               <a:pPr>
                 <a:defRPr/>
               </a:pPr>
-              <a:t>16 July 2015</a:t>
+              <a:t>24 July 2015</a:t>
             </a:fld>
             <a:endParaRPr lang="en-US" dirty="0"/>
           </a:p>
@@ -3276,7 +3305,7 @@
               <a:pPr>
                 <a:defRPr/>
               </a:pPr>
-              <a:t>16 July 2015</a:t>
+              <a:t>24 July 2015</a:t>
             </a:fld>
             <a:endParaRPr lang="en-US" dirty="0"/>
           </a:p>
@@ -3480,7 +3509,7 @@
               <a:pPr>
                 <a:defRPr/>
               </a:pPr>
-              <a:t>16 July 2015</a:t>
+              <a:t>24 July 2015</a:t>
             </a:fld>
             <a:endParaRPr lang="en-US" dirty="0"/>
           </a:p>
@@ -3684,7 +3713,7 @@
               <a:pPr>
                 <a:defRPr/>
               </a:pPr>
-              <a:t>16 July 2015</a:t>
+              <a:t>24 July 2015</a:t>
             </a:fld>
             <a:endParaRPr lang="en-US" dirty="0"/>
           </a:p>
@@ -3972,7 +4001,7 @@
               <a:pPr>
                 <a:defRPr/>
               </a:pPr>
-              <a:t>16 July 2015</a:t>
+              <a:t>24 July 2015</a:t>
             </a:fld>
             <a:endParaRPr lang="en-US" dirty="0"/>
           </a:p>
@@ -4241,7 +4270,7 @@
               <a:pPr>
                 <a:defRPr/>
               </a:pPr>
-              <a:t>16 July 2015</a:t>
+              <a:t>24 July 2015</a:t>
             </a:fld>
             <a:endParaRPr lang="en-US" dirty="0"/>
           </a:p>
@@ -4445,7 +4474,7 @@
               <a:pPr>
                 <a:defRPr/>
               </a:pPr>
-              <a:t>16 July 2015</a:t>
+              <a:t>24 July 2015</a:t>
             </a:fld>
             <a:endParaRPr lang="en-US" dirty="0"/>
           </a:p>
@@ -5422,7 +5451,7 @@
               <a:pPr>
                 <a:defRPr/>
               </a:pPr>
-              <a:t>16 July 2015</a:t>
+              <a:t>24 July 2015</a:t>
             </a:fld>
             <a:endParaRPr lang="en-US" dirty="0"/>
           </a:p>
@@ -5579,6 +5608,13 @@
   <p:clrMapOvr>
     <a:masterClrMapping/>
   </p:clrMapOvr>
+  <p:timing>
+    <p:tnLst>
+      <p:par>
+        <p:cTn id="1" dur="indefinite" restart="never" nodeType="tmRoot"/>
+      </p:par>
+    </p:tnLst>
+  </p:timing>
 </p:sld>
 </file>
 
@@ -5599,37 +5635,352 @@
           <a:chExt cx="0" cy="0"/>
         </a:xfrm>
       </p:grpSpPr>
-      <p:sp>
-        <p:nvSpPr>
-          <p:cNvPr id="2" name="Title 1"/>
+      <p:graphicFrame>
+        <p:nvGraphicFramePr>
+          <p:cNvPr id="13" name="Content Placeholder 12"/>
+          <p:cNvGraphicFramePr>
+            <a:graphicFrameLocks noGrp="1"/>
+          </p:cNvGraphicFramePr>
+          <p:nvPr>
+            <p:ph sz="half" idx="1"/>
+            <p:extLst>
+              <p:ext uri="{D42A27DB-BD31-4B8C-83A1-F6EECF244321}">
+                <p14:modId xmlns:p14="http://schemas.microsoft.com/office/powerpoint/2010/main" val="1365375473"/>
+              </p:ext>
+            </p:extLst>
+          </p:nvPr>
+        </p:nvGraphicFramePr>
+        <p:xfrm>
+          <a:off x="462665" y="2008016"/>
+          <a:ext cx="8218670" cy="4070930"/>
+        </p:xfrm>
+        <a:graphic>
+          <a:graphicData uri="http://schemas.openxmlformats.org/drawingml/2006/table">
+            <a:tbl>
+              <a:tblPr firstRow="1" bandRow="1">
+                <a:tableStyleId>{5C22544A-7EE6-4342-B048-85BDC9FD1C3A}</a:tableStyleId>
+              </a:tblPr>
+              <a:tblGrid>
+                <a:gridCol w="4109335"/>
+                <a:gridCol w="4109335"/>
+              </a:tblGrid>
+              <a:tr h="381119">
+                <a:tc>
+                  <a:txBody>
+                    <a:bodyPr/>
+                    <a:lstStyle/>
+                    <a:p>
+                      <a:r>
+                        <a:rPr lang="en-GB" dirty="0" smtClean="0"/>
+                        <a:t>Eviction</a:t>
+                      </a:r>
+                      <a:endParaRPr lang="en-GB" dirty="0"/>
+                    </a:p>
+                  </a:txBody>
+                  <a:tcPr marL="44870" marR="44870"/>
+                </a:tc>
+                <a:tc>
+                  <a:txBody>
+                    <a:bodyPr/>
+                    <a:lstStyle/>
+                    <a:p>
+                      <a:r>
+                        <a:rPr lang="en-GB" dirty="0" smtClean="0"/>
+                        <a:t>Expiration</a:t>
+                      </a:r>
+                      <a:endParaRPr lang="en-GB" dirty="0"/>
+                    </a:p>
+                  </a:txBody>
+                  <a:tcPr marL="44870" marR="44870"/>
+                </a:tc>
+              </a:tr>
+              <a:tr h="1238637">
+                <a:tc>
+                  <a:txBody>
+                    <a:bodyPr/>
+                    <a:lstStyle/>
+                    <a:p>
+                      <a:pPr marL="0" marR="0" indent="0" algn="l" defTabSz="914400" rtl="0" eaLnBrk="1" fontAlgn="auto" latinLnBrk="0" hangingPunct="1">
+                        <a:lnSpc>
+                          <a:spcPct val="100000"/>
+                        </a:lnSpc>
+                        <a:spcBef>
+                          <a:spcPts val="0"/>
+                        </a:spcBef>
+                        <a:spcAft>
+                          <a:spcPts val="0"/>
+                        </a:spcAft>
+                        <a:buClrTx/>
+                        <a:buSzTx/>
+                        <a:buFontTx/>
+                        <a:buNone/>
+                        <a:tabLst/>
+                        <a:defRPr/>
+                      </a:pPr>
+                      <a:r>
+                        <a:rPr lang="en-GB" dirty="0" smtClean="0"/>
+                        <a:t>Remove entries from cache when cache is exceeded from max no of entries.</a:t>
+                      </a:r>
+                    </a:p>
+                  </a:txBody>
+                  <a:tcPr marL="44870" marR="44870"/>
+                </a:tc>
+                <a:tc>
+                  <a:txBody>
+                    <a:bodyPr/>
+                    <a:lstStyle/>
+                    <a:p>
+                      <a:pPr marL="0" marR="0" indent="0" algn="l" defTabSz="914400" rtl="0" eaLnBrk="1" fontAlgn="auto" latinLnBrk="0" hangingPunct="1">
+                        <a:lnSpc>
+                          <a:spcPct val="100000"/>
+                        </a:lnSpc>
+                        <a:spcBef>
+                          <a:spcPts val="0"/>
+                        </a:spcBef>
+                        <a:spcAft>
+                          <a:spcPts val="0"/>
+                        </a:spcAft>
+                        <a:buClrTx/>
+                        <a:buSzTx/>
+                        <a:buFontTx/>
+                        <a:buNone/>
+                        <a:tabLst/>
+                        <a:defRPr/>
+                      </a:pPr>
+                      <a:r>
+                        <a:rPr lang="en-GB" dirty="0" smtClean="0"/>
+                        <a:t>Remove entries from cache but after specified period of time.</a:t>
+                      </a:r>
+                    </a:p>
+                  </a:txBody>
+                  <a:tcPr marL="44870" marR="44870"/>
+                </a:tc>
+              </a:tr>
+              <a:tr h="1212537">
+                <a:tc>
+                  <a:txBody>
+                    <a:bodyPr/>
+                    <a:lstStyle/>
+                    <a:p>
+                      <a:pPr marL="0" marR="0" indent="0" algn="l" defTabSz="914400" rtl="0" eaLnBrk="1" fontAlgn="auto" latinLnBrk="0" hangingPunct="1">
+                        <a:lnSpc>
+                          <a:spcPct val="100000"/>
+                        </a:lnSpc>
+                        <a:spcBef>
+                          <a:spcPts val="0"/>
+                        </a:spcBef>
+                        <a:spcAft>
+                          <a:spcPts val="0"/>
+                        </a:spcAft>
+                        <a:buClrTx/>
+                        <a:buSzTx/>
+                        <a:buFontTx/>
+                        <a:buNone/>
+                        <a:tabLst/>
+                        <a:defRPr/>
+                      </a:pPr>
+                      <a:r>
+                        <a:rPr lang="en-GB" dirty="0" smtClean="0"/>
+                        <a:t>Uses eviction policy (LRU, LIRS) and </a:t>
+                      </a:r>
+                      <a:r>
+                        <a:rPr lang="en-GB" sz="1800" b="0" i="0" kern="1200" dirty="0" err="1" smtClean="0">
+                          <a:solidFill>
+                            <a:schemeClr val="dk1"/>
+                          </a:solidFill>
+                          <a:effectLst/>
+                          <a:latin typeface="+mn-lt"/>
+                          <a:ea typeface="+mn-ea"/>
+                          <a:cs typeface="+mn-cs"/>
+                        </a:rPr>
+                        <a:t>maxEntries</a:t>
+                      </a:r>
+                      <a:r>
+                        <a:rPr lang="en-GB" sz="1800" b="0" i="0" kern="1200" dirty="0" smtClean="0">
+                          <a:solidFill>
+                            <a:schemeClr val="dk1"/>
+                          </a:solidFill>
+                          <a:effectLst/>
+                          <a:latin typeface="+mn-lt"/>
+                          <a:ea typeface="+mn-ea"/>
+                          <a:cs typeface="+mn-cs"/>
+                        </a:rPr>
+                        <a:t> </a:t>
+                      </a:r>
+                      <a:r>
+                        <a:rPr lang="en-GB" dirty="0" smtClean="0"/>
+                        <a:t>to evict entries.</a:t>
+                      </a:r>
+                    </a:p>
+                  </a:txBody>
+                  <a:tcPr marL="44870" marR="44870"/>
+                </a:tc>
+                <a:tc>
+                  <a:txBody>
+                    <a:bodyPr/>
+                    <a:lstStyle/>
+                    <a:p>
+                      <a:pPr marL="0" marR="0" indent="0" algn="l" defTabSz="914400" rtl="0" eaLnBrk="1" fontAlgn="auto" latinLnBrk="0" hangingPunct="1">
+                        <a:lnSpc>
+                          <a:spcPct val="100000"/>
+                        </a:lnSpc>
+                        <a:spcBef>
+                          <a:spcPts val="0"/>
+                        </a:spcBef>
+                        <a:spcAft>
+                          <a:spcPts val="0"/>
+                        </a:spcAft>
+                        <a:buClrTx/>
+                        <a:buSzTx/>
+                        <a:buFontTx/>
+                        <a:buNone/>
+                        <a:tabLst/>
+                        <a:defRPr/>
+                      </a:pPr>
+                      <a:r>
+                        <a:rPr lang="en-GB" dirty="0" smtClean="0"/>
+                        <a:t>Uses lifespan and </a:t>
+                      </a:r>
+                      <a:r>
+                        <a:rPr lang="en-GB" dirty="0" err="1" smtClean="0"/>
+                        <a:t>maxIdle</a:t>
+                      </a:r>
+                      <a:r>
+                        <a:rPr lang="en-GB" dirty="0" smtClean="0"/>
+                        <a:t> </a:t>
+                      </a:r>
+                      <a:r>
+                        <a:rPr lang="en-GB" dirty="0" err="1" smtClean="0"/>
+                        <a:t>attribues</a:t>
+                      </a:r>
+                      <a:r>
+                        <a:rPr lang="en-GB" baseline="0" dirty="0" smtClean="0"/>
+                        <a:t> to expire entries</a:t>
+                      </a:r>
+                      <a:r>
+                        <a:rPr lang="en-GB" dirty="0" smtClean="0"/>
+                        <a:t>.</a:t>
+                      </a:r>
+                    </a:p>
+                  </a:txBody>
+                  <a:tcPr marL="44870" marR="44870"/>
+                </a:tc>
+              </a:tr>
+              <a:tr h="1238637">
+                <a:tc>
+                  <a:txBody>
+                    <a:bodyPr/>
+                    <a:lstStyle/>
+                    <a:p>
+                      <a:pPr marL="0" marR="0" indent="0" algn="l" defTabSz="914400" rtl="0" eaLnBrk="1" fontAlgn="auto" latinLnBrk="0" hangingPunct="1">
+                        <a:lnSpc>
+                          <a:spcPct val="100000"/>
+                        </a:lnSpc>
+                        <a:spcBef>
+                          <a:spcPts val="0"/>
+                        </a:spcBef>
+                        <a:spcAft>
+                          <a:spcPts val="0"/>
+                        </a:spcAft>
+                        <a:buClrTx/>
+                        <a:buSzTx/>
+                        <a:buFontTx/>
+                        <a:buNone/>
+                        <a:tabLst/>
+                        <a:defRPr/>
+                      </a:pPr>
+                      <a:r>
+                        <a:rPr lang="en-GB" dirty="0" smtClean="0"/>
+                        <a:t>Can be used with passivation to store the evicted entries to the persistent store.</a:t>
+                      </a:r>
+                    </a:p>
+                  </a:txBody>
+                  <a:tcPr marL="44870" marR="44870"/>
+                </a:tc>
+                <a:tc>
+                  <a:txBody>
+                    <a:bodyPr/>
+                    <a:lstStyle/>
+                    <a:p>
+                      <a:pPr marL="0" marR="0" indent="0" algn="l" defTabSz="914400" rtl="0" eaLnBrk="1" fontAlgn="auto" latinLnBrk="0" hangingPunct="1">
+                        <a:lnSpc>
+                          <a:spcPct val="100000"/>
+                        </a:lnSpc>
+                        <a:spcBef>
+                          <a:spcPts val="0"/>
+                        </a:spcBef>
+                        <a:spcAft>
+                          <a:spcPts val="0"/>
+                        </a:spcAft>
+                        <a:buClrTx/>
+                        <a:buSzTx/>
+                        <a:buFontTx/>
+                        <a:buNone/>
+                        <a:tabLst/>
+                        <a:defRPr/>
+                      </a:pPr>
+                      <a:r>
+                        <a:rPr lang="en-GB" dirty="0" smtClean="0"/>
+                        <a:t>Expired entries cannot be stored to the persistent store.</a:t>
+                      </a:r>
+                    </a:p>
+                  </a:txBody>
+                  <a:tcPr marL="44870" marR="44870"/>
+                </a:tc>
+              </a:tr>
+            </a:tbl>
+          </a:graphicData>
+        </a:graphic>
+      </p:graphicFrame>
+      <p:sp>
+        <p:nvSpPr>
+          <p:cNvPr id="15" name="Content Placeholder 14"/>
           <p:cNvSpPr>
             <a:spLocks noGrp="1"/>
           </p:cNvSpPr>
           <p:nvPr>
-            <p:ph type="title"/>
-          </p:nvPr>
-        </p:nvSpPr>
-        <p:spPr/>
+            <p:ph sz="half" idx="2"/>
+          </p:nvPr>
+        </p:nvSpPr>
+        <p:spPr>
+          <a:xfrm>
+            <a:off x="424260" y="1239839"/>
+            <a:ext cx="8289528" cy="960201"/>
+          </a:xfrm>
+        </p:spPr>
         <p:txBody>
           <a:bodyPr/>
           <a:lstStyle/>
           <a:p>
-            <a:r>
-              <a:rPr lang="en-GB" dirty="0" smtClean="0"/>
-              <a:t>Features</a:t>
-            </a:r>
+            <a:pPr marL="0" indent="0">
+              <a:buNone/>
+            </a:pPr>
+            <a:r>
+              <a:rPr lang="en-GB" sz="1800" dirty="0"/>
+              <a:t>Used to avoid </a:t>
+            </a:r>
+            <a:r>
+              <a:rPr lang="en-GB" sz="1800" dirty="0" err="1"/>
+              <a:t>OutOfMemory</a:t>
+            </a:r>
+            <a:r>
+              <a:rPr lang="en-GB" sz="1800" dirty="0"/>
+              <a:t> exceptions, to keep really necessary entries in cache.</a:t>
+            </a:r>
+          </a:p>
+          <a:p>
             <a:endParaRPr lang="en-GB" dirty="0"/>
           </a:p>
         </p:txBody>
       </p:sp>
       <p:sp>
         <p:nvSpPr>
-          <p:cNvPr id="3" name="Content Placeholder 2"/>
+          <p:cNvPr id="10" name="Title 9"/>
           <p:cNvSpPr>
             <a:spLocks noGrp="1"/>
           </p:cNvSpPr>
           <p:nvPr>
-            <p:ph idx="1"/>
+            <p:ph type="title"/>
           </p:nvPr>
         </p:nvSpPr>
         <p:spPr/>
@@ -5639,47 +5990,14 @@
           <a:p>
             <a:r>
               <a:rPr lang="en-GB" dirty="0"/>
-              <a:t>In-memory local and clustered cache</a:t>
-            </a:r>
-          </a:p>
-          <a:p>
-            <a:r>
-              <a:rPr lang="en-GB" dirty="0"/>
-              <a:t>Clustering</a:t>
-            </a:r>
-          </a:p>
-          <a:p>
-            <a:r>
-              <a:rPr lang="en-GB" dirty="0"/>
-              <a:t>Transactions</a:t>
-            </a:r>
-          </a:p>
-          <a:p>
-            <a:r>
-              <a:rPr lang="en-GB" dirty="0"/>
-              <a:t>Persistence</a:t>
-            </a:r>
-          </a:p>
-          <a:p>
-            <a:r>
-              <a:rPr lang="en-GB" dirty="0"/>
-              <a:t>Configuration / Development</a:t>
-            </a:r>
-          </a:p>
-          <a:p>
-            <a:r>
-              <a:rPr lang="en-GB" dirty="0"/>
-              <a:t>Integrations</a:t>
-            </a:r>
-          </a:p>
-          <a:p>
-            <a:endParaRPr lang="en-GB" dirty="0"/>
-          </a:p>
-        </p:txBody>
-      </p:sp>
-      <p:sp>
-        <p:nvSpPr>
-          <p:cNvPr id="4" name="Text Placeholder 3"/>
+              <a:t>Eviction/Expiration</a:t>
+            </a:r>
+          </a:p>
+        </p:txBody>
+      </p:sp>
+      <p:sp>
+        <p:nvSpPr>
+          <p:cNvPr id="16" name="Text Placeholder 15"/>
           <p:cNvSpPr>
             <a:spLocks noGrp="1"/>
           </p:cNvSpPr>
@@ -5698,12 +6016,12 @@
       </p:sp>
       <p:sp>
         <p:nvSpPr>
-          <p:cNvPr id="5" name="Date Placeholder 4"/>
+          <p:cNvPr id="8" name="Date Placeholder 7"/>
           <p:cNvSpPr>
             <a:spLocks noGrp="1"/>
           </p:cNvSpPr>
           <p:nvPr>
-            <p:ph type="dt" sz="half" idx="14"/>
+            <p:ph type="dt" sz="half" idx="10"/>
           </p:nvPr>
         </p:nvSpPr>
         <p:spPr/>
@@ -5714,12 +6032,12 @@
             <a:pPr>
               <a:defRPr/>
             </a:pPr>
-            <a:fld id="{D95CFEC9-DCDE-483F-9C62-EBF9D31C73AA}" type="datetime3">
+            <a:fld id="{61D66853-4EE4-4A1F-A0BA-21107A99656D}" type="datetime3">
               <a:rPr lang="en-US" smtClean="0"/>
               <a:pPr>
                 <a:defRPr/>
               </a:pPr>
-              <a:t>16 July 2015</a:t>
+              <a:t>24 July 2015</a:t>
             </a:fld>
             <a:endParaRPr lang="en-US" dirty="0"/>
           </a:p>
@@ -5727,12 +6045,12 @@
       </p:sp>
       <p:sp>
         <p:nvSpPr>
-          <p:cNvPr id="6" name="Slide Number Placeholder 5"/>
+          <p:cNvPr id="9" name="Slide Number Placeholder 8"/>
           <p:cNvSpPr>
             <a:spLocks noGrp="1"/>
           </p:cNvSpPr>
           <p:nvPr>
-            <p:ph type="sldNum" sz="quarter" idx="15"/>
+            <p:ph type="sldNum" sz="quarter" idx="12"/>
           </p:nvPr>
         </p:nvSpPr>
         <p:spPr/>
@@ -5743,21 +6061,21 @@
             <a:pPr>
               <a:defRPr/>
             </a:pPr>
-            <a:fld id="{90600ADF-17AC-4085-9C50-2A0435A05455}" type="slidenum">
+            <a:fld id="{62FEDF8E-5B0F-4A65-9F05-A41FA81134FA}" type="slidenum">
               <a:rPr lang="en-US" smtClean="0"/>
               <a:pPr>
                 <a:defRPr/>
               </a:pPr>
               <a:t>10</a:t>
             </a:fld>
-            <a:endParaRPr lang="en-US" dirty="0"/>
+            <a:endParaRPr lang="en-US"/>
           </a:p>
         </p:txBody>
       </p:sp>
     </p:spTree>
     <p:extLst>
       <p:ext uri="{BB962C8B-B14F-4D97-AF65-F5344CB8AC3E}">
-        <p14:creationId xmlns:p14="http://schemas.microsoft.com/office/powerpoint/2010/main" val="1007208415"/>
+        <p14:creationId xmlns:p14="http://schemas.microsoft.com/office/powerpoint/2010/main" val="2815848963"/>
       </p:ext>
     </p:extLst>
   </p:cSld>
@@ -5807,93 +6125,64 @@
           <a:lstStyle/>
           <a:p>
             <a:r>
+              <a:rPr lang="en-GB" dirty="0" smtClean="0"/>
+              <a:t>Features</a:t>
+            </a:r>
+            <a:endParaRPr lang="en-GB" dirty="0"/>
+          </a:p>
+        </p:txBody>
+      </p:sp>
+      <p:sp>
+        <p:nvSpPr>
+          <p:cNvPr id="3" name="Content Placeholder 2"/>
+          <p:cNvSpPr>
+            <a:spLocks noGrp="1"/>
+          </p:cNvSpPr>
+          <p:nvPr>
+            <p:ph idx="1"/>
+          </p:nvPr>
+        </p:nvSpPr>
+        <p:spPr/>
+        <p:txBody>
+          <a:bodyPr/>
+          <a:lstStyle/>
+          <a:p>
+            <a:r>
+              <a:rPr lang="en-GB" dirty="0"/>
+              <a:t>In-memory local and clustered cache</a:t>
+            </a:r>
+          </a:p>
+          <a:p>
+            <a:r>
+              <a:rPr lang="en-GB" dirty="0"/>
+              <a:t>Clustering</a:t>
+            </a:r>
+          </a:p>
+          <a:p>
+            <a:r>
+              <a:rPr lang="en-GB" dirty="0"/>
+              <a:t>Transactions</a:t>
+            </a:r>
+          </a:p>
+          <a:p>
+            <a:r>
               <a:rPr lang="en-GB" dirty="0"/>
               <a:t>Persistence</a:t>
             </a:r>
           </a:p>
-        </p:txBody>
-      </p:sp>
-      <p:sp>
-        <p:nvSpPr>
-          <p:cNvPr id="3" name="Content Placeholder 2"/>
-          <p:cNvSpPr>
-            <a:spLocks noGrp="1"/>
-          </p:cNvSpPr>
-          <p:nvPr>
-            <p:ph idx="1"/>
-          </p:nvPr>
-        </p:nvSpPr>
-        <p:spPr/>
-        <p:txBody>
-          <a:bodyPr/>
-          <a:lstStyle/>
           <a:p>
             <a:r>
               <a:rPr lang="en-GB" dirty="0"/>
-              <a:t>U</a:t>
-            </a:r>
-            <a:r>
-              <a:rPr lang="en-GB" smtClean="0"/>
-              <a:t>se </a:t>
-            </a:r>
+              <a:t>Configuration / Development</a:t>
+            </a:r>
+          </a:p>
+          <a:p>
             <a:r>
               <a:rPr lang="en-GB" dirty="0"/>
-              <a:t>a </a:t>
-            </a:r>
-            <a:r>
-              <a:rPr lang="en-GB" dirty="0" err="1"/>
-              <a:t>CacheLoader</a:t>
-            </a:r>
-            <a:r>
-              <a:rPr lang="en-GB" dirty="0"/>
-              <a:t> interface to save the in-memory cache data to a persistent cache </a:t>
-            </a:r>
-            <a:r>
-              <a:rPr lang="en-GB" dirty="0" smtClean="0"/>
-              <a:t>store</a:t>
-            </a:r>
-          </a:p>
-          <a:p>
-            <a:r>
-              <a:rPr lang="en-GB" dirty="0"/>
-              <a:t>An external persistent storage might be useful </a:t>
-            </a:r>
-            <a:r>
-              <a:rPr lang="en-GB" dirty="0" smtClean="0"/>
-              <a:t>for:</a:t>
-            </a:r>
-          </a:p>
-          <a:p>
-            <a:pPr lvl="1"/>
-            <a:r>
-              <a:rPr lang="en-GB" dirty="0"/>
-              <a:t>Increased </a:t>
-            </a:r>
-            <a:r>
-              <a:rPr lang="en-GB" dirty="0" smtClean="0"/>
-              <a:t>Durability</a:t>
-            </a:r>
-          </a:p>
-          <a:p>
-            <a:pPr lvl="1"/>
-            <a:r>
-              <a:rPr lang="en-GB" dirty="0" smtClean="0"/>
-              <a:t>Write-through</a:t>
-            </a:r>
-          </a:p>
-          <a:p>
-            <a:pPr lvl="1"/>
-            <a:r>
-              <a:rPr lang="en-GB" dirty="0"/>
-              <a:t>Overflow </a:t>
-            </a:r>
-            <a:r>
-              <a:rPr lang="en-GB" dirty="0" smtClean="0"/>
-              <a:t>Data</a:t>
-            </a:r>
-          </a:p>
-          <a:p>
-            <a:pPr lvl="1"/>
+              <a:t>Integrations</a:t>
+            </a:r>
+          </a:p>
+          <a:p>
             <a:endParaRPr lang="en-GB" dirty="0"/>
           </a:p>
         </p:txBody>
@@ -5940,7 +6229,7 @@
               <a:pPr>
                 <a:defRPr/>
               </a:pPr>
-              <a:t>16 July 2015</a:t>
+              <a:t>24 July 2015</a:t>
             </a:fld>
             <a:endParaRPr lang="en-US" dirty="0"/>
           </a:p>
@@ -5975,64 +6264,10 @@
           </a:p>
         </p:txBody>
       </p:sp>
-      <p:pic>
-        <p:nvPicPr>
-          <p:cNvPr id="3074" name="Picture 2"/>
-          <p:cNvPicPr>
-            <a:picLocks noChangeAspect="1" noChangeArrowheads="1"/>
-          </p:cNvPicPr>
-          <p:nvPr/>
-        </p:nvPicPr>
-        <p:blipFill>
-          <a:blip r:embed="rId2">
-            <a:extLst>
-              <a:ext uri="{28A0092B-C50C-407E-A947-70E740481C1C}">
-                <a14:useLocalDpi xmlns:a14="http://schemas.microsoft.com/office/drawing/2010/main" val="0"/>
-              </a:ext>
-            </a:extLst>
-          </a:blip>
-          <a:srcRect/>
-          <a:stretch>
-            <a:fillRect/>
-          </a:stretch>
-        </p:blipFill>
-        <p:spPr bwMode="auto">
-          <a:xfrm>
-            <a:off x="5822340" y="2545685"/>
-            <a:ext cx="2476500" cy="3733800"/>
-          </a:xfrm>
-          <a:prstGeom prst="rect">
-            <a:avLst/>
-          </a:prstGeom>
-          <a:noFill/>
-          <a:ln>
-            <a:noFill/>
-          </a:ln>
-          <a:extLst>
-            <a:ext uri="{909E8E84-426E-40DD-AFC4-6F175D3DCCD1}">
-              <a14:hiddenFill xmlns:a14="http://schemas.microsoft.com/office/drawing/2010/main">
-                <a:solidFill>
-                  <a:schemeClr val="accent1"/>
-                </a:solidFill>
-              </a14:hiddenFill>
-            </a:ext>
-            <a:ext uri="{91240B29-F687-4F45-9708-019B960494DF}">
-              <a14:hiddenLine xmlns:a14="http://schemas.microsoft.com/office/drawing/2010/main" w="9525">
-                <a:solidFill>
-                  <a:schemeClr val="tx1"/>
-                </a:solidFill>
-                <a:miter lim="800000"/>
-                <a:headEnd/>
-                <a:tailEnd/>
-              </a14:hiddenLine>
-            </a:ext>
-          </a:extLst>
-        </p:spPr>
-      </p:pic>
     </p:spTree>
     <p:extLst>
       <p:ext uri="{BB962C8B-B14F-4D97-AF65-F5344CB8AC3E}">
-        <p14:creationId xmlns:p14="http://schemas.microsoft.com/office/powerpoint/2010/main" val="479859234"/>
+        <p14:creationId xmlns:p14="http://schemas.microsoft.com/office/powerpoint/2010/main" val="1007208415"/>
       </p:ext>
     </p:extLst>
   </p:cSld>
@@ -6068,12 +6303,12 @@
       </p:grpSpPr>
       <p:sp>
         <p:nvSpPr>
-          <p:cNvPr id="2" name="Title 1"/>
+          <p:cNvPr id="3" name="Content Placeholder 2"/>
           <p:cNvSpPr>
             <a:spLocks noGrp="1"/>
           </p:cNvSpPr>
           <p:nvPr>
-            <p:ph type="title"/>
+            <p:ph sz="half" idx="1"/>
           </p:nvPr>
         </p:nvSpPr>
         <p:spPr/>
@@ -6082,20 +6317,236 @@
           <a:lstStyle/>
           <a:p>
             <a:r>
-              <a:rPr lang="en-GB" dirty="0"/>
-              <a:t>Clustering</a:t>
-            </a:r>
-          </a:p>
-        </p:txBody>
-      </p:sp>
-      <p:sp>
-        <p:nvSpPr>
-          <p:cNvPr id="3" name="Content Placeholder 2"/>
+              <a:rPr lang="en-GB" sz="1800" dirty="0" smtClean="0"/>
+              <a:t>Allows </a:t>
+            </a:r>
+            <a:r>
+              <a:rPr lang="en-GB" sz="1800" dirty="0"/>
+              <a:t>configuring persistent </a:t>
+            </a:r>
+            <a:r>
+              <a:rPr lang="en-GB" sz="1800" dirty="0" smtClean="0"/>
+              <a:t>storage</a:t>
+            </a:r>
+          </a:p>
+          <a:p>
+            <a:r>
+              <a:rPr lang="en-GB" sz="1800" dirty="0"/>
+              <a:t>E</a:t>
+            </a:r>
+            <a:r>
+              <a:rPr lang="en-GB" sz="1800" dirty="0" smtClean="0"/>
+              <a:t>xternal </a:t>
+            </a:r>
+            <a:r>
+              <a:rPr lang="en-GB" sz="1800" dirty="0"/>
+              <a:t>persistent storage </a:t>
+            </a:r>
+            <a:r>
+              <a:rPr lang="en-GB" sz="1800" dirty="0" smtClean="0"/>
+              <a:t>is </a:t>
+            </a:r>
+            <a:r>
+              <a:rPr lang="en-GB" sz="1800" dirty="0"/>
+              <a:t>useful </a:t>
+            </a:r>
+            <a:r>
+              <a:rPr lang="en-GB" sz="1800" dirty="0" smtClean="0"/>
+              <a:t>for:</a:t>
+            </a:r>
+          </a:p>
+          <a:p>
+            <a:pPr lvl="1"/>
+            <a:r>
+              <a:rPr lang="en-GB" sz="1600" dirty="0"/>
+              <a:t>Increased </a:t>
+            </a:r>
+            <a:r>
+              <a:rPr lang="en-GB" sz="1600" dirty="0" smtClean="0"/>
+              <a:t>Durability</a:t>
+            </a:r>
+          </a:p>
+          <a:p>
+            <a:pPr lvl="1"/>
+            <a:r>
+              <a:rPr lang="en-GB" sz="1600" dirty="0" smtClean="0"/>
+              <a:t>Write-through</a:t>
+            </a:r>
+          </a:p>
+          <a:p>
+            <a:pPr lvl="1"/>
+            <a:r>
+              <a:rPr lang="en-GB" sz="1600" dirty="0"/>
+              <a:t>Overflow </a:t>
+            </a:r>
+            <a:r>
+              <a:rPr lang="en-GB" sz="1600" dirty="0" smtClean="0"/>
+              <a:t>Data</a:t>
+            </a:r>
+          </a:p>
+          <a:p>
+            <a:pPr marL="195263" lvl="1" indent="-195263">
+              <a:buClr>
+                <a:srgbClr val="009FDA"/>
+              </a:buClr>
+              <a:buSzPct val="130000"/>
+              <a:buFont typeface="Arial" charset="0"/>
+              <a:buChar char="•"/>
+            </a:pPr>
+            <a:r>
+              <a:rPr lang="en-GB" sz="1800" dirty="0" smtClean="0">
+                <a:ea typeface="+mn-ea"/>
+                <a:cs typeface="+mn-cs"/>
+              </a:rPr>
+              <a:t>Uses </a:t>
+            </a:r>
+            <a:r>
+              <a:rPr lang="en-GB" sz="1800" dirty="0" err="1" smtClean="0">
+                <a:ea typeface="+mn-ea"/>
+                <a:cs typeface="+mn-cs"/>
+              </a:rPr>
+              <a:t>CacheLoader</a:t>
+            </a:r>
+            <a:r>
+              <a:rPr lang="en-GB" sz="1800" dirty="0" smtClean="0">
+                <a:ea typeface="+mn-ea"/>
+                <a:cs typeface="+mn-cs"/>
+              </a:rPr>
+              <a:t> and </a:t>
+            </a:r>
+            <a:r>
+              <a:rPr lang="en-GB" sz="1800" dirty="0" err="1" smtClean="0">
+                <a:ea typeface="+mn-ea"/>
+                <a:cs typeface="+mn-cs"/>
+              </a:rPr>
+              <a:t>CacheWriter</a:t>
+            </a:r>
+            <a:r>
+              <a:rPr lang="en-GB" sz="1800" dirty="0" smtClean="0">
+                <a:ea typeface="+mn-ea"/>
+                <a:cs typeface="+mn-cs"/>
+              </a:rPr>
+              <a:t> </a:t>
+            </a:r>
+            <a:r>
+              <a:rPr lang="en-GB" sz="1800" dirty="0">
+                <a:ea typeface="+mn-ea"/>
+                <a:cs typeface="+mn-cs"/>
+              </a:rPr>
+              <a:t>to save </a:t>
+            </a:r>
+            <a:r>
+              <a:rPr lang="en-GB" sz="1800" dirty="0" smtClean="0">
+                <a:ea typeface="+mn-ea"/>
+                <a:cs typeface="+mn-cs"/>
+              </a:rPr>
+              <a:t>and load data to and from </a:t>
+            </a:r>
+            <a:r>
+              <a:rPr lang="en-GB" sz="1800" dirty="0" smtClean="0"/>
+              <a:t>persistent </a:t>
+            </a:r>
+            <a:r>
+              <a:rPr lang="en-GB" sz="1800" dirty="0"/>
+              <a:t>cache store </a:t>
+            </a:r>
+            <a:r>
+              <a:rPr lang="en-GB" sz="1800" dirty="0" smtClean="0"/>
+              <a:t>in cache</a:t>
+            </a:r>
+          </a:p>
+          <a:p>
+            <a:pPr marL="195263" lvl="1" indent="-195263">
+              <a:buClr>
+                <a:srgbClr val="009FDA"/>
+              </a:buClr>
+              <a:buSzPct val="130000"/>
+              <a:buFont typeface="Arial" charset="0"/>
+              <a:buChar char="•"/>
+            </a:pPr>
+            <a:r>
+              <a:rPr lang="en-GB" sz="1800" dirty="0" smtClean="0"/>
+              <a:t>Available cache loaders/stores:</a:t>
+            </a:r>
+            <a:endParaRPr lang="en-GB" sz="1000" dirty="0" smtClean="0"/>
+          </a:p>
+          <a:p>
+            <a:pPr lvl="1"/>
+            <a:r>
+              <a:rPr lang="en-GB" sz="1600" dirty="0" err="1"/>
+              <a:t>Filesystem</a:t>
+            </a:r>
+            <a:r>
+              <a:rPr lang="en-GB" sz="1600" dirty="0"/>
+              <a:t>-based Cache Loaders</a:t>
+            </a:r>
+          </a:p>
+          <a:p>
+            <a:pPr lvl="2"/>
+            <a:r>
+              <a:rPr lang="en-GB" sz="1400" dirty="0" err="1" smtClean="0"/>
+              <a:t>SingleFileStore</a:t>
+            </a:r>
+            <a:endParaRPr lang="en-GB" sz="1400" dirty="0"/>
+          </a:p>
+          <a:p>
+            <a:pPr lvl="1"/>
+            <a:r>
+              <a:rPr lang="en-GB" sz="1600" dirty="0"/>
+              <a:t>JDBC-based Cache Loaders</a:t>
+            </a:r>
+          </a:p>
+          <a:p>
+            <a:pPr lvl="2"/>
+            <a:r>
+              <a:rPr lang="en-GB" sz="1400" dirty="0" err="1" smtClean="0"/>
+              <a:t>JdbcBinaryCacheStore</a:t>
+            </a:r>
+            <a:endParaRPr lang="en-GB" sz="1400" dirty="0" smtClean="0"/>
+          </a:p>
+          <a:p>
+            <a:pPr lvl="2"/>
+            <a:r>
+              <a:rPr lang="en-GB" sz="1400" dirty="0" err="1" smtClean="0"/>
+              <a:t>JdbcStringBasedCacheStore</a:t>
+            </a:r>
+            <a:endParaRPr lang="en-GB" sz="1400" dirty="0" smtClean="0"/>
+          </a:p>
+          <a:p>
+            <a:pPr lvl="2"/>
+            <a:r>
+              <a:rPr lang="en-GB" sz="1400" dirty="0" err="1" smtClean="0"/>
+              <a:t>JdbcMixedCacheStore</a:t>
+            </a:r>
+            <a:endParaRPr lang="en-GB" sz="1400" dirty="0"/>
+          </a:p>
+          <a:p>
+            <a:pPr lvl="1"/>
+            <a:r>
+              <a:rPr lang="en-GB" sz="1600" dirty="0"/>
+              <a:t>Others</a:t>
+            </a:r>
+          </a:p>
+          <a:p>
+            <a:pPr marL="1046163" lvl="2" indent="0">
+              <a:buNone/>
+            </a:pPr>
+            <a:endParaRPr lang="en-GB" sz="1400" dirty="0"/>
+          </a:p>
+          <a:p>
+            <a:pPr lvl="1"/>
+            <a:endParaRPr lang="en-GB" dirty="0"/>
+          </a:p>
+        </p:txBody>
+      </p:sp>
+      <p:sp>
+        <p:nvSpPr>
+          <p:cNvPr id="2" name="Title 1"/>
           <p:cNvSpPr>
             <a:spLocks noGrp="1"/>
           </p:cNvSpPr>
           <p:nvPr>
-            <p:ph idx="1"/>
+            <p:ph type="title"/>
           </p:nvPr>
         </p:nvSpPr>
         <p:spPr/>
@@ -6103,13 +6554,16 @@
           <a:bodyPr/>
           <a:lstStyle/>
           <a:p>
-            <a:endParaRPr lang="en-GB" dirty="0"/>
-          </a:p>
-        </p:txBody>
-      </p:sp>
-      <p:sp>
-        <p:nvSpPr>
-          <p:cNvPr id="4" name="Text Placeholder 3"/>
+            <a:r>
+              <a:rPr lang="en-GB" dirty="0"/>
+              <a:t>Persistence</a:t>
+            </a:r>
+          </a:p>
+        </p:txBody>
+      </p:sp>
+      <p:sp>
+        <p:nvSpPr>
+          <p:cNvPr id="8" name="Text Placeholder 7"/>
           <p:cNvSpPr>
             <a:spLocks noGrp="1"/>
           </p:cNvSpPr>
@@ -6133,7 +6587,7 @@
             <a:spLocks noGrp="1"/>
           </p:cNvSpPr>
           <p:nvPr>
-            <p:ph type="dt" sz="half" idx="14"/>
+            <p:ph type="dt" sz="half" idx="10"/>
           </p:nvPr>
         </p:nvSpPr>
         <p:spPr/>
@@ -6149,7 +6603,7 @@
               <a:pPr>
                 <a:defRPr/>
               </a:pPr>
-              <a:t>16 July 2015</a:t>
+              <a:t>24 July 2015</a:t>
             </a:fld>
             <a:endParaRPr lang="en-US" dirty="0"/>
           </a:p>
@@ -6162,7 +6616,7 @@
             <a:spLocks noGrp="1"/>
           </p:cNvSpPr>
           <p:nvPr>
-            <p:ph type="sldNum" sz="quarter" idx="15"/>
+            <p:ph type="sldNum" sz="quarter" idx="12"/>
           </p:nvPr>
         </p:nvSpPr>
         <p:spPr/>
@@ -6184,16 +6638,332 @@
           </a:p>
         </p:txBody>
       </p:sp>
+      <p:pic>
+        <p:nvPicPr>
+          <p:cNvPr id="1026" name="Picture 2"/>
+          <p:cNvPicPr>
+            <a:picLocks noGrp="1" noChangeAspect="1" noChangeArrowheads="1"/>
+          </p:cNvPicPr>
+          <p:nvPr>
+            <p:ph sz="half" idx="2"/>
+          </p:nvPr>
+        </p:nvPicPr>
+        <p:blipFill>
+          <a:blip r:embed="rId2">
+            <a:extLst>
+              <a:ext uri="{28A0092B-C50C-407E-A947-70E740481C1C}">
+                <a14:useLocalDpi xmlns:a14="http://schemas.microsoft.com/office/drawing/2010/main" val="0"/>
+              </a:ext>
+            </a:extLst>
+          </a:blip>
+          <a:srcRect/>
+          <a:stretch>
+            <a:fillRect/>
+          </a:stretch>
+        </p:blipFill>
+        <p:spPr bwMode="auto">
+          <a:xfrm>
+            <a:off x="5443398" y="1947638"/>
+            <a:ext cx="2475191" cy="3731075"/>
+          </a:xfrm>
+          <a:prstGeom prst="rect">
+            <a:avLst/>
+          </a:prstGeom>
+          <a:noFill/>
+          <a:ln>
+            <a:noFill/>
+          </a:ln>
+          <a:effectLst/>
+          <a:extLst>
+            <a:ext uri="{909E8E84-426E-40DD-AFC4-6F175D3DCCD1}">
+              <a14:hiddenFill xmlns:a14="http://schemas.microsoft.com/office/drawing/2010/main">
+                <a:solidFill>
+                  <a:schemeClr val="accent1"/>
+                </a:solidFill>
+              </a14:hiddenFill>
+            </a:ext>
+            <a:ext uri="{91240B29-F687-4F45-9708-019B960494DF}">
+              <a14:hiddenLine xmlns:a14="http://schemas.microsoft.com/office/drawing/2010/main" w="9525">
+                <a:solidFill>
+                  <a:schemeClr val="tx1"/>
+                </a:solidFill>
+                <a:miter lim="800000"/>
+                <a:headEnd/>
+                <a:tailEnd/>
+              </a14:hiddenLine>
+            </a:ext>
+            <a:ext uri="{AF507438-7753-43E0-B8FC-AC1667EBCBE1}">
+              <a14:hiddenEffects xmlns:a14="http://schemas.microsoft.com/office/drawing/2010/main">
+                <a:effectLst>
+                  <a:outerShdw dist="35921" dir="2700000" algn="ctr" rotWithShape="0">
+                    <a:schemeClr val="bg2"/>
+                  </a:outerShdw>
+                </a:effectLst>
+              </a14:hiddenEffects>
+            </a:ext>
+          </a:extLst>
+        </p:spPr>
+      </p:pic>
     </p:spTree>
     <p:extLst>
       <p:ext uri="{BB962C8B-B14F-4D97-AF65-F5344CB8AC3E}">
-        <p14:creationId xmlns:p14="http://schemas.microsoft.com/office/powerpoint/2010/main" val="3515555941"/>
+        <p14:creationId xmlns:p14="http://schemas.microsoft.com/office/powerpoint/2010/main" val="479859234"/>
       </p:ext>
     </p:extLst>
   </p:cSld>
   <p:clrMapOvr>
     <a:masterClrMapping/>
   </p:clrMapOvr>
+  <p:timing>
+    <p:tnLst>
+      <p:par>
+        <p:cTn id="1" dur="indefinite" restart="never" nodeType="tmRoot"/>
+      </p:par>
+    </p:tnLst>
+  </p:timing>
+</p:sld>
+</file>
+
+<file path=ppt/slides/slide14.xml><?xml version="1.0" encoding="utf-8"?>
+<p:sld xmlns:a="http://schemas.openxmlformats.org/drawingml/2006/main" xmlns:r="http://schemas.openxmlformats.org/officeDocument/2006/relationships" xmlns:p="http://schemas.openxmlformats.org/presentationml/2006/main">
+  <p:cSld>
+    <p:spTree>
+      <p:nvGrpSpPr>
+        <p:cNvPr id="1" name=""/>
+        <p:cNvGrpSpPr/>
+        <p:nvPr/>
+      </p:nvGrpSpPr>
+      <p:grpSpPr>
+        <a:xfrm>
+          <a:off x="0" y="0"/>
+          <a:ext cx="0" cy="0"/>
+          <a:chOff x="0" y="0"/>
+          <a:chExt cx="0" cy="0"/>
+        </a:xfrm>
+      </p:grpSpPr>
+      <p:sp>
+        <p:nvSpPr>
+          <p:cNvPr id="8" name="Title 7"/>
+          <p:cNvSpPr>
+            <a:spLocks noGrp="1"/>
+          </p:cNvSpPr>
+          <p:nvPr>
+            <p:ph type="title"/>
+          </p:nvPr>
+        </p:nvSpPr>
+        <p:spPr/>
+        <p:txBody>
+          <a:bodyPr/>
+          <a:lstStyle/>
+          <a:p>
+            <a:r>
+              <a:rPr lang="en-GB" dirty="0" smtClean="0"/>
+              <a:t>Listener API</a:t>
+            </a:r>
+            <a:endParaRPr lang="en-GB" dirty="0"/>
+          </a:p>
+        </p:txBody>
+      </p:sp>
+      <p:sp>
+        <p:nvSpPr>
+          <p:cNvPr id="9" name="Content Placeholder 8"/>
+          <p:cNvSpPr>
+            <a:spLocks noGrp="1"/>
+          </p:cNvSpPr>
+          <p:nvPr>
+            <p:ph idx="1"/>
+          </p:nvPr>
+        </p:nvSpPr>
+        <p:spPr/>
+        <p:txBody>
+          <a:bodyPr/>
+          <a:lstStyle/>
+          <a:p>
+            <a:r>
+              <a:rPr lang="en-GB" dirty="0" smtClean="0"/>
+              <a:t>Application can get notification about some events that occur inside the grid.</a:t>
+            </a:r>
+          </a:p>
+          <a:p>
+            <a:r>
+              <a:rPr lang="en-GB" dirty="0" smtClean="0"/>
+              <a:t>API is annotation driven</a:t>
+            </a:r>
+          </a:p>
+          <a:p>
+            <a:r>
+              <a:rPr lang="en-GB" dirty="0" smtClean="0"/>
+              <a:t>Cache Level Events</a:t>
+            </a:r>
+          </a:p>
+          <a:p>
+            <a:pPr lvl="1"/>
+            <a:r>
+              <a:rPr lang="en-GB" dirty="0" err="1" smtClean="0"/>
+              <a:t>CacheEntryAddedEvent</a:t>
+            </a:r>
+            <a:r>
+              <a:rPr lang="en-GB" dirty="0" smtClean="0"/>
+              <a:t>/Modified/Removed</a:t>
+            </a:r>
+          </a:p>
+          <a:p>
+            <a:pPr lvl="1"/>
+            <a:r>
+              <a:rPr lang="en-GB" dirty="0" err="1" smtClean="0"/>
+              <a:t>CacheEntryInvalidatedEvent</a:t>
+            </a:r>
+            <a:r>
+              <a:rPr lang="en-GB" dirty="0" smtClean="0"/>
+              <a:t>/Evicted</a:t>
+            </a:r>
+          </a:p>
+          <a:p>
+            <a:pPr lvl="1"/>
+            <a:r>
+              <a:rPr lang="en-GB" dirty="0" err="1" smtClean="0"/>
+              <a:t>CacheEntryActivatedEvent</a:t>
+            </a:r>
+            <a:r>
+              <a:rPr lang="en-GB" dirty="0" smtClean="0"/>
+              <a:t>/Passivated etc.</a:t>
+            </a:r>
+          </a:p>
+          <a:p>
+            <a:r>
+              <a:rPr lang="en-GB" dirty="0" smtClean="0"/>
+              <a:t>Cache Manager Level Events</a:t>
+            </a:r>
+          </a:p>
+          <a:p>
+            <a:pPr lvl="1"/>
+            <a:r>
+              <a:rPr lang="en-GB" dirty="0" err="1" smtClean="0"/>
+              <a:t>CacheStartedEvent</a:t>
+            </a:r>
+            <a:r>
+              <a:rPr lang="en-GB" dirty="0" smtClean="0"/>
+              <a:t>/Stopped</a:t>
+            </a:r>
+          </a:p>
+          <a:p>
+            <a:pPr lvl="1"/>
+            <a:r>
+              <a:rPr lang="en-GB" dirty="0" err="1" smtClean="0"/>
+              <a:t>ViewChanged</a:t>
+            </a:r>
+            <a:endParaRPr lang="en-GB" dirty="0" smtClean="0"/>
+          </a:p>
+          <a:p>
+            <a:pPr lvl="1"/>
+            <a:r>
+              <a:rPr lang="en-GB" dirty="0" smtClean="0"/>
+              <a:t>Merged</a:t>
+            </a:r>
+            <a:endParaRPr lang="en-GB" dirty="0"/>
+          </a:p>
+          <a:p>
+            <a:r>
+              <a:rPr lang="en-GB" dirty="0" smtClean="0"/>
+              <a:t>Cluster Listener (@Listener(clustered=yes))</a:t>
+            </a:r>
+          </a:p>
+        </p:txBody>
+      </p:sp>
+      <p:sp>
+        <p:nvSpPr>
+          <p:cNvPr id="10" name="Text Placeholder 9"/>
+          <p:cNvSpPr>
+            <a:spLocks noGrp="1"/>
+          </p:cNvSpPr>
+          <p:nvPr>
+            <p:ph type="body" sz="quarter" idx="13"/>
+          </p:nvPr>
+        </p:nvSpPr>
+        <p:spPr/>
+        <p:txBody>
+          <a:bodyPr/>
+          <a:lstStyle/>
+          <a:p>
+            <a:endParaRPr lang="en-GB"/>
+          </a:p>
+        </p:txBody>
+      </p:sp>
+      <p:sp>
+        <p:nvSpPr>
+          <p:cNvPr id="6" name="Date Placeholder 5"/>
+          <p:cNvSpPr>
+            <a:spLocks noGrp="1"/>
+          </p:cNvSpPr>
+          <p:nvPr>
+            <p:ph type="dt" sz="half" idx="14"/>
+          </p:nvPr>
+        </p:nvSpPr>
+        <p:spPr/>
+        <p:txBody>
+          <a:bodyPr/>
+          <a:lstStyle/>
+          <a:p>
+            <a:pPr>
+              <a:defRPr/>
+            </a:pPr>
+            <a:fld id="{262EFB65-E16C-451A-8365-0EA1441EB5B7}" type="datetime3">
+              <a:rPr lang="en-US" smtClean="0"/>
+              <a:pPr>
+                <a:defRPr/>
+              </a:pPr>
+              <a:t>24 July 2015</a:t>
+            </a:fld>
+            <a:endParaRPr lang="en-US" dirty="0"/>
+          </a:p>
+        </p:txBody>
+      </p:sp>
+      <p:sp>
+        <p:nvSpPr>
+          <p:cNvPr id="7" name="Slide Number Placeholder 6"/>
+          <p:cNvSpPr>
+            <a:spLocks noGrp="1"/>
+          </p:cNvSpPr>
+          <p:nvPr>
+            <p:ph type="sldNum" sz="quarter" idx="15"/>
+          </p:nvPr>
+        </p:nvSpPr>
+        <p:spPr/>
+        <p:txBody>
+          <a:bodyPr/>
+          <a:lstStyle/>
+          <a:p>
+            <a:pPr>
+              <a:defRPr/>
+            </a:pPr>
+            <a:fld id="{62FEDF8E-5B0F-4A65-9F05-A41FA81134FA}" type="slidenum">
+              <a:rPr lang="en-US" smtClean="0"/>
+              <a:pPr>
+                <a:defRPr/>
+              </a:pPr>
+              <a:t>13</a:t>
+            </a:fld>
+            <a:endParaRPr lang="en-US"/>
+          </a:p>
+        </p:txBody>
+      </p:sp>
+    </p:spTree>
+    <p:extLst>
+      <p:ext uri="{BB962C8B-B14F-4D97-AF65-F5344CB8AC3E}">
+        <p14:creationId xmlns:p14="http://schemas.microsoft.com/office/powerpoint/2010/main" val="2740023244"/>
+      </p:ext>
+    </p:extLst>
+  </p:cSld>
+  <p:clrMapOvr>
+    <a:masterClrMapping/>
+  </p:clrMapOvr>
+  <p:timing>
+    <p:tnLst>
+      <p:par>
+        <p:cTn id="1" dur="indefinite" restart="never" nodeType="tmRoot"/>
+      </p:par>
+    </p:tnLst>
+  </p:timing>
 </p:sld>
 </file>
 
@@ -6284,6 +7054,12 @@
           </a:p>
           <a:p>
             <a:r>
+              <a:rPr lang="en-GB" dirty="0" smtClean="0"/>
+              <a:t>Eviction/Expiration</a:t>
+            </a:r>
+          </a:p>
+          <a:p>
+            <a:r>
               <a:rPr lang="en-GB" dirty="0" err="1" smtClean="0"/>
               <a:t>Transcations</a:t>
             </a:r>
@@ -6342,7 +7118,7 @@
               <a:pPr>
                 <a:defRPr/>
               </a:pPr>
-              <a:t>16 July 2015</a:t>
+              <a:t>24 July 2015</a:t>
             </a:fld>
             <a:endParaRPr lang="en-US" dirty="0"/>
           </a:p>
@@ -6467,18 +7243,21 @@
             <a:pPr lvl="1"/>
             <a:r>
               <a:rPr lang="en-GB" dirty="0" smtClean="0"/>
-              <a:t>Distributed Cache</a:t>
+              <a:t>Distributed</a:t>
             </a:r>
           </a:p>
           <a:p>
             <a:pPr lvl="1"/>
             <a:r>
-              <a:rPr lang="en-GB" dirty="0"/>
-              <a:t>NoSQL key/value </a:t>
-            </a:r>
-            <a:r>
               <a:rPr lang="en-GB" dirty="0" smtClean="0"/>
-              <a:t>store</a:t>
+              <a:t>In-memory</a:t>
+            </a:r>
+          </a:p>
+          <a:p>
+            <a:pPr lvl="1"/>
+            <a:r>
+              <a:rPr lang="en-GB" dirty="0" smtClean="0"/>
+              <a:t>key/value store</a:t>
             </a:r>
           </a:p>
           <a:p>
@@ -6496,21 +7275,18 @@
             <a:pPr lvl="1"/>
             <a:r>
               <a:rPr lang="en-GB" dirty="0" smtClean="0"/>
-              <a:t>In-memory cache</a:t>
+              <a:t>Highly available</a:t>
             </a:r>
           </a:p>
           <a:p>
             <a:pPr lvl="1"/>
             <a:r>
+              <a:rPr lang="en-GB" dirty="0"/>
+              <a:t>Open </a:t>
+            </a:r>
+            <a:r>
               <a:rPr lang="en-GB" dirty="0" smtClean="0"/>
-              <a:t>Open Source</a:t>
-            </a:r>
-          </a:p>
-          <a:p>
-            <a:pPr lvl="1"/>
-            <a:r>
-              <a:rPr lang="en-GB" dirty="0" smtClean="0"/>
-              <a:t>Highly available</a:t>
+              <a:t>Source</a:t>
             </a:r>
             <a:endParaRPr lang="en-GB" dirty="0"/>
           </a:p>
@@ -6564,7 +7340,7 @@
               <a:pPr>
                 <a:defRPr/>
               </a:pPr>
-              <a:t>16 July 2015</a:t>
+              <a:t>24 July 2015</a:t>
             </a:fld>
             <a:endParaRPr lang="en-US" dirty="0"/>
           </a:p>
@@ -6661,6 +7437,12 @@
             </a:r>
           </a:p>
           <a:p>
+            <a:pPr marL="0" indent="0">
+              <a:buNone/>
+            </a:pPr>
+            <a:endParaRPr lang="en-GB" sz="1800" dirty="0" smtClean="0"/>
+          </a:p>
+          <a:p>
             <a:r>
               <a:rPr lang="en-GB" sz="1800" dirty="0" smtClean="0"/>
               <a:t>exist </a:t>
@@ -6685,8 +7467,18 @@
             </a:r>
             <a:r>
               <a:rPr lang="en-GB" sz="1800" dirty="0" smtClean="0"/>
-              <a:t>scalable.</a:t>
-            </a:r>
+              <a:t>scalable</a:t>
+            </a:r>
+            <a:r>
+              <a:rPr lang="en-GB" sz="1800" dirty="0" smtClean="0"/>
+              <a:t>.</a:t>
+            </a:r>
+          </a:p>
+          <a:p>
+            <a:pPr marL="0" indent="0">
+              <a:buNone/>
+            </a:pPr>
+            <a:endParaRPr lang="en-GB" sz="1800" dirty="0" smtClean="0"/>
           </a:p>
           <a:p>
             <a:r>
@@ -6711,6 +7503,12 @@
             </a:r>
           </a:p>
           <a:p>
+            <a:pPr marL="0" indent="0">
+              <a:buNone/>
+            </a:pPr>
+            <a:endParaRPr lang="en-GB" sz="1800" dirty="0" smtClean="0"/>
+          </a:p>
+          <a:p>
             <a:r>
               <a:rPr lang="en-GB" sz="1800" dirty="0" smtClean="0"/>
               <a:t>Used </a:t>
@@ -6731,6 +7529,12 @@
               <a:rPr lang="en-GB" sz="1800" dirty="0" smtClean="0"/>
               <a:t>source</a:t>
             </a:r>
+          </a:p>
+          <a:p>
+            <a:pPr marL="0" indent="0">
+              <a:buNone/>
+            </a:pPr>
+            <a:endParaRPr lang="en-GB" sz="1800" dirty="0" smtClean="0"/>
           </a:p>
           <a:p>
             <a:r>
@@ -6874,12 +7678,8 @@
           <a:lstStyle/>
           <a:p>
             <a:r>
-              <a:rPr lang="en-GB" i="1" dirty="0"/>
-              <a:t>Embedded</a:t>
-            </a:r>
-            <a:r>
               <a:rPr lang="en-GB" dirty="0"/>
-              <a:t> (P2P)</a:t>
+              <a:t>Embedded (P2P)</a:t>
             </a:r>
           </a:p>
           <a:p>
@@ -6910,7 +7710,7 @@
               <a:pPr>
                 <a:defRPr/>
               </a:pPr>
-              <a:t>16 July 2015</a:t>
+              <a:t>24 July 2015</a:t>
             </a:fld>
             <a:endParaRPr lang="en-US" dirty="0"/>
           </a:p>
@@ -7016,6 +7816,12 @@
             </a:r>
           </a:p>
           <a:p>
+            <a:pPr marL="0" indent="0">
+              <a:buNone/>
+            </a:pPr>
+            <a:endParaRPr lang="en-GB" sz="1800" dirty="0" smtClean="0"/>
+          </a:p>
+          <a:p>
             <a:r>
               <a:rPr lang="en-GB" sz="1800" dirty="0" smtClean="0"/>
               <a:t>Supported </a:t>
@@ -7034,8 +7840,18 @@
             </a:r>
             <a:r>
               <a:rPr lang="en-GB" sz="1800" dirty="0" smtClean="0"/>
-              <a:t>, Hot Rod</a:t>
-            </a:r>
+              <a:t>, Hot </a:t>
+            </a:r>
+            <a:r>
+              <a:rPr lang="en-GB" sz="1800" dirty="0" smtClean="0"/>
+              <a:t>Rod</a:t>
+            </a:r>
+          </a:p>
+          <a:p>
+            <a:pPr marL="0" indent="0">
+              <a:buNone/>
+            </a:pPr>
+            <a:endParaRPr lang="en-GB" sz="1800" dirty="0" smtClean="0"/>
           </a:p>
           <a:p>
             <a:r>
@@ -7048,14 +7864,34 @@
             </a:r>
             <a:r>
               <a:rPr lang="en-GB" sz="1800" dirty="0" smtClean="0"/>
-              <a:t> AS 7.2</a:t>
-            </a:r>
-          </a:p>
-          <a:p>
+              <a:t> AS </a:t>
+            </a:r>
             <a:r>
               <a:rPr lang="en-GB" sz="1800" dirty="0" smtClean="0"/>
-              <a:t>Provide external access to data grid.</a:t>
-            </a:r>
+              <a:t>7.2</a:t>
+            </a:r>
+          </a:p>
+          <a:p>
+            <a:pPr marL="0" indent="0">
+              <a:buNone/>
+            </a:pPr>
+            <a:endParaRPr lang="en-GB" sz="1800" dirty="0" smtClean="0"/>
+          </a:p>
+          <a:p>
+            <a:r>
+              <a:rPr lang="en-GB" sz="1800" dirty="0" smtClean="0"/>
+              <a:t>Provide external access to data grid</a:t>
+            </a:r>
+            <a:r>
+              <a:rPr lang="en-GB" sz="1800" dirty="0" smtClean="0"/>
+              <a:t>.</a:t>
+            </a:r>
+          </a:p>
+          <a:p>
+            <a:pPr marL="0" indent="0">
+              <a:buNone/>
+            </a:pPr>
+            <a:endParaRPr lang="en-GB" sz="1800" dirty="0" smtClean="0"/>
           </a:p>
           <a:p>
             <a:r>
@@ -7068,8 +7904,18 @@
             </a:r>
             <a:r>
               <a:rPr lang="en-GB" sz="1800" dirty="0" smtClean="0"/>
-              <a:t>non-JVM environment</a:t>
-            </a:r>
+              <a:t>non-JVM </a:t>
+            </a:r>
+            <a:r>
+              <a:rPr lang="en-GB" sz="1800" dirty="0" smtClean="0"/>
+              <a:t>environment</a:t>
+            </a:r>
+          </a:p>
+          <a:p>
+            <a:pPr marL="0" indent="0">
+              <a:buNone/>
+            </a:pPr>
+            <a:endParaRPr lang="en-GB" sz="1800" dirty="0" smtClean="0"/>
           </a:p>
           <a:p>
             <a:r>
@@ -7158,15 +8004,7 @@
           <a:p>
             <a:r>
               <a:rPr lang="en-GB" dirty="0"/>
-              <a:t>As a </a:t>
-            </a:r>
-            <a:r>
-              <a:rPr lang="en-GB" i="1" dirty="0"/>
-              <a:t>Remote</a:t>
-            </a:r>
-            <a:r>
-              <a:rPr lang="en-GB" dirty="0"/>
-              <a:t> server</a:t>
+              <a:t>As a Remote server</a:t>
             </a:r>
           </a:p>
           <a:p>
@@ -7197,7 +8035,7 @@
               <a:pPr>
                 <a:defRPr/>
               </a:pPr>
-              <a:t>16 July 2015</a:t>
+              <a:t>24 July 2015</a:t>
             </a:fld>
             <a:endParaRPr lang="en-US" dirty="0"/>
           </a:p>
@@ -7314,12 +8152,12 @@
       </p:grpSpPr>
       <p:sp>
         <p:nvSpPr>
-          <p:cNvPr id="15" name="Content Placeholder 14"/>
+          <p:cNvPr id="8" name="Title 7"/>
           <p:cNvSpPr>
             <a:spLocks noGrp="1"/>
           </p:cNvSpPr>
           <p:nvPr>
-            <p:ph sz="half" idx="1"/>
+            <p:ph type="title"/>
           </p:nvPr>
         </p:nvSpPr>
         <p:spPr/>
@@ -7328,59 +8166,24 @@
           <a:lstStyle/>
           <a:p>
             <a:r>
-              <a:rPr lang="en-GB" dirty="0" smtClean="0"/>
-              <a:t>acts </a:t>
-            </a:r>
-            <a:r>
               <a:rPr lang="en-GB" dirty="0"/>
-              <a:t>as a simple, in-memory data cache </a:t>
-            </a:r>
-          </a:p>
-          <a:p>
-            <a:r>
-              <a:rPr lang="en-GB" dirty="0" smtClean="0"/>
-              <a:t>entries </a:t>
-            </a:r>
-            <a:r>
+              <a:t>Caching Modes</a:t>
+            </a:r>
+            <a:br>
               <a:rPr lang="en-GB" dirty="0"/>
-              <a:t>are stored on the local node </a:t>
-            </a:r>
-            <a:r>
-              <a:rPr lang="en-GB" dirty="0" smtClean="0"/>
-              <a:t>only</a:t>
-            </a:r>
-          </a:p>
-          <a:p>
-            <a:r>
-              <a:rPr lang="en-GB" dirty="0" smtClean="0"/>
-              <a:t>More features than a map:</a:t>
-            </a:r>
-          </a:p>
-          <a:p>
-            <a:pPr lvl="1"/>
-            <a:r>
-              <a:rPr lang="en-GB" dirty="0" smtClean="0"/>
-              <a:t>Eviction</a:t>
-            </a:r>
+            </a:br>
             <a:endParaRPr lang="en-GB" dirty="0"/>
           </a:p>
-          <a:p>
-            <a:pPr lvl="1"/>
-            <a:r>
-              <a:rPr lang="en-GB" dirty="0" smtClean="0"/>
-              <a:t>Write-through and Write-behind</a:t>
-            </a:r>
-          </a:p>
-        </p:txBody>
-      </p:sp>
-      <p:sp>
-        <p:nvSpPr>
-          <p:cNvPr id="14" name="Title 13"/>
+        </p:txBody>
+      </p:sp>
+      <p:sp>
+        <p:nvSpPr>
+          <p:cNvPr id="9" name="Text Placeholder 8"/>
           <p:cNvSpPr>
             <a:spLocks noGrp="1"/>
           </p:cNvSpPr>
           <p:nvPr>
-            <p:ph type="title"/>
+            <p:ph type="body" sz="quarter" idx="13"/>
           </p:nvPr>
         </p:nvSpPr>
         <p:spPr/>
@@ -7390,7 +8193,7 @@
           <a:p>
             <a:r>
               <a:rPr lang="en-GB" dirty="0" smtClean="0"/>
-              <a:t>Modes</a:t>
+              <a:t>Local Mode</a:t>
             </a:r>
             <a:endParaRPr lang="en-GB" dirty="0"/>
           </a:p>
@@ -7398,12 +8201,12 @@
       </p:sp>
       <p:sp>
         <p:nvSpPr>
-          <p:cNvPr id="16" name="Text Placeholder 15"/>
+          <p:cNvPr id="6" name="Date Placeholder 5"/>
           <p:cNvSpPr>
             <a:spLocks noGrp="1"/>
           </p:cNvSpPr>
           <p:nvPr>
-            <p:ph type="body" sz="quarter" idx="13"/>
+            <p:ph type="dt" sz="half" idx="10"/>
           </p:nvPr>
         </p:nvSpPr>
         <p:spPr/>
@@ -7411,22 +8214,28 @@
           <a:bodyPr/>
           <a:lstStyle/>
           <a:p>
-            <a:r>
-              <a:rPr lang="en-GB" dirty="0" smtClean="0"/>
-              <a:t>LOCAL MODE</a:t>
-            </a:r>
-            <a:endParaRPr lang="en-GB" dirty="0"/>
-          </a:p>
-        </p:txBody>
-      </p:sp>
-      <p:sp>
-        <p:nvSpPr>
-          <p:cNvPr id="6" name="Date Placeholder 5"/>
+            <a:pPr>
+              <a:defRPr/>
+            </a:pPr>
+            <a:fld id="{262EFB65-E16C-451A-8365-0EA1441EB5B7}" type="datetime3">
+              <a:rPr lang="en-US" smtClean="0"/>
+              <a:pPr>
+                <a:defRPr/>
+              </a:pPr>
+              <a:t>24 July 2015</a:t>
+            </a:fld>
+            <a:endParaRPr lang="en-US" dirty="0"/>
+          </a:p>
+        </p:txBody>
+      </p:sp>
+      <p:sp>
+        <p:nvSpPr>
+          <p:cNvPr id="7" name="Slide Number Placeholder 6"/>
           <p:cNvSpPr>
             <a:spLocks noGrp="1"/>
           </p:cNvSpPr>
           <p:nvPr>
-            <p:ph type="dt" sz="half" idx="10"/>
+            <p:ph type="sldNum" sz="quarter" idx="12"/>
           </p:nvPr>
         </p:nvSpPr>
         <p:spPr/>
@@ -7434,48 +8243,278 @@
           <a:bodyPr/>
           <a:lstStyle/>
           <a:p>
-            <a:fld id="{262EFB65-E16C-451A-8365-0EA1441EB5B7}" type="datetime3">
-              <a:rPr lang="en-US" smtClean="0"/>
-              <a:pPr/>
-              <a:t>16 July 2015</a:t>
-            </a:fld>
-            <a:endParaRPr lang="en-US" dirty="0"/>
-          </a:p>
-        </p:txBody>
-      </p:sp>
-      <p:sp>
-        <p:nvSpPr>
-          <p:cNvPr id="7" name="Slide Number Placeholder 6"/>
-          <p:cNvSpPr>
-            <a:spLocks noGrp="1"/>
-          </p:cNvSpPr>
-          <p:nvPr>
-            <p:ph type="sldNum" sz="quarter" idx="12"/>
-          </p:nvPr>
-        </p:nvSpPr>
-        <p:spPr/>
-        <p:txBody>
-          <a:bodyPr/>
-          <a:lstStyle/>
-          <a:p>
+            <a:pPr>
+              <a:defRPr/>
+            </a:pPr>
             <a:fld id="{62FEDF8E-5B0F-4A65-9F05-A41FA81134FA}" type="slidenum">
               <a:rPr lang="en-US" smtClean="0"/>
-              <a:pPr/>
+              <a:pPr>
+                <a:defRPr/>
+              </a:pPr>
               <a:t>5</a:t>
             </a:fld>
             <a:endParaRPr lang="en-US"/>
           </a:p>
         </p:txBody>
       </p:sp>
+      <p:sp>
+        <p:nvSpPr>
+          <p:cNvPr id="10" name="Content Placeholder 14"/>
+          <p:cNvSpPr txBox="1">
+            <a:spLocks/>
+          </p:cNvSpPr>
+          <p:nvPr/>
+        </p:nvSpPr>
+        <p:spPr>
+          <a:xfrm>
+            <a:off x="431800" y="1239839"/>
+            <a:ext cx="4064000" cy="3955791"/>
+          </a:xfrm>
+          <a:prstGeom prst="rect">
+            <a:avLst/>
+          </a:prstGeom>
+        </p:spPr>
+        <p:txBody>
+          <a:bodyPr/>
+          <a:lstStyle>
+            <a:lvl1pPr marL="195263" indent="-195263" algn="l" rtl="0" eaLnBrk="0" fontAlgn="base" hangingPunct="0">
+              <a:spcBef>
+                <a:spcPct val="20000"/>
+              </a:spcBef>
+              <a:spcAft>
+                <a:spcPct val="0"/>
+              </a:spcAft>
+              <a:buClr>
+                <a:srgbClr val="009FDA"/>
+              </a:buClr>
+              <a:buSzPct val="130000"/>
+              <a:buFont typeface="Arial" charset="0"/>
+              <a:buChar char="•"/>
+              <a:defRPr sz="2200">
+                <a:solidFill>
+                  <a:schemeClr val="tx1"/>
+                </a:solidFill>
+                <a:latin typeface="+mn-lt"/>
+                <a:ea typeface="+mn-ea"/>
+                <a:cs typeface="+mn-cs"/>
+              </a:defRPr>
+            </a:lvl1pPr>
+            <a:lvl2pPr marL="762000" indent="-190500" algn="l" rtl="0" eaLnBrk="0" fontAlgn="base" hangingPunct="0">
+              <a:spcBef>
+                <a:spcPct val="20000"/>
+              </a:spcBef>
+              <a:spcAft>
+                <a:spcPct val="0"/>
+              </a:spcAft>
+              <a:buSzPct val="100000"/>
+              <a:buChar char="–"/>
+              <a:defRPr sz="2000">
+                <a:solidFill>
+                  <a:schemeClr val="tx1"/>
+                </a:solidFill>
+                <a:latin typeface="+mn-lt"/>
+              </a:defRPr>
+            </a:lvl2pPr>
+            <a:lvl3pPr marL="1236663" indent="-188913" algn="l" rtl="0" eaLnBrk="0" fontAlgn="base" hangingPunct="0">
+              <a:spcBef>
+                <a:spcPct val="20000"/>
+              </a:spcBef>
+              <a:spcAft>
+                <a:spcPct val="0"/>
+              </a:spcAft>
+              <a:buClr>
+                <a:srgbClr val="009FDA"/>
+              </a:buClr>
+              <a:buSzPct val="130000"/>
+              <a:buFont typeface="Times" pitchFamily="18" charset="0"/>
+              <a:buChar char="•"/>
+              <a:defRPr sz="1800">
+                <a:solidFill>
+                  <a:schemeClr val="tx1"/>
+                </a:solidFill>
+                <a:latin typeface="+mn-lt"/>
+              </a:defRPr>
+            </a:lvl3pPr>
+            <a:lvl4pPr marL="1719263" indent="-252413" algn="l" rtl="0" eaLnBrk="0" fontAlgn="base" hangingPunct="0">
+              <a:spcBef>
+                <a:spcPct val="20000"/>
+              </a:spcBef>
+              <a:spcAft>
+                <a:spcPct val="0"/>
+              </a:spcAft>
+              <a:buChar char="–"/>
+              <a:defRPr sz="1600">
+                <a:solidFill>
+                  <a:schemeClr val="tx1"/>
+                </a:solidFill>
+                <a:latin typeface="+mn-lt"/>
+              </a:defRPr>
+            </a:lvl4pPr>
+            <a:lvl5pPr marL="2138363" indent="-228600" algn="l" rtl="0" eaLnBrk="0" fontAlgn="base" hangingPunct="0">
+              <a:spcBef>
+                <a:spcPct val="20000"/>
+              </a:spcBef>
+              <a:spcAft>
+                <a:spcPct val="0"/>
+              </a:spcAft>
+              <a:buClr>
+                <a:srgbClr val="009FDA"/>
+              </a:buClr>
+              <a:buSzPct val="130000"/>
+              <a:buFont typeface="Times" pitchFamily="18" charset="0"/>
+              <a:buChar char="•"/>
+              <a:defRPr sz="1600">
+                <a:solidFill>
+                  <a:schemeClr val="tx1"/>
+                </a:solidFill>
+                <a:latin typeface="+mn-lt"/>
+              </a:defRPr>
+            </a:lvl5pPr>
+            <a:lvl6pPr marL="2595563" indent="-228600" algn="l" rtl="0" eaLnBrk="1" fontAlgn="base" hangingPunct="1">
+              <a:spcBef>
+                <a:spcPct val="20000"/>
+              </a:spcBef>
+              <a:spcAft>
+                <a:spcPct val="0"/>
+              </a:spcAft>
+              <a:buClr>
+                <a:srgbClr val="009FDA"/>
+              </a:buClr>
+              <a:buSzPct val="130000"/>
+              <a:buFont typeface="Times" pitchFamily="18" charset="0"/>
+              <a:buChar char="•"/>
+              <a:defRPr sz="1400">
+                <a:solidFill>
+                  <a:schemeClr val="tx1"/>
+                </a:solidFill>
+                <a:latin typeface="+mn-lt"/>
+              </a:defRPr>
+            </a:lvl6pPr>
+            <a:lvl7pPr marL="3052763" indent="-228600" algn="l" rtl="0" eaLnBrk="1" fontAlgn="base" hangingPunct="1">
+              <a:spcBef>
+                <a:spcPct val="20000"/>
+              </a:spcBef>
+              <a:spcAft>
+                <a:spcPct val="0"/>
+              </a:spcAft>
+              <a:buClr>
+                <a:srgbClr val="009FDA"/>
+              </a:buClr>
+              <a:buSzPct val="130000"/>
+              <a:buFont typeface="Times" pitchFamily="18" charset="0"/>
+              <a:buChar char="•"/>
+              <a:defRPr sz="1400">
+                <a:solidFill>
+                  <a:schemeClr val="tx1"/>
+                </a:solidFill>
+                <a:latin typeface="+mn-lt"/>
+              </a:defRPr>
+            </a:lvl7pPr>
+            <a:lvl8pPr marL="3509963" indent="-228600" algn="l" rtl="0" eaLnBrk="1" fontAlgn="base" hangingPunct="1">
+              <a:spcBef>
+                <a:spcPct val="20000"/>
+              </a:spcBef>
+              <a:spcAft>
+                <a:spcPct val="0"/>
+              </a:spcAft>
+              <a:buClr>
+                <a:srgbClr val="009FDA"/>
+              </a:buClr>
+              <a:buSzPct val="130000"/>
+              <a:buFont typeface="Times" pitchFamily="18" charset="0"/>
+              <a:buChar char="•"/>
+              <a:defRPr sz="1400">
+                <a:solidFill>
+                  <a:schemeClr val="tx1"/>
+                </a:solidFill>
+                <a:latin typeface="+mn-lt"/>
+              </a:defRPr>
+            </a:lvl8pPr>
+            <a:lvl9pPr marL="3967163" indent="-228600" algn="l" rtl="0" eaLnBrk="1" fontAlgn="base" hangingPunct="1">
+              <a:spcBef>
+                <a:spcPct val="20000"/>
+              </a:spcBef>
+              <a:spcAft>
+                <a:spcPct val="0"/>
+              </a:spcAft>
+              <a:buClr>
+                <a:srgbClr val="009FDA"/>
+              </a:buClr>
+              <a:buSzPct val="130000"/>
+              <a:buFont typeface="Times" pitchFamily="18" charset="0"/>
+              <a:buChar char="•"/>
+              <a:defRPr sz="1400">
+                <a:solidFill>
+                  <a:schemeClr val="tx1"/>
+                </a:solidFill>
+                <a:latin typeface="+mn-lt"/>
+              </a:defRPr>
+            </a:lvl9pPr>
+          </a:lstStyle>
+          <a:p>
+            <a:r>
+              <a:rPr lang="en-GB" sz="1800" kern="0" dirty="0" smtClean="0"/>
+              <a:t>acts as a simple, in-memory data cache </a:t>
+            </a:r>
+          </a:p>
+          <a:p>
+            <a:pPr marL="0" indent="0">
+              <a:buFont typeface="Arial" charset="0"/>
+              <a:buNone/>
+            </a:pPr>
+            <a:endParaRPr lang="en-GB" sz="1800" kern="0" dirty="0" smtClean="0"/>
+          </a:p>
+          <a:p>
+            <a:r>
+              <a:rPr lang="en-GB" sz="1800" kern="0" dirty="0" smtClean="0"/>
+              <a:t>entries are stored on the local node only</a:t>
+            </a:r>
+          </a:p>
+          <a:p>
+            <a:endParaRPr lang="en-GB" sz="1800" kern="0" dirty="0" smtClean="0"/>
+          </a:p>
+          <a:p>
+            <a:r>
+              <a:rPr lang="en-GB" sz="1800" kern="0" dirty="0" smtClean="0"/>
+              <a:t>limited by the maximum size of JVM heap</a:t>
+            </a:r>
+          </a:p>
+          <a:p>
+            <a:pPr marL="0" indent="0">
+              <a:buFont typeface="Arial" charset="0"/>
+              <a:buNone/>
+            </a:pPr>
+            <a:endParaRPr lang="en-GB" sz="1800" kern="0" dirty="0" smtClean="0"/>
+          </a:p>
+          <a:p>
+            <a:r>
+              <a:rPr lang="en-GB" sz="1800" kern="0" dirty="0" smtClean="0"/>
+              <a:t>More features than a map:</a:t>
+            </a:r>
+          </a:p>
+          <a:p>
+            <a:pPr lvl="1"/>
+            <a:r>
+              <a:rPr lang="en-GB" sz="1600" kern="0" dirty="0" smtClean="0"/>
+              <a:t>Eviction</a:t>
+            </a:r>
+          </a:p>
+          <a:p>
+            <a:pPr lvl="1"/>
+            <a:r>
+              <a:rPr lang="en-GB" sz="1600" kern="0" dirty="0" smtClean="0"/>
+              <a:t>Write-through and Write-behind</a:t>
+            </a:r>
+          </a:p>
+        </p:txBody>
+      </p:sp>
       <p:pic>
         <p:nvPicPr>
-          <p:cNvPr id="1026" name="Picture 2"/>
+          <p:cNvPr id="11" name="Picture 2"/>
           <p:cNvPicPr>
-            <a:picLocks noGrp="1" noChangeAspect="1" noChangeArrowheads="1"/>
+            <a:picLocks noChangeAspect="1" noChangeArrowheads="1"/>
           </p:cNvPicPr>
-          <p:nvPr>
-            <p:ph sz="half" idx="2"/>
-          </p:nvPr>
+          <p:nvPr/>
         </p:nvPicPr>
         <p:blipFill>
           <a:blip r:embed="rId2">
@@ -7492,7 +8531,7 @@
         </p:blipFill>
         <p:spPr bwMode="auto">
           <a:xfrm>
-            <a:off x="4687215" y="1815990"/>
+            <a:off x="4879240" y="2185197"/>
             <a:ext cx="3960451" cy="2857500"/>
           </a:xfrm>
           <a:prstGeom prst="rect">
@@ -7533,16 +8572,93 @@
           </a:extLst>
         </p:spPr>
       </p:pic>
+      <p:sp>
+        <p:nvSpPr>
+          <p:cNvPr id="12" name="TextBox 11"/>
+          <p:cNvSpPr txBox="1"/>
+          <p:nvPr/>
+        </p:nvSpPr>
+        <p:spPr>
+          <a:xfrm>
+            <a:off x="539475" y="5195628"/>
+            <a:ext cx="8141860" cy="1008000"/>
+          </a:xfrm>
+          <a:prstGeom prst="rect">
+            <a:avLst/>
+          </a:prstGeom>
+        </p:spPr>
+        <p:style>
+          <a:lnRef idx="1">
+            <a:schemeClr val="accent1"/>
+          </a:lnRef>
+          <a:fillRef idx="2">
+            <a:schemeClr val="accent1"/>
+          </a:fillRef>
+          <a:effectRef idx="1">
+            <a:schemeClr val="accent1"/>
+          </a:effectRef>
+          <a:fontRef idx="minor">
+            <a:schemeClr val="dk1"/>
+          </a:fontRef>
+        </p:style>
+        <p:txBody>
+          <a:bodyPr wrap="square" rtlCol="0">
+            <a:spAutoFit/>
+          </a:bodyPr>
+          <a:lstStyle/>
+          <a:p>
+            <a:pPr algn="ctr">
+              <a:buClr>
+                <a:srgbClr val="00A4F2"/>
+              </a:buClr>
+              <a:buNone/>
+            </a:pPr>
+            <a:endParaRPr lang="en-GB" sz="1800" dirty="0" smtClean="0"/>
+          </a:p>
+          <a:p>
+            <a:pPr algn="ctr">
+              <a:buClr>
+                <a:srgbClr val="00A4F2"/>
+              </a:buClr>
+              <a:buNone/>
+            </a:pPr>
+            <a:r>
+              <a:rPr lang="en-GB" sz="1600" dirty="0" smtClean="0"/>
+              <a:t>&lt;</a:t>
+            </a:r>
+            <a:r>
+              <a:rPr lang="en-GB" sz="1600" dirty="0"/>
+              <a:t>local-cache name="</a:t>
+            </a:r>
+            <a:r>
+              <a:rPr lang="en-GB" sz="1600" dirty="0" err="1"/>
+              <a:t>DefaultLocalCache</a:t>
+            </a:r>
+            <a:r>
+              <a:rPr lang="en-GB" sz="1600" dirty="0"/>
+              <a:t>" /&gt;</a:t>
+            </a:r>
+            <a:endParaRPr lang="en-GB" sz="1600" dirty="0" smtClean="0"/>
+          </a:p>
+        </p:txBody>
+      </p:sp>
     </p:spTree>
     <p:extLst>
       <p:ext uri="{BB962C8B-B14F-4D97-AF65-F5344CB8AC3E}">
-        <p14:creationId xmlns:p14="http://schemas.microsoft.com/office/powerpoint/2010/main" val="1562823553"/>
+        <p14:creationId xmlns:p14="http://schemas.microsoft.com/office/powerpoint/2010/main" val="3014825139"/>
       </p:ext>
     </p:extLst>
   </p:cSld>
   <p:clrMapOvr>
     <a:masterClrMapping/>
   </p:clrMapOvr>
+  <p:timing>
+    <p:tnLst>
+      <p:par>
+        <p:cTn id="1" dur="indefinite" restart="never" nodeType="tmRoot"/>
+      </p:par>
+    </p:tnLst>
+  </p:timing>
 </p:sld>
 </file>
 
@@ -7563,101 +8679,38 @@
           <a:chExt cx="0" cy="0"/>
         </a:xfrm>
       </p:grpSpPr>
-      <p:pic>
-        <p:nvPicPr>
-          <p:cNvPr id="1026" name="Picture 2"/>
-          <p:cNvPicPr>
-            <a:picLocks noGrp="1" noChangeAspect="1" noChangeArrowheads="1"/>
-          </p:cNvPicPr>
+      <p:sp>
+        <p:nvSpPr>
+          <p:cNvPr id="20" name="Content Placeholder 19"/>
+          <p:cNvSpPr>
+            <a:spLocks noGrp="1"/>
+          </p:cNvSpPr>
           <p:nvPr>
             <p:ph sz="half" idx="1"/>
-          </p:nvPr>
-        </p:nvPicPr>
-        <p:blipFill>
-          <a:blip r:embed="rId2">
-            <a:extLst>
-              <a:ext uri="{28A0092B-C50C-407E-A947-70E740481C1C}">
-                <a14:useLocalDpi xmlns:a14="http://schemas.microsoft.com/office/drawing/2010/main" val="0"/>
-              </a:ext>
-            </a:extLst>
-          </a:blip>
-          <a:stretch>
-            <a:fillRect/>
-          </a:stretch>
-        </p:blipFill>
-        <p:spPr bwMode="auto">
-          <a:xfrm>
-            <a:off x="4840835" y="1777585"/>
-            <a:ext cx="4064000" cy="3302830"/>
-          </a:xfrm>
-          <a:prstGeom prst="rect">
-            <a:avLst/>
-          </a:prstGeom>
-          <a:noFill/>
-          <a:ln>
-            <a:noFill/>
-          </a:ln>
-          <a:extLst>
-            <a:ext uri="{909E8E84-426E-40DD-AFC4-6F175D3DCCD1}">
-              <a14:hiddenFill xmlns:a14="http://schemas.microsoft.com/office/drawing/2010/main">
-                <a:solidFill>
-                  <a:schemeClr val="accent1"/>
-                </a:solidFill>
-              </a14:hiddenFill>
-            </a:ext>
-            <a:ext uri="{91240B29-F687-4F45-9708-019B960494DF}">
-              <a14:hiddenLine xmlns:a14="http://schemas.microsoft.com/office/drawing/2010/main" w="9525">
-                <a:solidFill>
-                  <a:schemeClr val="tx1"/>
-                </a:solidFill>
-                <a:miter lim="800000"/>
-                <a:headEnd/>
-                <a:tailEnd/>
-              </a14:hiddenLine>
-            </a:ext>
-          </a:extLst>
-        </p:spPr>
-      </p:pic>
-      <p:sp>
-        <p:nvSpPr>
-          <p:cNvPr id="20" name="Content Placeholder 19"/>
-          <p:cNvSpPr>
-            <a:spLocks noGrp="1"/>
-          </p:cNvSpPr>
-          <p:nvPr>
-            <p:ph sz="half" idx="2"/>
           </p:nvPr>
         </p:nvSpPr>
         <p:spPr>
           <a:xfrm>
-            <a:off x="347450" y="1201510"/>
-            <a:ext cx="4065588" cy="5146675"/>
+            <a:off x="431799" y="1239840"/>
+            <a:ext cx="4447441" cy="3456525"/>
           </a:xfrm>
         </p:spPr>
         <p:txBody>
           <a:bodyPr/>
           <a:lstStyle/>
           <a:p>
-            <a:endParaRPr lang="en-GB" sz="1800" dirty="0" smtClean="0"/>
-          </a:p>
-          <a:p>
             <a:r>
               <a:rPr lang="en-GB" sz="1800" dirty="0" smtClean="0"/>
-              <a:t>Entries replicated </a:t>
-            </a:r>
-            <a:r>
-              <a:rPr lang="en-GB" sz="1800" dirty="0"/>
-              <a:t>to all </a:t>
+              <a:t>Does </a:t>
             </a:r>
             <a:r>
               <a:rPr lang="en-GB" sz="1800" dirty="0" smtClean="0"/>
-              <a:t>cache </a:t>
-            </a:r>
-            <a:r>
-              <a:rPr lang="en-GB" sz="1800" dirty="0"/>
-              <a:t>instances </a:t>
-            </a:r>
-            <a:endParaRPr lang="en-GB" sz="1800" dirty="0" smtClean="0"/>
+              <a:t>not share </a:t>
+            </a:r>
+            <a:r>
+              <a:rPr lang="en-GB" sz="1800" dirty="0" smtClean="0"/>
+              <a:t>data</a:t>
+            </a:r>
           </a:p>
           <a:p>
             <a:pPr marL="0" indent="0">
@@ -7668,7 +8721,15 @@
           <a:p>
             <a:r>
               <a:rPr lang="en-GB" sz="1800" dirty="0" smtClean="0"/>
-              <a:t>Does not offer increased heap space</a:t>
+              <a:t>Removes </a:t>
+            </a:r>
+            <a:r>
+              <a:rPr lang="en-GB" sz="1800" dirty="0" smtClean="0"/>
+              <a:t>data that may be stale from remote </a:t>
+            </a:r>
+            <a:r>
+              <a:rPr lang="en-GB" sz="1800" dirty="0" smtClean="0"/>
+              <a:t>cache</a:t>
             </a:r>
           </a:p>
           <a:p>
@@ -7679,73 +8740,52 @@
           </a:p>
           <a:p>
             <a:r>
+              <a:rPr lang="en-GB" sz="1800" dirty="0" smtClean="0"/>
+              <a:t>Used </a:t>
+            </a:r>
+            <a:r>
+              <a:rPr lang="en-GB" sz="1800" dirty="0" smtClean="0"/>
+              <a:t>for optimization with other permanent </a:t>
+            </a:r>
+            <a:r>
+              <a:rPr lang="en-GB" sz="1800" dirty="0" smtClean="0"/>
+              <a:t>store</a:t>
+            </a:r>
+          </a:p>
+          <a:p>
+            <a:endParaRPr lang="en-GB" sz="1800" dirty="0" smtClean="0"/>
+          </a:p>
+          <a:p>
+            <a:r>
+              <a:rPr lang="en-GB" sz="1800" dirty="0" smtClean="0"/>
+              <a:t>Minimized </a:t>
+            </a:r>
+            <a:r>
               <a:rPr lang="en-GB" sz="1800" dirty="0"/>
-              <a:t>S</a:t>
+              <a:t>network </a:t>
             </a:r>
             <a:r>
               <a:rPr lang="en-GB" sz="1800" dirty="0" smtClean="0"/>
-              <a:t>ynchronous </a:t>
+              <a:t>traffic</a:t>
+            </a:r>
+          </a:p>
+          <a:p>
+            <a:endParaRPr lang="en-GB" sz="1800" dirty="0"/>
+          </a:p>
+          <a:p>
+            <a:r>
+              <a:rPr lang="en-GB" sz="1800" dirty="0" smtClean="0"/>
+              <a:t>Modified </a:t>
             </a:r>
             <a:r>
               <a:rPr lang="en-GB" sz="1800" dirty="0"/>
-              <a:t>replication requires acknowledgments from </a:t>
+              <a:t>data </a:t>
             </a:r>
             <a:r>
               <a:rPr lang="en-GB" sz="1800" dirty="0" smtClean="0"/>
-              <a:t>all </a:t>
-            </a:r>
-          </a:p>
-          <a:p>
-            <a:pPr marL="0" indent="0">
-              <a:buNone/>
-            </a:pPr>
-            <a:endParaRPr lang="en-GB" sz="1800" dirty="0" smtClean="0"/>
-          </a:p>
-          <a:p>
-            <a:r>
-              <a:rPr lang="en-GB" sz="1800" dirty="0" smtClean="0"/>
-              <a:t>Asynchronous </a:t>
-            </a:r>
-            <a:r>
-              <a:rPr lang="en-GB" sz="1800" dirty="0"/>
-              <a:t>replication </a:t>
-            </a:r>
-            <a:r>
-              <a:rPr lang="en-GB" sz="1800" dirty="0" smtClean="0"/>
-              <a:t>works </a:t>
-            </a:r>
-            <a:r>
-              <a:rPr lang="en-GB" sz="1800" dirty="0"/>
-              <a:t>in a </a:t>
-            </a:r>
-            <a:r>
-              <a:rPr lang="en-GB" sz="1800" i="1" dirty="0"/>
-              <a:t>fire-and-forget</a:t>
-            </a:r>
-            <a:r>
-              <a:rPr lang="en-GB" sz="1800" dirty="0"/>
-              <a:t> mode</a:t>
-            </a:r>
-            <a:r>
-              <a:rPr lang="en-GB" sz="1800" dirty="0" smtClean="0"/>
-              <a:t>.</a:t>
-            </a:r>
-          </a:p>
-          <a:p>
-            <a:pPr marL="0" indent="0">
-              <a:buNone/>
-            </a:pPr>
-            <a:endParaRPr lang="en-GB" sz="1800" dirty="0" smtClean="0"/>
-          </a:p>
-          <a:p>
-            <a:r>
-              <a:rPr lang="en-GB" sz="1800" dirty="0" smtClean="0"/>
-              <a:t>Practically performs </a:t>
-            </a:r>
-            <a:r>
-              <a:rPr lang="en-GB" sz="1800" dirty="0"/>
-              <a:t>well in small clusters (under 10 nodes)</a:t>
-            </a:r>
+              <a:t>looked up in lazily manner.</a:t>
+            </a:r>
+            <a:endParaRPr lang="en-GB" sz="1800" dirty="0"/>
           </a:p>
         </p:txBody>
       </p:sp>
@@ -7766,7 +8806,11 @@
           <a:p>
             <a:r>
               <a:rPr lang="en-GB" dirty="0"/>
-              <a:t>Modes</a:t>
+              <a:t>Caching Modes</a:t>
+            </a:r>
+            <a:r>
+              <a:rPr lang="en-GB" dirty="0"/>
+              <a:t/>
             </a:r>
             <a:br>
               <a:rPr lang="en-GB" dirty="0"/>
@@ -7792,7 +8836,7 @@
           <a:p>
             <a:r>
               <a:rPr lang="en-GB" dirty="0" smtClean="0"/>
-              <a:t>Replication Mode</a:t>
+              <a:t>Invalidation Mode</a:t>
             </a:r>
             <a:endParaRPr lang="en-GB" dirty="0"/>
           </a:p>
@@ -7821,7 +8865,7 @@
               <a:pPr>
                 <a:defRPr/>
               </a:pPr>
-              <a:t>16 July 2015</a:t>
+              <a:t>24 July 2015</a:t>
             </a:fld>
             <a:endParaRPr lang="en-US" dirty="0"/>
           </a:p>
@@ -7856,10 +8900,190 @@
           </a:p>
         </p:txBody>
       </p:sp>
+      <p:pic>
+        <p:nvPicPr>
+          <p:cNvPr id="11" name="Content Placeholder 10" descr="Figure2 5"/>
+          <p:cNvPicPr>
+            <a:picLocks noGrp="1" noChangeAspect="1" noChangeArrowheads="1"/>
+          </p:cNvPicPr>
+          <p:nvPr>
+            <p:ph sz="half" idx="2"/>
+          </p:nvPr>
+        </p:nvPicPr>
+        <p:blipFill>
+          <a:blip r:embed="rId2">
+            <a:extLst>
+              <a:ext uri="{28A0092B-C50C-407E-A947-70E740481C1C}">
+                <a14:useLocalDpi xmlns:a14="http://schemas.microsoft.com/office/drawing/2010/main" val="0"/>
+              </a:ext>
+            </a:extLst>
+          </a:blip>
+          <a:srcRect/>
+          <a:stretch>
+            <a:fillRect/>
+          </a:stretch>
+        </p:blipFill>
+        <p:spPr bwMode="auto">
+          <a:xfrm>
+            <a:off x="4840835" y="1700775"/>
+            <a:ext cx="4065588" cy="2435486"/>
+          </a:xfrm>
+          <a:prstGeom prst="rect">
+            <a:avLst/>
+          </a:prstGeom>
+          <a:noFill/>
+          <a:extLst>
+            <a:ext uri="{909E8E84-426E-40DD-AFC4-6F175D3DCCD1}">
+              <a14:hiddenFill xmlns:a14="http://schemas.microsoft.com/office/drawing/2010/main">
+                <a:solidFill>
+                  <a:srgbClr val="FFFFFF"/>
+                </a:solidFill>
+              </a14:hiddenFill>
+            </a:ext>
+          </a:extLst>
+        </p:spPr>
+      </p:pic>
+      <p:sp>
+        <p:nvSpPr>
+          <p:cNvPr id="2" name="TextBox 1"/>
+          <p:cNvSpPr txBox="1"/>
+          <p:nvPr/>
+        </p:nvSpPr>
+        <p:spPr>
+          <a:xfrm>
+            <a:off x="396504" y="4849985"/>
+            <a:ext cx="8372291" cy="1520416"/>
+          </a:xfrm>
+          <a:prstGeom prst="rect">
+            <a:avLst/>
+          </a:prstGeom>
+        </p:spPr>
+        <p:style>
+          <a:lnRef idx="1">
+            <a:schemeClr val="accent1"/>
+          </a:lnRef>
+          <a:fillRef idx="2">
+            <a:schemeClr val="accent1"/>
+          </a:fillRef>
+          <a:effectRef idx="1">
+            <a:schemeClr val="accent1"/>
+          </a:effectRef>
+          <a:fontRef idx="minor">
+            <a:schemeClr val="dk1"/>
+          </a:fontRef>
+        </p:style>
+        <p:txBody>
+          <a:bodyPr wrap="square" rtlCol="0">
+            <a:spAutoFit/>
+          </a:bodyPr>
+          <a:lstStyle/>
+          <a:p>
+            <a:pPr>
+              <a:buClr>
+                <a:srgbClr val="00A4F2"/>
+              </a:buClr>
+              <a:buNone/>
+            </a:pPr>
+            <a:r>
+              <a:rPr lang="en-GB" sz="1600" dirty="0"/>
+              <a:t>&lt;invalidation-cache name="</a:t>
+            </a:r>
+            <a:r>
+              <a:rPr lang="en-GB" sz="1600" dirty="0" err="1" smtClean="0"/>
+              <a:t>invalidatedCache</a:t>
+            </a:r>
+            <a:r>
+              <a:rPr lang="en-GB" sz="1600" dirty="0"/>
+              <a:t>" mode="SYNC</a:t>
+            </a:r>
+            <a:r>
+              <a:rPr lang="en-GB" sz="1600" dirty="0" smtClean="0"/>
+              <a:t>"&gt; </a:t>
+            </a:r>
+          </a:p>
+          <a:p>
+            <a:pPr>
+              <a:buClr>
+                <a:srgbClr val="00A4F2"/>
+              </a:buClr>
+              <a:buNone/>
+            </a:pPr>
+            <a:r>
+              <a:rPr lang="en-GB" sz="1600" dirty="0" smtClean="0"/>
+              <a:t>	&lt;</a:t>
+            </a:r>
+            <a:r>
+              <a:rPr lang="en-GB" sz="1600" dirty="0"/>
+              <a:t>persistence</a:t>
+            </a:r>
+            <a:r>
+              <a:rPr lang="en-GB" sz="1600" dirty="0" smtClean="0"/>
+              <a:t>&gt;</a:t>
+            </a:r>
+          </a:p>
+          <a:p>
+            <a:pPr>
+              <a:buClr>
+                <a:srgbClr val="00A4F2"/>
+              </a:buClr>
+              <a:buNone/>
+            </a:pPr>
+            <a:r>
+              <a:rPr lang="en-GB" sz="1600" dirty="0" smtClean="0"/>
+              <a:t>		&lt;</a:t>
+            </a:r>
+            <a:r>
+              <a:rPr lang="en-GB" sz="1600" dirty="0"/>
+              <a:t>cluster-loader remote-timeout="20000" preload="false" </a:t>
+            </a:r>
+            <a:r>
+              <a:rPr lang="en-GB" sz="1600" dirty="0" smtClean="0"/>
+              <a:t>/&gt;</a:t>
+            </a:r>
+          </a:p>
+          <a:p>
+            <a:pPr>
+              <a:buClr>
+                <a:srgbClr val="00A4F2"/>
+              </a:buClr>
+              <a:buNone/>
+            </a:pPr>
+            <a:r>
+              <a:rPr lang="en-GB" sz="1600" dirty="0" smtClean="0"/>
+              <a:t>	&lt;/</a:t>
+            </a:r>
+            <a:r>
+              <a:rPr lang="en-GB" sz="1600" dirty="0"/>
+              <a:t>persistence</a:t>
+            </a:r>
+            <a:r>
+              <a:rPr lang="en-GB" sz="1600" dirty="0" smtClean="0"/>
+              <a:t>&gt;</a:t>
+            </a:r>
+          </a:p>
+          <a:p>
+            <a:pPr>
+              <a:buClr>
+                <a:srgbClr val="00A4F2"/>
+              </a:buClr>
+              <a:buNone/>
+            </a:pPr>
+            <a:r>
+              <a:rPr lang="en-GB" sz="1600" dirty="0" smtClean="0"/>
+              <a:t>&lt;/</a:t>
+            </a:r>
+            <a:r>
+              <a:rPr lang="en-GB" sz="1600" dirty="0"/>
+              <a:t>invalidation-cache&gt;</a:t>
+            </a:r>
+            <a:endParaRPr lang="en-GB" sz="1600" dirty="0" smtClean="0"/>
+          </a:p>
+        </p:txBody>
+      </p:sp>
     </p:spTree>
     <p:extLst>
       <p:ext uri="{BB962C8B-B14F-4D97-AF65-F5344CB8AC3E}">
-        <p14:creationId xmlns:p14="http://schemas.microsoft.com/office/powerpoint/2010/main" val="1749713803"/>
+        <p14:creationId xmlns:p14="http://schemas.microsoft.com/office/powerpoint/2010/main" val="1524566408"/>
       </p:ext>
     </p:extLst>
   </p:cSld>
@@ -7893,6 +9117,61 @@
           <a:chExt cx="0" cy="0"/>
         </a:xfrm>
       </p:grpSpPr>
+      <p:pic>
+        <p:nvPicPr>
+          <p:cNvPr id="1026" name="Picture 2"/>
+          <p:cNvPicPr>
+            <a:picLocks noGrp="1" noChangeAspect="1" noChangeArrowheads="1"/>
+          </p:cNvPicPr>
+          <p:nvPr>
+            <p:ph sz="half" idx="1"/>
+          </p:nvPr>
+        </p:nvPicPr>
+        <p:blipFill>
+          <a:blip r:embed="rId2">
+            <a:extLst>
+              <a:ext uri="{28A0092B-C50C-407E-A947-70E740481C1C}">
+                <a14:useLocalDpi xmlns:a14="http://schemas.microsoft.com/office/drawing/2010/main" val="0"/>
+              </a:ext>
+            </a:extLst>
+          </a:blip>
+          <a:stretch>
+            <a:fillRect/>
+          </a:stretch>
+        </p:blipFill>
+        <p:spPr bwMode="auto">
+          <a:xfrm>
+            <a:off x="4956050" y="1777585"/>
+            <a:ext cx="4064000" cy="3302830"/>
+          </a:xfrm>
+          <a:prstGeom prst="rect">
+            <a:avLst/>
+          </a:prstGeom>
+          <a:noFill/>
+          <a:ln>
+            <a:noFill/>
+          </a:ln>
+          <a:extLst>
+            <a:ext uri="{909E8E84-426E-40DD-AFC4-6F175D3DCCD1}">
+              <a14:hiddenFill xmlns:a14="http://schemas.microsoft.com/office/drawing/2010/main">
+                <a:solidFill>
+                  <a:schemeClr val="accent1"/>
+                </a:solidFill>
+              </a14:hiddenFill>
+            </a:ext>
+            <a:ext uri="{91240B29-F687-4F45-9708-019B960494DF}">
+              <a14:hiddenLine xmlns:a14="http://schemas.microsoft.com/office/drawing/2010/main" w="9525">
+                <a:solidFill>
+                  <a:schemeClr val="tx1"/>
+                </a:solidFill>
+                <a:miter lim="800000"/>
+                <a:headEnd/>
+                <a:tailEnd/>
+              </a14:hiddenLine>
+            </a:ext>
+          </a:extLst>
+        </p:spPr>
+      </p:pic>
       <p:sp>
         <p:nvSpPr>
           <p:cNvPr id="20" name="Content Placeholder 19"/>
@@ -7900,21 +9179,40 @@
             <a:spLocks noGrp="1"/>
           </p:cNvSpPr>
           <p:nvPr>
-            <p:ph sz="half" idx="1"/>
-          </p:nvPr>
-        </p:nvSpPr>
-        <p:spPr/>
+            <p:ph sz="half" idx="2"/>
+          </p:nvPr>
+        </p:nvSpPr>
+        <p:spPr>
+          <a:xfrm>
+            <a:off x="347450" y="1201510"/>
+            <a:ext cx="4762220" cy="4301360"/>
+          </a:xfrm>
+        </p:spPr>
         <p:txBody>
           <a:bodyPr/>
           <a:lstStyle/>
           <a:p>
+            <a:r>
+              <a:rPr lang="en-GB" sz="1800" dirty="0" smtClean="0"/>
+              <a:t>Entries </a:t>
+            </a:r>
+            <a:r>
+              <a:rPr lang="en-GB" sz="1800" dirty="0" smtClean="0"/>
+              <a:t>replicated </a:t>
+            </a:r>
+            <a:r>
+              <a:rPr lang="en-GB" sz="1800" dirty="0"/>
+              <a:t>to all </a:t>
+            </a:r>
+            <a:r>
+              <a:rPr lang="en-GB" sz="1800" dirty="0" smtClean="0"/>
+              <a:t>cache </a:t>
+            </a:r>
+            <a:r>
+              <a:rPr lang="en-GB" sz="1800" dirty="0" smtClean="0"/>
+              <a:t>instances, high availability</a:t>
+            </a:r>
             <a:endParaRPr lang="en-GB" sz="1800" dirty="0" smtClean="0"/>
-          </a:p>
-          <a:p>
-            <a:r>
-              <a:rPr lang="en-GB" sz="1800" dirty="0" smtClean="0"/>
-              <a:t>Does not share data</a:t>
-            </a:r>
           </a:p>
           <a:p>
             <a:pPr marL="0" indent="0">
@@ -7925,8 +9223,13 @@
           <a:p>
             <a:r>
               <a:rPr lang="en-GB" sz="1800" dirty="0" smtClean="0"/>
-              <a:t>Removes data that may be stale from remote cache</a:t>
-            </a:r>
+              <a:t>Does not offer increased heap </a:t>
+            </a:r>
+            <a:r>
+              <a:rPr lang="en-GB" sz="1800" dirty="0" smtClean="0"/>
+              <a:t>space</a:t>
+            </a:r>
+            <a:endParaRPr lang="en-GB" sz="1800" dirty="0" smtClean="0"/>
           </a:p>
           <a:p>
             <a:pPr marL="0" indent="0">
@@ -7936,40 +9239,84 @@
           </a:p>
           <a:p>
             <a:r>
+              <a:rPr lang="en-GB" sz="1800" dirty="0"/>
+              <a:t>S</a:t>
+            </a:r>
+            <a:r>
               <a:rPr lang="en-GB" sz="1800" dirty="0" smtClean="0"/>
-              <a:t>Used for optimization with other permanent store</a:t>
+              <a:t>ynchronous </a:t>
+            </a:r>
+            <a:r>
+              <a:rPr lang="en-GB" sz="1800" dirty="0"/>
+              <a:t>replication requires acknowledgments from </a:t>
+            </a:r>
+            <a:r>
+              <a:rPr lang="en-GB" sz="1800" dirty="0" smtClean="0"/>
+              <a:t>all, guarantee success </a:t>
+            </a:r>
+            <a:endParaRPr lang="en-GB" sz="1800" dirty="0" smtClean="0"/>
+          </a:p>
+          <a:p>
+            <a:pPr marL="0" indent="0">
+              <a:buNone/>
+            </a:pPr>
+            <a:endParaRPr lang="en-GB" sz="1800" dirty="0" smtClean="0"/>
+          </a:p>
+          <a:p>
+            <a:r>
+              <a:rPr lang="en-GB" sz="1800" dirty="0" smtClean="0"/>
+              <a:t>Asynchronous </a:t>
+            </a:r>
+            <a:r>
+              <a:rPr lang="en-GB" sz="1800" dirty="0"/>
+              <a:t>replication </a:t>
+            </a:r>
+            <a:r>
+              <a:rPr lang="en-GB" sz="1800" dirty="0" smtClean="0"/>
+              <a:t>works </a:t>
+            </a:r>
+            <a:r>
+              <a:rPr lang="en-GB" sz="1800" dirty="0"/>
+              <a:t>in a </a:t>
+            </a:r>
+            <a:r>
+              <a:rPr lang="en-GB" sz="1800" i="1" dirty="0"/>
+              <a:t>fire-and-forget</a:t>
+            </a:r>
+            <a:r>
+              <a:rPr lang="en-GB" sz="1800" dirty="0"/>
+              <a:t> </a:t>
+            </a:r>
+            <a:r>
+              <a:rPr lang="en-GB" sz="1800" dirty="0" smtClean="0"/>
+              <a:t>mode</a:t>
+            </a:r>
+            <a:r>
+              <a:rPr lang="en-GB" sz="1800" dirty="0" smtClean="0"/>
+              <a:t>, can have data inconsistency</a:t>
+            </a:r>
+            <a:endParaRPr lang="en-GB" sz="1800" dirty="0" smtClean="0"/>
+          </a:p>
+          <a:p>
+            <a:pPr marL="0" indent="0">
+              <a:buNone/>
+            </a:pPr>
+            <a:endParaRPr lang="en-GB" sz="1800" dirty="0" smtClean="0"/>
+          </a:p>
+          <a:p>
+            <a:r>
+              <a:rPr lang="en-GB" sz="1800" dirty="0" smtClean="0"/>
+              <a:t>Practically performs </a:t>
+            </a:r>
+            <a:r>
+              <a:rPr lang="en-GB" sz="1800" dirty="0"/>
+              <a:t>well in small </a:t>
+            </a:r>
+            <a:r>
+              <a:rPr lang="en-GB" sz="1800" dirty="0" smtClean="0"/>
+              <a:t>clusters, due to no of replication messages</a:t>
             </a:r>
             <a:endParaRPr lang="en-GB" sz="1800" dirty="0"/>
-          </a:p>
-          <a:p>
-            <a:endParaRPr lang="en-GB" sz="1800" dirty="0" smtClean="0"/>
-          </a:p>
-          <a:p>
-            <a:r>
-              <a:rPr lang="en-GB" sz="1800" dirty="0"/>
-              <a:t>Minimized network </a:t>
-            </a:r>
-            <a:r>
-              <a:rPr lang="en-GB" sz="1800" dirty="0" smtClean="0"/>
-              <a:t>traffic</a:t>
-            </a:r>
-          </a:p>
-          <a:p>
-            <a:endParaRPr lang="en-GB" sz="1800" dirty="0"/>
-          </a:p>
-          <a:p>
-            <a:r>
-              <a:rPr lang="en-GB" sz="1800" dirty="0"/>
-              <a:t>Modified data is </a:t>
-            </a:r>
-            <a:r>
-              <a:rPr lang="en-GB" sz="1800" dirty="0" smtClean="0"/>
-              <a:t>looked up </a:t>
-            </a:r>
-            <a:r>
-              <a:rPr lang="en-GB" sz="1800" dirty="0"/>
-              <a:t>in lazy manner.</a:t>
-            </a:r>
           </a:p>
         </p:txBody>
       </p:sp>
@@ -7990,7 +9337,11 @@
           <a:p>
             <a:r>
               <a:rPr lang="en-GB" dirty="0"/>
-              <a:t>Modes</a:t>
+              <a:t>Caching Modes</a:t>
+            </a:r>
+            <a:r>
+              <a:rPr lang="en-GB" dirty="0"/>
+              <a:t/>
             </a:r>
             <a:br>
               <a:rPr lang="en-GB" dirty="0"/>
@@ -8016,7 +9367,7 @@
           <a:p>
             <a:r>
               <a:rPr lang="en-GB" dirty="0" smtClean="0"/>
-              <a:t>Invalidation Mode</a:t>
+              <a:t>Replication Mode</a:t>
             </a:r>
             <a:endParaRPr lang="en-GB" dirty="0"/>
           </a:p>
@@ -8045,7 +9396,7 @@
               <a:pPr>
                 <a:defRPr/>
               </a:pPr>
-              <a:t>16 July 2015</a:t>
+              <a:t>24 July 2015</a:t>
             </a:fld>
             <a:endParaRPr lang="en-US" dirty="0"/>
           </a:p>
@@ -8080,53 +9431,75 @@
           </a:p>
         </p:txBody>
       </p:sp>
-      <p:pic>
-        <p:nvPicPr>
-          <p:cNvPr id="11" name="Content Placeholder 10" descr="Figure2 5"/>
-          <p:cNvPicPr>
-            <a:picLocks noGrp="1" noChangeAspect="1" noChangeArrowheads="1"/>
-          </p:cNvPicPr>
-          <p:nvPr>
-            <p:ph sz="half" idx="2"/>
-          </p:nvPr>
-        </p:nvPicPr>
-        <p:blipFill>
-          <a:blip r:embed="rId2">
-            <a:extLst>
-              <a:ext uri="{28A0092B-C50C-407E-A947-70E740481C1C}">
-                <a14:useLocalDpi xmlns:a14="http://schemas.microsoft.com/office/drawing/2010/main" val="0"/>
-              </a:ext>
-            </a:extLst>
-          </a:blip>
-          <a:srcRect/>
-          <a:stretch>
-            <a:fillRect/>
-          </a:stretch>
-        </p:blipFill>
-        <p:spPr bwMode="auto">
+      <p:sp>
+        <p:nvSpPr>
+          <p:cNvPr id="7" name="TextBox 6"/>
+          <p:cNvSpPr txBox="1"/>
+          <p:nvPr/>
+        </p:nvSpPr>
+        <p:spPr>
           <a:xfrm>
-            <a:off x="4648200" y="2595432"/>
-            <a:ext cx="4065588" cy="2435486"/>
+            <a:off x="417941" y="5656490"/>
+            <a:ext cx="8333884" cy="792000"/>
           </a:xfrm>
           <a:prstGeom prst="rect">
             <a:avLst/>
           </a:prstGeom>
-          <a:noFill/>
-          <a:extLst>
-            <a:ext uri="{909E8E84-426E-40DD-AFC4-6F175D3DCCD1}">
-              <a14:hiddenFill xmlns:a14="http://schemas.microsoft.com/office/drawing/2010/main">
-                <a:solidFill>
-                  <a:srgbClr val="FFFFFF"/>
-                </a:solidFill>
-              </a14:hiddenFill>
-            </a:ext>
-          </a:extLst>
         </p:spPr>
-      </p:pic>
+        <p:style>
+          <a:lnRef idx="1">
+            <a:schemeClr val="accent1"/>
+          </a:lnRef>
+          <a:fillRef idx="2">
+            <a:schemeClr val="accent1"/>
+          </a:fillRef>
+          <a:effectRef idx="1">
+            <a:schemeClr val="accent1"/>
+          </a:effectRef>
+          <a:fontRef idx="minor">
+            <a:schemeClr val="dk1"/>
+          </a:fontRef>
+        </p:style>
+        <p:txBody>
+          <a:bodyPr wrap="square" rtlCol="0">
+            <a:spAutoFit/>
+          </a:bodyPr>
+          <a:lstStyle/>
+          <a:p>
+            <a:pPr>
+              <a:buClr>
+                <a:srgbClr val="00A4F2"/>
+              </a:buClr>
+              <a:buNone/>
+            </a:pPr>
+            <a:r>
+              <a:rPr lang="en-GB" sz="1600" dirty="0"/>
+              <a:t>&lt;replicated-cache name="</a:t>
+            </a:r>
+            <a:r>
+              <a:rPr lang="en-GB" sz="1600" dirty="0" err="1"/>
+              <a:t>replicationCache</a:t>
+            </a:r>
+            <a:r>
+              <a:rPr lang="en-GB" sz="1600" dirty="0"/>
+              <a:t>" mode="SYNC" remote-timeout="20000"&gt; </a:t>
+            </a:r>
+            <a:r>
+              <a:rPr lang="en-GB" sz="1600" dirty="0" smtClean="0"/>
+              <a:t>	&lt;</a:t>
+            </a:r>
+            <a:r>
+              <a:rPr lang="en-GB" sz="1600" dirty="0"/>
+              <a:t>state-transfer enabled="false" timeout="240000" chunk-size="0" /&gt; &lt;/replicated-cache&gt;</a:t>
+            </a:r>
+            <a:endParaRPr lang="en-GB" sz="1600" dirty="0" smtClean="0"/>
+          </a:p>
+        </p:txBody>
+      </p:sp>
     </p:spTree>
     <p:extLst>
       <p:ext uri="{BB962C8B-B14F-4D97-AF65-F5344CB8AC3E}">
-        <p14:creationId xmlns:p14="http://schemas.microsoft.com/office/powerpoint/2010/main" val="1524566408"/>
+        <p14:creationId xmlns:p14="http://schemas.microsoft.com/office/powerpoint/2010/main" val="1749713803"/>
       </p:ext>
     </p:extLst>
   </p:cSld>
@@ -8184,7 +9557,7 @@
         </p:blipFill>
         <p:spPr bwMode="auto">
           <a:xfrm>
-            <a:off x="4648810" y="2200040"/>
+            <a:off x="4956050" y="1815990"/>
             <a:ext cx="4064000" cy="3003826"/>
           </a:xfrm>
           <a:prstGeom prst="rect">
@@ -8217,46 +9590,26 @@
       </p:pic>
       <p:sp>
         <p:nvSpPr>
-          <p:cNvPr id="7" name="Content Placeholder 6"/>
+          <p:cNvPr id="2" name="Title 1"/>
           <p:cNvSpPr>
             <a:spLocks noGrp="1"/>
           </p:cNvSpPr>
           <p:nvPr>
-            <p:ph sz="half" idx="2"/>
-          </p:nvPr>
-        </p:nvSpPr>
-        <p:spPr>
-          <a:xfrm>
-            <a:off x="193830" y="1239915"/>
-            <a:ext cx="4065588" cy="5146675"/>
-          </a:xfrm>
-        </p:spPr>
+            <p:ph type="title"/>
+          </p:nvPr>
+        </p:nvSpPr>
+        <p:spPr/>
         <p:txBody>
           <a:bodyPr/>
           <a:lstStyle/>
           <a:p>
-            <a:endParaRPr lang="en-GB" sz="1400" dirty="0"/>
-          </a:p>
-        </p:txBody>
-      </p:sp>
-      <p:sp>
-        <p:nvSpPr>
-          <p:cNvPr id="2" name="Title 1"/>
-          <p:cNvSpPr>
-            <a:spLocks noGrp="1"/>
-          </p:cNvSpPr>
-          <p:nvPr>
-            <p:ph type="title"/>
-          </p:nvPr>
-        </p:nvSpPr>
-        <p:spPr/>
-        <p:txBody>
-          <a:bodyPr/>
-          <a:lstStyle/>
-          <a:p>
             <a:r>
               <a:rPr lang="en-GB" dirty="0"/>
-              <a:t>Modes</a:t>
+              <a:t>Caching Modes</a:t>
+            </a:r>
+            <a:r>
+              <a:rPr lang="en-GB" dirty="0"/>
+              <a:t/>
             </a:r>
             <a:br>
               <a:rPr lang="en-GB" dirty="0"/>
@@ -8310,7 +9663,7 @@
               <a:pPr>
                 <a:defRPr/>
               </a:pPr>
-              <a:t>16 July 2015</a:t>
+              <a:t>24 July 2015</a:t>
             </a:fld>
             <a:endParaRPr lang="en-US" dirty="0"/>
           </a:p>
@@ -8345,6 +9698,164 @@
           </a:p>
         </p:txBody>
       </p:sp>
+      <p:sp>
+        <p:nvSpPr>
+          <p:cNvPr id="11" name="Content Placeholder 19"/>
+          <p:cNvSpPr>
+            <a:spLocks noGrp="1"/>
+          </p:cNvSpPr>
+          <p:nvPr>
+            <p:ph sz="half" idx="2"/>
+          </p:nvPr>
+        </p:nvSpPr>
+        <p:spPr>
+          <a:xfrm>
+            <a:off x="347450" y="1201510"/>
+            <a:ext cx="4762220" cy="4070930"/>
+          </a:xfrm>
+        </p:spPr>
+        <p:txBody>
+          <a:bodyPr/>
+          <a:lstStyle/>
+          <a:p>
+            <a:r>
+              <a:rPr lang="en-GB" sz="1800" dirty="0" smtClean="0"/>
+              <a:t>Entries distributed to a subset of nodes, high scalability</a:t>
+            </a:r>
+            <a:endParaRPr lang="en-GB" sz="1800" dirty="0" smtClean="0"/>
+          </a:p>
+          <a:p>
+            <a:pPr marL="0" indent="0">
+              <a:buNone/>
+            </a:pPr>
+            <a:endParaRPr lang="en-GB" sz="1800" dirty="0" smtClean="0"/>
+          </a:p>
+          <a:p>
+            <a:r>
+              <a:rPr lang="en-GB" sz="1800" dirty="0" smtClean="0"/>
+              <a:t>Working as in-memory data grid and provide increased </a:t>
+            </a:r>
+            <a:r>
+              <a:rPr lang="en-GB" sz="1800" dirty="0" smtClean="0"/>
+              <a:t>heap </a:t>
+            </a:r>
+            <a:r>
+              <a:rPr lang="en-GB" sz="1800" dirty="0" smtClean="0"/>
+              <a:t>space</a:t>
+            </a:r>
+            <a:endParaRPr lang="en-GB" sz="1800" dirty="0" smtClean="0"/>
+          </a:p>
+          <a:p>
+            <a:pPr marL="0" indent="0">
+              <a:buNone/>
+            </a:pPr>
+            <a:endParaRPr lang="en-GB" sz="1800" dirty="0" smtClean="0"/>
+          </a:p>
+          <a:p>
+            <a:r>
+              <a:rPr lang="en-GB" sz="1800" dirty="0" smtClean="0"/>
+              <a:t>No of copies represent trade-off between performance and durability</a:t>
+            </a:r>
+            <a:endParaRPr lang="en-GB" sz="1800" dirty="0" smtClean="0"/>
+          </a:p>
+          <a:p>
+            <a:pPr marL="0" indent="0">
+              <a:buNone/>
+            </a:pPr>
+            <a:endParaRPr lang="en-GB" sz="1800" dirty="0" smtClean="0"/>
+          </a:p>
+          <a:p>
+            <a:r>
+              <a:rPr lang="en-GB" sz="1800" dirty="0" smtClean="0"/>
+              <a:t>No of copies for a entry is configurable</a:t>
+            </a:r>
+          </a:p>
+          <a:p>
+            <a:endParaRPr lang="en-GB" sz="1800" dirty="0"/>
+          </a:p>
+          <a:p>
+            <a:r>
+              <a:rPr lang="en-GB" sz="1800" dirty="0" smtClean="0"/>
+              <a:t>Uses Consistent Hash algorithm to determine nodes to store entries</a:t>
+            </a:r>
+            <a:endParaRPr lang="en-GB" sz="1800" dirty="0" smtClean="0"/>
+          </a:p>
+          <a:p>
+            <a:pPr marL="0" indent="0">
+              <a:buNone/>
+            </a:pPr>
+            <a:endParaRPr lang="en-GB" sz="1800" dirty="0" smtClean="0"/>
+          </a:p>
+          <a:p>
+            <a:endParaRPr lang="en-GB" sz="1800" dirty="0"/>
+          </a:p>
+        </p:txBody>
+      </p:sp>
+      <p:sp>
+        <p:nvSpPr>
+          <p:cNvPr id="12" name="TextBox 11"/>
+          <p:cNvSpPr txBox="1"/>
+          <p:nvPr/>
+        </p:nvSpPr>
+        <p:spPr>
+          <a:xfrm>
+            <a:off x="417941" y="5656490"/>
+            <a:ext cx="8333884" cy="584775"/>
+          </a:xfrm>
+          <a:prstGeom prst="rect">
+            <a:avLst/>
+          </a:prstGeom>
+        </p:spPr>
+        <p:style>
+          <a:lnRef idx="1">
+            <a:schemeClr val="accent1"/>
+          </a:lnRef>
+          <a:fillRef idx="2">
+            <a:schemeClr val="accent1"/>
+          </a:fillRef>
+          <a:effectRef idx="1">
+            <a:schemeClr val="accent1"/>
+          </a:effectRef>
+          <a:fontRef idx="minor">
+            <a:schemeClr val="dk1"/>
+          </a:fontRef>
+        </p:style>
+        <p:txBody>
+          <a:bodyPr wrap="square" rtlCol="0">
+            <a:spAutoFit/>
+          </a:bodyPr>
+          <a:lstStyle/>
+          <a:p>
+            <a:pPr>
+              <a:buClr>
+                <a:srgbClr val="00A4F2"/>
+              </a:buClr>
+              <a:buNone/>
+            </a:pPr>
+            <a:r>
+              <a:rPr lang="en-GB" sz="1600" dirty="0"/>
+              <a:t>&lt;distributed-cache name="</a:t>
+            </a:r>
+            <a:r>
+              <a:rPr lang="en-GB" sz="1600" dirty="0" err="1" smtClean="0"/>
+              <a:t>distributedCache</a:t>
+            </a:r>
+            <a:r>
+              <a:rPr lang="en-GB" sz="1600" dirty="0"/>
+              <a:t>" mode="SYNC" owners="2" segments="80</a:t>
+            </a:r>
+            <a:r>
+              <a:rPr lang="en-GB" sz="1600" dirty="0" smtClean="0"/>
+              <a:t>" </a:t>
+            </a:r>
+            <a:r>
+              <a:rPr lang="en-GB" sz="1600" dirty="0"/>
+              <a:t>/&gt;</a:t>
+            </a:r>
+            <a:endParaRPr lang="en-GB" sz="1600" dirty="0" smtClean="0"/>
+          </a:p>
+        </p:txBody>
+      </p:sp>
     </p:spTree>
     <p:extLst>
       <p:ext uri="{BB962C8B-B14F-4D97-AF65-F5344CB8AC3E}">
@@ -8355,6 +9866,13 @@
   <p:clrMapOvr>
     <a:masterClrMapping/>
   </p:clrMapOvr>
+  <p:timing>
+    <p:tnLst>
+      <p:par>
+        <p:cTn id="1" dur="indefinite" restart="never" nodeType="tmRoot"/>
+      </p:par>
+    </p:tnLst>
+  </p:timing>
 </p:sld>
 </file>
 
@@ -9766,6 +11284,21 @@
 </file>
 
 <file path=customXml/item1.xml><?xml version="1.0" encoding="utf-8"?>
+<?mso-contentType ?>
+<FormTemplates xmlns="http://schemas.microsoft.com/sharepoint/v3/contenttype/forms">
+  <Display>DocumentLibraryForm</Display>
+  <Edit>DocumentLibraryForm</Edit>
+  <New>DocumentLibraryForm</New>
+</FormTemplates>
+</file>
+
+<file path=customXml/item2.xml><?xml version="1.0" encoding="utf-8"?>
+<p:properties xmlns:p="http://schemas.microsoft.com/office/2006/metadata/properties" xmlns:xsi="http://www.w3.org/2001/XMLSchema-instance">
+  <documentManagement/>
+</p:properties>
+</file>
+
+<file path=customXml/item3.xml><?xml version="1.0" encoding="utf-8"?>
 <ct:contentTypeSchema xmlns:ct="http://schemas.microsoft.com/office/2006/metadata/contentType" xmlns:ma="http://schemas.microsoft.com/office/2006/metadata/properties/metaAttributes" ct:_="" ma:_="" ma:contentTypeName="Document" ma:contentTypeID="0x01010052A6242B10924A4DBFB6124D54A27815" ma:contentTypeVersion="0" ma:contentTypeDescription="Create a new document." ma:contentTypeScope="" ma:versionID="b57ed8ccf37977ae283eeff73d3b9890">
   <xsd:schema xmlns:xsd="http://www.w3.org/2001/XMLSchema" xmlns:xs="http://www.w3.org/2001/XMLSchema" xmlns:p="http://schemas.microsoft.com/office/2006/metadata/properties" targetNamespace="http://schemas.microsoft.com/office/2006/metadata/properties" ma:root="true" ma:fieldsID="c64490b4aec6201516c3a874156f37b2">
     <xsd:element name="properties">
@@ -9879,33 +11412,10 @@
 </ct:contentTypeSchema>
 </file>
 
-<file path=customXml/item2.xml><?xml version="1.0" encoding="utf-8"?>
-<p:properties xmlns:p="http://schemas.microsoft.com/office/2006/metadata/properties" xmlns:xsi="http://www.w3.org/2001/XMLSchema-instance">
-  <documentManagement/>
-</p:properties>
-</file>
-
-<file path=customXml/item3.xml><?xml version="1.0" encoding="utf-8"?>
-<?mso-contentType ?>
-<FormTemplates xmlns="http://schemas.microsoft.com/sharepoint/v3/contenttype/forms">
-  <Display>DocumentLibraryForm</Display>
-  <Edit>DocumentLibraryForm</Edit>
-  <New>DocumentLibraryForm</New>
-</FormTemplates>
-</file>
-
 <file path=customXml/itemProps1.xml><?xml version="1.0" encoding="utf-8"?>
-<ds:datastoreItem xmlns:ds="http://schemas.openxmlformats.org/officeDocument/2006/customXml" ds:itemID="{6A646D34-48B1-41EF-AFA6-EB967E20351F}">
+<ds:datastoreItem xmlns:ds="http://schemas.openxmlformats.org/officeDocument/2006/customXml" ds:itemID="{5DF3DE8E-7DF2-4573-85BC-A64B51AF200C}">
   <ds:schemaRefs>
-    <ds:schemaRef ds:uri="http://schemas.microsoft.com/office/2006/metadata/contentType"/>
-    <ds:schemaRef ds:uri="http://schemas.microsoft.com/office/2006/metadata/properties/metaAttributes"/>
-    <ds:schemaRef ds:uri="http://www.w3.org/2001/XMLSchema"/>
-    <ds:schemaRef ds:uri="http://schemas.microsoft.com/office/2006/metadata/properties"/>
-    <ds:schemaRef ds:uri="http://schemas.openxmlformats.org/package/2006/metadata/core-properties"/>
-    <ds:schemaRef ds:uri="http://purl.org/dc/elements/1.1/"/>
-    <ds:schemaRef ds:uri="http://purl.org/dc/terms/"/>
-    <ds:schemaRef ds:uri="http://schemas.microsoft.com/internal/obd"/>
-    <ds:schemaRef ds:uri="http://schemas.microsoft.com/office/infopath/2007/PartnerControls"/>
+    <ds:schemaRef ds:uri="http://schemas.microsoft.com/sharepoint/v3/contenttype/forms"/>
   </ds:schemaRefs>
 </ds:datastoreItem>
 </file>
@@ -9926,9 +11436,17 @@
 </file>
 
 <file path=customXml/itemProps3.xml><?xml version="1.0" encoding="utf-8"?>
-<ds:datastoreItem xmlns:ds="http://schemas.openxmlformats.org/officeDocument/2006/customXml" ds:itemID="{5DF3DE8E-7DF2-4573-85BC-A64B51AF200C}">
+<ds:datastoreItem xmlns:ds="http://schemas.openxmlformats.org/officeDocument/2006/customXml" ds:itemID="{6A646D34-48B1-41EF-AFA6-EB967E20351F}">
   <ds:schemaRefs>
-    <ds:schemaRef ds:uri="http://schemas.microsoft.com/sharepoint/v3/contenttype/forms"/>
+    <ds:schemaRef ds:uri="http://schemas.microsoft.com/office/2006/metadata/contentType"/>
+    <ds:schemaRef ds:uri="http://schemas.microsoft.com/office/2006/metadata/properties/metaAttributes"/>
+    <ds:schemaRef ds:uri="http://www.w3.org/2001/XMLSchema"/>
+    <ds:schemaRef ds:uri="http://schemas.microsoft.com/office/2006/metadata/properties"/>
+    <ds:schemaRef ds:uri="http://schemas.openxmlformats.org/package/2006/metadata/core-properties"/>
+    <ds:schemaRef ds:uri="http://purl.org/dc/elements/1.1/"/>
+    <ds:schemaRef ds:uri="http://purl.org/dc/terms/"/>
+    <ds:schemaRef ds:uri="http://schemas.microsoft.com/internal/obd"/>
+    <ds:schemaRef ds:uri="http://schemas.microsoft.com/office/infopath/2007/PartnerControls"/>
   </ds:schemaRefs>
 </ds:datastoreItem>
 </file>
--- a/infinispan-embedded-tutorial/Infinispan.pptx
+++ b/infinispan-embedded-tutorial/Infinispan.pptx
@@ -5,10 +5,10 @@
     <p:sldMasterId id="2147483733" r:id="rId4"/>
   </p:sldMasterIdLst>
   <p:notesMasterIdLst>
-    <p:notesMasterId r:id="rId19"/>
+    <p:notesMasterId r:id="rId21"/>
   </p:notesMasterIdLst>
   <p:handoutMasterIdLst>
-    <p:handoutMasterId r:id="rId20"/>
+    <p:handoutMasterId r:id="rId22"/>
   </p:handoutMasterIdLst>
   <p:sldIdLst>
     <p:sldId id="256" r:id="rId5"/>
@@ -20,11 +20,13 @@
     <p:sldId id="269" r:id="rId11"/>
     <p:sldId id="266" r:id="rId12"/>
     <p:sldId id="267" r:id="rId13"/>
-    <p:sldId id="270" r:id="rId14"/>
-    <p:sldId id="272" r:id="rId15"/>
-    <p:sldId id="259" r:id="rId16"/>
-    <p:sldId id="260" r:id="rId17"/>
-    <p:sldId id="273" r:id="rId18"/>
+    <p:sldId id="276" r:id="rId14"/>
+    <p:sldId id="270" r:id="rId15"/>
+    <p:sldId id="275" r:id="rId16"/>
+    <p:sldId id="272" r:id="rId17"/>
+    <p:sldId id="259" r:id="rId18"/>
+    <p:sldId id="260" r:id="rId19"/>
+    <p:sldId id="273" r:id="rId20"/>
   </p:sldIdLst>
   <p:sldSz cx="9144000" cy="6858000" type="screen4x3"/>
   <p:notesSz cx="6669088" cy="9872663"/>
@@ -172,11 +174,9 @@
             <p14:sldId id="269"/>
             <p14:sldId id="266"/>
             <p14:sldId id="267"/>
+            <p14:sldId id="276"/>
             <p14:sldId id="270"/>
-          </p14:sldIdLst>
-        </p14:section>
-        <p14:section name="Untitled Section" id="{FCA8E30B-4624-4390-AA21-5108CAC0652F}">
-          <p14:sldIdLst>
+            <p14:sldId id="275"/>
             <p14:sldId id="272"/>
             <p14:sldId id="259"/>
             <p14:sldId id="260"/>
@@ -272,7 +272,7 @@
             <a:fld id="{AB771C5C-997B-4FBD-B8F3-A0A3C30CDBE5}" type="datetimeFigureOut">
               <a:rPr lang="en-GB" smtClean="0"/>
               <a:pPr/>
-              <a:t>24/07/2015</a:t>
+              <a:t>27/07/2015</a:t>
             </a:fld>
             <a:endParaRPr lang="en-GB"/>
           </a:p>
@@ -1766,7 +1766,7 @@
               <a:pPr>
                 <a:defRPr/>
               </a:pPr>
-              <a:t>24 July 2015</a:t>
+              <a:t>27 July 2015</a:t>
             </a:fld>
             <a:endParaRPr lang="en-US" dirty="0"/>
           </a:p>
@@ -1957,7 +1957,7 @@
               <a:pPr>
                 <a:defRPr/>
               </a:pPr>
-              <a:t>24 July 2015</a:t>
+              <a:t>27 July 2015</a:t>
             </a:fld>
             <a:endParaRPr lang="en-US" dirty="0"/>
           </a:p>
@@ -2234,7 +2234,7 @@
               <a:pPr>
                 <a:defRPr/>
               </a:pPr>
-              <a:t>24 July 2015</a:t>
+              <a:t>27 July 2015</a:t>
             </a:fld>
             <a:endParaRPr lang="en-US" dirty="0"/>
           </a:p>
@@ -2427,7 +2427,7 @@
               <a:pPr>
                 <a:defRPr/>
               </a:pPr>
-              <a:t>24 July 2015</a:t>
+              <a:t>27 July 2015</a:t>
             </a:fld>
             <a:endParaRPr lang="en-US" dirty="0"/>
           </a:p>
@@ -2801,7 +2801,7 @@
               <a:pPr>
                 <a:defRPr/>
               </a:pPr>
-              <a:t>24 July 2015</a:t>
+              <a:t>27 July 2015</a:t>
             </a:fld>
             <a:endParaRPr lang="en-US" dirty="0"/>
           </a:p>
@@ -3305,7 +3305,7 @@
               <a:pPr>
                 <a:defRPr/>
               </a:pPr>
-              <a:t>24 July 2015</a:t>
+              <a:t>27 July 2015</a:t>
             </a:fld>
             <a:endParaRPr lang="en-US" dirty="0"/>
           </a:p>
@@ -3509,7 +3509,7 @@
               <a:pPr>
                 <a:defRPr/>
               </a:pPr>
-              <a:t>24 July 2015</a:t>
+              <a:t>27 July 2015</a:t>
             </a:fld>
             <a:endParaRPr lang="en-US" dirty="0"/>
           </a:p>
@@ -3713,7 +3713,7 @@
               <a:pPr>
                 <a:defRPr/>
               </a:pPr>
-              <a:t>24 July 2015</a:t>
+              <a:t>27 July 2015</a:t>
             </a:fld>
             <a:endParaRPr lang="en-US" dirty="0"/>
           </a:p>
@@ -4001,7 +4001,7 @@
               <a:pPr>
                 <a:defRPr/>
               </a:pPr>
-              <a:t>24 July 2015</a:t>
+              <a:t>27 July 2015</a:t>
             </a:fld>
             <a:endParaRPr lang="en-US" dirty="0"/>
           </a:p>
@@ -4270,7 +4270,7 @@
               <a:pPr>
                 <a:defRPr/>
               </a:pPr>
-              <a:t>24 July 2015</a:t>
+              <a:t>27 July 2015</a:t>
             </a:fld>
             <a:endParaRPr lang="en-US" dirty="0"/>
           </a:p>
@@ -4474,7 +4474,7 @@
               <a:pPr>
                 <a:defRPr/>
               </a:pPr>
-              <a:t>24 July 2015</a:t>
+              <a:t>27 July 2015</a:t>
             </a:fld>
             <a:endParaRPr lang="en-US" dirty="0"/>
           </a:p>
@@ -5381,33 +5381,100 @@
       </p:grpSpPr>
       <p:sp>
         <p:nvSpPr>
-          <p:cNvPr id="4" name="Title 3"/>
+          <p:cNvPr id="9" name="Content Placeholder 8"/>
           <p:cNvSpPr>
             <a:spLocks noGrp="1"/>
           </p:cNvSpPr>
           <p:nvPr>
-            <p:ph type="title"/>
-          </p:nvPr>
-        </p:nvSpPr>
-        <p:spPr/>
+            <p:ph sz="half" idx="1"/>
+          </p:nvPr>
+        </p:nvSpPr>
+        <p:spPr>
+          <a:xfrm>
+            <a:off x="431799" y="1239838"/>
+            <a:ext cx="4754681" cy="4109412"/>
+          </a:xfrm>
+        </p:spPr>
         <p:txBody>
           <a:bodyPr/>
           <a:lstStyle/>
           <a:p>
             <a:r>
+              <a:rPr lang="en-GB" sz="1800" dirty="0" smtClean="0"/>
+              <a:t>Hold remote cache entries for short times</a:t>
+            </a:r>
+          </a:p>
+          <a:p>
+            <a:endParaRPr lang="en-GB" sz="1800" dirty="0"/>
+          </a:p>
+          <a:p>
+            <a:r>
+              <a:rPr lang="en-GB" sz="1800" dirty="0" smtClean="0"/>
+              <a:t>Prevent additional remote fetch operations and improve performance for reads </a:t>
+            </a:r>
+          </a:p>
+          <a:p>
+            <a:endParaRPr lang="en-GB" sz="1800" dirty="0"/>
+          </a:p>
+          <a:p>
+            <a:r>
+              <a:rPr lang="en-GB" sz="1800" dirty="0" smtClean="0"/>
+              <a:t>Update to a L1 cache entry invalidates all other L1 caches</a:t>
+            </a:r>
+          </a:p>
+          <a:p>
+            <a:endParaRPr lang="en-GB" sz="1800" dirty="0"/>
+          </a:p>
+          <a:p>
+            <a:r>
+              <a:rPr lang="en-GB" sz="1800" dirty="0" smtClean="0"/>
+              <a:t>Whenever key is update, invalidation messages need to be multicast</a:t>
+            </a:r>
+          </a:p>
+          <a:p>
+            <a:endParaRPr lang="en-GB" sz="1800" dirty="0"/>
+          </a:p>
+          <a:p>
+            <a:r>
+              <a:rPr lang="en-GB" sz="1800" dirty="0" smtClean="0"/>
+              <a:t>Increases the Java heap memory consumption.</a:t>
+            </a:r>
+            <a:endParaRPr lang="en-GB" sz="1800" dirty="0"/>
+          </a:p>
+          <a:p>
+            <a:endParaRPr lang="en-GB" dirty="0" smtClean="0"/>
+          </a:p>
+          <a:p>
+            <a:endParaRPr lang="en-GB" dirty="0"/>
+          </a:p>
+        </p:txBody>
+      </p:sp>
+      <p:sp>
+        <p:nvSpPr>
+          <p:cNvPr id="8" name="Title 7"/>
+          <p:cNvSpPr>
+            <a:spLocks noGrp="1"/>
+          </p:cNvSpPr>
+          <p:nvPr>
+            <p:ph type="title"/>
+          </p:nvPr>
+        </p:nvSpPr>
+        <p:spPr/>
+        <p:txBody>
+          <a:bodyPr/>
+          <a:lstStyle/>
+          <a:p>
+            <a:r>
               <a:rPr lang="en-GB" dirty="0"/>
               <a:t>Distribution Mode</a:t>
             </a:r>
-            <a:br>
-              <a:rPr lang="en-GB" dirty="0"/>
-            </a:br>
             <a:endParaRPr lang="en-GB" dirty="0"/>
           </a:p>
         </p:txBody>
       </p:sp>
       <p:sp>
         <p:nvSpPr>
-          <p:cNvPr id="5" name="Text Placeholder 4"/>
+          <p:cNvPr id="11" name="Text Placeholder 10"/>
           <p:cNvSpPr>
             <a:spLocks noGrp="1"/>
           </p:cNvSpPr>
@@ -5422,7 +5489,7 @@
           <a:p>
             <a:r>
               <a:rPr lang="en-GB" dirty="0" smtClean="0"/>
-              <a:t>Consistent Hashing</a:t>
+              <a:t>L1 Caching</a:t>
             </a:r>
             <a:endParaRPr lang="en-GB" dirty="0"/>
           </a:p>
@@ -5451,7 +5518,7 @@
               <a:pPr>
                 <a:defRPr/>
               </a:pPr>
-              <a:t>24 July 2015</a:t>
+              <a:t>27 July 2015</a:t>
             </a:fld>
             <a:endParaRPr lang="en-US" dirty="0"/>
           </a:p>
@@ -5488,12 +5555,12 @@
       </p:sp>
       <p:pic>
         <p:nvPicPr>
-          <p:cNvPr id="1026" name="Picture 2"/>
+          <p:cNvPr id="3075" name="Picture 3"/>
           <p:cNvPicPr>
             <a:picLocks noGrp="1" noChangeAspect="1" noChangeArrowheads="1"/>
           </p:cNvPicPr>
           <p:nvPr>
-            <p:ph sz="half" idx="1"/>
+            <p:ph sz="half" idx="2"/>
           </p:nvPr>
         </p:nvPicPr>
         <p:blipFill>
@@ -5511,8 +5578,451 @@
         </p:blipFill>
         <p:spPr bwMode="auto">
           <a:xfrm>
-            <a:off x="1307575" y="2315255"/>
-            <a:ext cx="2257425" cy="2276475"/>
+            <a:off x="4956050" y="1662370"/>
+            <a:ext cx="4065588" cy="3037111"/>
+          </a:xfrm>
+          <a:prstGeom prst="rect">
+            <a:avLst/>
+          </a:prstGeom>
+          <a:noFill/>
+          <a:ln>
+            <a:noFill/>
+          </a:ln>
+          <a:extLst>
+            <a:ext uri="{909E8E84-426E-40DD-AFC4-6F175D3DCCD1}">
+              <a14:hiddenFill xmlns:a14="http://schemas.microsoft.com/office/drawing/2010/main">
+                <a:solidFill>
+                  <a:schemeClr val="accent1"/>
+                </a:solidFill>
+              </a14:hiddenFill>
+            </a:ext>
+            <a:ext uri="{91240B29-F687-4F45-9708-019B960494DF}">
+              <a14:hiddenLine xmlns:a14="http://schemas.microsoft.com/office/drawing/2010/main" w="9525">
+                <a:solidFill>
+                  <a:schemeClr val="tx1"/>
+                </a:solidFill>
+                <a:miter lim="800000"/>
+                <a:headEnd/>
+                <a:tailEnd/>
+              </a14:hiddenLine>
+            </a:ext>
+          </a:extLst>
+        </p:spPr>
+      </p:pic>
+      <p:sp>
+        <p:nvSpPr>
+          <p:cNvPr id="16" name="TextBox 15"/>
+          <p:cNvSpPr txBox="1"/>
+          <p:nvPr/>
+        </p:nvSpPr>
+        <p:spPr>
+          <a:xfrm>
+            <a:off x="417941" y="5656490"/>
+            <a:ext cx="8333884" cy="584775"/>
+          </a:xfrm>
+          <a:prstGeom prst="rect">
+            <a:avLst/>
+          </a:prstGeom>
+        </p:spPr>
+        <p:style>
+          <a:lnRef idx="1">
+            <a:schemeClr val="accent1"/>
+          </a:lnRef>
+          <a:fillRef idx="2">
+            <a:schemeClr val="accent1"/>
+          </a:fillRef>
+          <a:effectRef idx="1">
+            <a:schemeClr val="accent1"/>
+          </a:effectRef>
+          <a:fontRef idx="minor">
+            <a:schemeClr val="dk1"/>
+          </a:fontRef>
+        </p:style>
+        <p:txBody>
+          <a:bodyPr wrap="square" rtlCol="0">
+            <a:spAutoFit/>
+          </a:bodyPr>
+          <a:lstStyle/>
+          <a:p>
+            <a:pPr>
+              <a:buClr>
+                <a:srgbClr val="00A4F2"/>
+              </a:buClr>
+              <a:buNone/>
+            </a:pPr>
+            <a:r>
+              <a:rPr lang="en-GB" sz="1600" dirty="0"/>
+              <a:t>&lt;distributed-cache name</a:t>
+            </a:r>
+            <a:r>
+              <a:rPr lang="en-GB" sz="1600" dirty="0" smtClean="0"/>
+              <a:t>=“distributedCacheWithL1Cache" </a:t>
+            </a:r>
+            <a:r>
+              <a:rPr lang="en-GB" sz="1600" dirty="0"/>
+              <a:t>mode</a:t>
+            </a:r>
+            <a:r>
+              <a:rPr lang="en-GB" sz="1600" dirty="0" smtClean="0"/>
+              <a:t>=“SYNC" </a:t>
+            </a:r>
+            <a:r>
+              <a:rPr lang="en-GB" sz="1600" dirty="0"/>
+              <a:t>owners="2" l1-lifespan="600000" l1-cleanup-interval="1200"&gt;</a:t>
+            </a:r>
+            <a:endParaRPr lang="en-GB" sz="1600" dirty="0" smtClean="0"/>
+          </a:p>
+        </p:txBody>
+      </p:sp>
+    </p:spTree>
+    <p:extLst>
+      <p:ext uri="{BB962C8B-B14F-4D97-AF65-F5344CB8AC3E}">
+        <p14:creationId xmlns:p14="http://schemas.microsoft.com/office/powerpoint/2010/main" val="1288140085"/>
+      </p:ext>
+    </p:extLst>
+  </p:cSld>
+  <p:clrMapOvr>
+    <a:masterClrMapping/>
+  </p:clrMapOvr>
+  <p:timing>
+    <p:tnLst>
+      <p:par>
+        <p:cTn id="1" dur="indefinite" restart="never" nodeType="tmRoot"/>
+      </p:par>
+    </p:tnLst>
+  </p:timing>
+</p:sld>
+</file>
+
+<file path=ppt/slides/slide11.xml><?xml version="1.0" encoding="utf-8"?>
+<p:sld xmlns:a="http://schemas.openxmlformats.org/drawingml/2006/main" xmlns:r="http://schemas.openxmlformats.org/officeDocument/2006/relationships" xmlns:p="http://schemas.openxmlformats.org/presentationml/2006/main">
+  <p:cSld>
+    <p:spTree>
+      <p:nvGrpSpPr>
+        <p:cNvPr id="1" name=""/>
+        <p:cNvGrpSpPr/>
+        <p:nvPr/>
+      </p:nvGrpSpPr>
+      <p:grpSpPr>
+        <a:xfrm>
+          <a:off x="0" y="0"/>
+          <a:ext cx="0" cy="0"/>
+          <a:chOff x="0" y="0"/>
+          <a:chExt cx="0" cy="0"/>
+        </a:xfrm>
+      </p:grpSpPr>
+      <p:sp>
+        <p:nvSpPr>
+          <p:cNvPr id="4" name="Title 3"/>
+          <p:cNvSpPr>
+            <a:spLocks noGrp="1"/>
+          </p:cNvSpPr>
+          <p:nvPr>
+            <p:ph type="title"/>
+          </p:nvPr>
+        </p:nvSpPr>
+        <p:spPr/>
+        <p:txBody>
+          <a:bodyPr/>
+          <a:lstStyle/>
+          <a:p>
+            <a:r>
+              <a:rPr lang="en-GB" dirty="0"/>
+              <a:t>Distribution Mode</a:t>
+            </a:r>
+            <a:br>
+              <a:rPr lang="en-GB" dirty="0"/>
+            </a:br>
+            <a:endParaRPr lang="en-GB" dirty="0"/>
+          </a:p>
+        </p:txBody>
+      </p:sp>
+      <p:sp>
+        <p:nvSpPr>
+          <p:cNvPr id="5" name="Text Placeholder 4"/>
+          <p:cNvSpPr>
+            <a:spLocks noGrp="1"/>
+          </p:cNvSpPr>
+          <p:nvPr>
+            <p:ph type="body" sz="quarter" idx="13"/>
+          </p:nvPr>
+        </p:nvSpPr>
+        <p:spPr/>
+        <p:txBody>
+          <a:bodyPr/>
+          <a:lstStyle/>
+          <a:p>
+            <a:r>
+              <a:rPr lang="en-GB" dirty="0" smtClean="0"/>
+              <a:t>Consistent Hashing</a:t>
+            </a:r>
+            <a:endParaRPr lang="en-GB" dirty="0"/>
+          </a:p>
+        </p:txBody>
+      </p:sp>
+      <p:sp>
+        <p:nvSpPr>
+          <p:cNvPr id="6" name="Date Placeholder 5"/>
+          <p:cNvSpPr>
+            <a:spLocks noGrp="1"/>
+          </p:cNvSpPr>
+          <p:nvPr>
+            <p:ph type="dt" sz="half" idx="10"/>
+          </p:nvPr>
+        </p:nvSpPr>
+        <p:spPr/>
+        <p:txBody>
+          <a:bodyPr/>
+          <a:lstStyle/>
+          <a:p>
+            <a:pPr>
+              <a:defRPr/>
+            </a:pPr>
+            <a:fld id="{262EFB65-E16C-451A-8365-0EA1441EB5B7}" type="datetime3">
+              <a:rPr lang="en-US" smtClean="0"/>
+              <a:pPr>
+                <a:defRPr/>
+              </a:pPr>
+              <a:t>27 July 2015</a:t>
+            </a:fld>
+            <a:endParaRPr lang="en-US" dirty="0"/>
+          </a:p>
+        </p:txBody>
+      </p:sp>
+      <p:sp>
+        <p:nvSpPr>
+          <p:cNvPr id="7" name="Slide Number Placeholder 6"/>
+          <p:cNvSpPr>
+            <a:spLocks noGrp="1"/>
+          </p:cNvSpPr>
+          <p:nvPr>
+            <p:ph type="sldNum" sz="quarter" idx="12"/>
+          </p:nvPr>
+        </p:nvSpPr>
+        <p:spPr/>
+        <p:txBody>
+          <a:bodyPr/>
+          <a:lstStyle/>
+          <a:p>
+            <a:pPr>
+              <a:defRPr/>
+            </a:pPr>
+            <a:fld id="{62FEDF8E-5B0F-4A65-9F05-A41FA81134FA}" type="slidenum">
+              <a:rPr lang="en-US" smtClean="0"/>
+              <a:pPr>
+                <a:defRPr/>
+              </a:pPr>
+              <a:t>10</a:t>
+            </a:fld>
+            <a:endParaRPr lang="en-US"/>
+          </a:p>
+        </p:txBody>
+      </p:sp>
+      <p:pic>
+        <p:nvPicPr>
+          <p:cNvPr id="2" name="Picture 2" descr="The distribution mode"/>
+          <p:cNvPicPr>
+            <a:picLocks noChangeAspect="1" noChangeArrowheads="1"/>
+          </p:cNvPicPr>
+          <p:nvPr/>
+        </p:nvPicPr>
+        <p:blipFill>
+          <a:blip r:embed="rId2">
+            <a:extLst>
+              <a:ext uri="{28A0092B-C50C-407E-A947-70E740481C1C}">
+                <a14:useLocalDpi xmlns:a14="http://schemas.microsoft.com/office/drawing/2010/main" val="0"/>
+              </a:ext>
+            </a:extLst>
+          </a:blip>
+          <a:srcRect/>
+          <a:stretch>
+            <a:fillRect/>
+          </a:stretch>
+        </p:blipFill>
+        <p:spPr bwMode="auto">
+          <a:xfrm>
+            <a:off x="1238250" y="2084825"/>
+            <a:ext cx="6667500" cy="3295651"/>
+          </a:xfrm>
+          <a:prstGeom prst="rect">
+            <a:avLst/>
+          </a:prstGeom>
+          <a:noFill/>
+          <a:extLst>
+            <a:ext uri="{909E8E84-426E-40DD-AFC4-6F175D3DCCD1}">
+              <a14:hiddenFill xmlns:a14="http://schemas.microsoft.com/office/drawing/2010/main">
+                <a:solidFill>
+                  <a:srgbClr val="FFFFFF"/>
+                </a:solidFill>
+              </a14:hiddenFill>
+            </a:ext>
+          </a:extLst>
+        </p:spPr>
+      </p:pic>
+    </p:spTree>
+    <p:extLst>
+      <p:ext uri="{BB962C8B-B14F-4D97-AF65-F5344CB8AC3E}">
+        <p14:creationId xmlns:p14="http://schemas.microsoft.com/office/powerpoint/2010/main" val="3576549177"/>
+      </p:ext>
+    </p:extLst>
+  </p:cSld>
+  <p:clrMapOvr>
+    <a:masterClrMapping/>
+  </p:clrMapOvr>
+  <p:timing>
+    <p:tnLst>
+      <p:par>
+        <p:cTn id="1" dur="indefinite" restart="never" nodeType="tmRoot"/>
+      </p:par>
+    </p:tnLst>
+  </p:timing>
+</p:sld>
+</file>
+
+<file path=ppt/slides/slide12.xml><?xml version="1.0" encoding="utf-8"?>
+<p:sld xmlns:a="http://schemas.openxmlformats.org/drawingml/2006/main" xmlns:r="http://schemas.openxmlformats.org/officeDocument/2006/relationships" xmlns:p="http://schemas.openxmlformats.org/presentationml/2006/main">
+  <p:cSld>
+    <p:spTree>
+      <p:nvGrpSpPr>
+        <p:cNvPr id="1" name=""/>
+        <p:cNvGrpSpPr/>
+        <p:nvPr/>
+      </p:nvGrpSpPr>
+      <p:grpSpPr>
+        <a:xfrm>
+          <a:off x="0" y="0"/>
+          <a:ext cx="0" cy="0"/>
+          <a:chOff x="0" y="0"/>
+          <a:chExt cx="0" cy="0"/>
+        </a:xfrm>
+      </p:grpSpPr>
+      <p:sp>
+        <p:nvSpPr>
+          <p:cNvPr id="2" name="Title 1"/>
+          <p:cNvSpPr>
+            <a:spLocks noGrp="1"/>
+          </p:cNvSpPr>
+          <p:nvPr>
+            <p:ph type="title"/>
+          </p:nvPr>
+        </p:nvSpPr>
+        <p:spPr/>
+        <p:txBody>
+          <a:bodyPr/>
+          <a:lstStyle/>
+          <a:p>
+            <a:r>
+              <a:rPr lang="en-GB" dirty="0"/>
+              <a:t>Distribution Mode</a:t>
+            </a:r>
+          </a:p>
+        </p:txBody>
+      </p:sp>
+      <p:sp>
+        <p:nvSpPr>
+          <p:cNvPr id="3" name="Text Placeholder 2"/>
+          <p:cNvSpPr>
+            <a:spLocks noGrp="1"/>
+          </p:cNvSpPr>
+          <p:nvPr>
+            <p:ph type="body" sz="quarter" idx="13"/>
+          </p:nvPr>
+        </p:nvSpPr>
+        <p:spPr/>
+        <p:txBody>
+          <a:bodyPr/>
+          <a:lstStyle/>
+          <a:p>
+            <a:r>
+              <a:rPr lang="en-GB" dirty="0"/>
+              <a:t>Consistent Hashing</a:t>
+            </a:r>
+          </a:p>
+        </p:txBody>
+      </p:sp>
+      <p:sp>
+        <p:nvSpPr>
+          <p:cNvPr id="4" name="Date Placeholder 3"/>
+          <p:cNvSpPr>
+            <a:spLocks noGrp="1"/>
+          </p:cNvSpPr>
+          <p:nvPr>
+            <p:ph type="dt" sz="half" idx="10"/>
+          </p:nvPr>
+        </p:nvSpPr>
+        <p:spPr/>
+        <p:txBody>
+          <a:bodyPr/>
+          <a:lstStyle/>
+          <a:p>
+            <a:pPr>
+              <a:defRPr/>
+            </a:pPr>
+            <a:fld id="{55F9C551-2FA5-4122-A83D-551109472C71}" type="datetime3">
+              <a:rPr lang="en-US" smtClean="0"/>
+              <a:pPr>
+                <a:defRPr/>
+              </a:pPr>
+              <a:t>27 July 2015</a:t>
+            </a:fld>
+            <a:endParaRPr lang="en-US" dirty="0"/>
+          </a:p>
+        </p:txBody>
+      </p:sp>
+      <p:sp>
+        <p:nvSpPr>
+          <p:cNvPr id="5" name="Slide Number Placeholder 4"/>
+          <p:cNvSpPr>
+            <a:spLocks noGrp="1"/>
+          </p:cNvSpPr>
+          <p:nvPr>
+            <p:ph type="sldNum" sz="quarter" idx="12"/>
+          </p:nvPr>
+        </p:nvSpPr>
+        <p:spPr/>
+        <p:txBody>
+          <a:bodyPr/>
+          <a:lstStyle/>
+          <a:p>
+            <a:pPr>
+              <a:defRPr/>
+            </a:pPr>
+            <a:fld id="{62FEDF8E-5B0F-4A65-9F05-A41FA81134FA}" type="slidenum">
+              <a:rPr lang="en-US" smtClean="0"/>
+              <a:pPr>
+                <a:defRPr/>
+              </a:pPr>
+              <a:t>11</a:t>
+            </a:fld>
+            <a:endParaRPr lang="en-US"/>
+          </a:p>
+        </p:txBody>
+      </p:sp>
+      <p:pic>
+        <p:nvPicPr>
+          <p:cNvPr id="2050" name="Picture 2"/>
+          <p:cNvPicPr>
+            <a:picLocks noChangeAspect="1" noChangeArrowheads="1"/>
+          </p:cNvPicPr>
+          <p:nvPr/>
+        </p:nvPicPr>
+        <p:blipFill>
+          <a:blip r:embed="rId2">
+            <a:extLst>
+              <a:ext uri="{28A0092B-C50C-407E-A947-70E740481C1C}">
+                <a14:useLocalDpi xmlns:a14="http://schemas.microsoft.com/office/drawing/2010/main" val="0"/>
+              </a:ext>
+            </a:extLst>
+          </a:blip>
+          <a:srcRect/>
+          <a:stretch>
+            <a:fillRect/>
+          </a:stretch>
+        </p:blipFill>
+        <p:spPr bwMode="auto">
+          <a:xfrm>
+            <a:off x="424260" y="1283274"/>
+            <a:ext cx="3793331" cy="4936331"/>
           </a:xfrm>
           <a:prstGeom prst="rect">
             <a:avLst/>
@@ -5544,13 +6054,11 @@
       </p:pic>
       <p:pic>
         <p:nvPicPr>
-          <p:cNvPr id="1027" name="Picture 3"/>
+          <p:cNvPr id="2052" name="Picture 4" descr="The distribution mode"/>
           <p:cNvPicPr>
-            <a:picLocks noGrp="1" noChangeAspect="1" noChangeArrowheads="1"/>
+            <a:picLocks noChangeAspect="1" noChangeArrowheads="1"/>
           </p:cNvPicPr>
-          <p:nvPr>
-            <p:ph sz="half" idx="2"/>
-          </p:nvPr>
+          <p:nvPr/>
         </p:nvPicPr>
         <p:blipFill>
           <a:blip r:embed="rId3">
@@ -5567,33 +6075,20 @@
         </p:blipFill>
         <p:spPr bwMode="auto">
           <a:xfrm>
-            <a:off x="5532125" y="2430470"/>
-            <a:ext cx="2390775" cy="2209800"/>
+            <a:off x="4476046" y="1484491"/>
+            <a:ext cx="4383405" cy="4333875"/>
           </a:xfrm>
           <a:prstGeom prst="rect">
             <a:avLst/>
           </a:prstGeom>
           <a:noFill/>
-          <a:ln>
-            <a:noFill/>
-          </a:ln>
           <a:extLst>
             <a:ext uri="{909E8E84-426E-40DD-AFC4-6F175D3DCCD1}">
               <a14:hiddenFill xmlns:a14="http://schemas.microsoft.com/office/drawing/2010/main">
                 <a:solidFill>
-                  <a:schemeClr val="accent1"/>
+                  <a:srgbClr val="FFFFFF"/>
                 </a:solidFill>
               </a14:hiddenFill>
-            </a:ext>
-            <a:ext uri="{91240B29-F687-4F45-9708-019B960494DF}">
-              <a14:hiddenLine xmlns:a14="http://schemas.microsoft.com/office/drawing/2010/main" w="9525">
-                <a:solidFill>
-                  <a:schemeClr val="tx1"/>
-                </a:solidFill>
-                <a:miter lim="800000"/>
-                <a:headEnd/>
-                <a:tailEnd/>
-              </a14:hiddenLine>
             </a:ext>
           </a:extLst>
         </p:spPr>
@@ -5601,7 +6096,7 @@
     </p:spTree>
     <p:extLst>
       <p:ext uri="{BB962C8B-B14F-4D97-AF65-F5344CB8AC3E}">
-        <p14:creationId xmlns:p14="http://schemas.microsoft.com/office/powerpoint/2010/main" val="3576549177"/>
+        <p14:creationId xmlns:p14="http://schemas.microsoft.com/office/powerpoint/2010/main" val="2073098933"/>
       </p:ext>
     </p:extLst>
   </p:cSld>
@@ -5618,7 +6113,7 @@
 </p:sld>
 </file>
 
-<file path=ppt/slides/slide11.xml><?xml version="1.0" encoding="utf-8"?>
+<file path=ppt/slides/slide13.xml><?xml version="1.0" encoding="utf-8"?>
 <p:sld xmlns:a="http://schemas.openxmlformats.org/drawingml/2006/main" xmlns:r="http://schemas.openxmlformats.org/officeDocument/2006/relationships" xmlns:p="http://schemas.openxmlformats.org/presentationml/2006/main">
   <p:cSld>
     <p:spTree>
@@ -6037,7 +6532,7 @@
               <a:pPr>
                 <a:defRPr/>
               </a:pPr>
-              <a:t>24 July 2015</a:t>
+              <a:t>27 July 2015</a:t>
             </a:fld>
             <a:endParaRPr lang="en-US" dirty="0"/>
           </a:p>
@@ -6066,7 +6561,7 @@
               <a:pPr>
                 <a:defRPr/>
               </a:pPr>
-              <a:t>10</a:t>
+              <a:t>12</a:t>
             </a:fld>
             <a:endParaRPr lang="en-US"/>
           </a:p>
@@ -6092,7 +6587,7 @@
 </p:sld>
 </file>
 
-<file path=ppt/slides/slide12.xml><?xml version="1.0" encoding="utf-8"?>
+<file path=ppt/slides/slide14.xml><?xml version="1.0" encoding="utf-8"?>
 <p:sld xmlns:a="http://schemas.openxmlformats.org/drawingml/2006/main" xmlns:r="http://schemas.openxmlformats.org/officeDocument/2006/relationships" xmlns:p="http://schemas.openxmlformats.org/presentationml/2006/main">
   <p:cSld>
     <p:spTree>
@@ -6229,7 +6724,7 @@
               <a:pPr>
                 <a:defRPr/>
               </a:pPr>
-              <a:t>24 July 2015</a:t>
+              <a:t>27 July 2015</a:t>
             </a:fld>
             <a:endParaRPr lang="en-US" dirty="0"/>
           </a:p>
@@ -6258,7 +6753,7 @@
               <a:pPr>
                 <a:defRPr/>
               </a:pPr>
-              <a:t>11</a:t>
+              <a:t>13</a:t>
             </a:fld>
             <a:endParaRPr lang="en-US" dirty="0"/>
           </a:p>
@@ -6284,7 +6779,7 @@
 </p:sld>
 </file>
 
-<file path=ppt/slides/slide13.xml><?xml version="1.0" encoding="utf-8"?>
+<file path=ppt/slides/slide15.xml><?xml version="1.0" encoding="utf-8"?>
 <p:sld xmlns:a="http://schemas.openxmlformats.org/drawingml/2006/main" xmlns:r="http://schemas.openxmlformats.org/officeDocument/2006/relationships" xmlns:p="http://schemas.openxmlformats.org/presentationml/2006/main">
   <p:cSld>
     <p:spTree>
@@ -6603,7 +7098,7 @@
               <a:pPr>
                 <a:defRPr/>
               </a:pPr>
-              <a:t>24 July 2015</a:t>
+              <a:t>27 July 2015</a:t>
             </a:fld>
             <a:endParaRPr lang="en-US" dirty="0"/>
           </a:p>
@@ -6632,7 +7127,7 @@
               <a:pPr>
                 <a:defRPr/>
               </a:pPr>
-              <a:t>12</a:t>
+              <a:t>14</a:t>
             </a:fld>
             <a:endParaRPr lang="en-US" dirty="0"/>
           </a:p>
@@ -6724,7 +7219,7 @@
 </p:sld>
 </file>
 
-<file path=ppt/slides/slide14.xml><?xml version="1.0" encoding="utf-8"?>
+<file path=ppt/slides/slide16.xml><?xml version="1.0" encoding="utf-8"?>
 <p:sld xmlns:a="http://schemas.openxmlformats.org/drawingml/2006/main" xmlns:r="http://schemas.openxmlformats.org/officeDocument/2006/relationships" xmlns:p="http://schemas.openxmlformats.org/presentationml/2006/main">
   <p:cSld>
     <p:spTree>
@@ -6912,7 +7407,7 @@
               <a:pPr>
                 <a:defRPr/>
               </a:pPr>
-              <a:t>24 July 2015</a:t>
+              <a:t>27 July 2015</a:t>
             </a:fld>
             <a:endParaRPr lang="en-US" dirty="0"/>
           </a:p>
@@ -6941,7 +7436,7 @@
               <a:pPr>
                 <a:defRPr/>
               </a:pPr>
-              <a:t>13</a:t>
+              <a:t>15</a:t>
             </a:fld>
             <a:endParaRPr lang="en-US"/>
           </a:p>
@@ -7118,7 +7613,7 @@
               <a:pPr>
                 <a:defRPr/>
               </a:pPr>
-              <a:t>24 July 2015</a:t>
+              <a:t>27 July 2015</a:t>
             </a:fld>
             <a:endParaRPr lang="en-US" dirty="0"/>
           </a:p>
@@ -7340,7 +7835,7 @@
               <a:pPr>
                 <a:defRPr/>
               </a:pPr>
-              <a:t>24 July 2015</a:t>
+              <a:t>27 July 2015</a:t>
             </a:fld>
             <a:endParaRPr lang="en-US" dirty="0"/>
           </a:p>
@@ -7467,11 +7962,7 @@
             </a:r>
             <a:r>
               <a:rPr lang="en-GB" sz="1800" dirty="0" smtClean="0"/>
-              <a:t>scalable</a:t>
-            </a:r>
-            <a:r>
-              <a:rPr lang="en-GB" sz="1800" dirty="0" smtClean="0"/>
-              <a:t>.</a:t>
+              <a:t>scalable.</a:t>
             </a:r>
           </a:p>
           <a:p>
@@ -7710,7 +8201,7 @@
               <a:pPr>
                 <a:defRPr/>
               </a:pPr>
-              <a:t>24 July 2015</a:t>
+              <a:t>27 July 2015</a:t>
             </a:fld>
             <a:endParaRPr lang="en-US" dirty="0"/>
           </a:p>
@@ -7840,11 +8331,7 @@
             </a:r>
             <a:r>
               <a:rPr lang="en-GB" sz="1800" dirty="0" smtClean="0"/>
-              <a:t>, Hot </a:t>
-            </a:r>
-            <a:r>
-              <a:rPr lang="en-GB" sz="1800" dirty="0" smtClean="0"/>
-              <a:t>Rod</a:t>
+              <a:t>, Hot Rod</a:t>
             </a:r>
           </a:p>
           <a:p>
@@ -7864,11 +8351,7 @@
             </a:r>
             <a:r>
               <a:rPr lang="en-GB" sz="1800" dirty="0" smtClean="0"/>
-              <a:t> AS </a:t>
-            </a:r>
-            <a:r>
-              <a:rPr lang="en-GB" sz="1800" dirty="0" smtClean="0"/>
-              <a:t>7.2</a:t>
+              <a:t> AS 7.2</a:t>
             </a:r>
           </a:p>
           <a:p>
@@ -7880,11 +8363,7 @@
           <a:p>
             <a:r>
               <a:rPr lang="en-GB" sz="1800" dirty="0" smtClean="0"/>
-              <a:t>Provide external access to data grid</a:t>
-            </a:r>
-            <a:r>
-              <a:rPr lang="en-GB" sz="1800" dirty="0" smtClean="0"/>
-              <a:t>.</a:t>
+              <a:t>Provide external access to data grid.</a:t>
             </a:r>
           </a:p>
           <a:p>
@@ -7904,11 +8383,7 @@
             </a:r>
             <a:r>
               <a:rPr lang="en-GB" sz="1800" dirty="0" smtClean="0"/>
-              <a:t>non-JVM </a:t>
-            </a:r>
-            <a:r>
-              <a:rPr lang="en-GB" sz="1800" dirty="0" smtClean="0"/>
-              <a:t>environment</a:t>
+              <a:t>non-JVM environment</a:t>
             </a:r>
           </a:p>
           <a:p>
@@ -8035,7 +8510,7 @@
               <a:pPr>
                 <a:defRPr/>
               </a:pPr>
-              <a:t>24 July 2015</a:t>
+              <a:t>27 July 2015</a:t>
             </a:fld>
             <a:endParaRPr lang="en-US" dirty="0"/>
           </a:p>
@@ -8222,7 +8697,7 @@
               <a:pPr>
                 <a:defRPr/>
               </a:pPr>
-              <a:t>24 July 2015</a:t>
+              <a:t>27 July 2015</a:t>
             </a:fld>
             <a:endParaRPr lang="en-US" dirty="0"/>
           </a:p>
@@ -8701,15 +9176,7 @@
           <a:p>
             <a:r>
               <a:rPr lang="en-GB" sz="1800" dirty="0" smtClean="0"/>
-              <a:t>Does </a:t>
-            </a:r>
-            <a:r>
-              <a:rPr lang="en-GB" sz="1800" dirty="0" smtClean="0"/>
-              <a:t>not share </a:t>
-            </a:r>
-            <a:r>
-              <a:rPr lang="en-GB" sz="1800" dirty="0" smtClean="0"/>
-              <a:t>data</a:t>
+              <a:t>Does not share data</a:t>
             </a:r>
           </a:p>
           <a:p>
@@ -8721,15 +9188,7 @@
           <a:p>
             <a:r>
               <a:rPr lang="en-GB" sz="1800" dirty="0" smtClean="0"/>
-              <a:t>Removes </a:t>
-            </a:r>
-            <a:r>
-              <a:rPr lang="en-GB" sz="1800" dirty="0" smtClean="0"/>
-              <a:t>data that may be stale from remote </a:t>
-            </a:r>
-            <a:r>
-              <a:rPr lang="en-GB" sz="1800" dirty="0" smtClean="0"/>
-              <a:t>cache</a:t>
+              <a:t>Removes data that may be stale from remote cache</a:t>
             </a:r>
           </a:p>
           <a:p>
@@ -8741,15 +9200,7 @@
           <a:p>
             <a:r>
               <a:rPr lang="en-GB" sz="1800" dirty="0" smtClean="0"/>
-              <a:t>Used </a:t>
-            </a:r>
-            <a:r>
-              <a:rPr lang="en-GB" sz="1800" dirty="0" smtClean="0"/>
-              <a:t>for optimization with other permanent </a:t>
-            </a:r>
-            <a:r>
-              <a:rPr lang="en-GB" sz="1800" dirty="0" smtClean="0"/>
-              <a:t>store</a:t>
+              <a:t>Used for optimization with other permanent store</a:t>
             </a:r>
           </a:p>
           <a:p>
@@ -8807,10 +9258,6 @@
             <a:r>
               <a:rPr lang="en-GB" dirty="0"/>
               <a:t>Caching Modes</a:t>
-            </a:r>
-            <a:r>
-              <a:rPr lang="en-GB" dirty="0"/>
-              <a:t/>
             </a:r>
             <a:br>
               <a:rPr lang="en-GB" dirty="0"/>
@@ -8865,7 +9312,7 @@
               <a:pPr>
                 <a:defRPr/>
               </a:pPr>
-              <a:t>24 July 2015</a:t>
+              <a:t>27 July 2015</a:t>
             </a:fld>
             <a:endParaRPr lang="en-US" dirty="0"/>
           </a:p>
@@ -9194,11 +9641,7 @@
           <a:p>
             <a:r>
               <a:rPr lang="en-GB" sz="1800" dirty="0" smtClean="0"/>
-              <a:t>Entries </a:t>
-            </a:r>
-            <a:r>
-              <a:rPr lang="en-GB" sz="1800" dirty="0" smtClean="0"/>
-              <a:t>replicated </a:t>
+              <a:t>Entries replicated </a:t>
             </a:r>
             <a:r>
               <a:rPr lang="en-GB" sz="1800" dirty="0"/>
@@ -9206,13 +9649,8 @@
             </a:r>
             <a:r>
               <a:rPr lang="en-GB" sz="1800" dirty="0" smtClean="0"/>
-              <a:t>cache </a:t>
-            </a:r>
-            <a:r>
-              <a:rPr lang="en-GB" sz="1800" dirty="0" smtClean="0"/>
-              <a:t>instances, high availability</a:t>
-            </a:r>
-            <a:endParaRPr lang="en-GB" sz="1800" dirty="0" smtClean="0"/>
+              <a:t>cache instances, high availability</a:t>
+            </a:r>
           </a:p>
           <a:p>
             <a:pPr marL="0" indent="0">
@@ -9223,13 +9661,8 @@
           <a:p>
             <a:r>
               <a:rPr lang="en-GB" sz="1800" dirty="0" smtClean="0"/>
-              <a:t>Does not offer increased heap </a:t>
-            </a:r>
-            <a:r>
-              <a:rPr lang="en-GB" sz="1800" dirty="0" smtClean="0"/>
-              <a:t>space</a:t>
-            </a:r>
-            <a:endParaRPr lang="en-GB" sz="1800" dirty="0" smtClean="0"/>
+              <a:t>Does not offer increased heap space</a:t>
+            </a:r>
           </a:p>
           <a:p>
             <a:pPr marL="0" indent="0">
@@ -9254,7 +9687,6 @@
               <a:rPr lang="en-GB" sz="1800" dirty="0" smtClean="0"/>
               <a:t>all, guarantee success </a:t>
             </a:r>
-            <a:endParaRPr lang="en-GB" sz="1800" dirty="0" smtClean="0"/>
           </a:p>
           <a:p>
             <a:pPr marL="0" indent="0">
@@ -9289,13 +9721,8 @@
             </a:r>
             <a:r>
               <a:rPr lang="en-GB" sz="1800" dirty="0" smtClean="0"/>
-              <a:t>mode</a:t>
-            </a:r>
-            <a:r>
-              <a:rPr lang="en-GB" sz="1800" dirty="0" smtClean="0"/>
-              <a:t>, can have data inconsistency</a:t>
-            </a:r>
-            <a:endParaRPr lang="en-GB" sz="1800" dirty="0" smtClean="0"/>
+              <a:t>mode, can have data inconsistency</a:t>
+            </a:r>
           </a:p>
           <a:p>
             <a:pPr marL="0" indent="0">
@@ -9338,10 +9765,6 @@
             <a:r>
               <a:rPr lang="en-GB" dirty="0"/>
               <a:t>Caching Modes</a:t>
-            </a:r>
-            <a:r>
-              <a:rPr lang="en-GB" dirty="0"/>
-              <a:t/>
             </a:r>
             <a:br>
               <a:rPr lang="en-GB" dirty="0"/>
@@ -9396,7 +9819,7 @@
               <a:pPr>
                 <a:defRPr/>
               </a:pPr>
-              <a:t>24 July 2015</a:t>
+              <a:t>27 July 2015</a:t>
             </a:fld>
             <a:endParaRPr lang="en-US" dirty="0"/>
           </a:p>
@@ -9607,10 +10030,6 @@
               <a:rPr lang="en-GB" dirty="0"/>
               <a:t>Caching Modes</a:t>
             </a:r>
-            <a:r>
-              <a:rPr lang="en-GB" dirty="0"/>
-              <a:t/>
-            </a:r>
             <a:br>
               <a:rPr lang="en-GB" dirty="0"/>
             </a:br>
@@ -9663,7 +10082,7 @@
               <a:pPr>
                 <a:defRPr/>
               </a:pPr>
-              <a:t>24 July 2015</a:t>
+              <a:t>27 July 2015</a:t>
             </a:fld>
             <a:endParaRPr lang="en-US" dirty="0"/>
           </a:p>
@@ -9722,7 +10141,6 @@
               <a:rPr lang="en-GB" sz="1800" dirty="0" smtClean="0"/>
               <a:t>Entries distributed to a subset of nodes, high scalability</a:t>
             </a:r>
-            <a:endParaRPr lang="en-GB" sz="1800" dirty="0" smtClean="0"/>
           </a:p>
           <a:p>
             <a:pPr marL="0" indent="0">
@@ -9733,17 +10151,8 @@
           <a:p>
             <a:r>
               <a:rPr lang="en-GB" sz="1800" dirty="0" smtClean="0"/>
-              <a:t>Working as in-memory data grid and provide increased </a:t>
-            </a:r>
-            <a:r>
-              <a:rPr lang="en-GB" sz="1800" dirty="0" smtClean="0"/>
-              <a:t>heap </a:t>
-            </a:r>
-            <a:r>
-              <a:rPr lang="en-GB" sz="1800" dirty="0" smtClean="0"/>
-              <a:t>space</a:t>
-            </a:r>
-            <a:endParaRPr lang="en-GB" sz="1800" dirty="0" smtClean="0"/>
+              <a:t>Working as in-memory data grid and provide increased heap space</a:t>
+            </a:r>
           </a:p>
           <a:p>
             <a:pPr marL="0" indent="0">
@@ -9756,7 +10165,6 @@
               <a:rPr lang="en-GB" sz="1800" dirty="0" smtClean="0"/>
               <a:t>No of copies represent trade-off between performance and durability</a:t>
             </a:r>
-            <a:endParaRPr lang="en-GB" sz="1800" dirty="0" smtClean="0"/>
           </a:p>
           <a:p>
             <a:pPr marL="0" indent="0">
@@ -9776,7 +10184,11 @@
           <a:p>
             <a:r>
               <a:rPr lang="en-GB" sz="1800" dirty="0" smtClean="0"/>
-              <a:t>Uses Consistent Hash algorithm to determine nodes to store entries</a:t>
+              <a:t>Uses Consistent Hash algorithm to determine nodes to store </a:t>
+            </a:r>
+            <a:r>
+              <a:rPr lang="en-GB" sz="1800" dirty="0" smtClean="0"/>
+              <a:t>entries</a:t>
             </a:r>
             <a:endParaRPr lang="en-GB" sz="1800" dirty="0" smtClean="0"/>
           </a:p>
@@ -11284,21 +11696,6 @@
 </file>
 
 <file path=customXml/item1.xml><?xml version="1.0" encoding="utf-8"?>
-<?mso-contentType ?>
-<FormTemplates xmlns="http://schemas.microsoft.com/sharepoint/v3/contenttype/forms">
-  <Display>DocumentLibraryForm</Display>
-  <Edit>DocumentLibraryForm</Edit>
-  <New>DocumentLibraryForm</New>
-</FormTemplates>
-</file>
-
-<file path=customXml/item2.xml><?xml version="1.0" encoding="utf-8"?>
-<p:properties xmlns:p="http://schemas.microsoft.com/office/2006/metadata/properties" xmlns:xsi="http://www.w3.org/2001/XMLSchema-instance">
-  <documentManagement/>
-</p:properties>
-</file>
-
-<file path=customXml/item3.xml><?xml version="1.0" encoding="utf-8"?>
 <ct:contentTypeSchema xmlns:ct="http://schemas.microsoft.com/office/2006/metadata/contentType" xmlns:ma="http://schemas.microsoft.com/office/2006/metadata/properties/metaAttributes" ct:_="" ma:_="" ma:contentTypeName="Document" ma:contentTypeID="0x01010052A6242B10924A4DBFB6124D54A27815" ma:contentTypeVersion="0" ma:contentTypeDescription="Create a new document." ma:contentTypeScope="" ma:versionID="b57ed8ccf37977ae283eeff73d3b9890">
   <xsd:schema xmlns:xsd="http://www.w3.org/2001/XMLSchema" xmlns:xs="http://www.w3.org/2001/XMLSchema" xmlns:p="http://schemas.microsoft.com/office/2006/metadata/properties" targetNamespace="http://schemas.microsoft.com/office/2006/metadata/properties" ma:root="true" ma:fieldsID="c64490b4aec6201516c3a874156f37b2">
     <xsd:element name="properties">
@@ -11412,10 +11809,33 @@
 </ct:contentTypeSchema>
 </file>
 
+<file path=customXml/item2.xml><?xml version="1.0" encoding="utf-8"?>
+<p:properties xmlns:p="http://schemas.microsoft.com/office/2006/metadata/properties" xmlns:xsi="http://www.w3.org/2001/XMLSchema-instance">
+  <documentManagement/>
+</p:properties>
+</file>
+
+<file path=customXml/item3.xml><?xml version="1.0" encoding="utf-8"?>
+<?mso-contentType ?>
+<FormTemplates xmlns="http://schemas.microsoft.com/sharepoint/v3/contenttype/forms">
+  <Display>DocumentLibraryForm</Display>
+  <Edit>DocumentLibraryForm</Edit>
+  <New>DocumentLibraryForm</New>
+</FormTemplates>
+</file>
+
 <file path=customXml/itemProps1.xml><?xml version="1.0" encoding="utf-8"?>
-<ds:datastoreItem xmlns:ds="http://schemas.openxmlformats.org/officeDocument/2006/customXml" ds:itemID="{5DF3DE8E-7DF2-4573-85BC-A64B51AF200C}">
+<ds:datastoreItem xmlns:ds="http://schemas.openxmlformats.org/officeDocument/2006/customXml" ds:itemID="{6A646D34-48B1-41EF-AFA6-EB967E20351F}">
   <ds:schemaRefs>
-    <ds:schemaRef ds:uri="http://schemas.microsoft.com/sharepoint/v3/contenttype/forms"/>
+    <ds:schemaRef ds:uri="http://schemas.microsoft.com/office/2006/metadata/contentType"/>
+    <ds:schemaRef ds:uri="http://schemas.microsoft.com/office/2006/metadata/properties/metaAttributes"/>
+    <ds:schemaRef ds:uri="http://www.w3.org/2001/XMLSchema"/>
+    <ds:schemaRef ds:uri="http://schemas.microsoft.com/office/2006/metadata/properties"/>
+    <ds:schemaRef ds:uri="http://schemas.openxmlformats.org/package/2006/metadata/core-properties"/>
+    <ds:schemaRef ds:uri="http://purl.org/dc/elements/1.1/"/>
+    <ds:schemaRef ds:uri="http://purl.org/dc/terms/"/>
+    <ds:schemaRef ds:uri="http://schemas.microsoft.com/internal/obd"/>
+    <ds:schemaRef ds:uri="http://schemas.microsoft.com/office/infopath/2007/PartnerControls"/>
   </ds:schemaRefs>
 </ds:datastoreItem>
 </file>
@@ -11436,17 +11856,9 @@
 </file>
 
 <file path=customXml/itemProps3.xml><?xml version="1.0" encoding="utf-8"?>
-<ds:datastoreItem xmlns:ds="http://schemas.openxmlformats.org/officeDocument/2006/customXml" ds:itemID="{6A646D34-48B1-41EF-AFA6-EB967E20351F}">
+<ds:datastoreItem xmlns:ds="http://schemas.openxmlformats.org/officeDocument/2006/customXml" ds:itemID="{5DF3DE8E-7DF2-4573-85BC-A64B51AF200C}">
   <ds:schemaRefs>
-    <ds:schemaRef ds:uri="http://schemas.microsoft.com/office/2006/metadata/contentType"/>
-    <ds:schemaRef ds:uri="http://schemas.microsoft.com/office/2006/metadata/properties/metaAttributes"/>
-    <ds:schemaRef ds:uri="http://www.w3.org/2001/XMLSchema"/>
-    <ds:schemaRef ds:uri="http://schemas.microsoft.com/office/2006/metadata/properties"/>
-    <ds:schemaRef ds:uri="http://schemas.openxmlformats.org/package/2006/metadata/core-properties"/>
-    <ds:schemaRef ds:uri="http://purl.org/dc/elements/1.1/"/>
-    <ds:schemaRef ds:uri="http://purl.org/dc/terms/"/>
-    <ds:schemaRef ds:uri="http://schemas.microsoft.com/internal/obd"/>
-    <ds:schemaRef ds:uri="http://schemas.microsoft.com/office/infopath/2007/PartnerControls"/>
+    <ds:schemaRef ds:uri="http://schemas.microsoft.com/sharepoint/v3/contenttype/forms"/>
   </ds:schemaRefs>
 </ds:datastoreItem>
 </file>
--- a/infinispan-embedded-tutorial/Infinispan.pptx
+++ b/infinispan-embedded-tutorial/Infinispan.pptx
@@ -5,10 +5,10 @@
     <p:sldMasterId id="2147483733" r:id="rId4"/>
   </p:sldMasterIdLst>
   <p:notesMasterIdLst>
-    <p:notesMasterId r:id="rId21"/>
+    <p:notesMasterId r:id="rId22"/>
   </p:notesMasterIdLst>
   <p:handoutMasterIdLst>
-    <p:handoutMasterId r:id="rId22"/>
+    <p:handoutMasterId r:id="rId23"/>
   </p:handoutMasterIdLst>
   <p:sldIdLst>
     <p:sldId id="256" r:id="rId5"/>
@@ -16,17 +16,18 @@
     <p:sldId id="258" r:id="rId7"/>
     <p:sldId id="264" r:id="rId8"/>
     <p:sldId id="265" r:id="rId9"/>
-    <p:sldId id="274" r:id="rId10"/>
-    <p:sldId id="269" r:id="rId11"/>
-    <p:sldId id="266" r:id="rId12"/>
-    <p:sldId id="267" r:id="rId13"/>
-    <p:sldId id="276" r:id="rId14"/>
-    <p:sldId id="270" r:id="rId15"/>
-    <p:sldId id="275" r:id="rId16"/>
-    <p:sldId id="272" r:id="rId17"/>
-    <p:sldId id="259" r:id="rId18"/>
-    <p:sldId id="260" r:id="rId19"/>
-    <p:sldId id="273" r:id="rId20"/>
+    <p:sldId id="277" r:id="rId10"/>
+    <p:sldId id="273" r:id="rId11"/>
+    <p:sldId id="272" r:id="rId12"/>
+    <p:sldId id="274" r:id="rId13"/>
+    <p:sldId id="269" r:id="rId14"/>
+    <p:sldId id="266" r:id="rId15"/>
+    <p:sldId id="267" r:id="rId16"/>
+    <p:sldId id="276" r:id="rId17"/>
+    <p:sldId id="270" r:id="rId18"/>
+    <p:sldId id="275" r:id="rId19"/>
+    <p:sldId id="260" r:id="rId20"/>
+    <p:sldId id="259" r:id="rId21"/>
   </p:sldIdLst>
   <p:sldSz cx="9144000" cy="6858000" type="screen4x3"/>
   <p:notesSz cx="6669088" cy="9872663"/>
@@ -170,6 +171,9 @@
             <p14:sldId id="258"/>
             <p14:sldId id="264"/>
             <p14:sldId id="265"/>
+            <p14:sldId id="277"/>
+            <p14:sldId id="273"/>
+            <p14:sldId id="272"/>
             <p14:sldId id="274"/>
             <p14:sldId id="269"/>
             <p14:sldId id="266"/>
@@ -177,10 +181,8 @@
             <p14:sldId id="276"/>
             <p14:sldId id="270"/>
             <p14:sldId id="275"/>
-            <p14:sldId id="272"/>
+            <p14:sldId id="260"/>
             <p14:sldId id="259"/>
-            <p14:sldId id="260"/>
-            <p14:sldId id="273"/>
           </p14:sldIdLst>
         </p14:section>
       </p14:sectionLst>
@@ -272,7 +274,7 @@
             <a:fld id="{AB771C5C-997B-4FBD-B8F3-A0A3C30CDBE5}" type="datetimeFigureOut">
               <a:rPr lang="en-GB" smtClean="0"/>
               <a:pPr/>
-              <a:t>27/07/2015</a:t>
+              <a:t>09/08/2015</a:t>
             </a:fld>
             <a:endParaRPr lang="en-GB"/>
           </a:p>
@@ -1766,7 +1768,7 @@
               <a:pPr>
                 <a:defRPr/>
               </a:pPr>
-              <a:t>27 July 2015</a:t>
+              <a:t>9 August 2015</a:t>
             </a:fld>
             <a:endParaRPr lang="en-US" dirty="0"/>
           </a:p>
@@ -1957,7 +1959,7 @@
               <a:pPr>
                 <a:defRPr/>
               </a:pPr>
-              <a:t>27 July 2015</a:t>
+              <a:t>9 August 2015</a:t>
             </a:fld>
             <a:endParaRPr lang="en-US" dirty="0"/>
           </a:p>
@@ -2234,7 +2236,7 @@
               <a:pPr>
                 <a:defRPr/>
               </a:pPr>
-              <a:t>27 July 2015</a:t>
+              <a:t>9 August 2015</a:t>
             </a:fld>
             <a:endParaRPr lang="en-US" dirty="0"/>
           </a:p>
@@ -2427,7 +2429,7 @@
               <a:pPr>
                 <a:defRPr/>
               </a:pPr>
-              <a:t>27 July 2015</a:t>
+              <a:t>9 August 2015</a:t>
             </a:fld>
             <a:endParaRPr lang="en-US" dirty="0"/>
           </a:p>
@@ -2801,7 +2803,7 @@
               <a:pPr>
                 <a:defRPr/>
               </a:pPr>
-              <a:t>27 July 2015</a:t>
+              <a:t>9 August 2015</a:t>
             </a:fld>
             <a:endParaRPr lang="en-US" dirty="0"/>
           </a:p>
@@ -3305,7 +3307,7 @@
               <a:pPr>
                 <a:defRPr/>
               </a:pPr>
-              <a:t>27 July 2015</a:t>
+              <a:t>9 August 2015</a:t>
             </a:fld>
             <a:endParaRPr lang="en-US" dirty="0"/>
           </a:p>
@@ -3509,7 +3511,7 @@
               <a:pPr>
                 <a:defRPr/>
               </a:pPr>
-              <a:t>27 July 2015</a:t>
+              <a:t>9 August 2015</a:t>
             </a:fld>
             <a:endParaRPr lang="en-US" dirty="0"/>
           </a:p>
@@ -3713,7 +3715,7 @@
               <a:pPr>
                 <a:defRPr/>
               </a:pPr>
-              <a:t>27 July 2015</a:t>
+              <a:t>9 August 2015</a:t>
             </a:fld>
             <a:endParaRPr lang="en-US" dirty="0"/>
           </a:p>
@@ -4001,7 +4003,7 @@
               <a:pPr>
                 <a:defRPr/>
               </a:pPr>
-              <a:t>27 July 2015</a:t>
+              <a:t>9 August 2015</a:t>
             </a:fld>
             <a:endParaRPr lang="en-US" dirty="0"/>
           </a:p>
@@ -4270,7 +4272,7 @@
               <a:pPr>
                 <a:defRPr/>
               </a:pPr>
-              <a:t>27 July 2015</a:t>
+              <a:t>9 August 2015</a:t>
             </a:fld>
             <a:endParaRPr lang="en-US" dirty="0"/>
           </a:p>
@@ -4474,7 +4476,7 @@
               <a:pPr>
                 <a:defRPr/>
               </a:pPr>
-              <a:t>27 July 2015</a:t>
+              <a:t>9 August 2015</a:t>
             </a:fld>
             <a:endParaRPr lang="en-US" dirty="0"/>
           </a:p>
@@ -5355,7 +5357,7 @@
   <p:timing>
     <p:tnLst>
       <p:par>
-        <p:cTn id="1" dur="indefinite" restart="never" nodeType="tmRoot"/>
+        <p:cTn xmlns:p14="http://schemas.microsoft.com/office/powerpoint/2010/main" id="1" dur="indefinite" restart="never" nodeType="tmRoot"/>
       </p:par>
     </p:tnLst>
   </p:timing>
@@ -5381,6 +5383,1152 @@
       </p:grpSpPr>
       <p:sp>
         <p:nvSpPr>
+          <p:cNvPr id="20" name="Content Placeholder 19"/>
+          <p:cNvSpPr>
+            <a:spLocks noGrp="1"/>
+          </p:cNvSpPr>
+          <p:nvPr>
+            <p:ph sz="half" idx="1"/>
+          </p:nvPr>
+        </p:nvSpPr>
+        <p:spPr>
+          <a:xfrm>
+            <a:off x="431799" y="1239840"/>
+            <a:ext cx="4447441" cy="3456525"/>
+          </a:xfrm>
+        </p:spPr>
+        <p:txBody>
+          <a:bodyPr/>
+          <a:lstStyle/>
+          <a:p>
+            <a:r>
+              <a:rPr lang="en-GB" sz="1800" dirty="0" smtClean="0"/>
+              <a:t>Does not share data</a:t>
+            </a:r>
+          </a:p>
+          <a:p>
+            <a:pPr marL="0" indent="0">
+              <a:buNone/>
+            </a:pPr>
+            <a:endParaRPr lang="en-GB" sz="1800" dirty="0" smtClean="0"/>
+          </a:p>
+          <a:p>
+            <a:r>
+              <a:rPr lang="en-GB" sz="1800" dirty="0" smtClean="0"/>
+              <a:t>Removes data that may be stale from remote cache</a:t>
+            </a:r>
+          </a:p>
+          <a:p>
+            <a:pPr marL="0" indent="0">
+              <a:buNone/>
+            </a:pPr>
+            <a:endParaRPr lang="en-GB" sz="1800" dirty="0" smtClean="0"/>
+          </a:p>
+          <a:p>
+            <a:r>
+              <a:rPr lang="en-GB" sz="1800" dirty="0" smtClean="0"/>
+              <a:t>Used for optimization with other permanent store</a:t>
+            </a:r>
+          </a:p>
+          <a:p>
+            <a:endParaRPr lang="en-GB" sz="1800" dirty="0" smtClean="0"/>
+          </a:p>
+          <a:p>
+            <a:r>
+              <a:rPr lang="en-GB" sz="1800" dirty="0" smtClean="0"/>
+              <a:t>Minimized </a:t>
+            </a:r>
+            <a:r>
+              <a:rPr lang="en-GB" sz="1800" dirty="0"/>
+              <a:t>network </a:t>
+            </a:r>
+            <a:r>
+              <a:rPr lang="en-GB" sz="1800" dirty="0" smtClean="0"/>
+              <a:t>traffic</a:t>
+            </a:r>
+          </a:p>
+          <a:p>
+            <a:endParaRPr lang="en-GB" sz="1800" dirty="0"/>
+          </a:p>
+          <a:p>
+            <a:r>
+              <a:rPr lang="en-GB" sz="1800" dirty="0" smtClean="0"/>
+              <a:t>Modified </a:t>
+            </a:r>
+            <a:r>
+              <a:rPr lang="en-GB" sz="1800" dirty="0"/>
+              <a:t>data </a:t>
+            </a:r>
+            <a:r>
+              <a:rPr lang="en-GB" sz="1800" dirty="0" smtClean="0"/>
+              <a:t>looked up in lazily manner.</a:t>
+            </a:r>
+            <a:endParaRPr lang="en-GB" sz="1800" dirty="0"/>
+          </a:p>
+        </p:txBody>
+      </p:sp>
+      <p:sp>
+        <p:nvSpPr>
+          <p:cNvPr id="19" name="Title 18"/>
+          <p:cNvSpPr>
+            <a:spLocks noGrp="1"/>
+          </p:cNvSpPr>
+          <p:nvPr>
+            <p:ph type="title"/>
+          </p:nvPr>
+        </p:nvSpPr>
+        <p:spPr/>
+        <p:txBody>
+          <a:bodyPr/>
+          <a:lstStyle/>
+          <a:p>
+            <a:r>
+              <a:rPr lang="en-GB" dirty="0"/>
+              <a:t>Caching Modes</a:t>
+            </a:r>
+            <a:br>
+              <a:rPr lang="en-GB" dirty="0"/>
+            </a:br>
+            <a:endParaRPr lang="en-GB" dirty="0"/>
+          </a:p>
+        </p:txBody>
+      </p:sp>
+      <p:sp>
+        <p:nvSpPr>
+          <p:cNvPr id="21" name="Text Placeholder 20"/>
+          <p:cNvSpPr>
+            <a:spLocks noGrp="1"/>
+          </p:cNvSpPr>
+          <p:nvPr>
+            <p:ph type="body" sz="quarter" idx="13"/>
+          </p:nvPr>
+        </p:nvSpPr>
+        <p:spPr/>
+        <p:txBody>
+          <a:bodyPr/>
+          <a:lstStyle/>
+          <a:p>
+            <a:r>
+              <a:rPr lang="en-GB" dirty="0" smtClean="0"/>
+              <a:t>Invalidation Mode</a:t>
+            </a:r>
+            <a:endParaRPr lang="en-GB" dirty="0"/>
+          </a:p>
+        </p:txBody>
+      </p:sp>
+      <p:sp>
+        <p:nvSpPr>
+          <p:cNvPr id="5" name="Date Placeholder 4"/>
+          <p:cNvSpPr>
+            <a:spLocks noGrp="1"/>
+          </p:cNvSpPr>
+          <p:nvPr>
+            <p:ph type="dt" sz="half" idx="10"/>
+          </p:nvPr>
+        </p:nvSpPr>
+        <p:spPr/>
+        <p:txBody>
+          <a:bodyPr/>
+          <a:lstStyle/>
+          <a:p>
+            <a:pPr>
+              <a:defRPr/>
+            </a:pPr>
+            <a:fld id="{D95CFEC9-DCDE-483F-9C62-EBF9D31C73AA}" type="datetime3">
+              <a:rPr lang="en-US" smtClean="0"/>
+              <a:pPr>
+                <a:defRPr/>
+              </a:pPr>
+              <a:t>9 August 2015</a:t>
+            </a:fld>
+            <a:endParaRPr lang="en-US" dirty="0"/>
+          </a:p>
+        </p:txBody>
+      </p:sp>
+      <p:sp>
+        <p:nvSpPr>
+          <p:cNvPr id="6" name="Slide Number Placeholder 5"/>
+          <p:cNvSpPr>
+            <a:spLocks noGrp="1"/>
+          </p:cNvSpPr>
+          <p:nvPr>
+            <p:ph type="sldNum" sz="quarter" idx="12"/>
+          </p:nvPr>
+        </p:nvSpPr>
+        <p:spPr/>
+        <p:txBody>
+          <a:bodyPr/>
+          <a:lstStyle/>
+          <a:p>
+            <a:pPr>
+              <a:defRPr/>
+            </a:pPr>
+            <a:fld id="{90600ADF-17AC-4085-9C50-2A0435A05455}" type="slidenum">
+              <a:rPr lang="en-US" smtClean="0"/>
+              <a:pPr>
+                <a:defRPr/>
+              </a:pPr>
+              <a:t>9</a:t>
+            </a:fld>
+            <a:endParaRPr lang="en-US" dirty="0"/>
+          </a:p>
+        </p:txBody>
+      </p:sp>
+      <p:pic>
+        <p:nvPicPr>
+          <p:cNvPr id="11" name="Content Placeholder 10" descr="Figure2 5"/>
+          <p:cNvPicPr>
+            <a:picLocks noGrp="1" noChangeAspect="1" noChangeArrowheads="1"/>
+          </p:cNvPicPr>
+          <p:nvPr>
+            <p:ph sz="half" idx="2"/>
+          </p:nvPr>
+        </p:nvPicPr>
+        <p:blipFill>
+          <a:blip r:embed="rId2">
+            <a:extLst>
+              <a:ext uri="{28A0092B-C50C-407E-A947-70E740481C1C}">
+                <a14:useLocalDpi xmlns:a14="http://schemas.microsoft.com/office/drawing/2010/main" val="0"/>
+              </a:ext>
+            </a:extLst>
+          </a:blip>
+          <a:srcRect/>
+          <a:stretch>
+            <a:fillRect/>
+          </a:stretch>
+        </p:blipFill>
+        <p:spPr bwMode="auto">
+          <a:xfrm>
+            <a:off x="4840835" y="1700775"/>
+            <a:ext cx="4065588" cy="2435486"/>
+          </a:xfrm>
+          <a:prstGeom prst="rect">
+            <a:avLst/>
+          </a:prstGeom>
+          <a:noFill/>
+          <a:extLst>
+            <a:ext uri="{909E8E84-426E-40dd-AFC4-6F175D3DCCD1}">
+              <a14:hiddenFill xmlns:a14="http://schemas.microsoft.com/office/drawing/2010/main">
+                <a:solidFill>
+                  <a:srgbClr val="FFFFFF"/>
+                </a:solidFill>
+              </a14:hiddenFill>
+            </a:ext>
+          </a:extLst>
+        </p:spPr>
+      </p:pic>
+      <p:sp>
+        <p:nvSpPr>
+          <p:cNvPr id="2" name="TextBox 1"/>
+          <p:cNvSpPr txBox="1"/>
+          <p:nvPr/>
+        </p:nvSpPr>
+        <p:spPr>
+          <a:xfrm>
+            <a:off x="396504" y="4849985"/>
+            <a:ext cx="8372291" cy="1520416"/>
+          </a:xfrm>
+          <a:prstGeom prst="rect">
+            <a:avLst/>
+          </a:prstGeom>
+        </p:spPr>
+        <p:style>
+          <a:lnRef idx="1">
+            <a:schemeClr val="accent1"/>
+          </a:lnRef>
+          <a:fillRef idx="2">
+            <a:schemeClr val="accent1"/>
+          </a:fillRef>
+          <a:effectRef idx="1">
+            <a:schemeClr val="accent1"/>
+          </a:effectRef>
+          <a:fontRef idx="minor">
+            <a:schemeClr val="dk1"/>
+          </a:fontRef>
+        </p:style>
+        <p:txBody>
+          <a:bodyPr wrap="square" rtlCol="0">
+            <a:spAutoFit/>
+          </a:bodyPr>
+          <a:lstStyle/>
+          <a:p>
+            <a:pPr>
+              <a:buClr>
+                <a:srgbClr val="00A4F2"/>
+              </a:buClr>
+              <a:buNone/>
+            </a:pPr>
+            <a:r>
+              <a:rPr lang="en-GB" sz="1600" dirty="0"/>
+              <a:t>&lt;invalidation-cache name="</a:t>
+            </a:r>
+            <a:r>
+              <a:rPr lang="en-GB" sz="1600" dirty="0" err="1" smtClean="0"/>
+              <a:t>invalidatedCache</a:t>
+            </a:r>
+            <a:r>
+              <a:rPr lang="en-GB" sz="1600" dirty="0"/>
+              <a:t>" mode="SYNC</a:t>
+            </a:r>
+            <a:r>
+              <a:rPr lang="en-GB" sz="1600" dirty="0" smtClean="0"/>
+              <a:t>"&gt; </a:t>
+            </a:r>
+          </a:p>
+          <a:p>
+            <a:pPr>
+              <a:buClr>
+                <a:srgbClr val="00A4F2"/>
+              </a:buClr>
+              <a:buNone/>
+            </a:pPr>
+            <a:r>
+              <a:rPr lang="en-GB" sz="1600" dirty="0" smtClean="0"/>
+              <a:t>	&lt;</a:t>
+            </a:r>
+            <a:r>
+              <a:rPr lang="en-GB" sz="1600" dirty="0"/>
+              <a:t>persistence</a:t>
+            </a:r>
+            <a:r>
+              <a:rPr lang="en-GB" sz="1600" dirty="0" smtClean="0"/>
+              <a:t>&gt;</a:t>
+            </a:r>
+          </a:p>
+          <a:p>
+            <a:pPr>
+              <a:buClr>
+                <a:srgbClr val="00A4F2"/>
+              </a:buClr>
+              <a:buNone/>
+            </a:pPr>
+            <a:r>
+              <a:rPr lang="en-GB" sz="1600" dirty="0" smtClean="0"/>
+              <a:t>		&lt;</a:t>
+            </a:r>
+            <a:r>
+              <a:rPr lang="en-GB" sz="1600" dirty="0"/>
+              <a:t>cluster-loader remote-timeout="20000" preload="false" </a:t>
+            </a:r>
+            <a:r>
+              <a:rPr lang="en-GB" sz="1600" dirty="0" smtClean="0"/>
+              <a:t>/&gt;</a:t>
+            </a:r>
+          </a:p>
+          <a:p>
+            <a:pPr>
+              <a:buClr>
+                <a:srgbClr val="00A4F2"/>
+              </a:buClr>
+              <a:buNone/>
+            </a:pPr>
+            <a:r>
+              <a:rPr lang="en-GB" sz="1600" dirty="0" smtClean="0"/>
+              <a:t>	&lt;/</a:t>
+            </a:r>
+            <a:r>
+              <a:rPr lang="en-GB" sz="1600" dirty="0"/>
+              <a:t>persistence</a:t>
+            </a:r>
+            <a:r>
+              <a:rPr lang="en-GB" sz="1600" dirty="0" smtClean="0"/>
+              <a:t>&gt;</a:t>
+            </a:r>
+          </a:p>
+          <a:p>
+            <a:pPr>
+              <a:buClr>
+                <a:srgbClr val="00A4F2"/>
+              </a:buClr>
+              <a:buNone/>
+            </a:pPr>
+            <a:r>
+              <a:rPr lang="en-GB" sz="1600" dirty="0" smtClean="0"/>
+              <a:t>&lt;/</a:t>
+            </a:r>
+            <a:r>
+              <a:rPr lang="en-GB" sz="1600" dirty="0"/>
+              <a:t>invalidation-cache&gt;</a:t>
+            </a:r>
+            <a:endParaRPr lang="en-GB" sz="1600" dirty="0" smtClean="0"/>
+          </a:p>
+        </p:txBody>
+      </p:sp>
+    </p:spTree>
+    <p:extLst>
+      <p:ext uri="{BB962C8B-B14F-4D97-AF65-F5344CB8AC3E}">
+        <p14:creationId xmlns:p14="http://schemas.microsoft.com/office/powerpoint/2010/main" val="1524566408"/>
+      </p:ext>
+    </p:extLst>
+  </p:cSld>
+  <p:clrMapOvr>
+    <a:masterClrMapping/>
+  </p:clrMapOvr>
+  <p:timing>
+    <p:tnLst>
+      <p:par>
+        <p:cTn xmlns:p14="http://schemas.microsoft.com/office/powerpoint/2010/main" id="1" dur="indefinite" restart="never" nodeType="tmRoot"/>
+      </p:par>
+    </p:tnLst>
+  </p:timing>
+</p:sld>
+</file>
+
+<file path=ppt/slides/slide11.xml><?xml version="1.0" encoding="utf-8"?>
+<p:sld xmlns:a="http://schemas.openxmlformats.org/drawingml/2006/main" xmlns:r="http://schemas.openxmlformats.org/officeDocument/2006/relationships" xmlns:p="http://schemas.openxmlformats.org/presentationml/2006/main">
+  <p:cSld>
+    <p:spTree>
+      <p:nvGrpSpPr>
+        <p:cNvPr id="1" name=""/>
+        <p:cNvGrpSpPr/>
+        <p:nvPr/>
+      </p:nvGrpSpPr>
+      <p:grpSpPr>
+        <a:xfrm>
+          <a:off x="0" y="0"/>
+          <a:ext cx="0" cy="0"/>
+          <a:chOff x="0" y="0"/>
+          <a:chExt cx="0" cy="0"/>
+        </a:xfrm>
+      </p:grpSpPr>
+      <p:pic>
+        <p:nvPicPr>
+          <p:cNvPr id="1026" name="Picture 2"/>
+          <p:cNvPicPr>
+            <a:picLocks noGrp="1" noChangeAspect="1" noChangeArrowheads="1"/>
+          </p:cNvPicPr>
+          <p:nvPr>
+            <p:ph sz="half" idx="1"/>
+          </p:nvPr>
+        </p:nvPicPr>
+        <p:blipFill>
+          <a:blip r:embed="rId2">
+            <a:extLst>
+              <a:ext uri="{28A0092B-C50C-407E-A947-70E740481C1C}">
+                <a14:useLocalDpi xmlns:a14="http://schemas.microsoft.com/office/drawing/2010/main" val="0"/>
+              </a:ext>
+            </a:extLst>
+          </a:blip>
+          <a:stretch>
+            <a:fillRect/>
+          </a:stretch>
+        </p:blipFill>
+        <p:spPr bwMode="auto">
+          <a:xfrm>
+            <a:off x="4956050" y="1777585"/>
+            <a:ext cx="4064000" cy="3302830"/>
+          </a:xfrm>
+          <a:prstGeom prst="rect">
+            <a:avLst/>
+          </a:prstGeom>
+          <a:noFill/>
+          <a:ln>
+            <a:noFill/>
+          </a:ln>
+          <a:extLst>
+            <a:ext uri="{909E8E84-426E-40dd-AFC4-6F175D3DCCD1}">
+              <a14:hiddenFill xmlns:a14="http://schemas.microsoft.com/office/drawing/2010/main">
+                <a:solidFill>
+                  <a:schemeClr val="accent1"/>
+                </a:solidFill>
+              </a14:hiddenFill>
+            </a:ext>
+            <a:ext uri="{91240B29-F687-4f45-9708-019B960494DF}">
+              <a14:hiddenLine xmlns:a14="http://schemas.microsoft.com/office/drawing/2010/main" w="9525">
+                <a:solidFill>
+                  <a:schemeClr val="tx1"/>
+                </a:solidFill>
+                <a:miter lim="800000"/>
+                <a:headEnd/>
+                <a:tailEnd/>
+              </a14:hiddenLine>
+            </a:ext>
+          </a:extLst>
+        </p:spPr>
+      </p:pic>
+      <p:sp>
+        <p:nvSpPr>
+          <p:cNvPr id="20" name="Content Placeholder 19"/>
+          <p:cNvSpPr>
+            <a:spLocks noGrp="1"/>
+          </p:cNvSpPr>
+          <p:nvPr>
+            <p:ph sz="half" idx="2"/>
+          </p:nvPr>
+        </p:nvSpPr>
+        <p:spPr>
+          <a:xfrm>
+            <a:off x="347450" y="1201510"/>
+            <a:ext cx="4762220" cy="4301360"/>
+          </a:xfrm>
+        </p:spPr>
+        <p:txBody>
+          <a:bodyPr/>
+          <a:lstStyle/>
+          <a:p>
+            <a:r>
+              <a:rPr lang="en-GB" sz="1800" dirty="0" smtClean="0"/>
+              <a:t>Entries replicated </a:t>
+            </a:r>
+            <a:r>
+              <a:rPr lang="en-GB" sz="1800" dirty="0"/>
+              <a:t>to all </a:t>
+            </a:r>
+            <a:r>
+              <a:rPr lang="en-GB" sz="1800" dirty="0" smtClean="0"/>
+              <a:t>cache instances, high availability</a:t>
+            </a:r>
+          </a:p>
+          <a:p>
+            <a:pPr marL="0" indent="0">
+              <a:buNone/>
+            </a:pPr>
+            <a:endParaRPr lang="en-GB" sz="1800" dirty="0" smtClean="0"/>
+          </a:p>
+          <a:p>
+            <a:r>
+              <a:rPr lang="en-GB" sz="1800" dirty="0" smtClean="0"/>
+              <a:t>Does not offer increased heap space</a:t>
+            </a:r>
+          </a:p>
+          <a:p>
+            <a:pPr marL="0" indent="0">
+              <a:buNone/>
+            </a:pPr>
+            <a:endParaRPr lang="en-GB" sz="1800" dirty="0" smtClean="0"/>
+          </a:p>
+          <a:p>
+            <a:r>
+              <a:rPr lang="en-GB" sz="1800" dirty="0"/>
+              <a:t>S</a:t>
+            </a:r>
+            <a:r>
+              <a:rPr lang="en-GB" sz="1800" dirty="0" smtClean="0"/>
+              <a:t>ynchronous </a:t>
+            </a:r>
+            <a:r>
+              <a:rPr lang="en-GB" sz="1800" dirty="0"/>
+              <a:t>replication requires acknowledgments from </a:t>
+            </a:r>
+            <a:r>
+              <a:rPr lang="en-GB" sz="1800" dirty="0" smtClean="0"/>
+              <a:t>all, guarantee success </a:t>
+            </a:r>
+          </a:p>
+          <a:p>
+            <a:pPr marL="0" indent="0">
+              <a:buNone/>
+            </a:pPr>
+            <a:endParaRPr lang="en-GB" sz="1800" dirty="0" smtClean="0"/>
+          </a:p>
+          <a:p>
+            <a:r>
+              <a:rPr lang="en-GB" sz="1800" dirty="0" smtClean="0"/>
+              <a:t>Asynchronous </a:t>
+            </a:r>
+            <a:r>
+              <a:rPr lang="en-GB" sz="1800" dirty="0"/>
+              <a:t>replication </a:t>
+            </a:r>
+            <a:r>
+              <a:rPr lang="en-GB" sz="1800" dirty="0" smtClean="0"/>
+              <a:t>works </a:t>
+            </a:r>
+            <a:r>
+              <a:rPr lang="en-GB" sz="1800" dirty="0"/>
+              <a:t>in a </a:t>
+            </a:r>
+            <a:r>
+              <a:rPr lang="en-GB" sz="1800" i="1" dirty="0"/>
+              <a:t>fire-and-forget</a:t>
+            </a:r>
+            <a:r>
+              <a:rPr lang="en-GB" sz="1800" dirty="0"/>
+              <a:t> </a:t>
+            </a:r>
+            <a:r>
+              <a:rPr lang="en-GB" sz="1800" dirty="0" smtClean="0"/>
+              <a:t>mode, can have data inconsistency</a:t>
+            </a:r>
+          </a:p>
+          <a:p>
+            <a:pPr marL="0" indent="0">
+              <a:buNone/>
+            </a:pPr>
+            <a:endParaRPr lang="en-GB" sz="1800" dirty="0" smtClean="0"/>
+          </a:p>
+          <a:p>
+            <a:r>
+              <a:rPr lang="en-GB" sz="1800" dirty="0" smtClean="0"/>
+              <a:t>Practically performs </a:t>
+            </a:r>
+            <a:r>
+              <a:rPr lang="en-GB" sz="1800" dirty="0"/>
+              <a:t>well in small </a:t>
+            </a:r>
+            <a:r>
+              <a:rPr lang="en-GB" sz="1800" dirty="0" smtClean="0"/>
+              <a:t>clusters, due to no of replication messages</a:t>
+            </a:r>
+            <a:endParaRPr lang="en-GB" sz="1800" dirty="0"/>
+          </a:p>
+        </p:txBody>
+      </p:sp>
+      <p:sp>
+        <p:nvSpPr>
+          <p:cNvPr id="19" name="Title 18"/>
+          <p:cNvSpPr>
+            <a:spLocks noGrp="1"/>
+          </p:cNvSpPr>
+          <p:nvPr>
+            <p:ph type="title"/>
+          </p:nvPr>
+        </p:nvSpPr>
+        <p:spPr/>
+        <p:txBody>
+          <a:bodyPr/>
+          <a:lstStyle/>
+          <a:p>
+            <a:r>
+              <a:rPr lang="en-GB" dirty="0"/>
+              <a:t>Caching Modes</a:t>
+            </a:r>
+            <a:br>
+              <a:rPr lang="en-GB" dirty="0"/>
+            </a:br>
+            <a:endParaRPr lang="en-GB" dirty="0"/>
+          </a:p>
+        </p:txBody>
+      </p:sp>
+      <p:sp>
+        <p:nvSpPr>
+          <p:cNvPr id="21" name="Text Placeholder 20"/>
+          <p:cNvSpPr>
+            <a:spLocks noGrp="1"/>
+          </p:cNvSpPr>
+          <p:nvPr>
+            <p:ph type="body" sz="quarter" idx="13"/>
+          </p:nvPr>
+        </p:nvSpPr>
+        <p:spPr/>
+        <p:txBody>
+          <a:bodyPr/>
+          <a:lstStyle/>
+          <a:p>
+            <a:r>
+              <a:rPr lang="en-GB" dirty="0" smtClean="0"/>
+              <a:t>Replication Mode</a:t>
+            </a:r>
+            <a:endParaRPr lang="en-GB" dirty="0"/>
+          </a:p>
+        </p:txBody>
+      </p:sp>
+      <p:sp>
+        <p:nvSpPr>
+          <p:cNvPr id="5" name="Date Placeholder 4"/>
+          <p:cNvSpPr>
+            <a:spLocks noGrp="1"/>
+          </p:cNvSpPr>
+          <p:nvPr>
+            <p:ph type="dt" sz="half" idx="10"/>
+          </p:nvPr>
+        </p:nvSpPr>
+        <p:spPr/>
+        <p:txBody>
+          <a:bodyPr/>
+          <a:lstStyle/>
+          <a:p>
+            <a:pPr>
+              <a:defRPr/>
+            </a:pPr>
+            <a:fld id="{D95CFEC9-DCDE-483F-9C62-EBF9D31C73AA}" type="datetime3">
+              <a:rPr lang="en-US" smtClean="0"/>
+              <a:pPr>
+                <a:defRPr/>
+              </a:pPr>
+              <a:t>9 August 2015</a:t>
+            </a:fld>
+            <a:endParaRPr lang="en-US" dirty="0"/>
+          </a:p>
+        </p:txBody>
+      </p:sp>
+      <p:sp>
+        <p:nvSpPr>
+          <p:cNvPr id="6" name="Slide Number Placeholder 5"/>
+          <p:cNvSpPr>
+            <a:spLocks noGrp="1"/>
+          </p:cNvSpPr>
+          <p:nvPr>
+            <p:ph type="sldNum" sz="quarter" idx="12"/>
+          </p:nvPr>
+        </p:nvSpPr>
+        <p:spPr/>
+        <p:txBody>
+          <a:bodyPr/>
+          <a:lstStyle/>
+          <a:p>
+            <a:pPr>
+              <a:defRPr/>
+            </a:pPr>
+            <a:fld id="{90600ADF-17AC-4085-9C50-2A0435A05455}" type="slidenum">
+              <a:rPr lang="en-US" smtClean="0"/>
+              <a:pPr>
+                <a:defRPr/>
+              </a:pPr>
+              <a:t>10</a:t>
+            </a:fld>
+            <a:endParaRPr lang="en-US" dirty="0"/>
+          </a:p>
+        </p:txBody>
+      </p:sp>
+      <p:sp>
+        <p:nvSpPr>
+          <p:cNvPr id="7" name="TextBox 6"/>
+          <p:cNvSpPr txBox="1"/>
+          <p:nvPr/>
+        </p:nvSpPr>
+        <p:spPr>
+          <a:xfrm>
+            <a:off x="417941" y="5656490"/>
+            <a:ext cx="8333884" cy="792000"/>
+          </a:xfrm>
+          <a:prstGeom prst="rect">
+            <a:avLst/>
+          </a:prstGeom>
+        </p:spPr>
+        <p:style>
+          <a:lnRef idx="1">
+            <a:schemeClr val="accent1"/>
+          </a:lnRef>
+          <a:fillRef idx="2">
+            <a:schemeClr val="accent1"/>
+          </a:fillRef>
+          <a:effectRef idx="1">
+            <a:schemeClr val="accent1"/>
+          </a:effectRef>
+          <a:fontRef idx="minor">
+            <a:schemeClr val="dk1"/>
+          </a:fontRef>
+        </p:style>
+        <p:txBody>
+          <a:bodyPr wrap="square" rtlCol="0">
+            <a:spAutoFit/>
+          </a:bodyPr>
+          <a:lstStyle/>
+          <a:p>
+            <a:pPr>
+              <a:buClr>
+                <a:srgbClr val="00A4F2"/>
+              </a:buClr>
+              <a:buNone/>
+            </a:pPr>
+            <a:r>
+              <a:rPr lang="en-GB" sz="1600" dirty="0"/>
+              <a:t>&lt;replicated-cache name="</a:t>
+            </a:r>
+            <a:r>
+              <a:rPr lang="en-GB" sz="1600" dirty="0" err="1"/>
+              <a:t>replicationCache</a:t>
+            </a:r>
+            <a:r>
+              <a:rPr lang="en-GB" sz="1600" dirty="0"/>
+              <a:t>" mode="SYNC" remote-timeout="20000"&gt; </a:t>
+            </a:r>
+            <a:r>
+              <a:rPr lang="en-GB" sz="1600" dirty="0" smtClean="0"/>
+              <a:t>	&lt;</a:t>
+            </a:r>
+            <a:r>
+              <a:rPr lang="en-GB" sz="1600" dirty="0"/>
+              <a:t>state-transfer enabled="false" timeout="240000" chunk-size="0" /&gt; &lt;/replicated-cache&gt;</a:t>
+            </a:r>
+            <a:endParaRPr lang="en-GB" sz="1600" dirty="0" smtClean="0"/>
+          </a:p>
+        </p:txBody>
+      </p:sp>
+    </p:spTree>
+    <p:extLst>
+      <p:ext uri="{BB962C8B-B14F-4D97-AF65-F5344CB8AC3E}">
+        <p14:creationId xmlns:p14="http://schemas.microsoft.com/office/powerpoint/2010/main" val="1749713803"/>
+      </p:ext>
+    </p:extLst>
+  </p:cSld>
+  <p:clrMapOvr>
+    <a:masterClrMapping/>
+  </p:clrMapOvr>
+  <p:timing>
+    <p:tnLst>
+      <p:par>
+        <p:cTn xmlns:p14="http://schemas.microsoft.com/office/powerpoint/2010/main" id="1" dur="indefinite" restart="never" nodeType="tmRoot"/>
+      </p:par>
+    </p:tnLst>
+  </p:timing>
+</p:sld>
+</file>
+
+<file path=ppt/slides/slide12.xml><?xml version="1.0" encoding="utf-8"?>
+<p:sld xmlns:a="http://schemas.openxmlformats.org/drawingml/2006/main" xmlns:r="http://schemas.openxmlformats.org/officeDocument/2006/relationships" xmlns:p="http://schemas.openxmlformats.org/presentationml/2006/main">
+  <p:cSld>
+    <p:spTree>
+      <p:nvGrpSpPr>
+        <p:cNvPr id="1" name=""/>
+        <p:cNvGrpSpPr/>
+        <p:nvPr/>
+      </p:nvGrpSpPr>
+      <p:grpSpPr>
+        <a:xfrm>
+          <a:off x="0" y="0"/>
+          <a:ext cx="0" cy="0"/>
+          <a:chOff x="0" y="0"/>
+          <a:chExt cx="0" cy="0"/>
+        </a:xfrm>
+      </p:grpSpPr>
+      <p:pic>
+        <p:nvPicPr>
+          <p:cNvPr id="2050" name="Picture 2"/>
+          <p:cNvPicPr>
+            <a:picLocks noGrp="1" noChangeAspect="1" noChangeArrowheads="1"/>
+          </p:cNvPicPr>
+          <p:nvPr>
+            <p:ph sz="half" idx="1"/>
+          </p:nvPr>
+        </p:nvPicPr>
+        <p:blipFill>
+          <a:blip r:embed="rId2">
+            <a:extLst>
+              <a:ext uri="{28A0092B-C50C-407E-A947-70E740481C1C}">
+                <a14:useLocalDpi xmlns:a14="http://schemas.microsoft.com/office/drawing/2010/main" val="0"/>
+              </a:ext>
+            </a:extLst>
+          </a:blip>
+          <a:stretch>
+            <a:fillRect/>
+          </a:stretch>
+        </p:blipFill>
+        <p:spPr bwMode="auto">
+          <a:xfrm>
+            <a:off x="4956050" y="1815990"/>
+            <a:ext cx="4064000" cy="3003826"/>
+          </a:xfrm>
+          <a:prstGeom prst="rect">
+            <a:avLst/>
+          </a:prstGeom>
+          <a:noFill/>
+          <a:ln>
+            <a:noFill/>
+          </a:ln>
+          <a:extLst>
+            <a:ext uri="{909E8E84-426E-40dd-AFC4-6F175D3DCCD1}">
+              <a14:hiddenFill xmlns:a14="http://schemas.microsoft.com/office/drawing/2010/main">
+                <a:solidFill>
+                  <a:schemeClr val="accent1"/>
+                </a:solidFill>
+              </a14:hiddenFill>
+            </a:ext>
+            <a:ext uri="{91240B29-F687-4f45-9708-019B960494DF}">
+              <a14:hiddenLine xmlns:a14="http://schemas.microsoft.com/office/drawing/2010/main" w="9525">
+                <a:solidFill>
+                  <a:schemeClr val="tx1"/>
+                </a:solidFill>
+                <a:miter lim="800000"/>
+                <a:headEnd/>
+                <a:tailEnd/>
+              </a14:hiddenLine>
+            </a:ext>
+          </a:extLst>
+        </p:spPr>
+      </p:pic>
+      <p:sp>
+        <p:nvSpPr>
+          <p:cNvPr id="2" name="Title 1"/>
+          <p:cNvSpPr>
+            <a:spLocks noGrp="1"/>
+          </p:cNvSpPr>
+          <p:nvPr>
+            <p:ph type="title"/>
+          </p:nvPr>
+        </p:nvSpPr>
+        <p:spPr/>
+        <p:txBody>
+          <a:bodyPr/>
+          <a:lstStyle/>
+          <a:p>
+            <a:r>
+              <a:rPr lang="en-GB" dirty="0"/>
+              <a:t>Caching Modes</a:t>
+            </a:r>
+            <a:br>
+              <a:rPr lang="en-GB" dirty="0"/>
+            </a:br>
+            <a:endParaRPr lang="en-GB" dirty="0"/>
+          </a:p>
+        </p:txBody>
+      </p:sp>
+      <p:sp>
+        <p:nvSpPr>
+          <p:cNvPr id="8" name="Text Placeholder 7"/>
+          <p:cNvSpPr>
+            <a:spLocks noGrp="1"/>
+          </p:cNvSpPr>
+          <p:nvPr>
+            <p:ph type="body" sz="quarter" idx="13"/>
+          </p:nvPr>
+        </p:nvSpPr>
+        <p:spPr/>
+        <p:txBody>
+          <a:bodyPr/>
+          <a:lstStyle/>
+          <a:p>
+            <a:r>
+              <a:rPr lang="en-GB" dirty="0"/>
+              <a:t>Distribution Mode</a:t>
+            </a:r>
+          </a:p>
+        </p:txBody>
+      </p:sp>
+      <p:sp>
+        <p:nvSpPr>
+          <p:cNvPr id="5" name="Date Placeholder 4"/>
+          <p:cNvSpPr>
+            <a:spLocks noGrp="1"/>
+          </p:cNvSpPr>
+          <p:nvPr>
+            <p:ph type="dt" sz="half" idx="10"/>
+          </p:nvPr>
+        </p:nvSpPr>
+        <p:spPr/>
+        <p:txBody>
+          <a:bodyPr/>
+          <a:lstStyle/>
+          <a:p>
+            <a:pPr>
+              <a:defRPr/>
+            </a:pPr>
+            <a:fld id="{D95CFEC9-DCDE-483F-9C62-EBF9D31C73AA}" type="datetime3">
+              <a:rPr lang="en-US" smtClean="0"/>
+              <a:pPr>
+                <a:defRPr/>
+              </a:pPr>
+              <a:t>9 August 2015</a:t>
+            </a:fld>
+            <a:endParaRPr lang="en-US" dirty="0"/>
+          </a:p>
+        </p:txBody>
+      </p:sp>
+      <p:sp>
+        <p:nvSpPr>
+          <p:cNvPr id="6" name="Slide Number Placeholder 5"/>
+          <p:cNvSpPr>
+            <a:spLocks noGrp="1"/>
+          </p:cNvSpPr>
+          <p:nvPr>
+            <p:ph type="sldNum" sz="quarter" idx="12"/>
+          </p:nvPr>
+        </p:nvSpPr>
+        <p:spPr/>
+        <p:txBody>
+          <a:bodyPr/>
+          <a:lstStyle/>
+          <a:p>
+            <a:pPr>
+              <a:defRPr/>
+            </a:pPr>
+            <a:fld id="{90600ADF-17AC-4085-9C50-2A0435A05455}" type="slidenum">
+              <a:rPr lang="en-US" smtClean="0"/>
+              <a:pPr>
+                <a:defRPr/>
+              </a:pPr>
+              <a:t>11</a:t>
+            </a:fld>
+            <a:endParaRPr lang="en-US" dirty="0"/>
+          </a:p>
+        </p:txBody>
+      </p:sp>
+      <p:sp>
+        <p:nvSpPr>
+          <p:cNvPr id="11" name="Content Placeholder 19"/>
+          <p:cNvSpPr>
+            <a:spLocks noGrp="1"/>
+          </p:cNvSpPr>
+          <p:nvPr>
+            <p:ph sz="half" idx="2"/>
+          </p:nvPr>
+        </p:nvSpPr>
+        <p:spPr>
+          <a:xfrm>
+            <a:off x="347450" y="1201510"/>
+            <a:ext cx="4762220" cy="4070930"/>
+          </a:xfrm>
+        </p:spPr>
+        <p:txBody>
+          <a:bodyPr/>
+          <a:lstStyle/>
+          <a:p>
+            <a:r>
+              <a:rPr lang="en-GB" sz="1800" dirty="0" smtClean="0"/>
+              <a:t>Entries distributed to a subset of nodes, high scalability</a:t>
+            </a:r>
+          </a:p>
+          <a:p>
+            <a:pPr marL="0" indent="0">
+              <a:buNone/>
+            </a:pPr>
+            <a:endParaRPr lang="en-GB" sz="1800" dirty="0" smtClean="0"/>
+          </a:p>
+          <a:p>
+            <a:r>
+              <a:rPr lang="en-GB" sz="1800" dirty="0" smtClean="0"/>
+              <a:t>Working as in-memory data grid and provide increased heap space</a:t>
+            </a:r>
+          </a:p>
+          <a:p>
+            <a:pPr marL="0" indent="0">
+              <a:buNone/>
+            </a:pPr>
+            <a:endParaRPr lang="en-GB" sz="1800" dirty="0" smtClean="0"/>
+          </a:p>
+          <a:p>
+            <a:r>
+              <a:rPr lang="en-GB" sz="1800" dirty="0" smtClean="0"/>
+              <a:t>No of copies represent trade-off between performance and durability</a:t>
+            </a:r>
+          </a:p>
+          <a:p>
+            <a:pPr marL="0" indent="0">
+              <a:buNone/>
+            </a:pPr>
+            <a:endParaRPr lang="en-GB" sz="1800" dirty="0" smtClean="0"/>
+          </a:p>
+          <a:p>
+            <a:r>
+              <a:rPr lang="en-GB" sz="1800" dirty="0" smtClean="0"/>
+              <a:t>No of copies for a entry is configurable</a:t>
+            </a:r>
+          </a:p>
+          <a:p>
+            <a:endParaRPr lang="en-GB" sz="1800" dirty="0"/>
+          </a:p>
+          <a:p>
+            <a:r>
+              <a:rPr lang="en-GB" sz="1800" dirty="0" smtClean="0"/>
+              <a:t>Uses Consistent Hash algorithm to determine nodes to store entries</a:t>
+            </a:r>
+          </a:p>
+          <a:p>
+            <a:pPr marL="0" indent="0">
+              <a:buNone/>
+            </a:pPr>
+            <a:endParaRPr lang="en-GB" sz="1800" dirty="0" smtClean="0"/>
+          </a:p>
+          <a:p>
+            <a:endParaRPr lang="en-GB" sz="1800" dirty="0"/>
+          </a:p>
+        </p:txBody>
+      </p:sp>
+      <p:sp>
+        <p:nvSpPr>
+          <p:cNvPr id="12" name="TextBox 11"/>
+          <p:cNvSpPr txBox="1"/>
+          <p:nvPr/>
+        </p:nvSpPr>
+        <p:spPr>
+          <a:xfrm>
+            <a:off x="417941" y="5656490"/>
+            <a:ext cx="8333884" cy="584775"/>
+          </a:xfrm>
+          <a:prstGeom prst="rect">
+            <a:avLst/>
+          </a:prstGeom>
+        </p:spPr>
+        <p:style>
+          <a:lnRef idx="1">
+            <a:schemeClr val="accent1"/>
+          </a:lnRef>
+          <a:fillRef idx="2">
+            <a:schemeClr val="accent1"/>
+          </a:fillRef>
+          <a:effectRef idx="1">
+            <a:schemeClr val="accent1"/>
+          </a:effectRef>
+          <a:fontRef idx="minor">
+            <a:schemeClr val="dk1"/>
+          </a:fontRef>
+        </p:style>
+        <p:txBody>
+          <a:bodyPr wrap="square" rtlCol="0">
+            <a:spAutoFit/>
+          </a:bodyPr>
+          <a:lstStyle/>
+          <a:p>
+            <a:pPr>
+              <a:buClr>
+                <a:srgbClr val="00A4F2"/>
+              </a:buClr>
+              <a:buNone/>
+            </a:pPr>
+            <a:r>
+              <a:rPr lang="en-GB" sz="1600" dirty="0"/>
+              <a:t>&lt;distributed-cache name="</a:t>
+            </a:r>
+            <a:r>
+              <a:rPr lang="en-GB" sz="1600" dirty="0" err="1" smtClean="0"/>
+              <a:t>distributedCache</a:t>
+            </a:r>
+            <a:r>
+              <a:rPr lang="en-GB" sz="1600" dirty="0"/>
+              <a:t>" mode="SYNC" owners="2" segments="80</a:t>
+            </a:r>
+            <a:r>
+              <a:rPr lang="en-GB" sz="1600" dirty="0" smtClean="0"/>
+              <a:t>" </a:t>
+            </a:r>
+            <a:r>
+              <a:rPr lang="en-GB" sz="1600" dirty="0"/>
+              <a:t>/&gt;</a:t>
+            </a:r>
+            <a:endParaRPr lang="en-GB" sz="1600" dirty="0" smtClean="0"/>
+          </a:p>
+        </p:txBody>
+      </p:sp>
+    </p:spTree>
+    <p:extLst>
+      <p:ext uri="{BB962C8B-B14F-4D97-AF65-F5344CB8AC3E}">
+        <p14:creationId xmlns:p14="http://schemas.microsoft.com/office/powerpoint/2010/main" val="2089670844"/>
+      </p:ext>
+    </p:extLst>
+  </p:cSld>
+  <p:clrMapOvr>
+    <a:masterClrMapping/>
+  </p:clrMapOvr>
+  <p:timing>
+    <p:tnLst>
+      <p:par>
+        <p:cTn xmlns:p14="http://schemas.microsoft.com/office/powerpoint/2010/main" id="1" dur="indefinite" restart="never" nodeType="tmRoot"/>
+      </p:par>
+    </p:tnLst>
+  </p:timing>
+</p:sld>
+</file>
+
+<file path=ppt/slides/slide13.xml><?xml version="1.0" encoding="utf-8"?>
+<p:sld xmlns:a="http://schemas.openxmlformats.org/drawingml/2006/main" xmlns:r="http://schemas.openxmlformats.org/officeDocument/2006/relationships" xmlns:p="http://schemas.openxmlformats.org/presentationml/2006/main">
+  <p:cSld>
+    <p:spTree>
+      <p:nvGrpSpPr>
+        <p:cNvPr id="1" name=""/>
+        <p:cNvGrpSpPr/>
+        <p:nvPr/>
+      </p:nvGrpSpPr>
+      <p:grpSpPr>
+        <a:xfrm>
+          <a:off x="0" y="0"/>
+          <a:ext cx="0" cy="0"/>
+          <a:chOff x="0" y="0"/>
+          <a:chExt cx="0" cy="0"/>
+        </a:xfrm>
+      </p:grpSpPr>
+      <p:sp>
+        <p:nvSpPr>
           <p:cNvPr id="9" name="Content Placeholder 8"/>
           <p:cNvSpPr>
             <a:spLocks noGrp="1"/>
@@ -5468,7 +6616,6 @@
               <a:rPr lang="en-GB" dirty="0"/>
               <a:t>Distribution Mode</a:t>
             </a:r>
-            <a:endParaRPr lang="en-GB" dirty="0"/>
           </a:p>
         </p:txBody>
       </p:sp>
@@ -5518,7 +6665,7 @@
               <a:pPr>
                 <a:defRPr/>
               </a:pPr>
-              <a:t>27 July 2015</a:t>
+              <a:t>9 August 2015</a:t>
             </a:fld>
             <a:endParaRPr lang="en-US" dirty="0"/>
           </a:p>
@@ -5547,7 +6694,7 @@
               <a:pPr>
                 <a:defRPr/>
               </a:pPr>
-              <a:t>9</a:t>
+              <a:t>12</a:t>
             </a:fld>
             <a:endParaRPr lang="en-US"/>
           </a:p>
@@ -5589,14 +6736,14 @@
             <a:noFill/>
           </a:ln>
           <a:extLst>
-            <a:ext uri="{909E8E84-426E-40DD-AFC4-6F175D3DCCD1}">
+            <a:ext uri="{909E8E84-426E-40dd-AFC4-6F175D3DCCD1}">
               <a14:hiddenFill xmlns:a14="http://schemas.microsoft.com/office/drawing/2010/main">
                 <a:solidFill>
                   <a:schemeClr val="accent1"/>
                 </a:solidFill>
               </a14:hiddenFill>
             </a:ext>
-            <a:ext uri="{91240B29-F687-4F45-9708-019B960494DF}">
+            <a:ext uri="{91240B29-F687-4f45-9708-019B960494DF}">
               <a14:hiddenLine xmlns:a14="http://schemas.microsoft.com/office/drawing/2010/main" w="9525">
                 <a:solidFill>
                   <a:schemeClr val="tx1"/>
@@ -5687,14 +6834,14 @@
   <p:timing>
     <p:tnLst>
       <p:par>
-        <p:cTn id="1" dur="indefinite" restart="never" nodeType="tmRoot"/>
+        <p:cTn xmlns:p14="http://schemas.microsoft.com/office/powerpoint/2010/main" id="1" dur="indefinite" restart="never" nodeType="tmRoot"/>
       </p:par>
     </p:tnLst>
   </p:timing>
 </p:sld>
 </file>
 
-<file path=ppt/slides/slide11.xml><?xml version="1.0" encoding="utf-8"?>
+<file path=ppt/slides/slide14.xml><?xml version="1.0" encoding="utf-8"?>
 <p:sld xmlns:a="http://schemas.openxmlformats.org/drawingml/2006/main" xmlns:r="http://schemas.openxmlformats.org/officeDocument/2006/relationships" xmlns:p="http://schemas.openxmlformats.org/presentationml/2006/main">
   <p:cSld>
     <p:spTree>
@@ -5783,7 +6930,7 @@
               <a:pPr>
                 <a:defRPr/>
               </a:pPr>
-              <a:t>27 July 2015</a:t>
+              <a:t>9 August 2015</a:t>
             </a:fld>
             <a:endParaRPr lang="en-US" dirty="0"/>
           </a:p>
@@ -5812,7 +6959,7 @@
               <a:pPr>
                 <a:defRPr/>
               </a:pPr>
-              <a:t>10</a:t>
+              <a:t>13</a:t>
             </a:fld>
             <a:endParaRPr lang="en-US"/>
           </a:p>
@@ -5849,7 +6996,7 @@
           </a:prstGeom>
           <a:noFill/>
           <a:extLst>
-            <a:ext uri="{909E8E84-426E-40DD-AFC4-6F175D3DCCD1}">
+            <a:ext uri="{909E8E84-426E-40dd-AFC4-6F175D3DCCD1}">
               <a14:hiddenFill xmlns:a14="http://schemas.microsoft.com/office/drawing/2010/main">
                 <a:solidFill>
                   <a:srgbClr val="FFFFFF"/>
@@ -5872,14 +7019,14 @@
   <p:timing>
     <p:tnLst>
       <p:par>
-        <p:cTn id="1" dur="indefinite" restart="never" nodeType="tmRoot"/>
+        <p:cTn xmlns:p14="http://schemas.microsoft.com/office/powerpoint/2010/main" id="1" dur="indefinite" restart="never" nodeType="tmRoot"/>
       </p:par>
     </p:tnLst>
   </p:timing>
 </p:sld>
 </file>
 
-<file path=ppt/slides/slide12.xml><?xml version="1.0" encoding="utf-8"?>
+<file path=ppt/slides/slide15.xml><?xml version="1.0" encoding="utf-8"?>
 <p:sld xmlns:a="http://schemas.openxmlformats.org/drawingml/2006/main" xmlns:r="http://schemas.openxmlformats.org/officeDocument/2006/relationships" xmlns:p="http://schemas.openxmlformats.org/presentationml/2006/main">
   <p:cSld>
     <p:spTree>
@@ -5963,7 +7110,7 @@
               <a:pPr>
                 <a:defRPr/>
               </a:pPr>
-              <a:t>27 July 2015</a:t>
+              <a:t>9 August 2015</a:t>
             </a:fld>
             <a:endParaRPr lang="en-US" dirty="0"/>
           </a:p>
@@ -5992,7 +7139,7 @@
               <a:pPr>
                 <a:defRPr/>
               </a:pPr>
-              <a:t>11</a:t>
+              <a:t>14</a:t>
             </a:fld>
             <a:endParaRPr lang="en-US"/>
           </a:p>
@@ -6032,14 +7179,14 @@
             <a:noFill/>
           </a:ln>
           <a:extLst>
-            <a:ext uri="{909E8E84-426E-40DD-AFC4-6F175D3DCCD1}">
+            <a:ext uri="{909E8E84-426E-40dd-AFC4-6F175D3DCCD1}">
               <a14:hiddenFill xmlns:a14="http://schemas.microsoft.com/office/drawing/2010/main">
                 <a:solidFill>
                   <a:schemeClr val="accent1"/>
                 </a:solidFill>
               </a14:hiddenFill>
             </a:ext>
-            <a:ext uri="{91240B29-F687-4F45-9708-019B960494DF}">
+            <a:ext uri="{91240B29-F687-4f45-9708-019B960494DF}">
               <a14:hiddenLine xmlns:a14="http://schemas.microsoft.com/office/drawing/2010/main" w="9525">
                 <a:solidFill>
                   <a:schemeClr val="tx1"/>
@@ -6083,7 +7230,7 @@
           </a:prstGeom>
           <a:noFill/>
           <a:extLst>
-            <a:ext uri="{909E8E84-426E-40DD-AFC4-6F175D3DCCD1}">
+            <a:ext uri="{909E8E84-426E-40dd-AFC4-6F175D3DCCD1}">
               <a14:hiddenFill xmlns:a14="http://schemas.microsoft.com/office/drawing/2010/main">
                 <a:solidFill>
                   <a:srgbClr val="FFFFFF"/>
@@ -6106,14 +7253,2858 @@
   <p:timing>
     <p:tnLst>
       <p:par>
-        <p:cTn id="1" dur="indefinite" restart="never" nodeType="tmRoot"/>
+        <p:cTn xmlns:p14="http://schemas.microsoft.com/office/powerpoint/2010/main" id="1" dur="indefinite" restart="never" nodeType="tmRoot"/>
       </p:par>
     </p:tnLst>
   </p:timing>
 </p:sld>
 </file>
 
-<file path=ppt/slides/slide13.xml><?xml version="1.0" encoding="utf-8"?>
+<file path=ppt/slides/slide16.xml><?xml version="1.0" encoding="utf-8"?>
+<p:sld xmlns:a="http://schemas.openxmlformats.org/drawingml/2006/main" xmlns:r="http://schemas.openxmlformats.org/officeDocument/2006/relationships" xmlns:p="http://schemas.openxmlformats.org/presentationml/2006/main">
+  <p:cSld>
+    <p:spTree>
+      <p:nvGrpSpPr>
+        <p:cNvPr id="1" name=""/>
+        <p:cNvGrpSpPr/>
+        <p:nvPr/>
+      </p:nvGrpSpPr>
+      <p:grpSpPr>
+        <a:xfrm>
+          <a:off x="0" y="0"/>
+          <a:ext cx="0" cy="0"/>
+          <a:chOff x="0" y="0"/>
+          <a:chExt cx="0" cy="0"/>
+        </a:xfrm>
+      </p:grpSpPr>
+      <p:sp>
+        <p:nvSpPr>
+          <p:cNvPr id="3" name="Content Placeholder 2"/>
+          <p:cNvSpPr>
+            <a:spLocks noGrp="1"/>
+          </p:cNvSpPr>
+          <p:nvPr>
+            <p:ph sz="half" idx="1"/>
+          </p:nvPr>
+        </p:nvSpPr>
+        <p:spPr>
+          <a:xfrm>
+            <a:off x="431800" y="1239838"/>
+            <a:ext cx="4908300" cy="5223157"/>
+          </a:xfrm>
+        </p:spPr>
+        <p:txBody>
+          <a:bodyPr/>
+          <a:lstStyle/>
+          <a:p>
+            <a:r>
+              <a:rPr lang="en-GB" sz="1800" dirty="0" smtClean="0"/>
+              <a:t>Allows </a:t>
+            </a:r>
+            <a:r>
+              <a:rPr lang="en-GB" sz="1800" dirty="0"/>
+              <a:t>configuring persistent </a:t>
+            </a:r>
+            <a:r>
+              <a:rPr lang="en-GB" sz="1800" dirty="0" smtClean="0"/>
+              <a:t>storage</a:t>
+            </a:r>
+          </a:p>
+          <a:p>
+            <a:pPr marL="0" indent="0">
+              <a:buNone/>
+            </a:pPr>
+            <a:endParaRPr lang="en-GB" sz="1800" dirty="0" smtClean="0"/>
+          </a:p>
+          <a:p>
+            <a:r>
+              <a:rPr lang="en-GB" sz="1800" dirty="0"/>
+              <a:t>E</a:t>
+            </a:r>
+            <a:r>
+              <a:rPr lang="en-GB" sz="1800" dirty="0" smtClean="0"/>
+              <a:t>xternal </a:t>
+            </a:r>
+            <a:r>
+              <a:rPr lang="en-GB" sz="1800" dirty="0"/>
+              <a:t>persistent storage </a:t>
+            </a:r>
+            <a:r>
+              <a:rPr lang="en-GB" sz="1800" dirty="0" smtClean="0"/>
+              <a:t>is </a:t>
+            </a:r>
+            <a:r>
+              <a:rPr lang="en-GB" sz="1800" dirty="0"/>
+              <a:t>useful </a:t>
+            </a:r>
+            <a:r>
+              <a:rPr lang="en-GB" sz="1800" dirty="0" smtClean="0"/>
+              <a:t>for : Increased Durability, Write</a:t>
+            </a:r>
+            <a:r>
+              <a:rPr lang="en-GB" sz="1800" dirty="0" smtClean="0"/>
+              <a:t>-</a:t>
+            </a:r>
+            <a:r>
+              <a:rPr lang="en-GB" sz="1800" dirty="0" smtClean="0"/>
+              <a:t>through and Overflow Data</a:t>
+            </a:r>
+          </a:p>
+          <a:p>
+            <a:pPr marL="0" indent="0">
+              <a:buNone/>
+            </a:pPr>
+            <a:endParaRPr lang="en-GB" sz="1600" dirty="0" smtClean="0"/>
+          </a:p>
+          <a:p>
+            <a:pPr marL="195263" lvl="1" indent="-195263">
+              <a:buClr>
+                <a:srgbClr val="009FDA"/>
+              </a:buClr>
+              <a:buSzPct val="130000"/>
+              <a:buFont typeface="Arial" charset="0"/>
+              <a:buChar char="•"/>
+            </a:pPr>
+            <a:r>
+              <a:rPr lang="en-GB" sz="1800" dirty="0" smtClean="0">
+                <a:ea typeface="+mn-ea"/>
+                <a:cs typeface="+mn-cs"/>
+              </a:rPr>
+              <a:t>Uses </a:t>
+            </a:r>
+            <a:r>
+              <a:rPr lang="en-GB" sz="1800" dirty="0" err="1" smtClean="0">
+                <a:ea typeface="+mn-ea"/>
+                <a:cs typeface="+mn-cs"/>
+              </a:rPr>
+              <a:t>CacheLoader</a:t>
+            </a:r>
+            <a:r>
+              <a:rPr lang="en-GB" sz="1800" dirty="0" smtClean="0">
+                <a:ea typeface="+mn-ea"/>
+                <a:cs typeface="+mn-cs"/>
+              </a:rPr>
+              <a:t>/</a:t>
+            </a:r>
+            <a:r>
+              <a:rPr lang="en-GB" sz="1800" dirty="0" err="1" smtClean="0">
+                <a:ea typeface="+mn-ea"/>
+                <a:cs typeface="+mn-cs"/>
+              </a:rPr>
+              <a:t>CacheWriter</a:t>
+            </a:r>
+            <a:r>
+              <a:rPr lang="en-GB" sz="1800" dirty="0" smtClean="0">
+                <a:ea typeface="+mn-ea"/>
+                <a:cs typeface="+mn-cs"/>
+              </a:rPr>
+              <a:t> </a:t>
+            </a:r>
+            <a:r>
+              <a:rPr lang="en-GB" sz="1800" dirty="0">
+                <a:ea typeface="+mn-ea"/>
+                <a:cs typeface="+mn-cs"/>
+              </a:rPr>
+              <a:t>to </a:t>
+            </a:r>
+            <a:r>
+              <a:rPr lang="en-GB" sz="1800" dirty="0" smtClean="0">
+                <a:ea typeface="+mn-ea"/>
+                <a:cs typeface="+mn-cs"/>
+              </a:rPr>
+              <a:t>save/load </a:t>
+            </a:r>
+            <a:r>
+              <a:rPr lang="en-GB" sz="1800" dirty="0" smtClean="0">
+                <a:ea typeface="+mn-ea"/>
+                <a:cs typeface="+mn-cs"/>
+              </a:rPr>
+              <a:t>data </a:t>
+            </a:r>
+            <a:r>
+              <a:rPr lang="en-GB" sz="1800" dirty="0" smtClean="0">
+                <a:ea typeface="+mn-ea"/>
+                <a:cs typeface="+mn-cs"/>
+              </a:rPr>
+              <a:t>to/from </a:t>
+            </a:r>
+            <a:r>
+              <a:rPr lang="en-GB" sz="1800" dirty="0" smtClean="0"/>
+              <a:t>persistent </a:t>
+            </a:r>
+            <a:r>
+              <a:rPr lang="en-GB" sz="1800" dirty="0"/>
+              <a:t>cache store </a:t>
+            </a:r>
+            <a:r>
+              <a:rPr lang="en-GB" sz="1800" dirty="0" smtClean="0"/>
+              <a:t>in </a:t>
+            </a:r>
+            <a:r>
+              <a:rPr lang="en-GB" sz="1800" dirty="0" smtClean="0"/>
+              <a:t>cache</a:t>
+            </a:r>
+          </a:p>
+          <a:p>
+            <a:pPr marL="0" lvl="1" indent="0">
+              <a:buClr>
+                <a:srgbClr val="009FDA"/>
+              </a:buClr>
+              <a:buSzPct val="130000"/>
+              <a:buNone/>
+            </a:pPr>
+            <a:endParaRPr lang="en-GB" sz="1800" dirty="0" smtClean="0"/>
+          </a:p>
+          <a:p>
+            <a:pPr marL="195263" lvl="1" indent="-195263">
+              <a:buClr>
+                <a:srgbClr val="009FDA"/>
+              </a:buClr>
+              <a:buSzPct val="130000"/>
+              <a:buFont typeface="Arial" charset="0"/>
+              <a:buChar char="•"/>
+            </a:pPr>
+            <a:r>
+              <a:rPr lang="en-GB" sz="1800" dirty="0" smtClean="0"/>
+              <a:t>Available </a:t>
+            </a:r>
+            <a:r>
+              <a:rPr lang="en-GB" sz="1800" dirty="0" smtClean="0"/>
+              <a:t>cache loaders/stores:</a:t>
+            </a:r>
+            <a:endParaRPr lang="en-GB" sz="1000" dirty="0" smtClean="0"/>
+          </a:p>
+          <a:p>
+            <a:pPr lvl="1"/>
+            <a:r>
+              <a:rPr lang="en-GB" sz="1600" dirty="0" err="1"/>
+              <a:t>Filesystem</a:t>
+            </a:r>
+            <a:r>
+              <a:rPr lang="en-GB" sz="1600" dirty="0"/>
+              <a:t>-based Cache Loaders</a:t>
+            </a:r>
+          </a:p>
+          <a:p>
+            <a:pPr lvl="2">
+              <a:lnSpc>
+                <a:spcPct val="120000"/>
+              </a:lnSpc>
+              <a:buClrTx/>
+              <a:buSzPct val="75000"/>
+              <a:buFont typeface="Wingdings" charset="2"/>
+              <a:buChar char="v"/>
+            </a:pPr>
+            <a:r>
+              <a:rPr lang="en-GB" sz="1400" dirty="0" err="1" smtClean="0"/>
+              <a:t>SingleFileStore</a:t>
+            </a:r>
+            <a:endParaRPr lang="en-GB" sz="1400" dirty="0"/>
+          </a:p>
+          <a:p>
+            <a:pPr lvl="1">
+              <a:lnSpc>
+                <a:spcPct val="120000"/>
+              </a:lnSpc>
+            </a:pPr>
+            <a:r>
+              <a:rPr lang="en-GB" sz="1600" dirty="0"/>
+              <a:t>JDBC-based Cache Loaders</a:t>
+            </a:r>
+          </a:p>
+          <a:p>
+            <a:pPr lvl="2">
+              <a:lnSpc>
+                <a:spcPct val="120000"/>
+              </a:lnSpc>
+              <a:buClrTx/>
+              <a:buSzPct val="75000"/>
+              <a:buFont typeface="Wingdings" charset="2"/>
+              <a:buChar char="v"/>
+            </a:pPr>
+            <a:r>
+              <a:rPr lang="en-GB" sz="1400" dirty="0" err="1"/>
+              <a:t>JdbcBinaryCacheStore</a:t>
+            </a:r>
+            <a:endParaRPr lang="en-GB" sz="1400" dirty="0"/>
+          </a:p>
+          <a:p>
+            <a:pPr lvl="2">
+              <a:lnSpc>
+                <a:spcPct val="120000"/>
+              </a:lnSpc>
+              <a:buClrTx/>
+              <a:buSzPct val="75000"/>
+              <a:buFont typeface="Wingdings" charset="2"/>
+              <a:buChar char="v"/>
+            </a:pPr>
+            <a:r>
+              <a:rPr lang="en-GB" sz="1400" dirty="0" err="1"/>
+              <a:t>JdbcStringBasedCacheStore</a:t>
+            </a:r>
+            <a:endParaRPr lang="en-GB" sz="1400" dirty="0"/>
+          </a:p>
+          <a:p>
+            <a:pPr lvl="2">
+              <a:lnSpc>
+                <a:spcPct val="120000"/>
+              </a:lnSpc>
+              <a:buClrTx/>
+              <a:buSzPct val="75000"/>
+              <a:buFont typeface="Wingdings" charset="2"/>
+              <a:buChar char="v"/>
+            </a:pPr>
+            <a:r>
+              <a:rPr lang="en-GB" sz="1400" dirty="0" err="1"/>
+              <a:t>JdbcMixedCacheStore</a:t>
+            </a:r>
+            <a:endParaRPr lang="en-GB" sz="1400" dirty="0"/>
+          </a:p>
+          <a:p>
+            <a:pPr lvl="1">
+              <a:lnSpc>
+                <a:spcPct val="120000"/>
+              </a:lnSpc>
+            </a:pPr>
+            <a:r>
+              <a:rPr lang="en-GB" sz="1600" dirty="0"/>
+              <a:t>Others</a:t>
+            </a:r>
+          </a:p>
+          <a:p>
+            <a:pPr marL="1046163" lvl="2" indent="0">
+              <a:buNone/>
+            </a:pPr>
+            <a:endParaRPr lang="en-GB" sz="1400" dirty="0"/>
+          </a:p>
+          <a:p>
+            <a:pPr lvl="1"/>
+            <a:endParaRPr lang="en-GB" dirty="0"/>
+          </a:p>
+        </p:txBody>
+      </p:sp>
+      <p:sp>
+        <p:nvSpPr>
+          <p:cNvPr id="2" name="Title 1"/>
+          <p:cNvSpPr>
+            <a:spLocks noGrp="1"/>
+          </p:cNvSpPr>
+          <p:nvPr>
+            <p:ph type="title"/>
+          </p:nvPr>
+        </p:nvSpPr>
+        <p:spPr/>
+        <p:txBody>
+          <a:bodyPr/>
+          <a:lstStyle/>
+          <a:p>
+            <a:r>
+              <a:rPr lang="en-GB" dirty="0"/>
+              <a:t>Persistence</a:t>
+            </a:r>
+          </a:p>
+        </p:txBody>
+      </p:sp>
+      <p:sp>
+        <p:nvSpPr>
+          <p:cNvPr id="8" name="Text Placeholder 7"/>
+          <p:cNvSpPr>
+            <a:spLocks noGrp="1"/>
+          </p:cNvSpPr>
+          <p:nvPr>
+            <p:ph type="body" sz="quarter" idx="13"/>
+          </p:nvPr>
+        </p:nvSpPr>
+        <p:spPr/>
+        <p:txBody>
+          <a:bodyPr/>
+          <a:lstStyle/>
+          <a:p>
+            <a:endParaRPr lang="en-GB"/>
+          </a:p>
+        </p:txBody>
+      </p:sp>
+      <p:sp>
+        <p:nvSpPr>
+          <p:cNvPr id="5" name="Date Placeholder 4"/>
+          <p:cNvSpPr>
+            <a:spLocks noGrp="1"/>
+          </p:cNvSpPr>
+          <p:nvPr>
+            <p:ph type="dt" sz="half" idx="10"/>
+          </p:nvPr>
+        </p:nvSpPr>
+        <p:spPr/>
+        <p:txBody>
+          <a:bodyPr/>
+          <a:lstStyle/>
+          <a:p>
+            <a:pPr>
+              <a:defRPr/>
+            </a:pPr>
+            <a:fld id="{D95CFEC9-DCDE-483F-9C62-EBF9D31C73AA}" type="datetime3">
+              <a:rPr lang="en-US" smtClean="0"/>
+              <a:pPr>
+                <a:defRPr/>
+              </a:pPr>
+              <a:t>9 August 2015</a:t>
+            </a:fld>
+            <a:endParaRPr lang="en-US" dirty="0"/>
+          </a:p>
+        </p:txBody>
+      </p:sp>
+      <p:sp>
+        <p:nvSpPr>
+          <p:cNvPr id="6" name="Slide Number Placeholder 5"/>
+          <p:cNvSpPr>
+            <a:spLocks noGrp="1"/>
+          </p:cNvSpPr>
+          <p:nvPr>
+            <p:ph type="sldNum" sz="quarter" idx="12"/>
+          </p:nvPr>
+        </p:nvSpPr>
+        <p:spPr/>
+        <p:txBody>
+          <a:bodyPr/>
+          <a:lstStyle/>
+          <a:p>
+            <a:pPr>
+              <a:defRPr/>
+            </a:pPr>
+            <a:fld id="{90600ADF-17AC-4085-9C50-2A0435A05455}" type="slidenum">
+              <a:rPr lang="en-US" smtClean="0"/>
+              <a:pPr>
+                <a:defRPr/>
+              </a:pPr>
+              <a:t>15</a:t>
+            </a:fld>
+            <a:endParaRPr lang="en-US" dirty="0"/>
+          </a:p>
+        </p:txBody>
+      </p:sp>
+      <p:pic>
+        <p:nvPicPr>
+          <p:cNvPr id="1026" name="Picture 2"/>
+          <p:cNvPicPr>
+            <a:picLocks noGrp="1" noChangeAspect="1" noChangeArrowheads="1"/>
+          </p:cNvPicPr>
+          <p:nvPr>
+            <p:ph sz="half" idx="2"/>
+          </p:nvPr>
+        </p:nvPicPr>
+        <p:blipFill>
+          <a:blip r:embed="rId2">
+            <a:extLst>
+              <a:ext uri="{28A0092B-C50C-407E-A947-70E740481C1C}">
+                <a14:useLocalDpi xmlns:a14="http://schemas.microsoft.com/office/drawing/2010/main" val="0"/>
+              </a:ext>
+            </a:extLst>
+          </a:blip>
+          <a:srcRect/>
+          <a:stretch>
+            <a:fillRect/>
+          </a:stretch>
+        </p:blipFill>
+        <p:spPr bwMode="auto">
+          <a:xfrm>
+            <a:off x="5916175" y="1931205"/>
+            <a:ext cx="2475191" cy="3731075"/>
+          </a:xfrm>
+          <a:prstGeom prst="rect">
+            <a:avLst/>
+          </a:prstGeom>
+          <a:noFill/>
+          <a:ln>
+            <a:noFill/>
+          </a:ln>
+          <a:effectLst/>
+          <a:extLst>
+            <a:ext uri="{909E8E84-426E-40dd-AFC4-6F175D3DCCD1}">
+              <a14:hiddenFill xmlns:a14="http://schemas.microsoft.com/office/drawing/2010/main">
+                <a:solidFill>
+                  <a:schemeClr val="accent1"/>
+                </a:solidFill>
+              </a14:hiddenFill>
+            </a:ext>
+            <a:ext uri="{91240B29-F687-4f45-9708-019B960494DF}">
+              <a14:hiddenLine xmlns:a14="http://schemas.microsoft.com/office/drawing/2010/main" w="9525">
+                <a:solidFill>
+                  <a:schemeClr val="tx1"/>
+                </a:solidFill>
+                <a:miter lim="800000"/>
+                <a:headEnd/>
+                <a:tailEnd/>
+              </a14:hiddenLine>
+            </a:ext>
+            <a:ext uri="{AF507438-7753-43e0-B8FC-AC1667EBCBE1}">
+              <a14:hiddenEffects xmlns:a14="http://schemas.microsoft.com/office/drawing/2010/main">
+                <a:effectLst>
+                  <a:outerShdw dist="35921" dir="2700000" algn="ctr" rotWithShape="0">
+                    <a:schemeClr val="bg2"/>
+                  </a:outerShdw>
+                </a:effectLst>
+              </a14:hiddenEffects>
+            </a:ext>
+          </a:extLst>
+        </p:spPr>
+      </p:pic>
+    </p:spTree>
+    <p:extLst>
+      <p:ext uri="{BB962C8B-B14F-4D97-AF65-F5344CB8AC3E}">
+        <p14:creationId xmlns:p14="http://schemas.microsoft.com/office/powerpoint/2010/main" val="479859234"/>
+      </p:ext>
+    </p:extLst>
+  </p:cSld>
+  <p:clrMapOvr>
+    <a:masterClrMapping/>
+  </p:clrMapOvr>
+  <p:timing>
+    <p:tnLst>
+      <p:par>
+        <p:cTn xmlns:p14="http://schemas.microsoft.com/office/powerpoint/2010/main" id="1" dur="indefinite" restart="never" nodeType="tmRoot"/>
+      </p:par>
+    </p:tnLst>
+  </p:timing>
+</p:sld>
+</file>
+
+<file path=ppt/slides/slide17.xml><?xml version="1.0" encoding="utf-8"?>
+<p:sld xmlns:a="http://schemas.openxmlformats.org/drawingml/2006/main" xmlns:r="http://schemas.openxmlformats.org/officeDocument/2006/relationships" xmlns:p="http://schemas.openxmlformats.org/presentationml/2006/main">
+  <p:cSld>
+    <p:spTree>
+      <p:nvGrpSpPr>
+        <p:cNvPr id="1" name=""/>
+        <p:cNvGrpSpPr/>
+        <p:nvPr/>
+      </p:nvGrpSpPr>
+      <p:grpSpPr>
+        <a:xfrm>
+          <a:off x="0" y="0"/>
+          <a:ext cx="0" cy="0"/>
+          <a:chOff x="0" y="0"/>
+          <a:chExt cx="0" cy="0"/>
+        </a:xfrm>
+      </p:grpSpPr>
+      <p:sp>
+        <p:nvSpPr>
+          <p:cNvPr id="2" name="Title 1"/>
+          <p:cNvSpPr>
+            <a:spLocks noGrp="1"/>
+          </p:cNvSpPr>
+          <p:nvPr>
+            <p:ph type="title"/>
+          </p:nvPr>
+        </p:nvSpPr>
+        <p:spPr/>
+        <p:txBody>
+          <a:bodyPr/>
+          <a:lstStyle/>
+          <a:p>
+            <a:r>
+              <a:rPr lang="en-GB" dirty="0" smtClean="0"/>
+              <a:t>Features</a:t>
+            </a:r>
+            <a:endParaRPr lang="en-GB" dirty="0"/>
+          </a:p>
+        </p:txBody>
+      </p:sp>
+      <p:sp>
+        <p:nvSpPr>
+          <p:cNvPr id="3" name="Content Placeholder 2"/>
+          <p:cNvSpPr>
+            <a:spLocks noGrp="1"/>
+          </p:cNvSpPr>
+          <p:nvPr>
+            <p:ph idx="1"/>
+          </p:nvPr>
+        </p:nvSpPr>
+        <p:spPr/>
+        <p:txBody>
+          <a:bodyPr/>
+          <a:lstStyle/>
+          <a:p>
+            <a:r>
+              <a:rPr lang="en-GB" dirty="0"/>
+              <a:t>In-memory local and clustered cache</a:t>
+            </a:r>
+          </a:p>
+          <a:p>
+            <a:r>
+              <a:rPr lang="en-GB" dirty="0"/>
+              <a:t>Clustering</a:t>
+            </a:r>
+          </a:p>
+          <a:p>
+            <a:r>
+              <a:rPr lang="en-GB" dirty="0"/>
+              <a:t>Transactions</a:t>
+            </a:r>
+          </a:p>
+          <a:p>
+            <a:r>
+              <a:rPr lang="en-GB" dirty="0"/>
+              <a:t>Persistence</a:t>
+            </a:r>
+          </a:p>
+          <a:p>
+            <a:r>
+              <a:rPr lang="en-GB" dirty="0"/>
+              <a:t>Configuration / Development</a:t>
+            </a:r>
+          </a:p>
+          <a:p>
+            <a:r>
+              <a:rPr lang="en-GB" dirty="0"/>
+              <a:t>Integrations</a:t>
+            </a:r>
+          </a:p>
+          <a:p>
+            <a:endParaRPr lang="en-GB" dirty="0"/>
+          </a:p>
+        </p:txBody>
+      </p:sp>
+      <p:sp>
+        <p:nvSpPr>
+          <p:cNvPr id="4" name="Text Placeholder 3"/>
+          <p:cNvSpPr>
+            <a:spLocks noGrp="1"/>
+          </p:cNvSpPr>
+          <p:nvPr>
+            <p:ph type="body" sz="quarter" idx="13"/>
+          </p:nvPr>
+        </p:nvSpPr>
+        <p:spPr/>
+        <p:txBody>
+          <a:bodyPr/>
+          <a:lstStyle/>
+          <a:p>
+            <a:endParaRPr lang="en-GB"/>
+          </a:p>
+        </p:txBody>
+      </p:sp>
+      <p:sp>
+        <p:nvSpPr>
+          <p:cNvPr id="5" name="Date Placeholder 4"/>
+          <p:cNvSpPr>
+            <a:spLocks noGrp="1"/>
+          </p:cNvSpPr>
+          <p:nvPr>
+            <p:ph type="dt" sz="half" idx="14"/>
+          </p:nvPr>
+        </p:nvSpPr>
+        <p:spPr/>
+        <p:txBody>
+          <a:bodyPr/>
+          <a:lstStyle/>
+          <a:p>
+            <a:pPr>
+              <a:defRPr/>
+            </a:pPr>
+            <a:fld id="{D95CFEC9-DCDE-483F-9C62-EBF9D31C73AA}" type="datetime3">
+              <a:rPr lang="en-US" smtClean="0"/>
+              <a:pPr>
+                <a:defRPr/>
+              </a:pPr>
+              <a:t>9 August 2015</a:t>
+            </a:fld>
+            <a:endParaRPr lang="en-US" dirty="0"/>
+          </a:p>
+        </p:txBody>
+      </p:sp>
+      <p:sp>
+        <p:nvSpPr>
+          <p:cNvPr id="6" name="Slide Number Placeholder 5"/>
+          <p:cNvSpPr>
+            <a:spLocks noGrp="1"/>
+          </p:cNvSpPr>
+          <p:nvPr>
+            <p:ph type="sldNum" sz="quarter" idx="15"/>
+          </p:nvPr>
+        </p:nvSpPr>
+        <p:spPr/>
+        <p:txBody>
+          <a:bodyPr/>
+          <a:lstStyle/>
+          <a:p>
+            <a:pPr>
+              <a:defRPr/>
+            </a:pPr>
+            <a:fld id="{90600ADF-17AC-4085-9C50-2A0435A05455}" type="slidenum">
+              <a:rPr lang="en-US" smtClean="0"/>
+              <a:pPr>
+                <a:defRPr/>
+              </a:pPr>
+              <a:t>16</a:t>
+            </a:fld>
+            <a:endParaRPr lang="en-US" dirty="0"/>
+          </a:p>
+        </p:txBody>
+      </p:sp>
+    </p:spTree>
+    <p:extLst>
+      <p:ext uri="{BB962C8B-B14F-4D97-AF65-F5344CB8AC3E}">
+        <p14:creationId xmlns:p14="http://schemas.microsoft.com/office/powerpoint/2010/main" val="1007208415"/>
+      </p:ext>
+    </p:extLst>
+  </p:cSld>
+  <p:clrMapOvr>
+    <a:masterClrMapping/>
+  </p:clrMapOvr>
+  <p:timing>
+    <p:tnLst>
+      <p:par>
+        <p:cTn xmlns:p14="http://schemas.microsoft.com/office/powerpoint/2010/main" id="1" dur="indefinite" restart="never" nodeType="tmRoot"/>
+      </p:par>
+    </p:tnLst>
+  </p:timing>
+</p:sld>
+</file>
+
+<file path=ppt/slides/slide2.xml><?xml version="1.0" encoding="utf-8"?>
+<p:sld xmlns:a="http://schemas.openxmlformats.org/drawingml/2006/main" xmlns:r="http://schemas.openxmlformats.org/officeDocument/2006/relationships" xmlns:p="http://schemas.openxmlformats.org/presentationml/2006/main">
+  <p:cSld>
+    <p:spTree>
+      <p:nvGrpSpPr>
+        <p:cNvPr id="1" name=""/>
+        <p:cNvGrpSpPr/>
+        <p:nvPr/>
+      </p:nvGrpSpPr>
+      <p:grpSpPr>
+        <a:xfrm>
+          <a:off x="0" y="0"/>
+          <a:ext cx="0" cy="0"/>
+          <a:chOff x="0" y="0"/>
+          <a:chExt cx="0" cy="0"/>
+        </a:xfrm>
+      </p:grpSpPr>
+      <p:sp>
+        <p:nvSpPr>
+          <p:cNvPr id="2" name="Title 1"/>
+          <p:cNvSpPr>
+            <a:spLocks noGrp="1"/>
+          </p:cNvSpPr>
+          <p:nvPr>
+            <p:ph type="title"/>
+          </p:nvPr>
+        </p:nvSpPr>
+        <p:spPr/>
+        <p:txBody>
+          <a:bodyPr/>
+          <a:lstStyle/>
+          <a:p>
+            <a:r>
+              <a:rPr lang="en-GB" dirty="0" smtClean="0"/>
+              <a:t>Agenda</a:t>
+            </a:r>
+            <a:endParaRPr lang="en-GB" dirty="0"/>
+          </a:p>
+        </p:txBody>
+      </p:sp>
+      <p:sp>
+        <p:nvSpPr>
+          <p:cNvPr id="3" name="Content Placeholder 2"/>
+          <p:cNvSpPr>
+            <a:spLocks noGrp="1"/>
+          </p:cNvSpPr>
+          <p:nvPr>
+            <p:ph idx="1"/>
+          </p:nvPr>
+        </p:nvSpPr>
+        <p:spPr/>
+        <p:txBody>
+          <a:bodyPr/>
+          <a:lstStyle/>
+          <a:p>
+            <a:pPr>
+              <a:lnSpc>
+                <a:spcPct val="130000"/>
+              </a:lnSpc>
+            </a:pPr>
+            <a:r>
+              <a:rPr lang="en-GB" dirty="0" smtClean="0"/>
+              <a:t>What is </a:t>
+            </a:r>
+            <a:r>
+              <a:rPr lang="en-GB" dirty="0" err="1" smtClean="0"/>
+              <a:t>Infinispan</a:t>
+            </a:r>
+            <a:r>
+              <a:rPr lang="en-GB" dirty="0" smtClean="0"/>
+              <a:t>?</a:t>
+            </a:r>
+          </a:p>
+          <a:p>
+            <a:pPr>
+              <a:lnSpc>
+                <a:spcPct val="130000"/>
+              </a:lnSpc>
+            </a:pPr>
+            <a:r>
+              <a:rPr lang="en-GB" dirty="0"/>
+              <a:t>Interacting with </a:t>
+            </a:r>
+            <a:r>
+              <a:rPr lang="en-GB" dirty="0" err="1" smtClean="0"/>
+              <a:t>Infinispan</a:t>
+            </a:r>
+            <a:endParaRPr lang="en-GB" dirty="0" smtClean="0"/>
+          </a:p>
+          <a:p>
+            <a:pPr>
+              <a:lnSpc>
+                <a:spcPct val="130000"/>
+              </a:lnSpc>
+            </a:pPr>
+            <a:r>
+              <a:rPr lang="en-GB" dirty="0" smtClean="0"/>
+              <a:t>Cache API</a:t>
+            </a:r>
+            <a:endParaRPr lang="en-GB" dirty="0" smtClean="0"/>
+          </a:p>
+          <a:p>
+            <a:pPr>
+              <a:lnSpc>
+                <a:spcPct val="130000"/>
+              </a:lnSpc>
+            </a:pPr>
+            <a:r>
+              <a:rPr lang="en-GB" dirty="0" smtClean="0"/>
+              <a:t>Caching Modes</a:t>
+            </a:r>
+            <a:endParaRPr lang="en-GB" dirty="0" smtClean="0"/>
+          </a:p>
+          <a:p>
+            <a:pPr>
+              <a:lnSpc>
+                <a:spcPct val="130000"/>
+              </a:lnSpc>
+            </a:pPr>
+            <a:r>
+              <a:rPr lang="en-GB" dirty="0"/>
+              <a:t>Persistence</a:t>
+            </a:r>
+            <a:endParaRPr lang="en-GB" dirty="0" smtClean="0"/>
+          </a:p>
+          <a:p>
+            <a:pPr>
+              <a:lnSpc>
+                <a:spcPct val="130000"/>
+              </a:lnSpc>
+            </a:pPr>
+            <a:r>
+              <a:rPr lang="en-GB" dirty="0" smtClean="0"/>
+              <a:t>Transactions</a:t>
+            </a:r>
+            <a:endParaRPr lang="en-GB" dirty="0" smtClean="0"/>
+          </a:p>
+          <a:p>
+            <a:pPr>
+              <a:lnSpc>
+                <a:spcPct val="130000"/>
+              </a:lnSpc>
+            </a:pPr>
+            <a:endParaRPr lang="en-GB" dirty="0" smtClean="0"/>
+          </a:p>
+          <a:p>
+            <a:endParaRPr lang="en-GB" dirty="0"/>
+          </a:p>
+        </p:txBody>
+      </p:sp>
+      <p:sp>
+        <p:nvSpPr>
+          <p:cNvPr id="4" name="Text Placeholder 3"/>
+          <p:cNvSpPr>
+            <a:spLocks noGrp="1"/>
+          </p:cNvSpPr>
+          <p:nvPr>
+            <p:ph type="body" sz="quarter" idx="13"/>
+          </p:nvPr>
+        </p:nvSpPr>
+        <p:spPr/>
+        <p:txBody>
+          <a:bodyPr/>
+          <a:lstStyle/>
+          <a:p>
+            <a:endParaRPr lang="en-GB"/>
+          </a:p>
+        </p:txBody>
+      </p:sp>
+      <p:sp>
+        <p:nvSpPr>
+          <p:cNvPr id="5" name="Date Placeholder 4"/>
+          <p:cNvSpPr>
+            <a:spLocks noGrp="1"/>
+          </p:cNvSpPr>
+          <p:nvPr>
+            <p:ph type="dt" sz="half" idx="14"/>
+          </p:nvPr>
+        </p:nvSpPr>
+        <p:spPr/>
+        <p:txBody>
+          <a:bodyPr/>
+          <a:lstStyle/>
+          <a:p>
+            <a:pPr>
+              <a:defRPr/>
+            </a:pPr>
+            <a:fld id="{D95CFEC9-DCDE-483F-9C62-EBF9D31C73AA}" type="datetime3">
+              <a:rPr lang="en-US" smtClean="0"/>
+              <a:pPr>
+                <a:defRPr/>
+              </a:pPr>
+              <a:t>9 August 2015</a:t>
+            </a:fld>
+            <a:endParaRPr lang="en-US" dirty="0"/>
+          </a:p>
+        </p:txBody>
+      </p:sp>
+      <p:sp>
+        <p:nvSpPr>
+          <p:cNvPr id="6" name="Slide Number Placeholder 5"/>
+          <p:cNvSpPr>
+            <a:spLocks noGrp="1"/>
+          </p:cNvSpPr>
+          <p:nvPr>
+            <p:ph type="sldNum" sz="quarter" idx="15"/>
+          </p:nvPr>
+        </p:nvSpPr>
+        <p:spPr/>
+        <p:txBody>
+          <a:bodyPr/>
+          <a:lstStyle/>
+          <a:p>
+            <a:pPr>
+              <a:defRPr/>
+            </a:pPr>
+            <a:fld id="{90600ADF-17AC-4085-9C50-2A0435A05455}" type="slidenum">
+              <a:rPr lang="en-US" smtClean="0"/>
+              <a:pPr>
+                <a:defRPr/>
+              </a:pPr>
+              <a:t>1</a:t>
+            </a:fld>
+            <a:endParaRPr lang="en-US" dirty="0"/>
+          </a:p>
+        </p:txBody>
+      </p:sp>
+    </p:spTree>
+  </p:cSld>
+  <p:clrMapOvr>
+    <a:masterClrMapping/>
+  </p:clrMapOvr>
+  <p:timing>
+    <p:tnLst>
+      <p:par>
+        <p:cTn xmlns:p14="http://schemas.microsoft.com/office/powerpoint/2010/main" id="1" dur="indefinite" restart="never" nodeType="tmRoot"/>
+      </p:par>
+    </p:tnLst>
+  </p:timing>
+</p:sld>
+</file>
+
+<file path=ppt/slides/slide3.xml><?xml version="1.0" encoding="utf-8"?>
+<p:sld xmlns:a="http://schemas.openxmlformats.org/drawingml/2006/main" xmlns:r="http://schemas.openxmlformats.org/officeDocument/2006/relationships" xmlns:p="http://schemas.openxmlformats.org/presentationml/2006/main">
+  <p:cSld>
+    <p:spTree>
+      <p:nvGrpSpPr>
+        <p:cNvPr id="1" name=""/>
+        <p:cNvGrpSpPr/>
+        <p:nvPr/>
+      </p:nvGrpSpPr>
+      <p:grpSpPr>
+        <a:xfrm>
+          <a:off x="0" y="0"/>
+          <a:ext cx="0" cy="0"/>
+          <a:chOff x="0" y="0"/>
+          <a:chExt cx="0" cy="0"/>
+        </a:xfrm>
+      </p:grpSpPr>
+      <p:sp>
+        <p:nvSpPr>
+          <p:cNvPr id="2" name="Title 1"/>
+          <p:cNvSpPr>
+            <a:spLocks noGrp="1"/>
+          </p:cNvSpPr>
+          <p:nvPr>
+            <p:ph type="title"/>
+          </p:nvPr>
+        </p:nvSpPr>
+        <p:spPr/>
+        <p:txBody>
+          <a:bodyPr/>
+          <a:lstStyle/>
+          <a:p>
+            <a:r>
+              <a:rPr lang="en-GB" dirty="0"/>
+              <a:t>What is </a:t>
+            </a:r>
+            <a:r>
+              <a:rPr lang="en-GB" dirty="0" err="1"/>
+              <a:t>Infinispan</a:t>
+            </a:r>
+            <a:r>
+              <a:rPr lang="en-GB" dirty="0"/>
+              <a:t>?</a:t>
+            </a:r>
+            <a:br>
+              <a:rPr lang="en-GB" dirty="0"/>
+            </a:br>
+            <a:endParaRPr lang="en-GB" dirty="0"/>
+          </a:p>
+        </p:txBody>
+      </p:sp>
+      <p:sp>
+        <p:nvSpPr>
+          <p:cNvPr id="3" name="Content Placeholder 2"/>
+          <p:cNvSpPr>
+            <a:spLocks noGrp="1"/>
+          </p:cNvSpPr>
+          <p:nvPr>
+            <p:ph idx="1"/>
+          </p:nvPr>
+        </p:nvSpPr>
+        <p:spPr/>
+        <p:txBody>
+          <a:bodyPr/>
+          <a:lstStyle/>
+          <a:p>
+            <a:pPr>
+              <a:lnSpc>
+                <a:spcPct val="140000"/>
+              </a:lnSpc>
+            </a:pPr>
+            <a:r>
+              <a:rPr lang="en-GB" dirty="0" smtClean="0"/>
+              <a:t>Data Grid </a:t>
+            </a:r>
+            <a:r>
+              <a:rPr lang="en-GB" dirty="0" smtClean="0"/>
+              <a:t>Platform</a:t>
+            </a:r>
+          </a:p>
+          <a:p>
+            <a:pPr lvl="1">
+              <a:lnSpc>
+                <a:spcPct val="140000"/>
+              </a:lnSpc>
+            </a:pPr>
+            <a:r>
+              <a:rPr lang="en-GB" dirty="0" smtClean="0"/>
+              <a:t>Distributed</a:t>
+            </a:r>
+            <a:endParaRPr lang="en-GB" dirty="0" smtClean="0"/>
+          </a:p>
+          <a:p>
+            <a:pPr lvl="1">
+              <a:lnSpc>
+                <a:spcPct val="140000"/>
+              </a:lnSpc>
+            </a:pPr>
+            <a:r>
+              <a:rPr lang="en-GB" dirty="0" smtClean="0"/>
+              <a:t>In-memory</a:t>
+            </a:r>
+          </a:p>
+          <a:p>
+            <a:pPr lvl="1">
+              <a:lnSpc>
+                <a:spcPct val="140000"/>
+              </a:lnSpc>
+            </a:pPr>
+            <a:r>
+              <a:rPr lang="en-GB" dirty="0" smtClean="0"/>
+              <a:t>K</a:t>
+            </a:r>
+            <a:r>
+              <a:rPr lang="en-GB" dirty="0" smtClean="0"/>
+              <a:t>ey</a:t>
+            </a:r>
+            <a:r>
+              <a:rPr lang="en-GB" dirty="0" smtClean="0"/>
+              <a:t>/value store</a:t>
+            </a:r>
+          </a:p>
+          <a:p>
+            <a:pPr lvl="1">
+              <a:lnSpc>
+                <a:spcPct val="140000"/>
+              </a:lnSpc>
+            </a:pPr>
+            <a:r>
+              <a:rPr lang="en-GB" dirty="0"/>
+              <a:t>Extremely </a:t>
+            </a:r>
+            <a:r>
+              <a:rPr lang="en-GB" dirty="0" smtClean="0"/>
+              <a:t>scalable</a:t>
+            </a:r>
+          </a:p>
+          <a:p>
+            <a:pPr lvl="1">
+              <a:lnSpc>
+                <a:spcPct val="140000"/>
+              </a:lnSpc>
+            </a:pPr>
+            <a:r>
+              <a:rPr lang="en-GB" dirty="0" smtClean="0"/>
+              <a:t>Highly available</a:t>
+            </a:r>
+          </a:p>
+          <a:p>
+            <a:pPr lvl="1">
+              <a:lnSpc>
+                <a:spcPct val="140000"/>
+              </a:lnSpc>
+            </a:pPr>
+            <a:r>
+              <a:rPr lang="en-GB" dirty="0"/>
+              <a:t>Open </a:t>
+            </a:r>
+            <a:r>
+              <a:rPr lang="en-GB" dirty="0" smtClean="0"/>
+              <a:t>Source</a:t>
+            </a:r>
+            <a:endParaRPr lang="en-GB" dirty="0"/>
+          </a:p>
+          <a:p>
+            <a:pPr marL="0" indent="0">
+              <a:buNone/>
+            </a:pPr>
+            <a:endParaRPr lang="en-GB" baseline="30000" dirty="0" smtClean="0"/>
+          </a:p>
+        </p:txBody>
+      </p:sp>
+      <p:sp>
+        <p:nvSpPr>
+          <p:cNvPr id="4" name="Text Placeholder 3"/>
+          <p:cNvSpPr>
+            <a:spLocks noGrp="1"/>
+          </p:cNvSpPr>
+          <p:nvPr>
+            <p:ph type="body" sz="quarter" idx="13"/>
+          </p:nvPr>
+        </p:nvSpPr>
+        <p:spPr/>
+        <p:txBody>
+          <a:bodyPr/>
+          <a:lstStyle/>
+          <a:p>
+            <a:endParaRPr lang="en-GB" dirty="0"/>
+          </a:p>
+        </p:txBody>
+      </p:sp>
+      <p:sp>
+        <p:nvSpPr>
+          <p:cNvPr id="5" name="Date Placeholder 4"/>
+          <p:cNvSpPr>
+            <a:spLocks noGrp="1"/>
+          </p:cNvSpPr>
+          <p:nvPr>
+            <p:ph type="dt" sz="half" idx="14"/>
+          </p:nvPr>
+        </p:nvSpPr>
+        <p:spPr/>
+        <p:txBody>
+          <a:bodyPr/>
+          <a:lstStyle/>
+          <a:p>
+            <a:pPr>
+              <a:defRPr/>
+            </a:pPr>
+            <a:fld id="{D95CFEC9-DCDE-483F-9C62-EBF9D31C73AA}" type="datetime3">
+              <a:rPr lang="en-US" smtClean="0"/>
+              <a:pPr>
+                <a:defRPr/>
+              </a:pPr>
+              <a:t>9 August 2015</a:t>
+            </a:fld>
+            <a:endParaRPr lang="en-US" dirty="0"/>
+          </a:p>
+        </p:txBody>
+      </p:sp>
+      <p:sp>
+        <p:nvSpPr>
+          <p:cNvPr id="6" name="Slide Number Placeholder 5"/>
+          <p:cNvSpPr>
+            <a:spLocks noGrp="1"/>
+          </p:cNvSpPr>
+          <p:nvPr>
+            <p:ph type="sldNum" sz="quarter" idx="15"/>
+          </p:nvPr>
+        </p:nvSpPr>
+        <p:spPr/>
+        <p:txBody>
+          <a:bodyPr/>
+          <a:lstStyle/>
+          <a:p>
+            <a:pPr>
+              <a:defRPr/>
+            </a:pPr>
+            <a:fld id="{90600ADF-17AC-4085-9C50-2A0435A05455}" type="slidenum">
+              <a:rPr lang="en-US" smtClean="0"/>
+              <a:pPr>
+                <a:defRPr/>
+              </a:pPr>
+              <a:t>2</a:t>
+            </a:fld>
+            <a:endParaRPr lang="en-US" dirty="0"/>
+          </a:p>
+        </p:txBody>
+      </p:sp>
+    </p:spTree>
+    <p:extLst>
+      <p:ext uri="{BB962C8B-B14F-4D97-AF65-F5344CB8AC3E}">
+        <p14:creationId xmlns:p14="http://schemas.microsoft.com/office/powerpoint/2010/main" val="2450996531"/>
+      </p:ext>
+    </p:extLst>
+  </p:cSld>
+  <p:clrMapOvr>
+    <a:masterClrMapping/>
+  </p:clrMapOvr>
+  <p:timing>
+    <p:tnLst>
+      <p:par>
+        <p:cTn xmlns:p14="http://schemas.microsoft.com/office/powerpoint/2010/main" id="1" dur="indefinite" restart="never" nodeType="tmRoot"/>
+      </p:par>
+    </p:tnLst>
+  </p:timing>
+</p:sld>
+</file>
+
+<file path=ppt/slides/slide4.xml><?xml version="1.0" encoding="utf-8"?>
+<p:sld xmlns:a="http://schemas.openxmlformats.org/drawingml/2006/main" xmlns:r="http://schemas.openxmlformats.org/officeDocument/2006/relationships" xmlns:p="http://schemas.openxmlformats.org/presentationml/2006/main">
+  <p:cSld>
+    <p:spTree>
+      <p:nvGrpSpPr>
+        <p:cNvPr id="1" name=""/>
+        <p:cNvGrpSpPr/>
+        <p:nvPr/>
+      </p:nvGrpSpPr>
+      <p:grpSpPr>
+        <a:xfrm>
+          <a:off x="0" y="0"/>
+          <a:ext cx="0" cy="0"/>
+          <a:chOff x="0" y="0"/>
+          <a:chExt cx="0" cy="0"/>
+        </a:xfrm>
+      </p:grpSpPr>
+      <p:sp>
+        <p:nvSpPr>
+          <p:cNvPr id="3" name="Content Placeholder 2"/>
+          <p:cNvSpPr>
+            <a:spLocks noGrp="1"/>
+          </p:cNvSpPr>
+          <p:nvPr>
+            <p:ph sz="half" idx="1"/>
+          </p:nvPr>
+        </p:nvSpPr>
+        <p:spPr/>
+        <p:txBody>
+          <a:bodyPr/>
+          <a:lstStyle/>
+          <a:p>
+            <a:r>
+              <a:rPr lang="en-GB" sz="1800" dirty="0"/>
+              <a:t>Into your application </a:t>
+            </a:r>
+            <a:r>
+              <a:rPr lang="en-GB" sz="1800" dirty="0" smtClean="0"/>
+              <a:t>code</a:t>
+            </a:r>
+          </a:p>
+          <a:p>
+            <a:pPr marL="0" indent="0">
+              <a:buNone/>
+            </a:pPr>
+            <a:endParaRPr lang="en-GB" sz="1800" dirty="0" smtClean="0"/>
+          </a:p>
+          <a:p>
+            <a:r>
+              <a:rPr lang="en-GB" sz="1800" dirty="0"/>
+              <a:t>E</a:t>
+            </a:r>
+            <a:r>
+              <a:rPr lang="en-GB" sz="1800" dirty="0" smtClean="0"/>
+              <a:t>xist </a:t>
+            </a:r>
+            <a:r>
+              <a:rPr lang="en-GB" sz="1800" dirty="0"/>
+              <a:t>in same JVM as application </a:t>
+            </a:r>
+            <a:r>
+              <a:rPr lang="en-GB" sz="1800" dirty="0" smtClean="0"/>
+              <a:t>code</a:t>
+            </a:r>
+          </a:p>
+          <a:p>
+            <a:pPr marL="0" indent="0">
+              <a:buNone/>
+            </a:pPr>
+            <a:endParaRPr lang="en-GB" sz="1800" dirty="0" smtClean="0"/>
+          </a:p>
+          <a:p>
+            <a:r>
+              <a:rPr lang="en-GB" sz="1800" dirty="0" smtClean="0"/>
+              <a:t>Data grid </a:t>
+            </a:r>
+            <a:r>
+              <a:rPr lang="en-GB" sz="1800" dirty="0"/>
+              <a:t>easily </a:t>
+            </a:r>
+            <a:r>
+              <a:rPr lang="en-GB" sz="1800" dirty="0" smtClean="0"/>
+              <a:t>scalable</a:t>
+            </a:r>
+          </a:p>
+          <a:p>
+            <a:pPr marL="0" indent="0">
+              <a:buNone/>
+            </a:pPr>
+            <a:endParaRPr lang="en-GB" sz="1800" dirty="0" smtClean="0"/>
+          </a:p>
+          <a:p>
+            <a:r>
+              <a:rPr lang="en-GB" sz="1800" dirty="0" smtClean="0"/>
+              <a:t>Used </a:t>
+            </a:r>
+            <a:r>
+              <a:rPr lang="en-GB" sz="1800" dirty="0" smtClean="0"/>
+              <a:t>when, application </a:t>
+            </a:r>
+            <a:r>
+              <a:rPr lang="en-GB" sz="1800" dirty="0"/>
+              <a:t>or a </a:t>
+            </a:r>
+            <a:r>
+              <a:rPr lang="en-GB" sz="1800" dirty="0" smtClean="0"/>
+              <a:t>framework needs </a:t>
+            </a:r>
+            <a:r>
+              <a:rPr lang="en-GB" sz="1800" dirty="0"/>
+              <a:t>to be </a:t>
+            </a:r>
+            <a:r>
+              <a:rPr lang="en-GB" sz="1800" dirty="0" smtClean="0"/>
+              <a:t>cluster-aware</a:t>
+            </a:r>
+          </a:p>
+          <a:p>
+            <a:pPr marL="0" indent="0">
+              <a:buNone/>
+            </a:pPr>
+            <a:endParaRPr lang="en-GB" sz="1800" dirty="0" smtClean="0"/>
+          </a:p>
+          <a:p>
+            <a:r>
+              <a:rPr lang="en-GB" sz="1800" dirty="0" smtClean="0"/>
+              <a:t>Used </a:t>
+            </a:r>
+            <a:r>
+              <a:rPr lang="en-GB" sz="1800" dirty="0"/>
+              <a:t>when, application </a:t>
+            </a:r>
+            <a:r>
+              <a:rPr lang="en-GB" sz="1800" dirty="0" smtClean="0"/>
+              <a:t>needs </a:t>
+            </a:r>
+            <a:r>
+              <a:rPr lang="en-GB" sz="1800" dirty="0"/>
+              <a:t>an in-memory distributed cache to front a database or some other expensive data </a:t>
+            </a:r>
+            <a:r>
+              <a:rPr lang="en-GB" sz="1800" dirty="0" smtClean="0"/>
+              <a:t>source</a:t>
+            </a:r>
+          </a:p>
+          <a:p>
+            <a:pPr marL="0" indent="0">
+              <a:buNone/>
+            </a:pPr>
+            <a:endParaRPr lang="en-GB" sz="1800" dirty="0" smtClean="0"/>
+          </a:p>
+          <a:p>
+            <a:r>
+              <a:rPr lang="en-GB" sz="1800" dirty="0" smtClean="0"/>
+              <a:t>Starting </a:t>
+            </a:r>
+            <a:r>
+              <a:rPr lang="en-GB" sz="1800" dirty="0"/>
+              <a:t>and stopping these instances can be a slow process due to state </a:t>
+            </a:r>
+            <a:r>
+              <a:rPr lang="en-GB" sz="1800" dirty="0" smtClean="0"/>
+              <a:t>transfer</a:t>
+            </a:r>
+          </a:p>
+          <a:p>
+            <a:pPr lvl="2">
+              <a:buClrTx/>
+              <a:buFont typeface="Wingdings" panose="05000000000000000000" pitchFamily="2" charset="2"/>
+              <a:buChar char="§"/>
+            </a:pPr>
+            <a:endParaRPr lang="en-GB" sz="1800" dirty="0"/>
+          </a:p>
+          <a:p>
+            <a:pPr marL="571500" lvl="1" indent="0">
+              <a:buNone/>
+            </a:pPr>
+            <a:endParaRPr lang="en-GB" dirty="0"/>
+          </a:p>
+          <a:p>
+            <a:endParaRPr lang="en-GB" dirty="0"/>
+          </a:p>
+        </p:txBody>
+      </p:sp>
+      <p:pic>
+        <p:nvPicPr>
+          <p:cNvPr id="1026" name="Picture 2"/>
+          <p:cNvPicPr>
+            <a:picLocks noGrp="1" noChangeAspect="1" noChangeArrowheads="1"/>
+          </p:cNvPicPr>
+          <p:nvPr>
+            <p:ph sz="half" idx="2"/>
+          </p:nvPr>
+        </p:nvPicPr>
+        <p:blipFill>
+          <a:blip r:embed="rId2">
+            <a:extLst>
+              <a:ext uri="{28A0092B-C50C-407E-A947-70E740481C1C}">
+                <a14:useLocalDpi xmlns:a14="http://schemas.microsoft.com/office/drawing/2010/main" val="0"/>
+              </a:ext>
+            </a:extLst>
+          </a:blip>
+          <a:stretch>
+            <a:fillRect/>
+          </a:stretch>
+        </p:blipFill>
+        <p:spPr bwMode="auto">
+          <a:xfrm>
+            <a:off x="4764025" y="2660900"/>
+            <a:ext cx="4065588" cy="2229063"/>
+          </a:xfrm>
+          <a:prstGeom prst="rect">
+            <a:avLst/>
+          </a:prstGeom>
+          <a:noFill/>
+          <a:ln>
+            <a:noFill/>
+          </a:ln>
+          <a:extLst>
+            <a:ext uri="{909E8E84-426E-40dd-AFC4-6F175D3DCCD1}">
+              <a14:hiddenFill xmlns:a14="http://schemas.microsoft.com/office/drawing/2010/main">
+                <a:solidFill>
+                  <a:schemeClr val="accent1"/>
+                </a:solidFill>
+              </a14:hiddenFill>
+            </a:ext>
+            <a:ext uri="{91240B29-F687-4f45-9708-019B960494DF}">
+              <a14:hiddenLine xmlns:a14="http://schemas.microsoft.com/office/drawing/2010/main" w="9525">
+                <a:solidFill>
+                  <a:schemeClr val="tx1"/>
+                </a:solidFill>
+                <a:miter lim="800000"/>
+                <a:headEnd/>
+                <a:tailEnd/>
+              </a14:hiddenLine>
+            </a:ext>
+          </a:extLst>
+        </p:spPr>
+      </p:pic>
+      <p:sp>
+        <p:nvSpPr>
+          <p:cNvPr id="2" name="Title 1"/>
+          <p:cNvSpPr>
+            <a:spLocks noGrp="1"/>
+          </p:cNvSpPr>
+          <p:nvPr>
+            <p:ph type="title"/>
+          </p:nvPr>
+        </p:nvSpPr>
+        <p:spPr>
+          <a:prstGeom prst="rect">
+            <a:avLst/>
+          </a:prstGeom>
+        </p:spPr>
+        <p:txBody>
+          <a:bodyPr/>
+          <a:lstStyle/>
+          <a:p>
+            <a:r>
+              <a:rPr lang="en-GB" dirty="0"/>
+              <a:t>Interacting with </a:t>
+            </a:r>
+            <a:r>
+              <a:rPr lang="en-GB" dirty="0" err="1"/>
+              <a:t>Infinispan</a:t>
+            </a:r>
+            <a:r>
+              <a:rPr lang="en-GB" dirty="0"/>
+              <a:t/>
+            </a:r>
+            <a:br>
+              <a:rPr lang="en-GB" dirty="0"/>
+            </a:br>
+            <a:endParaRPr lang="en-GB" dirty="0"/>
+          </a:p>
+        </p:txBody>
+      </p:sp>
+      <p:sp>
+        <p:nvSpPr>
+          <p:cNvPr id="9" name="Text Placeholder 8"/>
+          <p:cNvSpPr>
+            <a:spLocks noGrp="1"/>
+          </p:cNvSpPr>
+          <p:nvPr>
+            <p:ph type="body" sz="quarter" idx="13"/>
+          </p:nvPr>
+        </p:nvSpPr>
+        <p:spPr/>
+        <p:txBody>
+          <a:bodyPr/>
+          <a:lstStyle/>
+          <a:p>
+            <a:r>
+              <a:rPr lang="en-GB" dirty="0"/>
+              <a:t>Embedded (P2P)</a:t>
+            </a:r>
+          </a:p>
+          <a:p>
+            <a:endParaRPr lang="en-GB" dirty="0"/>
+          </a:p>
+        </p:txBody>
+      </p:sp>
+      <p:sp>
+        <p:nvSpPr>
+          <p:cNvPr id="5" name="Date Placeholder 4"/>
+          <p:cNvSpPr>
+            <a:spLocks noGrp="1"/>
+          </p:cNvSpPr>
+          <p:nvPr>
+            <p:ph type="dt" sz="half" idx="10"/>
+          </p:nvPr>
+        </p:nvSpPr>
+        <p:spPr/>
+        <p:txBody>
+          <a:bodyPr/>
+          <a:lstStyle/>
+          <a:p>
+            <a:pPr>
+              <a:defRPr/>
+            </a:pPr>
+            <a:fld id="{D95CFEC9-DCDE-483F-9C62-EBF9D31C73AA}" type="datetime3">
+              <a:rPr lang="en-US" smtClean="0"/>
+              <a:pPr>
+                <a:defRPr/>
+              </a:pPr>
+              <a:t>9 August 2015</a:t>
+            </a:fld>
+            <a:endParaRPr lang="en-US" dirty="0"/>
+          </a:p>
+        </p:txBody>
+      </p:sp>
+      <p:sp>
+        <p:nvSpPr>
+          <p:cNvPr id="6" name="Slide Number Placeholder 5"/>
+          <p:cNvSpPr>
+            <a:spLocks noGrp="1"/>
+          </p:cNvSpPr>
+          <p:nvPr>
+            <p:ph type="sldNum" sz="quarter" idx="12"/>
+          </p:nvPr>
+        </p:nvSpPr>
+        <p:spPr/>
+        <p:txBody>
+          <a:bodyPr/>
+          <a:lstStyle/>
+          <a:p>
+            <a:pPr>
+              <a:defRPr/>
+            </a:pPr>
+            <a:fld id="{90600ADF-17AC-4085-9C50-2A0435A05455}" type="slidenum">
+              <a:rPr lang="en-US" smtClean="0"/>
+              <a:pPr>
+                <a:defRPr/>
+              </a:pPr>
+              <a:t>3</a:t>
+            </a:fld>
+            <a:endParaRPr lang="en-US" dirty="0"/>
+          </a:p>
+        </p:txBody>
+      </p:sp>
+    </p:spTree>
+    <p:extLst>
+      <p:ext uri="{BB962C8B-B14F-4D97-AF65-F5344CB8AC3E}">
+        <p14:creationId xmlns:p14="http://schemas.microsoft.com/office/powerpoint/2010/main" val="12587641"/>
+      </p:ext>
+    </p:extLst>
+  </p:cSld>
+  <p:clrMapOvr>
+    <a:masterClrMapping/>
+  </p:clrMapOvr>
+  <p:timing>
+    <p:tnLst>
+      <p:par>
+        <p:cTn xmlns:p14="http://schemas.microsoft.com/office/powerpoint/2010/main" id="1" dur="indefinite" restart="never" nodeType="tmRoot"/>
+      </p:par>
+    </p:tnLst>
+  </p:timing>
+</p:sld>
+</file>
+
+<file path=ppt/slides/slide5.xml><?xml version="1.0" encoding="utf-8"?>
+<p:sld xmlns:a="http://schemas.openxmlformats.org/drawingml/2006/main" xmlns:r="http://schemas.openxmlformats.org/officeDocument/2006/relationships" xmlns:p="http://schemas.openxmlformats.org/presentationml/2006/main">
+  <p:cSld>
+    <p:spTree>
+      <p:nvGrpSpPr>
+        <p:cNvPr id="1" name=""/>
+        <p:cNvGrpSpPr/>
+        <p:nvPr/>
+      </p:nvGrpSpPr>
+      <p:grpSpPr>
+        <a:xfrm>
+          <a:off x="0" y="0"/>
+          <a:ext cx="0" cy="0"/>
+          <a:chOff x="0" y="0"/>
+          <a:chExt cx="0" cy="0"/>
+        </a:xfrm>
+      </p:grpSpPr>
+      <p:sp>
+        <p:nvSpPr>
+          <p:cNvPr id="3" name="Content Placeholder 2"/>
+          <p:cNvSpPr>
+            <a:spLocks noGrp="1"/>
+          </p:cNvSpPr>
+          <p:nvPr>
+            <p:ph sz="half" idx="1"/>
+          </p:nvPr>
+        </p:nvSpPr>
+        <p:spPr>
+          <a:xfrm>
+            <a:off x="232235" y="1239915"/>
+            <a:ext cx="4493385" cy="5146675"/>
+          </a:xfrm>
+        </p:spPr>
+        <p:txBody>
+          <a:bodyPr/>
+          <a:lstStyle/>
+          <a:p>
+            <a:r>
+              <a:rPr lang="en-GB" sz="1800" dirty="0" smtClean="0"/>
+              <a:t>Accessed </a:t>
+            </a:r>
+            <a:r>
+              <a:rPr lang="en-GB" sz="1800" dirty="0"/>
+              <a:t>by a </a:t>
+            </a:r>
+            <a:r>
+              <a:rPr lang="en-GB" sz="1800" dirty="0" smtClean="0"/>
+              <a:t>client</a:t>
+            </a:r>
+          </a:p>
+          <a:p>
+            <a:pPr marL="0" indent="0">
+              <a:buNone/>
+            </a:pPr>
+            <a:endParaRPr lang="en-GB" sz="1800" dirty="0" smtClean="0"/>
+          </a:p>
+          <a:p>
+            <a:r>
+              <a:rPr lang="en-GB" sz="1800" dirty="0" smtClean="0"/>
+              <a:t>Supported </a:t>
+            </a:r>
+            <a:r>
+              <a:rPr lang="en-GB" sz="1800" dirty="0"/>
+              <a:t>protocols are</a:t>
+            </a:r>
+            <a:r>
+              <a:rPr lang="en-GB" sz="1800" dirty="0" smtClean="0"/>
+              <a:t>: REST, </a:t>
+            </a:r>
+            <a:r>
+              <a:rPr lang="en-GB" sz="1800" dirty="0" err="1" smtClean="0"/>
+              <a:t>Memcached</a:t>
+            </a:r>
+            <a:r>
+              <a:rPr lang="en-GB" sz="1800" dirty="0" smtClean="0"/>
+              <a:t>, Hot Rod</a:t>
+            </a:r>
+          </a:p>
+          <a:p>
+            <a:pPr marL="0" indent="0">
+              <a:buNone/>
+            </a:pPr>
+            <a:endParaRPr lang="en-GB" sz="1800" dirty="0" smtClean="0"/>
+          </a:p>
+          <a:p>
+            <a:r>
+              <a:rPr lang="en-GB" sz="1800" dirty="0" smtClean="0"/>
+              <a:t>Built on top of </a:t>
+            </a:r>
+            <a:r>
+              <a:rPr lang="en-GB" sz="1800" dirty="0" err="1" smtClean="0"/>
+              <a:t>JBoss</a:t>
+            </a:r>
+            <a:r>
+              <a:rPr lang="en-GB" sz="1800" dirty="0" smtClean="0"/>
+              <a:t> AS 7.2</a:t>
+            </a:r>
+          </a:p>
+          <a:p>
+            <a:pPr marL="0" indent="0">
+              <a:buNone/>
+            </a:pPr>
+            <a:endParaRPr lang="en-GB" sz="1800" dirty="0" smtClean="0"/>
+          </a:p>
+          <a:p>
+            <a:r>
+              <a:rPr lang="en-GB" sz="1800" dirty="0" smtClean="0"/>
+              <a:t>Provide external access to data </a:t>
+            </a:r>
+            <a:r>
+              <a:rPr lang="en-GB" sz="1800" dirty="0" smtClean="0"/>
+              <a:t>grid</a:t>
+            </a:r>
+            <a:endParaRPr lang="en-GB" sz="1800" dirty="0" smtClean="0"/>
+          </a:p>
+          <a:p>
+            <a:pPr marL="0" indent="0">
+              <a:buNone/>
+            </a:pPr>
+            <a:endParaRPr lang="en-GB" sz="1800" dirty="0" smtClean="0"/>
+          </a:p>
+          <a:p>
+            <a:r>
+              <a:rPr lang="en-GB" sz="1800" dirty="0" smtClean="0"/>
+              <a:t>Provide access from </a:t>
+            </a:r>
+            <a:r>
+              <a:rPr lang="en-GB" sz="1800" dirty="0"/>
+              <a:t>a </a:t>
+            </a:r>
+            <a:r>
+              <a:rPr lang="en-GB" sz="1800" dirty="0" smtClean="0"/>
+              <a:t>non-JVM environment</a:t>
+            </a:r>
+          </a:p>
+          <a:p>
+            <a:pPr marL="0" indent="0">
+              <a:buNone/>
+            </a:pPr>
+            <a:endParaRPr lang="en-GB" sz="1800" dirty="0" smtClean="0"/>
+          </a:p>
+          <a:p>
+            <a:r>
+              <a:rPr lang="en-GB" sz="1800" dirty="0" smtClean="0"/>
+              <a:t>Acts as </a:t>
+            </a:r>
+            <a:r>
+              <a:rPr lang="en-GB" sz="1800" dirty="0"/>
+              <a:t>a shared storage </a:t>
+            </a:r>
+            <a:r>
+              <a:rPr lang="en-GB" sz="1800" dirty="0" smtClean="0"/>
+              <a:t>tier when multiple </a:t>
+            </a:r>
+            <a:r>
+              <a:rPr lang="en-GB" sz="1800" dirty="0"/>
+              <a:t>applications </a:t>
+            </a:r>
+            <a:r>
+              <a:rPr lang="en-GB" sz="1800" dirty="0" smtClean="0"/>
+              <a:t>need </a:t>
+            </a:r>
+            <a:r>
+              <a:rPr lang="en-GB" sz="1800" dirty="0"/>
+              <a:t>access to data </a:t>
+            </a:r>
+            <a:r>
+              <a:rPr lang="en-GB" sz="1800" dirty="0" smtClean="0"/>
+              <a:t>storage</a:t>
+            </a:r>
+            <a:endParaRPr lang="en-GB" sz="1800" dirty="0" smtClean="0"/>
+          </a:p>
+          <a:p>
+            <a:pPr lvl="2">
+              <a:buClrTx/>
+              <a:buFont typeface="Wingdings" panose="05000000000000000000" pitchFamily="2" charset="2"/>
+              <a:buChar char="§"/>
+            </a:pPr>
+            <a:endParaRPr lang="en-GB" dirty="0"/>
+          </a:p>
+          <a:p>
+            <a:endParaRPr lang="en-GB" dirty="0"/>
+          </a:p>
+        </p:txBody>
+      </p:sp>
+      <p:sp>
+        <p:nvSpPr>
+          <p:cNvPr id="2" name="Title 1"/>
+          <p:cNvSpPr>
+            <a:spLocks noGrp="1"/>
+          </p:cNvSpPr>
+          <p:nvPr>
+            <p:ph type="title"/>
+          </p:nvPr>
+        </p:nvSpPr>
+        <p:spPr/>
+        <p:txBody>
+          <a:bodyPr/>
+          <a:lstStyle/>
+          <a:p>
+            <a:r>
+              <a:rPr lang="en-GB" dirty="0"/>
+              <a:t>Interacting with </a:t>
+            </a:r>
+            <a:r>
+              <a:rPr lang="en-GB" dirty="0" err="1"/>
+              <a:t>Infinispan</a:t>
+            </a:r>
+            <a:endParaRPr lang="en-GB" dirty="0"/>
+          </a:p>
+        </p:txBody>
+      </p:sp>
+      <p:sp>
+        <p:nvSpPr>
+          <p:cNvPr id="8" name="Text Placeholder 7"/>
+          <p:cNvSpPr>
+            <a:spLocks noGrp="1"/>
+          </p:cNvSpPr>
+          <p:nvPr>
+            <p:ph type="body" sz="quarter" idx="13"/>
+          </p:nvPr>
+        </p:nvSpPr>
+        <p:spPr/>
+        <p:txBody>
+          <a:bodyPr/>
+          <a:lstStyle/>
+          <a:p>
+            <a:r>
+              <a:rPr lang="en-GB" dirty="0"/>
+              <a:t>As a Remote server</a:t>
+            </a:r>
+          </a:p>
+          <a:p>
+            <a:endParaRPr lang="en-GB" dirty="0"/>
+          </a:p>
+        </p:txBody>
+      </p:sp>
+      <p:sp>
+        <p:nvSpPr>
+          <p:cNvPr id="5" name="Date Placeholder 4"/>
+          <p:cNvSpPr>
+            <a:spLocks noGrp="1"/>
+          </p:cNvSpPr>
+          <p:nvPr>
+            <p:ph type="dt" sz="half" idx="10"/>
+          </p:nvPr>
+        </p:nvSpPr>
+        <p:spPr/>
+        <p:txBody>
+          <a:bodyPr/>
+          <a:lstStyle/>
+          <a:p>
+            <a:pPr>
+              <a:defRPr/>
+            </a:pPr>
+            <a:fld id="{D95CFEC9-DCDE-483F-9C62-EBF9D31C73AA}" type="datetime3">
+              <a:rPr lang="en-US" smtClean="0"/>
+              <a:pPr>
+                <a:defRPr/>
+              </a:pPr>
+              <a:t>9 August 2015</a:t>
+            </a:fld>
+            <a:endParaRPr lang="en-US" dirty="0"/>
+          </a:p>
+        </p:txBody>
+      </p:sp>
+      <p:sp>
+        <p:nvSpPr>
+          <p:cNvPr id="6" name="Slide Number Placeholder 5"/>
+          <p:cNvSpPr>
+            <a:spLocks noGrp="1"/>
+          </p:cNvSpPr>
+          <p:nvPr>
+            <p:ph type="sldNum" sz="quarter" idx="12"/>
+          </p:nvPr>
+        </p:nvSpPr>
+        <p:spPr/>
+        <p:txBody>
+          <a:bodyPr/>
+          <a:lstStyle/>
+          <a:p>
+            <a:pPr>
+              <a:defRPr/>
+            </a:pPr>
+            <a:fld id="{90600ADF-17AC-4085-9C50-2A0435A05455}" type="slidenum">
+              <a:rPr lang="en-US" smtClean="0"/>
+              <a:pPr>
+                <a:defRPr/>
+              </a:pPr>
+              <a:t>4</a:t>
+            </a:fld>
+            <a:endParaRPr lang="en-US" dirty="0"/>
+          </a:p>
+        </p:txBody>
+      </p:sp>
+      <p:pic>
+        <p:nvPicPr>
+          <p:cNvPr id="9" name="Picture 2" descr="https://www.safaribooksonline.com/library/view/infinispan-data-grid/9781782169970/graphics/9970_03_04.jpg"/>
+          <p:cNvPicPr>
+            <a:picLocks noGrp="1" noChangeAspect="1" noChangeArrowheads="1"/>
+          </p:cNvPicPr>
+          <p:nvPr>
+            <p:ph sz="half" idx="2"/>
+          </p:nvPr>
+        </p:nvPicPr>
+        <p:blipFill>
+          <a:blip r:embed="rId2">
+            <a:extLst>
+              <a:ext uri="{28A0092B-C50C-407E-A947-70E740481C1C}">
+                <a14:useLocalDpi xmlns:a14="http://schemas.microsoft.com/office/drawing/2010/main" val="0"/>
+              </a:ext>
+            </a:extLst>
+          </a:blip>
+          <a:srcRect/>
+          <a:stretch>
+            <a:fillRect/>
+          </a:stretch>
+        </p:blipFill>
+        <p:spPr bwMode="auto">
+          <a:xfrm>
+            <a:off x="4994455" y="1931205"/>
+            <a:ext cx="3891686" cy="3189427"/>
+          </a:xfrm>
+          <a:prstGeom prst="rect">
+            <a:avLst/>
+          </a:prstGeom>
+          <a:noFill/>
+          <a:extLst>
+            <a:ext uri="{909E8E84-426E-40dd-AFC4-6F175D3DCCD1}">
+              <a14:hiddenFill xmlns:a14="http://schemas.microsoft.com/office/drawing/2010/main">
+                <a:solidFill>
+                  <a:srgbClr val="FFFFFF"/>
+                </a:solidFill>
+              </a14:hiddenFill>
+            </a:ext>
+          </a:extLst>
+        </p:spPr>
+      </p:pic>
+    </p:spTree>
+    <p:extLst>
+      <p:ext uri="{BB962C8B-B14F-4D97-AF65-F5344CB8AC3E}">
+        <p14:creationId xmlns:p14="http://schemas.microsoft.com/office/powerpoint/2010/main" val="3297347341"/>
+      </p:ext>
+    </p:extLst>
+  </p:cSld>
+  <p:clrMapOvr>
+    <a:masterClrMapping/>
+  </p:clrMapOvr>
+  <p:timing>
+    <p:tnLst>
+      <p:par>
+        <p:cTn xmlns:p14="http://schemas.microsoft.com/office/powerpoint/2010/main" id="1" dur="indefinite" restart="never" nodeType="tmRoot"/>
+      </p:par>
+    </p:tnLst>
+  </p:timing>
+</p:sld>
+</file>
+
+<file path=ppt/slides/slide6.xml><?xml version="1.0" encoding="utf-8"?>
+<p:sld xmlns:a="http://schemas.openxmlformats.org/drawingml/2006/main" xmlns:r="http://schemas.openxmlformats.org/officeDocument/2006/relationships" xmlns:p="http://schemas.openxmlformats.org/presentationml/2006/main">
+  <p:cSld>
+    <p:spTree>
+      <p:nvGrpSpPr>
+        <p:cNvPr id="1" name=""/>
+        <p:cNvGrpSpPr/>
+        <p:nvPr/>
+      </p:nvGrpSpPr>
+      <p:grpSpPr>
+        <a:xfrm>
+          <a:off x="0" y="0"/>
+          <a:ext cx="0" cy="0"/>
+          <a:chOff x="0" y="0"/>
+          <a:chExt cx="0" cy="0"/>
+        </a:xfrm>
+      </p:grpSpPr>
+      <p:sp>
+        <p:nvSpPr>
+          <p:cNvPr id="4" name="Title 3"/>
+          <p:cNvSpPr>
+            <a:spLocks noGrp="1"/>
+          </p:cNvSpPr>
+          <p:nvPr>
+            <p:ph type="title"/>
+          </p:nvPr>
+        </p:nvSpPr>
+        <p:spPr/>
+        <p:txBody>
+          <a:bodyPr/>
+          <a:lstStyle/>
+          <a:p>
+            <a:r>
+              <a:rPr lang="en-US" dirty="0" smtClean="0"/>
+              <a:t>Cache API</a:t>
+            </a:r>
+            <a:endParaRPr lang="en-US" dirty="0"/>
+          </a:p>
+        </p:txBody>
+      </p:sp>
+      <p:sp>
+        <p:nvSpPr>
+          <p:cNvPr id="8" name="Content Placeholder 7"/>
+          <p:cNvSpPr>
+            <a:spLocks noGrp="1"/>
+          </p:cNvSpPr>
+          <p:nvPr>
+            <p:ph idx="1"/>
+          </p:nvPr>
+        </p:nvSpPr>
+        <p:spPr/>
+        <p:txBody>
+          <a:bodyPr/>
+          <a:lstStyle/>
+          <a:p>
+            <a:pPr>
+              <a:lnSpc>
+                <a:spcPct val="110000"/>
+              </a:lnSpc>
+            </a:pPr>
+            <a:r>
+              <a:rPr lang="en-US" sz="1800" dirty="0" smtClean="0"/>
+              <a:t>The Cache Interface</a:t>
+            </a:r>
+          </a:p>
+          <a:p>
+            <a:pPr lvl="1">
+              <a:lnSpc>
+                <a:spcPct val="110000"/>
+              </a:lnSpc>
+            </a:pPr>
+            <a:r>
+              <a:rPr lang="en-US" sz="1600" dirty="0" smtClean="0"/>
+              <a:t>JSR-107 compliant interface</a:t>
+            </a:r>
+          </a:p>
+          <a:p>
+            <a:pPr lvl="1">
+              <a:lnSpc>
+                <a:spcPct val="110000"/>
+              </a:lnSpc>
+            </a:pPr>
+            <a:r>
+              <a:rPr lang="en-US" sz="1600" dirty="0" smtClean="0"/>
+              <a:t>Provides methods for adding, removing and retrieving entries</a:t>
+            </a:r>
+          </a:p>
+          <a:p>
+            <a:pPr lvl="1">
+              <a:lnSpc>
+                <a:spcPct val="110000"/>
+              </a:lnSpc>
+            </a:pPr>
+            <a:r>
+              <a:rPr lang="en-US" sz="1600" dirty="0" smtClean="0"/>
+              <a:t>Provides : Eviction/Expiration, Event Notifications, Persistence and Transactions</a:t>
+            </a:r>
+          </a:p>
+          <a:p>
+            <a:pPr marL="571500" lvl="1" indent="0" algn="ctr">
+              <a:lnSpc>
+                <a:spcPct val="110000"/>
+              </a:lnSpc>
+              <a:buNone/>
+            </a:pPr>
+            <a:r>
+              <a:rPr lang="en-US" sz="1600" dirty="0" smtClean="0"/>
+              <a:t>Cache cache = new </a:t>
+            </a:r>
+            <a:r>
+              <a:rPr lang="en-US" sz="1600" dirty="0" err="1" smtClean="0"/>
+              <a:t>DafaultCacheManager</a:t>
+            </a:r>
+            <a:r>
+              <a:rPr lang="en-US" sz="1600" dirty="0" smtClean="0"/>
+              <a:t>().</a:t>
+            </a:r>
+            <a:r>
+              <a:rPr lang="en-US" sz="1600" dirty="0" err="1" smtClean="0"/>
+              <a:t>getCache</a:t>
+            </a:r>
+            <a:r>
+              <a:rPr lang="en-US" sz="1600" dirty="0" smtClean="0"/>
+              <a:t>();</a:t>
+            </a:r>
+          </a:p>
+          <a:p>
+            <a:endParaRPr lang="en-US" sz="1800" dirty="0"/>
+          </a:p>
+          <a:p>
+            <a:pPr>
+              <a:lnSpc>
+                <a:spcPct val="110000"/>
+              </a:lnSpc>
+            </a:pPr>
+            <a:r>
+              <a:rPr lang="en-US" sz="1800" dirty="0"/>
+              <a:t>The </a:t>
+            </a:r>
+            <a:r>
+              <a:rPr lang="en-US" sz="1800" dirty="0" err="1"/>
+              <a:t>AdvancedCache</a:t>
+            </a:r>
+            <a:r>
+              <a:rPr lang="en-US" sz="1800" dirty="0"/>
+              <a:t> Interface</a:t>
+            </a:r>
+          </a:p>
+          <a:p>
+            <a:pPr lvl="1">
+              <a:lnSpc>
+                <a:spcPct val="110000"/>
+              </a:lnSpc>
+            </a:pPr>
+            <a:r>
+              <a:rPr lang="en-US" sz="1600" dirty="0"/>
+              <a:t>Provides ability to inject custom interceptors and to apply certain </a:t>
+            </a:r>
+            <a:r>
+              <a:rPr lang="en-US" sz="1600" dirty="0" smtClean="0"/>
+              <a:t>flags</a:t>
+            </a:r>
+          </a:p>
+          <a:p>
+            <a:pPr marL="571500" lvl="1" indent="0" algn="ctr">
+              <a:lnSpc>
+                <a:spcPct val="110000"/>
+              </a:lnSpc>
+              <a:buNone/>
+            </a:pPr>
+            <a:r>
+              <a:rPr lang="en-US" sz="1600" dirty="0" err="1" smtClean="0"/>
+              <a:t>AdvancedCache</a:t>
+            </a:r>
+            <a:r>
+              <a:rPr lang="en-US" sz="1600" dirty="0" smtClean="0"/>
+              <a:t> </a:t>
+            </a:r>
+            <a:r>
+              <a:rPr lang="en-US" sz="1600" dirty="0" err="1"/>
+              <a:t>advancedCache</a:t>
+            </a:r>
+            <a:r>
+              <a:rPr lang="en-US" sz="1600" dirty="0"/>
+              <a:t> = </a:t>
+            </a:r>
+            <a:r>
+              <a:rPr lang="en-US" sz="1600" dirty="0" err="1"/>
+              <a:t>cache.getAdvancedCache</a:t>
+            </a:r>
+            <a:r>
+              <a:rPr lang="en-US" sz="1600" dirty="0"/>
+              <a:t>();</a:t>
+            </a:r>
+          </a:p>
+          <a:p>
+            <a:pPr lvl="1"/>
+            <a:endParaRPr lang="en-US" sz="1600" dirty="0"/>
+          </a:p>
+          <a:p>
+            <a:pPr>
+              <a:lnSpc>
+                <a:spcPct val="110000"/>
+              </a:lnSpc>
+            </a:pPr>
+            <a:r>
+              <a:rPr lang="en-US" sz="1800" dirty="0"/>
+              <a:t>The Asynchronous API</a:t>
+            </a:r>
+          </a:p>
+          <a:p>
+            <a:pPr lvl="1">
+              <a:lnSpc>
+                <a:spcPct val="110000"/>
+              </a:lnSpc>
+            </a:pPr>
+            <a:r>
+              <a:rPr lang="en-US" sz="1600" dirty="0"/>
+              <a:t>Non-blocking API </a:t>
+            </a:r>
+          </a:p>
+          <a:p>
+            <a:pPr lvl="1">
+              <a:lnSpc>
+                <a:spcPct val="110000"/>
+              </a:lnSpc>
+            </a:pPr>
+            <a:r>
+              <a:rPr lang="en-US" sz="1600" dirty="0"/>
+              <a:t>Provides </a:t>
+            </a:r>
+            <a:r>
+              <a:rPr lang="en-US" sz="1600" dirty="0" smtClean="0"/>
+              <a:t>all guarantees of synchronous </a:t>
+            </a:r>
+            <a:r>
+              <a:rPr lang="en-US" sz="1600" dirty="0"/>
+              <a:t>communication, in non-blocking fashion</a:t>
+            </a:r>
+          </a:p>
+          <a:p>
+            <a:pPr lvl="1">
+              <a:lnSpc>
+                <a:spcPct val="110000"/>
+              </a:lnSpc>
+            </a:pPr>
+            <a:r>
+              <a:rPr lang="en-US" sz="1600" dirty="0"/>
+              <a:t>Have ability to handle communication failures and </a:t>
+            </a:r>
+            <a:r>
+              <a:rPr lang="en-US" sz="1600" dirty="0" smtClean="0"/>
+              <a:t>exceptions</a:t>
+            </a:r>
+          </a:p>
+          <a:p>
+            <a:pPr marL="571500" lvl="1" indent="0" algn="ctr">
+              <a:lnSpc>
+                <a:spcPct val="110000"/>
+              </a:lnSpc>
+              <a:buNone/>
+            </a:pPr>
+            <a:r>
+              <a:rPr lang="en-US" sz="1600" dirty="0" smtClean="0"/>
+              <a:t>Future future </a:t>
+            </a:r>
+            <a:r>
+              <a:rPr lang="en-US" sz="1600" dirty="0"/>
+              <a:t>= </a:t>
+            </a:r>
+            <a:r>
+              <a:rPr lang="en-US" sz="1600" dirty="0" err="1" smtClean="0"/>
+              <a:t>cache.putAsync</a:t>
+            </a:r>
+            <a:r>
+              <a:rPr lang="en-US" sz="1600" dirty="0"/>
+              <a:t>(key1, value1</a:t>
+            </a:r>
+            <a:r>
+              <a:rPr lang="en-US" sz="1600" dirty="0" smtClean="0"/>
+              <a:t>); </a:t>
+            </a:r>
+            <a:r>
+              <a:rPr lang="en-US" sz="1600" dirty="0"/>
+              <a:t>// does not </a:t>
+            </a:r>
+            <a:r>
+              <a:rPr lang="en-US" sz="1600" dirty="0" smtClean="0"/>
+              <a:t>block</a:t>
+            </a:r>
+          </a:p>
+          <a:p>
+            <a:pPr marL="571500" lvl="1" indent="0" algn="ctr">
+              <a:lnSpc>
+                <a:spcPct val="110000"/>
+              </a:lnSpc>
+              <a:buNone/>
+            </a:pPr>
+            <a:r>
+              <a:rPr lang="en-US" sz="1600" dirty="0" err="1"/>
+              <a:t>f</a:t>
+            </a:r>
+            <a:r>
+              <a:rPr lang="en-US" sz="1600" dirty="0" err="1" smtClean="0"/>
+              <a:t>uture.get</a:t>
+            </a:r>
+            <a:r>
+              <a:rPr lang="en-US" sz="1600" dirty="0" smtClean="0"/>
+              <a:t>(); </a:t>
+            </a:r>
+            <a:r>
+              <a:rPr lang="en-US" sz="1600" i="1" dirty="0" smtClean="0"/>
+              <a:t>// </a:t>
+            </a:r>
+            <a:r>
+              <a:rPr lang="en-US" sz="1600" dirty="0" smtClean="0"/>
+              <a:t>check </a:t>
+            </a:r>
+            <a:r>
+              <a:rPr lang="en-US" sz="1600" dirty="0"/>
+              <a:t>that the puts completed successfully</a:t>
+            </a:r>
+          </a:p>
+        </p:txBody>
+      </p:sp>
+      <p:sp>
+        <p:nvSpPr>
+          <p:cNvPr id="9" name="Text Placeholder 8"/>
+          <p:cNvSpPr>
+            <a:spLocks noGrp="1"/>
+          </p:cNvSpPr>
+          <p:nvPr>
+            <p:ph type="body" sz="quarter" idx="13"/>
+          </p:nvPr>
+        </p:nvSpPr>
+        <p:spPr/>
+        <p:txBody>
+          <a:bodyPr/>
+          <a:lstStyle/>
+          <a:p>
+            <a:endParaRPr lang="en-US"/>
+          </a:p>
+        </p:txBody>
+      </p:sp>
+      <p:sp>
+        <p:nvSpPr>
+          <p:cNvPr id="6" name="Date Placeholder 5"/>
+          <p:cNvSpPr>
+            <a:spLocks noGrp="1"/>
+          </p:cNvSpPr>
+          <p:nvPr>
+            <p:ph type="dt" sz="half" idx="14"/>
+          </p:nvPr>
+        </p:nvSpPr>
+        <p:spPr/>
+        <p:txBody>
+          <a:bodyPr/>
+          <a:lstStyle/>
+          <a:p>
+            <a:pPr>
+              <a:defRPr/>
+            </a:pPr>
+            <a:fld id="{262EFB65-E16C-451A-8365-0EA1441EB5B7}" type="datetime3">
+              <a:rPr lang="en-US" smtClean="0"/>
+              <a:pPr>
+                <a:defRPr/>
+              </a:pPr>
+              <a:t>9 August 2015</a:t>
+            </a:fld>
+            <a:endParaRPr lang="en-US" dirty="0"/>
+          </a:p>
+        </p:txBody>
+      </p:sp>
+      <p:sp>
+        <p:nvSpPr>
+          <p:cNvPr id="7" name="Slide Number Placeholder 6"/>
+          <p:cNvSpPr>
+            <a:spLocks noGrp="1"/>
+          </p:cNvSpPr>
+          <p:nvPr>
+            <p:ph type="sldNum" sz="quarter" idx="15"/>
+          </p:nvPr>
+        </p:nvSpPr>
+        <p:spPr/>
+        <p:txBody>
+          <a:bodyPr/>
+          <a:lstStyle/>
+          <a:p>
+            <a:pPr>
+              <a:defRPr/>
+            </a:pPr>
+            <a:fld id="{62FEDF8E-5B0F-4A65-9F05-A41FA81134FA}" type="slidenum">
+              <a:rPr lang="en-US" smtClean="0"/>
+              <a:pPr>
+                <a:defRPr/>
+              </a:pPr>
+              <a:t>5</a:t>
+            </a:fld>
+            <a:endParaRPr lang="en-US"/>
+          </a:p>
+        </p:txBody>
+      </p:sp>
+    </p:spTree>
+    <p:extLst>
+      <p:ext uri="{BB962C8B-B14F-4D97-AF65-F5344CB8AC3E}">
+        <p14:creationId xmlns:p14="http://schemas.microsoft.com/office/powerpoint/2010/main" val="1212763461"/>
+      </p:ext>
+    </p:extLst>
+  </p:cSld>
+  <p:clrMapOvr>
+    <a:masterClrMapping/>
+  </p:clrMapOvr>
+  <p:timing>
+    <p:tnLst>
+      <p:par>
+        <p:cTn xmlns:p14="http://schemas.microsoft.com/office/powerpoint/2010/main" id="1" dur="indefinite" restart="never" nodeType="tmRoot"/>
+      </p:par>
+    </p:tnLst>
+  </p:timing>
+</p:sld>
+</file>
+
+<file path=ppt/slides/slide7.xml><?xml version="1.0" encoding="utf-8"?>
+<p:sld xmlns:a="http://schemas.openxmlformats.org/drawingml/2006/main" xmlns:r="http://schemas.openxmlformats.org/officeDocument/2006/relationships" xmlns:p="http://schemas.openxmlformats.org/presentationml/2006/main">
+  <p:cSld>
+    <p:spTree>
+      <p:nvGrpSpPr>
+        <p:cNvPr id="1" name=""/>
+        <p:cNvGrpSpPr/>
+        <p:nvPr/>
+      </p:nvGrpSpPr>
+      <p:grpSpPr>
+        <a:xfrm>
+          <a:off x="0" y="0"/>
+          <a:ext cx="0" cy="0"/>
+          <a:chOff x="0" y="0"/>
+          <a:chExt cx="0" cy="0"/>
+        </a:xfrm>
+      </p:grpSpPr>
+      <p:sp>
+        <p:nvSpPr>
+          <p:cNvPr id="8" name="Title 7"/>
+          <p:cNvSpPr>
+            <a:spLocks noGrp="1"/>
+          </p:cNvSpPr>
+          <p:nvPr>
+            <p:ph type="title"/>
+          </p:nvPr>
+        </p:nvSpPr>
+        <p:spPr/>
+        <p:txBody>
+          <a:bodyPr/>
+          <a:lstStyle/>
+          <a:p>
+            <a:r>
+              <a:rPr lang="en-GB" dirty="0" smtClean="0"/>
+              <a:t>Cache API</a:t>
+            </a:r>
+            <a:endParaRPr lang="en-GB" dirty="0"/>
+          </a:p>
+        </p:txBody>
+      </p:sp>
+      <p:sp>
+        <p:nvSpPr>
+          <p:cNvPr id="9" name="Content Placeholder 8"/>
+          <p:cNvSpPr>
+            <a:spLocks noGrp="1"/>
+          </p:cNvSpPr>
+          <p:nvPr>
+            <p:ph idx="1"/>
+          </p:nvPr>
+        </p:nvSpPr>
+        <p:spPr>
+          <a:xfrm>
+            <a:off x="431800" y="1239838"/>
+            <a:ext cx="8281988" cy="5261562"/>
+          </a:xfrm>
+        </p:spPr>
+        <p:txBody>
+          <a:bodyPr/>
+          <a:lstStyle/>
+          <a:p>
+            <a:r>
+              <a:rPr lang="en-US" sz="1800" dirty="0"/>
+              <a:t>The Tree Module API</a:t>
+            </a:r>
+          </a:p>
+          <a:p>
+            <a:pPr lvl="1">
+              <a:lnSpc>
+                <a:spcPct val="110000"/>
+              </a:lnSpc>
+            </a:pPr>
+            <a:r>
+              <a:rPr lang="en-US" sz="1600" dirty="0"/>
+              <a:t>Store information in a hierarchical way.</a:t>
+            </a:r>
+          </a:p>
+          <a:p>
+            <a:pPr lvl="1">
+              <a:lnSpc>
+                <a:spcPct val="110000"/>
+              </a:lnSpc>
+            </a:pPr>
+            <a:r>
+              <a:rPr lang="en-US" sz="1600" dirty="0"/>
+              <a:t>Hierarchy is defined using </a:t>
+            </a:r>
+            <a:r>
+              <a:rPr lang="en-US" sz="1600" dirty="0" smtClean="0"/>
+              <a:t>paths/nodes </a:t>
+            </a:r>
+            <a:r>
+              <a:rPr lang="en-US" sz="1600" dirty="0"/>
+              <a:t>represented as </a:t>
+            </a:r>
+            <a:r>
+              <a:rPr lang="en-US" sz="1600" dirty="0" smtClean="0"/>
+              <a:t>FQN</a:t>
+            </a:r>
+          </a:p>
+          <a:p>
+            <a:pPr lvl="1">
+              <a:lnSpc>
+                <a:spcPct val="110000"/>
+              </a:lnSpc>
+            </a:pPr>
+            <a:r>
+              <a:rPr lang="en-US" sz="1600" dirty="0" smtClean="0"/>
+              <a:t>Data is stored under nodes using key/value API</a:t>
+            </a:r>
+          </a:p>
+          <a:p>
+            <a:pPr marL="571500" lvl="1" indent="0" algn="ctr">
+              <a:lnSpc>
+                <a:spcPct val="110000"/>
+              </a:lnSpc>
+              <a:buNone/>
+            </a:pPr>
+            <a:r>
+              <a:rPr lang="en-US" sz="1600" dirty="0"/>
+              <a:t>Configuration </a:t>
+            </a:r>
+            <a:r>
+              <a:rPr lang="en-US" sz="1600" dirty="0" err="1"/>
+              <a:t>config</a:t>
+            </a:r>
+            <a:r>
+              <a:rPr lang="en-US" sz="1600" dirty="0"/>
+              <a:t> = new Configuration(</a:t>
+            </a:r>
+            <a:r>
+              <a:rPr lang="en-US" sz="1600" dirty="0" smtClean="0"/>
+              <a:t>).</a:t>
+            </a:r>
+            <a:r>
+              <a:rPr lang="en-US" sz="1600" dirty="0" err="1" smtClean="0"/>
+              <a:t>setInvocationBatchingEnabled</a:t>
+            </a:r>
+            <a:r>
+              <a:rPr lang="en-US" sz="1600" dirty="0"/>
+              <a:t>(true);</a:t>
+            </a:r>
+          </a:p>
+          <a:p>
+            <a:pPr marL="571500" lvl="1" indent="0" algn="ctr">
+              <a:lnSpc>
+                <a:spcPct val="110000"/>
+              </a:lnSpc>
+              <a:buNone/>
+            </a:pPr>
+            <a:r>
+              <a:rPr lang="en-US" sz="1600" dirty="0"/>
+              <a:t>Cache cache = new </a:t>
+            </a:r>
+            <a:r>
+              <a:rPr lang="en-US" sz="1600" dirty="0" err="1"/>
+              <a:t>DefaultCacheManager</a:t>
+            </a:r>
+            <a:r>
+              <a:rPr lang="en-US" sz="1600" dirty="0"/>
+              <a:t>(</a:t>
+            </a:r>
+            <a:r>
+              <a:rPr lang="en-US" sz="1600" dirty="0" err="1"/>
+              <a:t>config</a:t>
+            </a:r>
+            <a:r>
+              <a:rPr lang="en-US" sz="1600" dirty="0"/>
+              <a:t>).</a:t>
+            </a:r>
+            <a:r>
+              <a:rPr lang="en-US" sz="1600" dirty="0" err="1"/>
+              <a:t>getCache</a:t>
+            </a:r>
+            <a:r>
+              <a:rPr lang="en-US" sz="1600" dirty="0"/>
+              <a:t>();</a:t>
+            </a:r>
+          </a:p>
+          <a:p>
+            <a:pPr marL="571500" lvl="1" indent="0" algn="ctr">
+              <a:lnSpc>
+                <a:spcPct val="110000"/>
+              </a:lnSpc>
+              <a:buNone/>
+            </a:pPr>
+            <a:r>
+              <a:rPr lang="en-US" sz="1600" dirty="0" err="1"/>
+              <a:t>TreeCache</a:t>
+            </a:r>
+            <a:r>
+              <a:rPr lang="en-US" sz="1600" dirty="0"/>
+              <a:t> </a:t>
+            </a:r>
+            <a:r>
+              <a:rPr lang="en-US" sz="1600" dirty="0" err="1"/>
+              <a:t>treeCache</a:t>
+            </a:r>
+            <a:r>
+              <a:rPr lang="en-US" sz="1600" dirty="0"/>
+              <a:t> = </a:t>
+            </a:r>
+            <a:r>
+              <a:rPr lang="en-US" sz="1600" dirty="0" err="1"/>
+              <a:t>TreeCacheFactory.createTreeCache</a:t>
+            </a:r>
+            <a:r>
+              <a:rPr lang="en-US" sz="1600" dirty="0"/>
+              <a:t>(cache);</a:t>
+            </a:r>
+            <a:endParaRPr lang="en-US" sz="1600" dirty="0"/>
+          </a:p>
+          <a:p>
+            <a:pPr marL="571500" lvl="1" indent="0">
+              <a:buNone/>
+            </a:pPr>
+            <a:endParaRPr lang="en-GB" sz="1800" dirty="0" smtClean="0"/>
+          </a:p>
+          <a:p>
+            <a:r>
+              <a:rPr lang="en-GB" sz="1800" dirty="0" smtClean="0"/>
+              <a:t>The Listener </a:t>
+            </a:r>
+            <a:r>
+              <a:rPr lang="en-GB" sz="1800" dirty="0"/>
+              <a:t>API</a:t>
+            </a:r>
+          </a:p>
+          <a:p>
+            <a:pPr lvl="1">
+              <a:lnSpc>
+                <a:spcPct val="110000"/>
+              </a:lnSpc>
+            </a:pPr>
+            <a:r>
+              <a:rPr lang="en-GB" sz="1600" dirty="0" smtClean="0"/>
+              <a:t>Application </a:t>
+            </a:r>
+            <a:r>
+              <a:rPr lang="en-GB" sz="1600" dirty="0" smtClean="0"/>
+              <a:t>can get notification about some events that occur inside the grid</a:t>
+            </a:r>
+            <a:r>
+              <a:rPr lang="en-GB" sz="1600" dirty="0" smtClean="0"/>
+              <a:t>.</a:t>
+            </a:r>
+            <a:endParaRPr lang="en-GB" sz="1800" dirty="0" smtClean="0"/>
+          </a:p>
+          <a:p>
+            <a:pPr lvl="1">
+              <a:lnSpc>
+                <a:spcPct val="110000"/>
+              </a:lnSpc>
+            </a:pPr>
+            <a:r>
+              <a:rPr lang="en-GB" sz="1600" dirty="0" smtClean="0"/>
+              <a:t>API is annotation </a:t>
+            </a:r>
+            <a:r>
+              <a:rPr lang="en-GB" sz="1600" dirty="0" smtClean="0"/>
+              <a:t>driven (@Listener)</a:t>
+            </a:r>
+          </a:p>
+          <a:p>
+            <a:pPr lvl="1">
+              <a:lnSpc>
+                <a:spcPct val="110000"/>
+              </a:lnSpc>
+            </a:pPr>
+            <a:r>
+              <a:rPr lang="en-GB" sz="1600" dirty="0"/>
+              <a:t>Cache Level Events</a:t>
+            </a:r>
+          </a:p>
+          <a:p>
+            <a:pPr lvl="2">
+              <a:lnSpc>
+                <a:spcPct val="110000"/>
+              </a:lnSpc>
+              <a:buClrTx/>
+              <a:buSzPct val="75000"/>
+              <a:buFont typeface="Wingdings" charset="2"/>
+              <a:buChar char="v"/>
+            </a:pPr>
+            <a:r>
+              <a:rPr lang="en-GB" sz="1400" dirty="0" err="1"/>
+              <a:t>CacheEntryAddedEvent</a:t>
+            </a:r>
+            <a:r>
+              <a:rPr lang="en-GB" sz="1400" dirty="0"/>
+              <a:t>/Modified/</a:t>
+            </a:r>
+            <a:r>
+              <a:rPr lang="en-GB" sz="1400" dirty="0" smtClean="0"/>
+              <a:t>Removed/Invalidated/Evicted</a:t>
+            </a:r>
+            <a:endParaRPr lang="en-GB" sz="1400" dirty="0"/>
+          </a:p>
+          <a:p>
+            <a:pPr lvl="2">
+              <a:lnSpc>
+                <a:spcPct val="110000"/>
+              </a:lnSpc>
+              <a:buClrTx/>
+              <a:buSzPct val="75000"/>
+              <a:buFont typeface="Wingdings" charset="2"/>
+              <a:buChar char="v"/>
+            </a:pPr>
+            <a:r>
+              <a:rPr lang="en-GB" sz="1400" dirty="0" err="1" smtClean="0"/>
+              <a:t>CacheEntryActivatedEvent</a:t>
+            </a:r>
+            <a:r>
+              <a:rPr lang="en-GB" sz="1400" dirty="0"/>
+              <a:t>/Passivated etc.</a:t>
+            </a:r>
+          </a:p>
+          <a:p>
+            <a:pPr lvl="1">
+              <a:lnSpc>
+                <a:spcPct val="110000"/>
+              </a:lnSpc>
+            </a:pPr>
+            <a:r>
+              <a:rPr lang="en-GB" sz="1600" dirty="0"/>
+              <a:t>Cache Manager Level Events</a:t>
+            </a:r>
+          </a:p>
+          <a:p>
+            <a:pPr lvl="2">
+              <a:lnSpc>
+                <a:spcPct val="110000"/>
+              </a:lnSpc>
+              <a:buClrTx/>
+              <a:buSzPct val="75000"/>
+              <a:buFont typeface="Wingdings" charset="2"/>
+              <a:buChar char="v"/>
+            </a:pPr>
+            <a:r>
+              <a:rPr lang="en-GB" sz="1400" dirty="0" err="1"/>
+              <a:t>CacheStartedEvent</a:t>
+            </a:r>
+            <a:r>
+              <a:rPr lang="en-GB" sz="1400" dirty="0"/>
+              <a:t>/</a:t>
+            </a:r>
+            <a:r>
+              <a:rPr lang="en-GB" sz="1400" dirty="0" smtClean="0"/>
+              <a:t>Stopped/</a:t>
+            </a:r>
+            <a:r>
+              <a:rPr lang="en-GB" sz="1400" dirty="0" err="1" smtClean="0"/>
+              <a:t>ViewChanged</a:t>
+            </a:r>
+            <a:r>
+              <a:rPr lang="en-GB" sz="1400" dirty="0" smtClean="0"/>
+              <a:t>/</a:t>
+            </a:r>
+            <a:r>
+              <a:rPr lang="en-GB" sz="1400" dirty="0" smtClean="0"/>
+              <a:t>Merged</a:t>
+            </a:r>
+            <a:endParaRPr lang="en-GB" sz="1800" dirty="0" smtClean="0"/>
+          </a:p>
+          <a:p>
+            <a:pPr lvl="1">
+              <a:lnSpc>
+                <a:spcPct val="110000"/>
+              </a:lnSpc>
+            </a:pPr>
+            <a:r>
+              <a:rPr lang="en-GB" sz="1600" dirty="0"/>
+              <a:t>Cluster Listener (@Listener(clustered=yes))</a:t>
+            </a:r>
+          </a:p>
+        </p:txBody>
+      </p:sp>
+      <p:sp>
+        <p:nvSpPr>
+          <p:cNvPr id="10" name="Text Placeholder 9"/>
+          <p:cNvSpPr>
+            <a:spLocks noGrp="1"/>
+          </p:cNvSpPr>
+          <p:nvPr>
+            <p:ph type="body" sz="quarter" idx="13"/>
+          </p:nvPr>
+        </p:nvSpPr>
+        <p:spPr/>
+        <p:txBody>
+          <a:bodyPr/>
+          <a:lstStyle/>
+          <a:p>
+            <a:endParaRPr lang="en-GB" dirty="0"/>
+          </a:p>
+        </p:txBody>
+      </p:sp>
+      <p:sp>
+        <p:nvSpPr>
+          <p:cNvPr id="6" name="Date Placeholder 5"/>
+          <p:cNvSpPr>
+            <a:spLocks noGrp="1"/>
+          </p:cNvSpPr>
+          <p:nvPr>
+            <p:ph type="dt" sz="half" idx="14"/>
+          </p:nvPr>
+        </p:nvSpPr>
+        <p:spPr/>
+        <p:txBody>
+          <a:bodyPr/>
+          <a:lstStyle/>
+          <a:p>
+            <a:pPr>
+              <a:defRPr/>
+            </a:pPr>
+            <a:fld id="{262EFB65-E16C-451A-8365-0EA1441EB5B7}" type="datetime3">
+              <a:rPr lang="en-US" smtClean="0"/>
+              <a:pPr>
+                <a:defRPr/>
+              </a:pPr>
+              <a:t>9 August 2015</a:t>
+            </a:fld>
+            <a:endParaRPr lang="en-US" dirty="0"/>
+          </a:p>
+        </p:txBody>
+      </p:sp>
+      <p:sp>
+        <p:nvSpPr>
+          <p:cNvPr id="7" name="Slide Number Placeholder 6"/>
+          <p:cNvSpPr>
+            <a:spLocks noGrp="1"/>
+          </p:cNvSpPr>
+          <p:nvPr>
+            <p:ph type="sldNum" sz="quarter" idx="15"/>
+          </p:nvPr>
+        </p:nvSpPr>
+        <p:spPr/>
+        <p:txBody>
+          <a:bodyPr/>
+          <a:lstStyle/>
+          <a:p>
+            <a:pPr>
+              <a:defRPr/>
+            </a:pPr>
+            <a:fld id="{62FEDF8E-5B0F-4A65-9F05-A41FA81134FA}" type="slidenum">
+              <a:rPr lang="en-US" smtClean="0"/>
+              <a:pPr>
+                <a:defRPr/>
+              </a:pPr>
+              <a:t>6</a:t>
+            </a:fld>
+            <a:endParaRPr lang="en-US"/>
+          </a:p>
+        </p:txBody>
+      </p:sp>
+    </p:spTree>
+    <p:extLst>
+      <p:ext uri="{BB962C8B-B14F-4D97-AF65-F5344CB8AC3E}">
+        <p14:creationId xmlns:p14="http://schemas.microsoft.com/office/powerpoint/2010/main" val="2740023244"/>
+      </p:ext>
+    </p:extLst>
+  </p:cSld>
+  <p:clrMapOvr>
+    <a:masterClrMapping/>
+  </p:clrMapOvr>
+  <p:timing>
+    <p:tnLst>
+      <p:par>
+        <p:cTn xmlns:p14="http://schemas.microsoft.com/office/powerpoint/2010/main" id="1" dur="indefinite" restart="never" nodeType="tmRoot"/>
+      </p:par>
+    </p:tnLst>
+  </p:timing>
+</p:sld>
+</file>
+
+<file path=ppt/slides/slide8.xml><?xml version="1.0" encoding="utf-8"?>
 <p:sld xmlns:a="http://schemas.openxmlformats.org/drawingml/2006/main" xmlns:r="http://schemas.openxmlformats.org/officeDocument/2006/relationships" xmlns:p="http://schemas.openxmlformats.org/presentationml/2006/main">
   <p:cSld>
     <p:spTree>
@@ -6140,14 +10131,14 @@
             <p:ph sz="half" idx="1"/>
             <p:extLst>
               <p:ext uri="{D42A27DB-BD31-4B8C-83A1-F6EECF244321}">
-                <p14:modId xmlns:p14="http://schemas.microsoft.com/office/powerpoint/2010/main" val="1365375473"/>
+                <p14:modId xmlns:p14="http://schemas.microsoft.com/office/powerpoint/2010/main" val="1411269969"/>
               </p:ext>
             </p:extLst>
           </p:nvPr>
         </p:nvGraphicFramePr>
         <p:xfrm>
-          <a:off x="462665" y="2008016"/>
-          <a:ext cx="8218670" cy="4070930"/>
+          <a:off x="501070" y="1892800"/>
+          <a:ext cx="8218670" cy="4359045"/>
         </p:xfrm>
         <a:graphic>
           <a:graphicData uri="http://schemas.openxmlformats.org/drawingml/2006/table">
@@ -6159,7 +10150,7 @@
                 <a:gridCol w="4109335"/>
                 <a:gridCol w="4109335"/>
               </a:tblGrid>
-              <a:tr h="381119">
+              <a:tr h="346481">
                 <a:tc>
                   <a:txBody>
                     <a:bodyPr/>
@@ -6189,7 +10180,7 @@
                   <a:tcPr marL="44870" marR="44870"/>
                 </a:tc>
               </a:tr>
-              <a:tr h="1238637">
+              <a:tr h="1003608">
                 <a:tc>
                   <a:txBody>
                     <a:bodyPr/>
@@ -6251,7 +10242,7 @@
                   <a:tcPr marL="44870" marR="44870"/>
                 </a:tc>
               </a:tr>
-              <a:tr h="1212537">
+              <a:tr h="982461">
                 <a:tc>
                   <a:txBody>
                     <a:bodyPr/>
@@ -6361,7 +10352,7 @@
                   <a:tcPr marL="44870" marR="44870"/>
                 </a:tc>
               </a:tr>
-              <a:tr h="1238637">
+              <a:tr h="1003608">
                 <a:tc>
                   <a:txBody>
                     <a:bodyPr/>
@@ -6423,6 +10414,84 @@
                   <a:tcPr marL="44870" marR="44870"/>
                 </a:tc>
               </a:tr>
+              <a:tr h="1003608">
+                <a:tc>
+                  <a:txBody>
+                    <a:bodyPr/>
+                    <a:lstStyle/>
+                    <a:p>
+                      <a:pPr marL="0" marR="0" indent="0" algn="l" defTabSz="914400" rtl="0" eaLnBrk="1" fontAlgn="auto" latinLnBrk="0" hangingPunct="1">
+                        <a:lnSpc>
+                          <a:spcPct val="100000"/>
+                        </a:lnSpc>
+                        <a:spcBef>
+                          <a:spcPts val="0"/>
+                        </a:spcBef>
+                        <a:spcAft>
+                          <a:spcPts val="0"/>
+                        </a:spcAft>
+                        <a:buClrTx/>
+                        <a:buSzTx/>
+                        <a:buFontTx/>
+                        <a:buNone/>
+                        <a:tabLst/>
+                        <a:defRPr/>
+                      </a:pPr>
+                      <a:r>
+                        <a:rPr lang="en-US" sz="1800" kern="1200" dirty="0" smtClean="0">
+                          <a:solidFill>
+                            <a:schemeClr val="dk1"/>
+                          </a:solidFill>
+                          <a:latin typeface="+mn-lt"/>
+                          <a:ea typeface="+mn-ea"/>
+                          <a:cs typeface="+mn-cs"/>
+                        </a:rPr>
+                        <a:t>&lt;eviction strategy="LRU" max-entries="2000” /&gt;</a:t>
+                      </a:r>
+                      <a:endParaRPr lang="en-GB" dirty="0" smtClean="0"/>
+                    </a:p>
+                  </a:txBody>
+                  <a:tcPr marL="44870" marR="44870"/>
+                </a:tc>
+                <a:tc>
+                  <a:txBody>
+                    <a:bodyPr/>
+                    <a:lstStyle/>
+                    <a:p>
+                      <a:pPr marL="0" marR="0" indent="0" algn="l" defTabSz="914400" rtl="0" eaLnBrk="1" fontAlgn="auto" latinLnBrk="0" hangingPunct="1">
+                        <a:lnSpc>
+                          <a:spcPct val="100000"/>
+                        </a:lnSpc>
+                        <a:spcBef>
+                          <a:spcPts val="0"/>
+                        </a:spcBef>
+                        <a:spcAft>
+                          <a:spcPts val="0"/>
+                        </a:spcAft>
+                        <a:buClrTx/>
+                        <a:buSzTx/>
+                        <a:buFontTx/>
+                        <a:buNone/>
+                        <a:tabLst/>
+                        <a:defRPr/>
+                      </a:pPr>
+                      <a:r>
+                        <a:rPr lang="en-US" sz="1800" kern="1200" dirty="0" smtClean="0">
+                          <a:solidFill>
+                            <a:schemeClr val="dk1"/>
+                          </a:solidFill>
+                          <a:latin typeface="+mn-lt"/>
+                          <a:ea typeface="+mn-ea"/>
+                          <a:cs typeface="+mn-cs"/>
+                        </a:rPr>
+                        <a:t>&lt;expiration lifespan="1000" max-idle="500” /&gt;</a:t>
+                      </a:r>
+                      <a:endParaRPr lang="en-GB" dirty="0" smtClean="0"/>
+                    </a:p>
+                  </a:txBody>
+                  <a:tcPr marL="44870" marR="44870"/>
+                </a:tc>
+              </a:tr>
             </a:tbl>
           </a:graphicData>
         </a:graphic>
@@ -6484,28 +10553,33 @@
           <a:lstStyle/>
           <a:p>
             <a:r>
+              <a:rPr lang="en-GB" dirty="0" smtClean="0"/>
+              <a:t>Cache API</a:t>
+            </a:r>
+            <a:endParaRPr lang="en-GB" dirty="0"/>
+          </a:p>
+        </p:txBody>
+      </p:sp>
+      <p:sp>
+        <p:nvSpPr>
+          <p:cNvPr id="16" name="Text Placeholder 15"/>
+          <p:cNvSpPr>
+            <a:spLocks noGrp="1"/>
+          </p:cNvSpPr>
+          <p:nvPr>
+            <p:ph type="body" sz="quarter" idx="13"/>
+          </p:nvPr>
+        </p:nvSpPr>
+        <p:spPr/>
+        <p:txBody>
+          <a:bodyPr/>
+          <a:lstStyle/>
+          <a:p>
+            <a:r>
               <a:rPr lang="en-GB" dirty="0"/>
               <a:t>Eviction/Expiration</a:t>
             </a:r>
-          </a:p>
-        </p:txBody>
-      </p:sp>
-      <p:sp>
-        <p:nvSpPr>
-          <p:cNvPr id="16" name="Text Placeholder 15"/>
-          <p:cNvSpPr>
-            <a:spLocks noGrp="1"/>
-          </p:cNvSpPr>
-          <p:nvPr>
-            <p:ph type="body" sz="quarter" idx="13"/>
-          </p:nvPr>
-        </p:nvSpPr>
-        <p:spPr/>
-        <p:txBody>
-          <a:bodyPr/>
-          <a:lstStyle/>
-          <a:p>
-            <a:endParaRPr lang="en-GB"/>
+            <a:endParaRPr lang="en-GB" dirty="0"/>
           </a:p>
         </p:txBody>
       </p:sp>
@@ -6532,7 +10606,7 @@
               <a:pPr>
                 <a:defRPr/>
               </a:pPr>
-              <a:t>27 July 2015</a:t>
+              <a:t>9 August 2015</a:t>
             </a:fld>
             <a:endParaRPr lang="en-US" dirty="0"/>
           </a:p>
@@ -6561,7 +10635,7 @@
               <a:pPr>
                 <a:defRPr/>
               </a:pPr>
-              <a:t>12</a:t>
+              <a:t>7</a:t>
             </a:fld>
             <a:endParaRPr lang="en-US"/>
           </a:p>
@@ -6580,14 +10654,14 @@
   <p:timing>
     <p:tnLst>
       <p:par>
-        <p:cTn id="1" dur="indefinite" restart="never" nodeType="tmRoot"/>
+        <p:cTn xmlns:p14="http://schemas.microsoft.com/office/powerpoint/2010/main" id="1" dur="indefinite" restart="never" nodeType="tmRoot"/>
       </p:par>
     </p:tnLst>
   </p:timing>
 </p:sld>
 </file>
 
-<file path=ppt/slides/slide14.xml><?xml version="1.0" encoding="utf-8"?>
+<file path=ppt/slides/slide9.xml><?xml version="1.0" encoding="utf-8"?>
 <p:sld xmlns:a="http://schemas.openxmlformats.org/drawingml/2006/main" xmlns:r="http://schemas.openxmlformats.org/officeDocument/2006/relationships" xmlns:p="http://schemas.openxmlformats.org/presentationml/2006/main">
   <p:cSld>
     <p:spTree>
@@ -6606,7 +10680,7 @@
       </p:grpSpPr>
       <p:sp>
         <p:nvSpPr>
-          <p:cNvPr id="2" name="Title 1"/>
+          <p:cNvPr id="8" name="Title 7"/>
           <p:cNvSpPr>
             <a:spLocks noGrp="1"/>
           </p:cNvSpPr>
@@ -6620,21 +10694,24 @@
           <a:lstStyle/>
           <a:p>
             <a:r>
-              <a:rPr lang="en-GB" dirty="0" smtClean="0"/>
-              <a:t>Features</a:t>
-            </a:r>
+              <a:rPr lang="en-GB" dirty="0"/>
+              <a:t>Caching Modes</a:t>
+            </a:r>
+            <a:br>
+              <a:rPr lang="en-GB" dirty="0"/>
+            </a:br>
             <a:endParaRPr lang="en-GB" dirty="0"/>
           </a:p>
         </p:txBody>
       </p:sp>
       <p:sp>
         <p:nvSpPr>
-          <p:cNvPr id="3" name="Content Placeholder 2"/>
+          <p:cNvPr id="9" name="Text Placeholder 8"/>
           <p:cNvSpPr>
             <a:spLocks noGrp="1"/>
           </p:cNvSpPr>
           <p:nvPr>
-            <p:ph idx="1"/>
+            <p:ph type="body" sz="quarter" idx="13"/>
           </p:nvPr>
         </p:nvSpPr>
         <p:spPr/>
@@ -6643,755 +10720,21 @@
           <a:lstStyle/>
           <a:p>
             <a:r>
-              <a:rPr lang="en-GB" dirty="0"/>
-              <a:t>In-memory local and clustered cache</a:t>
-            </a:r>
-          </a:p>
-          <a:p>
-            <a:r>
-              <a:rPr lang="en-GB" dirty="0"/>
-              <a:t>Clustering</a:t>
-            </a:r>
-          </a:p>
-          <a:p>
-            <a:r>
-              <a:rPr lang="en-GB" dirty="0"/>
-              <a:t>Transactions</a:t>
-            </a:r>
-          </a:p>
-          <a:p>
-            <a:r>
-              <a:rPr lang="en-GB" dirty="0"/>
-              <a:t>Persistence</a:t>
-            </a:r>
-          </a:p>
-          <a:p>
-            <a:r>
-              <a:rPr lang="en-GB" dirty="0"/>
-              <a:t>Configuration / Development</a:t>
-            </a:r>
-          </a:p>
-          <a:p>
-            <a:r>
-              <a:rPr lang="en-GB" dirty="0"/>
-              <a:t>Integrations</a:t>
-            </a:r>
-          </a:p>
-          <a:p>
+              <a:rPr lang="en-GB" dirty="0" smtClean="0"/>
+              <a:t>Local Mode</a:t>
+            </a:r>
             <a:endParaRPr lang="en-GB" dirty="0"/>
           </a:p>
         </p:txBody>
       </p:sp>
       <p:sp>
         <p:nvSpPr>
-          <p:cNvPr id="4" name="Text Placeholder 3"/>
+          <p:cNvPr id="6" name="Date Placeholder 5"/>
           <p:cNvSpPr>
             <a:spLocks noGrp="1"/>
           </p:cNvSpPr>
           <p:nvPr>
-            <p:ph type="body" sz="quarter" idx="13"/>
-          </p:nvPr>
-        </p:nvSpPr>
-        <p:spPr/>
-        <p:txBody>
-          <a:bodyPr/>
-          <a:lstStyle/>
-          <a:p>
-            <a:endParaRPr lang="en-GB"/>
-          </a:p>
-        </p:txBody>
-      </p:sp>
-      <p:sp>
-        <p:nvSpPr>
-          <p:cNvPr id="5" name="Date Placeholder 4"/>
-          <p:cNvSpPr>
-            <a:spLocks noGrp="1"/>
-          </p:cNvSpPr>
-          <p:nvPr>
-            <p:ph type="dt" sz="half" idx="14"/>
-          </p:nvPr>
-        </p:nvSpPr>
-        <p:spPr/>
-        <p:txBody>
-          <a:bodyPr/>
-          <a:lstStyle/>
-          <a:p>
-            <a:pPr>
-              <a:defRPr/>
-            </a:pPr>
-            <a:fld id="{D95CFEC9-DCDE-483F-9C62-EBF9D31C73AA}" type="datetime3">
-              <a:rPr lang="en-US" smtClean="0"/>
-              <a:pPr>
-                <a:defRPr/>
-              </a:pPr>
-              <a:t>27 July 2015</a:t>
-            </a:fld>
-            <a:endParaRPr lang="en-US" dirty="0"/>
-          </a:p>
-        </p:txBody>
-      </p:sp>
-      <p:sp>
-        <p:nvSpPr>
-          <p:cNvPr id="6" name="Slide Number Placeholder 5"/>
-          <p:cNvSpPr>
-            <a:spLocks noGrp="1"/>
-          </p:cNvSpPr>
-          <p:nvPr>
-            <p:ph type="sldNum" sz="quarter" idx="15"/>
-          </p:nvPr>
-        </p:nvSpPr>
-        <p:spPr/>
-        <p:txBody>
-          <a:bodyPr/>
-          <a:lstStyle/>
-          <a:p>
-            <a:pPr>
-              <a:defRPr/>
-            </a:pPr>
-            <a:fld id="{90600ADF-17AC-4085-9C50-2A0435A05455}" type="slidenum">
-              <a:rPr lang="en-US" smtClean="0"/>
-              <a:pPr>
-                <a:defRPr/>
-              </a:pPr>
-              <a:t>13</a:t>
-            </a:fld>
-            <a:endParaRPr lang="en-US" dirty="0"/>
-          </a:p>
-        </p:txBody>
-      </p:sp>
-    </p:spTree>
-    <p:extLst>
-      <p:ext uri="{BB962C8B-B14F-4D97-AF65-F5344CB8AC3E}">
-        <p14:creationId xmlns:p14="http://schemas.microsoft.com/office/powerpoint/2010/main" val="1007208415"/>
-      </p:ext>
-    </p:extLst>
-  </p:cSld>
-  <p:clrMapOvr>
-    <a:masterClrMapping/>
-  </p:clrMapOvr>
-  <p:timing>
-    <p:tnLst>
-      <p:par>
-        <p:cTn id="1" dur="indefinite" restart="never" nodeType="tmRoot"/>
-      </p:par>
-    </p:tnLst>
-  </p:timing>
-</p:sld>
-</file>
-
-<file path=ppt/slides/slide15.xml><?xml version="1.0" encoding="utf-8"?>
-<p:sld xmlns:a="http://schemas.openxmlformats.org/drawingml/2006/main" xmlns:r="http://schemas.openxmlformats.org/officeDocument/2006/relationships" xmlns:p="http://schemas.openxmlformats.org/presentationml/2006/main">
-  <p:cSld>
-    <p:spTree>
-      <p:nvGrpSpPr>
-        <p:cNvPr id="1" name=""/>
-        <p:cNvGrpSpPr/>
-        <p:nvPr/>
-      </p:nvGrpSpPr>
-      <p:grpSpPr>
-        <a:xfrm>
-          <a:off x="0" y="0"/>
-          <a:ext cx="0" cy="0"/>
-          <a:chOff x="0" y="0"/>
-          <a:chExt cx="0" cy="0"/>
-        </a:xfrm>
-      </p:grpSpPr>
-      <p:sp>
-        <p:nvSpPr>
-          <p:cNvPr id="3" name="Content Placeholder 2"/>
-          <p:cNvSpPr>
-            <a:spLocks noGrp="1"/>
-          </p:cNvSpPr>
-          <p:nvPr>
-            <p:ph sz="half" idx="1"/>
-          </p:nvPr>
-        </p:nvSpPr>
-        <p:spPr/>
-        <p:txBody>
-          <a:bodyPr/>
-          <a:lstStyle/>
-          <a:p>
-            <a:r>
-              <a:rPr lang="en-GB" sz="1800" dirty="0" smtClean="0"/>
-              <a:t>Allows </a:t>
-            </a:r>
-            <a:r>
-              <a:rPr lang="en-GB" sz="1800" dirty="0"/>
-              <a:t>configuring persistent </a:t>
-            </a:r>
-            <a:r>
-              <a:rPr lang="en-GB" sz="1800" dirty="0" smtClean="0"/>
-              <a:t>storage</a:t>
-            </a:r>
-          </a:p>
-          <a:p>
-            <a:r>
-              <a:rPr lang="en-GB" sz="1800" dirty="0"/>
-              <a:t>E</a:t>
-            </a:r>
-            <a:r>
-              <a:rPr lang="en-GB" sz="1800" dirty="0" smtClean="0"/>
-              <a:t>xternal </a:t>
-            </a:r>
-            <a:r>
-              <a:rPr lang="en-GB" sz="1800" dirty="0"/>
-              <a:t>persistent storage </a:t>
-            </a:r>
-            <a:r>
-              <a:rPr lang="en-GB" sz="1800" dirty="0" smtClean="0"/>
-              <a:t>is </a:t>
-            </a:r>
-            <a:r>
-              <a:rPr lang="en-GB" sz="1800" dirty="0"/>
-              <a:t>useful </a:t>
-            </a:r>
-            <a:r>
-              <a:rPr lang="en-GB" sz="1800" dirty="0" smtClean="0"/>
-              <a:t>for:</a:t>
-            </a:r>
-          </a:p>
-          <a:p>
-            <a:pPr lvl="1"/>
-            <a:r>
-              <a:rPr lang="en-GB" sz="1600" dirty="0"/>
-              <a:t>Increased </a:t>
-            </a:r>
-            <a:r>
-              <a:rPr lang="en-GB" sz="1600" dirty="0" smtClean="0"/>
-              <a:t>Durability</a:t>
-            </a:r>
-          </a:p>
-          <a:p>
-            <a:pPr lvl="1"/>
-            <a:r>
-              <a:rPr lang="en-GB" sz="1600" dirty="0" smtClean="0"/>
-              <a:t>Write-through</a:t>
-            </a:r>
-          </a:p>
-          <a:p>
-            <a:pPr lvl="1"/>
-            <a:r>
-              <a:rPr lang="en-GB" sz="1600" dirty="0"/>
-              <a:t>Overflow </a:t>
-            </a:r>
-            <a:r>
-              <a:rPr lang="en-GB" sz="1600" dirty="0" smtClean="0"/>
-              <a:t>Data</a:t>
-            </a:r>
-          </a:p>
-          <a:p>
-            <a:pPr marL="195263" lvl="1" indent="-195263">
-              <a:buClr>
-                <a:srgbClr val="009FDA"/>
-              </a:buClr>
-              <a:buSzPct val="130000"/>
-              <a:buFont typeface="Arial" charset="0"/>
-              <a:buChar char="•"/>
-            </a:pPr>
-            <a:r>
-              <a:rPr lang="en-GB" sz="1800" dirty="0" smtClean="0">
-                <a:ea typeface="+mn-ea"/>
-                <a:cs typeface="+mn-cs"/>
-              </a:rPr>
-              <a:t>Uses </a:t>
-            </a:r>
-            <a:r>
-              <a:rPr lang="en-GB" sz="1800" dirty="0" err="1" smtClean="0">
-                <a:ea typeface="+mn-ea"/>
-                <a:cs typeface="+mn-cs"/>
-              </a:rPr>
-              <a:t>CacheLoader</a:t>
-            </a:r>
-            <a:r>
-              <a:rPr lang="en-GB" sz="1800" dirty="0" smtClean="0">
-                <a:ea typeface="+mn-ea"/>
-                <a:cs typeface="+mn-cs"/>
-              </a:rPr>
-              <a:t> and </a:t>
-            </a:r>
-            <a:r>
-              <a:rPr lang="en-GB" sz="1800" dirty="0" err="1" smtClean="0">
-                <a:ea typeface="+mn-ea"/>
-                <a:cs typeface="+mn-cs"/>
-              </a:rPr>
-              <a:t>CacheWriter</a:t>
-            </a:r>
-            <a:r>
-              <a:rPr lang="en-GB" sz="1800" dirty="0" smtClean="0">
-                <a:ea typeface="+mn-ea"/>
-                <a:cs typeface="+mn-cs"/>
-              </a:rPr>
-              <a:t> </a:t>
-            </a:r>
-            <a:r>
-              <a:rPr lang="en-GB" sz="1800" dirty="0">
-                <a:ea typeface="+mn-ea"/>
-                <a:cs typeface="+mn-cs"/>
-              </a:rPr>
-              <a:t>to save </a:t>
-            </a:r>
-            <a:r>
-              <a:rPr lang="en-GB" sz="1800" dirty="0" smtClean="0">
-                <a:ea typeface="+mn-ea"/>
-                <a:cs typeface="+mn-cs"/>
-              </a:rPr>
-              <a:t>and load data to and from </a:t>
-            </a:r>
-            <a:r>
-              <a:rPr lang="en-GB" sz="1800" dirty="0" smtClean="0"/>
-              <a:t>persistent </a:t>
-            </a:r>
-            <a:r>
-              <a:rPr lang="en-GB" sz="1800" dirty="0"/>
-              <a:t>cache store </a:t>
-            </a:r>
-            <a:r>
-              <a:rPr lang="en-GB" sz="1800" dirty="0" smtClean="0"/>
-              <a:t>in cache</a:t>
-            </a:r>
-          </a:p>
-          <a:p>
-            <a:pPr marL="195263" lvl="1" indent="-195263">
-              <a:buClr>
-                <a:srgbClr val="009FDA"/>
-              </a:buClr>
-              <a:buSzPct val="130000"/>
-              <a:buFont typeface="Arial" charset="0"/>
-              <a:buChar char="•"/>
-            </a:pPr>
-            <a:r>
-              <a:rPr lang="en-GB" sz="1800" dirty="0" smtClean="0"/>
-              <a:t>Available cache loaders/stores:</a:t>
-            </a:r>
-            <a:endParaRPr lang="en-GB" sz="1000" dirty="0" smtClean="0"/>
-          </a:p>
-          <a:p>
-            <a:pPr lvl="1"/>
-            <a:r>
-              <a:rPr lang="en-GB" sz="1600" dirty="0" err="1"/>
-              <a:t>Filesystem</a:t>
-            </a:r>
-            <a:r>
-              <a:rPr lang="en-GB" sz="1600" dirty="0"/>
-              <a:t>-based Cache Loaders</a:t>
-            </a:r>
-          </a:p>
-          <a:p>
-            <a:pPr lvl="2"/>
-            <a:r>
-              <a:rPr lang="en-GB" sz="1400" dirty="0" err="1" smtClean="0"/>
-              <a:t>SingleFileStore</a:t>
-            </a:r>
-            <a:endParaRPr lang="en-GB" sz="1400" dirty="0"/>
-          </a:p>
-          <a:p>
-            <a:pPr lvl="1"/>
-            <a:r>
-              <a:rPr lang="en-GB" sz="1600" dirty="0"/>
-              <a:t>JDBC-based Cache Loaders</a:t>
-            </a:r>
-          </a:p>
-          <a:p>
-            <a:pPr lvl="2"/>
-            <a:r>
-              <a:rPr lang="en-GB" sz="1400" dirty="0" err="1" smtClean="0"/>
-              <a:t>JdbcBinaryCacheStore</a:t>
-            </a:r>
-            <a:endParaRPr lang="en-GB" sz="1400" dirty="0" smtClean="0"/>
-          </a:p>
-          <a:p>
-            <a:pPr lvl="2"/>
-            <a:r>
-              <a:rPr lang="en-GB" sz="1400" dirty="0" err="1" smtClean="0"/>
-              <a:t>JdbcStringBasedCacheStore</a:t>
-            </a:r>
-            <a:endParaRPr lang="en-GB" sz="1400" dirty="0" smtClean="0"/>
-          </a:p>
-          <a:p>
-            <a:pPr lvl="2"/>
-            <a:r>
-              <a:rPr lang="en-GB" sz="1400" dirty="0" err="1" smtClean="0"/>
-              <a:t>JdbcMixedCacheStore</a:t>
-            </a:r>
-            <a:endParaRPr lang="en-GB" sz="1400" dirty="0"/>
-          </a:p>
-          <a:p>
-            <a:pPr lvl="1"/>
-            <a:r>
-              <a:rPr lang="en-GB" sz="1600" dirty="0"/>
-              <a:t>Others</a:t>
-            </a:r>
-          </a:p>
-          <a:p>
-            <a:pPr marL="1046163" lvl="2" indent="0">
-              <a:buNone/>
-            </a:pPr>
-            <a:endParaRPr lang="en-GB" sz="1400" dirty="0"/>
-          </a:p>
-          <a:p>
-            <a:pPr lvl="1"/>
-            <a:endParaRPr lang="en-GB" dirty="0"/>
-          </a:p>
-        </p:txBody>
-      </p:sp>
-      <p:sp>
-        <p:nvSpPr>
-          <p:cNvPr id="2" name="Title 1"/>
-          <p:cNvSpPr>
-            <a:spLocks noGrp="1"/>
-          </p:cNvSpPr>
-          <p:nvPr>
-            <p:ph type="title"/>
-          </p:nvPr>
-        </p:nvSpPr>
-        <p:spPr/>
-        <p:txBody>
-          <a:bodyPr/>
-          <a:lstStyle/>
-          <a:p>
-            <a:r>
-              <a:rPr lang="en-GB" dirty="0"/>
-              <a:t>Persistence</a:t>
-            </a:r>
-          </a:p>
-        </p:txBody>
-      </p:sp>
-      <p:sp>
-        <p:nvSpPr>
-          <p:cNvPr id="8" name="Text Placeholder 7"/>
-          <p:cNvSpPr>
-            <a:spLocks noGrp="1"/>
-          </p:cNvSpPr>
-          <p:nvPr>
-            <p:ph type="body" sz="quarter" idx="13"/>
-          </p:nvPr>
-        </p:nvSpPr>
-        <p:spPr/>
-        <p:txBody>
-          <a:bodyPr/>
-          <a:lstStyle/>
-          <a:p>
-            <a:endParaRPr lang="en-GB"/>
-          </a:p>
-        </p:txBody>
-      </p:sp>
-      <p:sp>
-        <p:nvSpPr>
-          <p:cNvPr id="5" name="Date Placeholder 4"/>
-          <p:cNvSpPr>
-            <a:spLocks noGrp="1"/>
-          </p:cNvSpPr>
-          <p:nvPr>
             <p:ph type="dt" sz="half" idx="10"/>
-          </p:nvPr>
-        </p:nvSpPr>
-        <p:spPr/>
-        <p:txBody>
-          <a:bodyPr/>
-          <a:lstStyle/>
-          <a:p>
-            <a:pPr>
-              <a:defRPr/>
-            </a:pPr>
-            <a:fld id="{D95CFEC9-DCDE-483F-9C62-EBF9D31C73AA}" type="datetime3">
-              <a:rPr lang="en-US" smtClean="0"/>
-              <a:pPr>
-                <a:defRPr/>
-              </a:pPr>
-              <a:t>27 July 2015</a:t>
-            </a:fld>
-            <a:endParaRPr lang="en-US" dirty="0"/>
-          </a:p>
-        </p:txBody>
-      </p:sp>
-      <p:sp>
-        <p:nvSpPr>
-          <p:cNvPr id="6" name="Slide Number Placeholder 5"/>
-          <p:cNvSpPr>
-            <a:spLocks noGrp="1"/>
-          </p:cNvSpPr>
-          <p:nvPr>
-            <p:ph type="sldNum" sz="quarter" idx="12"/>
-          </p:nvPr>
-        </p:nvSpPr>
-        <p:spPr/>
-        <p:txBody>
-          <a:bodyPr/>
-          <a:lstStyle/>
-          <a:p>
-            <a:pPr>
-              <a:defRPr/>
-            </a:pPr>
-            <a:fld id="{90600ADF-17AC-4085-9C50-2A0435A05455}" type="slidenum">
-              <a:rPr lang="en-US" smtClean="0"/>
-              <a:pPr>
-                <a:defRPr/>
-              </a:pPr>
-              <a:t>14</a:t>
-            </a:fld>
-            <a:endParaRPr lang="en-US" dirty="0"/>
-          </a:p>
-        </p:txBody>
-      </p:sp>
-      <p:pic>
-        <p:nvPicPr>
-          <p:cNvPr id="1026" name="Picture 2"/>
-          <p:cNvPicPr>
-            <a:picLocks noGrp="1" noChangeAspect="1" noChangeArrowheads="1"/>
-          </p:cNvPicPr>
-          <p:nvPr>
-            <p:ph sz="half" idx="2"/>
-          </p:nvPr>
-        </p:nvPicPr>
-        <p:blipFill>
-          <a:blip r:embed="rId2">
-            <a:extLst>
-              <a:ext uri="{28A0092B-C50C-407E-A947-70E740481C1C}">
-                <a14:useLocalDpi xmlns:a14="http://schemas.microsoft.com/office/drawing/2010/main" val="0"/>
-              </a:ext>
-            </a:extLst>
-          </a:blip>
-          <a:srcRect/>
-          <a:stretch>
-            <a:fillRect/>
-          </a:stretch>
-        </p:blipFill>
-        <p:spPr bwMode="auto">
-          <a:xfrm>
-            <a:off x="5443398" y="1947638"/>
-            <a:ext cx="2475191" cy="3731075"/>
-          </a:xfrm>
-          <a:prstGeom prst="rect">
-            <a:avLst/>
-          </a:prstGeom>
-          <a:noFill/>
-          <a:ln>
-            <a:noFill/>
-          </a:ln>
-          <a:effectLst/>
-          <a:extLst>
-            <a:ext uri="{909E8E84-426E-40DD-AFC4-6F175D3DCCD1}">
-              <a14:hiddenFill xmlns:a14="http://schemas.microsoft.com/office/drawing/2010/main">
-                <a:solidFill>
-                  <a:schemeClr val="accent1"/>
-                </a:solidFill>
-              </a14:hiddenFill>
-            </a:ext>
-            <a:ext uri="{91240B29-F687-4F45-9708-019B960494DF}">
-              <a14:hiddenLine xmlns:a14="http://schemas.microsoft.com/office/drawing/2010/main" w="9525">
-                <a:solidFill>
-                  <a:schemeClr val="tx1"/>
-                </a:solidFill>
-                <a:miter lim="800000"/>
-                <a:headEnd/>
-                <a:tailEnd/>
-              </a14:hiddenLine>
-            </a:ext>
-            <a:ext uri="{AF507438-7753-43E0-B8FC-AC1667EBCBE1}">
-              <a14:hiddenEffects xmlns:a14="http://schemas.microsoft.com/office/drawing/2010/main">
-                <a:effectLst>
-                  <a:outerShdw dist="35921" dir="2700000" algn="ctr" rotWithShape="0">
-                    <a:schemeClr val="bg2"/>
-                  </a:outerShdw>
-                </a:effectLst>
-              </a14:hiddenEffects>
-            </a:ext>
-          </a:extLst>
-        </p:spPr>
-      </p:pic>
-    </p:spTree>
-    <p:extLst>
-      <p:ext uri="{BB962C8B-B14F-4D97-AF65-F5344CB8AC3E}">
-        <p14:creationId xmlns:p14="http://schemas.microsoft.com/office/powerpoint/2010/main" val="479859234"/>
-      </p:ext>
-    </p:extLst>
-  </p:cSld>
-  <p:clrMapOvr>
-    <a:masterClrMapping/>
-  </p:clrMapOvr>
-  <p:timing>
-    <p:tnLst>
-      <p:par>
-        <p:cTn id="1" dur="indefinite" restart="never" nodeType="tmRoot"/>
-      </p:par>
-    </p:tnLst>
-  </p:timing>
-</p:sld>
-</file>
-
-<file path=ppt/slides/slide16.xml><?xml version="1.0" encoding="utf-8"?>
-<p:sld xmlns:a="http://schemas.openxmlformats.org/drawingml/2006/main" xmlns:r="http://schemas.openxmlformats.org/officeDocument/2006/relationships" xmlns:p="http://schemas.openxmlformats.org/presentationml/2006/main">
-  <p:cSld>
-    <p:spTree>
-      <p:nvGrpSpPr>
-        <p:cNvPr id="1" name=""/>
-        <p:cNvGrpSpPr/>
-        <p:nvPr/>
-      </p:nvGrpSpPr>
-      <p:grpSpPr>
-        <a:xfrm>
-          <a:off x="0" y="0"/>
-          <a:ext cx="0" cy="0"/>
-          <a:chOff x="0" y="0"/>
-          <a:chExt cx="0" cy="0"/>
-        </a:xfrm>
-      </p:grpSpPr>
-      <p:sp>
-        <p:nvSpPr>
-          <p:cNvPr id="8" name="Title 7"/>
-          <p:cNvSpPr>
-            <a:spLocks noGrp="1"/>
-          </p:cNvSpPr>
-          <p:nvPr>
-            <p:ph type="title"/>
-          </p:nvPr>
-        </p:nvSpPr>
-        <p:spPr/>
-        <p:txBody>
-          <a:bodyPr/>
-          <a:lstStyle/>
-          <a:p>
-            <a:r>
-              <a:rPr lang="en-GB" dirty="0" smtClean="0"/>
-              <a:t>Listener API</a:t>
-            </a:r>
-            <a:endParaRPr lang="en-GB" dirty="0"/>
-          </a:p>
-        </p:txBody>
-      </p:sp>
-      <p:sp>
-        <p:nvSpPr>
-          <p:cNvPr id="9" name="Content Placeholder 8"/>
-          <p:cNvSpPr>
-            <a:spLocks noGrp="1"/>
-          </p:cNvSpPr>
-          <p:nvPr>
-            <p:ph idx="1"/>
-          </p:nvPr>
-        </p:nvSpPr>
-        <p:spPr/>
-        <p:txBody>
-          <a:bodyPr/>
-          <a:lstStyle/>
-          <a:p>
-            <a:r>
-              <a:rPr lang="en-GB" dirty="0" smtClean="0"/>
-              <a:t>Application can get notification about some events that occur inside the grid.</a:t>
-            </a:r>
-          </a:p>
-          <a:p>
-            <a:r>
-              <a:rPr lang="en-GB" dirty="0" smtClean="0"/>
-              <a:t>API is annotation driven</a:t>
-            </a:r>
-          </a:p>
-          <a:p>
-            <a:r>
-              <a:rPr lang="en-GB" dirty="0" smtClean="0"/>
-              <a:t>Cache Level Events</a:t>
-            </a:r>
-          </a:p>
-          <a:p>
-            <a:pPr lvl="1"/>
-            <a:r>
-              <a:rPr lang="en-GB" dirty="0" err="1" smtClean="0"/>
-              <a:t>CacheEntryAddedEvent</a:t>
-            </a:r>
-            <a:r>
-              <a:rPr lang="en-GB" dirty="0" smtClean="0"/>
-              <a:t>/Modified/Removed</a:t>
-            </a:r>
-          </a:p>
-          <a:p>
-            <a:pPr lvl="1"/>
-            <a:r>
-              <a:rPr lang="en-GB" dirty="0" err="1" smtClean="0"/>
-              <a:t>CacheEntryInvalidatedEvent</a:t>
-            </a:r>
-            <a:r>
-              <a:rPr lang="en-GB" dirty="0" smtClean="0"/>
-              <a:t>/Evicted</a:t>
-            </a:r>
-          </a:p>
-          <a:p>
-            <a:pPr lvl="1"/>
-            <a:r>
-              <a:rPr lang="en-GB" dirty="0" err="1" smtClean="0"/>
-              <a:t>CacheEntryActivatedEvent</a:t>
-            </a:r>
-            <a:r>
-              <a:rPr lang="en-GB" dirty="0" smtClean="0"/>
-              <a:t>/Passivated etc.</a:t>
-            </a:r>
-          </a:p>
-          <a:p>
-            <a:r>
-              <a:rPr lang="en-GB" dirty="0" smtClean="0"/>
-              <a:t>Cache Manager Level Events</a:t>
-            </a:r>
-          </a:p>
-          <a:p>
-            <a:pPr lvl="1"/>
-            <a:r>
-              <a:rPr lang="en-GB" dirty="0" err="1" smtClean="0"/>
-              <a:t>CacheStartedEvent</a:t>
-            </a:r>
-            <a:r>
-              <a:rPr lang="en-GB" dirty="0" smtClean="0"/>
-              <a:t>/Stopped</a:t>
-            </a:r>
-          </a:p>
-          <a:p>
-            <a:pPr lvl="1"/>
-            <a:r>
-              <a:rPr lang="en-GB" dirty="0" err="1" smtClean="0"/>
-              <a:t>ViewChanged</a:t>
-            </a:r>
-            <a:endParaRPr lang="en-GB" dirty="0" smtClean="0"/>
-          </a:p>
-          <a:p>
-            <a:pPr lvl="1"/>
-            <a:r>
-              <a:rPr lang="en-GB" dirty="0" smtClean="0"/>
-              <a:t>Merged</a:t>
-            </a:r>
-            <a:endParaRPr lang="en-GB" dirty="0"/>
-          </a:p>
-          <a:p>
-            <a:r>
-              <a:rPr lang="en-GB" dirty="0" smtClean="0"/>
-              <a:t>Cluster Listener (@Listener(clustered=yes))</a:t>
-            </a:r>
-          </a:p>
-        </p:txBody>
-      </p:sp>
-      <p:sp>
-        <p:nvSpPr>
-          <p:cNvPr id="10" name="Text Placeholder 9"/>
-          <p:cNvSpPr>
-            <a:spLocks noGrp="1"/>
-          </p:cNvSpPr>
-          <p:nvPr>
-            <p:ph type="body" sz="quarter" idx="13"/>
-          </p:nvPr>
-        </p:nvSpPr>
-        <p:spPr/>
-        <p:txBody>
-          <a:bodyPr/>
-          <a:lstStyle/>
-          <a:p>
-            <a:endParaRPr lang="en-GB"/>
-          </a:p>
-        </p:txBody>
-      </p:sp>
-      <p:sp>
-        <p:nvSpPr>
-          <p:cNvPr id="6" name="Date Placeholder 5"/>
-          <p:cNvSpPr>
-            <a:spLocks noGrp="1"/>
-          </p:cNvSpPr>
-          <p:nvPr>
-            <p:ph type="dt" sz="half" idx="14"/>
           </p:nvPr>
         </p:nvSpPr>
         <p:spPr/>
@@ -7407,7 +10750,7 @@
               <a:pPr>
                 <a:defRPr/>
               </a:pPr>
-              <a:t>27 July 2015</a:t>
+              <a:t>9 August 2015</a:t>
             </a:fld>
             <a:endParaRPr lang="en-US" dirty="0"/>
           </a:p>
@@ -7420,7 +10763,7 @@
             <a:spLocks noGrp="1"/>
           </p:cNvSpPr>
           <p:nvPr>
-            <p:ph type="sldNum" sz="quarter" idx="15"/>
+            <p:ph type="sldNum" sz="quarter" idx="12"/>
           </p:nvPr>
         </p:nvSpPr>
         <p:spPr/>
@@ -7436,1297 +10779,7 @@
               <a:pPr>
                 <a:defRPr/>
               </a:pPr>
-              <a:t>15</a:t>
-            </a:fld>
-            <a:endParaRPr lang="en-US"/>
-          </a:p>
-        </p:txBody>
-      </p:sp>
-    </p:spTree>
-    <p:extLst>
-      <p:ext uri="{BB962C8B-B14F-4D97-AF65-F5344CB8AC3E}">
-        <p14:creationId xmlns:p14="http://schemas.microsoft.com/office/powerpoint/2010/main" val="2740023244"/>
-      </p:ext>
-    </p:extLst>
-  </p:cSld>
-  <p:clrMapOvr>
-    <a:masterClrMapping/>
-  </p:clrMapOvr>
-  <p:timing>
-    <p:tnLst>
-      <p:par>
-        <p:cTn id="1" dur="indefinite" restart="never" nodeType="tmRoot"/>
-      </p:par>
-    </p:tnLst>
-  </p:timing>
-</p:sld>
-</file>
-
-<file path=ppt/slides/slide2.xml><?xml version="1.0" encoding="utf-8"?>
-<p:sld xmlns:a="http://schemas.openxmlformats.org/drawingml/2006/main" xmlns:r="http://schemas.openxmlformats.org/officeDocument/2006/relationships" xmlns:p="http://schemas.openxmlformats.org/presentationml/2006/main">
-  <p:cSld>
-    <p:spTree>
-      <p:nvGrpSpPr>
-        <p:cNvPr id="1" name=""/>
-        <p:cNvGrpSpPr/>
-        <p:nvPr/>
-      </p:nvGrpSpPr>
-      <p:grpSpPr>
-        <a:xfrm>
-          <a:off x="0" y="0"/>
-          <a:ext cx="0" cy="0"/>
-          <a:chOff x="0" y="0"/>
-          <a:chExt cx="0" cy="0"/>
-        </a:xfrm>
-      </p:grpSpPr>
-      <p:sp>
-        <p:nvSpPr>
-          <p:cNvPr id="2" name="Title 1"/>
-          <p:cNvSpPr>
-            <a:spLocks noGrp="1"/>
-          </p:cNvSpPr>
-          <p:nvPr>
-            <p:ph type="title"/>
-          </p:nvPr>
-        </p:nvSpPr>
-        <p:spPr/>
-        <p:txBody>
-          <a:bodyPr/>
-          <a:lstStyle/>
-          <a:p>
-            <a:r>
-              <a:rPr lang="en-GB" dirty="0" smtClean="0"/>
-              <a:t>Agenda</a:t>
-            </a:r>
-            <a:endParaRPr lang="en-GB" dirty="0"/>
-          </a:p>
-        </p:txBody>
-      </p:sp>
-      <p:sp>
-        <p:nvSpPr>
-          <p:cNvPr id="3" name="Content Placeholder 2"/>
-          <p:cNvSpPr>
-            <a:spLocks noGrp="1"/>
-          </p:cNvSpPr>
-          <p:nvPr>
-            <p:ph idx="1"/>
-          </p:nvPr>
-        </p:nvSpPr>
-        <p:spPr/>
-        <p:txBody>
-          <a:bodyPr/>
-          <a:lstStyle/>
-          <a:p>
-            <a:r>
-              <a:rPr lang="en-GB" dirty="0" smtClean="0"/>
-              <a:t>What is </a:t>
-            </a:r>
-            <a:r>
-              <a:rPr lang="en-GB" dirty="0" err="1" smtClean="0"/>
-              <a:t>Infinispan</a:t>
-            </a:r>
-            <a:r>
-              <a:rPr lang="en-GB" dirty="0" smtClean="0"/>
-              <a:t>?</a:t>
-            </a:r>
-          </a:p>
-          <a:p>
-            <a:r>
-              <a:rPr lang="en-GB" dirty="0"/>
-              <a:t>Interacting with </a:t>
-            </a:r>
-            <a:r>
-              <a:rPr lang="en-GB" dirty="0" err="1" smtClean="0"/>
-              <a:t>Infinispan</a:t>
-            </a:r>
-            <a:endParaRPr lang="en-GB" dirty="0" smtClean="0"/>
-          </a:p>
-          <a:p>
-            <a:r>
-              <a:rPr lang="en-GB" dirty="0" smtClean="0"/>
-              <a:t>Modes</a:t>
-            </a:r>
-          </a:p>
-          <a:p>
-            <a:r>
-              <a:rPr lang="en-GB" dirty="0" smtClean="0"/>
-              <a:t>Eviction/Expiration</a:t>
-            </a:r>
-          </a:p>
-          <a:p>
-            <a:r>
-              <a:rPr lang="en-GB" dirty="0" err="1" smtClean="0"/>
-              <a:t>Transcations</a:t>
-            </a:r>
-            <a:endParaRPr lang="en-GB" dirty="0" smtClean="0"/>
-          </a:p>
-          <a:p>
-            <a:r>
-              <a:rPr lang="en-GB" dirty="0" smtClean="0"/>
-              <a:t>Persistency</a:t>
-            </a:r>
-          </a:p>
-          <a:p>
-            <a:endParaRPr lang="en-GB" dirty="0"/>
-          </a:p>
-        </p:txBody>
-      </p:sp>
-      <p:sp>
-        <p:nvSpPr>
-          <p:cNvPr id="4" name="Text Placeholder 3"/>
-          <p:cNvSpPr>
-            <a:spLocks noGrp="1"/>
-          </p:cNvSpPr>
-          <p:nvPr>
-            <p:ph type="body" sz="quarter" idx="13"/>
-          </p:nvPr>
-        </p:nvSpPr>
-        <p:spPr/>
-        <p:txBody>
-          <a:bodyPr/>
-          <a:lstStyle/>
-          <a:p>
-            <a:endParaRPr lang="en-GB"/>
-          </a:p>
-        </p:txBody>
-      </p:sp>
-      <p:sp>
-        <p:nvSpPr>
-          <p:cNvPr id="5" name="Date Placeholder 4"/>
-          <p:cNvSpPr>
-            <a:spLocks noGrp="1"/>
-          </p:cNvSpPr>
-          <p:nvPr>
-            <p:ph type="dt" sz="half" idx="14"/>
-          </p:nvPr>
-        </p:nvSpPr>
-        <p:spPr/>
-        <p:txBody>
-          <a:bodyPr/>
-          <a:lstStyle/>
-          <a:p>
-            <a:pPr>
-              <a:defRPr/>
-            </a:pPr>
-            <a:fld id="{D95CFEC9-DCDE-483F-9C62-EBF9D31C73AA}" type="datetime3">
-              <a:rPr lang="en-US" smtClean="0"/>
-              <a:pPr>
-                <a:defRPr/>
-              </a:pPr>
-              <a:t>27 July 2015</a:t>
-            </a:fld>
-            <a:endParaRPr lang="en-US" dirty="0"/>
-          </a:p>
-        </p:txBody>
-      </p:sp>
-      <p:sp>
-        <p:nvSpPr>
-          <p:cNvPr id="6" name="Slide Number Placeholder 5"/>
-          <p:cNvSpPr>
-            <a:spLocks noGrp="1"/>
-          </p:cNvSpPr>
-          <p:nvPr>
-            <p:ph type="sldNum" sz="quarter" idx="15"/>
-          </p:nvPr>
-        </p:nvSpPr>
-        <p:spPr/>
-        <p:txBody>
-          <a:bodyPr/>
-          <a:lstStyle/>
-          <a:p>
-            <a:pPr>
-              <a:defRPr/>
-            </a:pPr>
-            <a:fld id="{90600ADF-17AC-4085-9C50-2A0435A05455}" type="slidenum">
-              <a:rPr lang="en-US" smtClean="0"/>
-              <a:pPr>
-                <a:defRPr/>
-              </a:pPr>
-              <a:t>1</a:t>
-            </a:fld>
-            <a:endParaRPr lang="en-US" dirty="0"/>
-          </a:p>
-        </p:txBody>
-      </p:sp>
-    </p:spTree>
-  </p:cSld>
-  <p:clrMapOvr>
-    <a:masterClrMapping/>
-  </p:clrMapOvr>
-  <p:timing>
-    <p:tnLst>
-      <p:par>
-        <p:cTn id="1" dur="indefinite" restart="never" nodeType="tmRoot"/>
-      </p:par>
-    </p:tnLst>
-  </p:timing>
-</p:sld>
-</file>
-
-<file path=ppt/slides/slide3.xml><?xml version="1.0" encoding="utf-8"?>
-<p:sld xmlns:a="http://schemas.openxmlformats.org/drawingml/2006/main" xmlns:r="http://schemas.openxmlformats.org/officeDocument/2006/relationships" xmlns:p="http://schemas.openxmlformats.org/presentationml/2006/main">
-  <p:cSld>
-    <p:spTree>
-      <p:nvGrpSpPr>
-        <p:cNvPr id="1" name=""/>
-        <p:cNvGrpSpPr/>
-        <p:nvPr/>
-      </p:nvGrpSpPr>
-      <p:grpSpPr>
-        <a:xfrm>
-          <a:off x="0" y="0"/>
-          <a:ext cx="0" cy="0"/>
-          <a:chOff x="0" y="0"/>
-          <a:chExt cx="0" cy="0"/>
-        </a:xfrm>
-      </p:grpSpPr>
-      <p:sp>
-        <p:nvSpPr>
-          <p:cNvPr id="2" name="Title 1"/>
-          <p:cNvSpPr>
-            <a:spLocks noGrp="1"/>
-          </p:cNvSpPr>
-          <p:nvPr>
-            <p:ph type="title"/>
-          </p:nvPr>
-        </p:nvSpPr>
-        <p:spPr/>
-        <p:txBody>
-          <a:bodyPr/>
-          <a:lstStyle/>
-          <a:p>
-            <a:r>
-              <a:rPr lang="en-GB" dirty="0"/>
-              <a:t>What is </a:t>
-            </a:r>
-            <a:r>
-              <a:rPr lang="en-GB" dirty="0" err="1"/>
-              <a:t>Infinispan</a:t>
-            </a:r>
-            <a:r>
-              <a:rPr lang="en-GB" dirty="0"/>
-              <a:t>?</a:t>
-            </a:r>
-            <a:br>
-              <a:rPr lang="en-GB" dirty="0"/>
-            </a:br>
-            <a:endParaRPr lang="en-GB" dirty="0"/>
-          </a:p>
-        </p:txBody>
-      </p:sp>
-      <p:sp>
-        <p:nvSpPr>
-          <p:cNvPr id="3" name="Content Placeholder 2"/>
-          <p:cNvSpPr>
-            <a:spLocks noGrp="1"/>
-          </p:cNvSpPr>
-          <p:nvPr>
-            <p:ph idx="1"/>
-          </p:nvPr>
-        </p:nvSpPr>
-        <p:spPr/>
-        <p:txBody>
-          <a:bodyPr/>
-          <a:lstStyle/>
-          <a:p>
-            <a:r>
-              <a:rPr lang="en-GB" dirty="0" smtClean="0"/>
-              <a:t>Data Grid Platform</a:t>
-            </a:r>
-          </a:p>
-          <a:p>
-            <a:pPr lvl="1"/>
-            <a:r>
-              <a:rPr lang="en-GB" dirty="0" smtClean="0"/>
-              <a:t>Distributed</a:t>
-            </a:r>
-          </a:p>
-          <a:p>
-            <a:pPr lvl="1"/>
-            <a:r>
-              <a:rPr lang="en-GB" dirty="0" smtClean="0"/>
-              <a:t>In-memory</a:t>
-            </a:r>
-          </a:p>
-          <a:p>
-            <a:pPr lvl="1"/>
-            <a:r>
-              <a:rPr lang="en-GB" dirty="0" smtClean="0"/>
-              <a:t>key/value store</a:t>
-            </a:r>
-          </a:p>
-          <a:p>
-            <a:pPr lvl="1"/>
-            <a:r>
-              <a:rPr lang="en-GB" dirty="0"/>
-              <a:t>Extremely </a:t>
-            </a:r>
-            <a:r>
-              <a:rPr lang="en-GB" dirty="0" smtClean="0"/>
-              <a:t>scalable</a:t>
-            </a:r>
-          </a:p>
-          <a:p>
-            <a:pPr lvl="1"/>
-            <a:r>
-              <a:rPr lang="en-GB" dirty="0" smtClean="0"/>
-              <a:t>Highly available</a:t>
-            </a:r>
-          </a:p>
-          <a:p>
-            <a:pPr lvl="1"/>
-            <a:r>
-              <a:rPr lang="en-GB" dirty="0"/>
-              <a:t>Open </a:t>
-            </a:r>
-            <a:r>
-              <a:rPr lang="en-GB" dirty="0" smtClean="0"/>
-              <a:t>Source</a:t>
-            </a:r>
-            <a:endParaRPr lang="en-GB" dirty="0"/>
-          </a:p>
-          <a:p>
-            <a:pPr marL="0" indent="0">
-              <a:buNone/>
-            </a:pPr>
-            <a:endParaRPr lang="en-GB" baseline="30000" dirty="0" smtClean="0"/>
-          </a:p>
-        </p:txBody>
-      </p:sp>
-      <p:sp>
-        <p:nvSpPr>
-          <p:cNvPr id="4" name="Text Placeholder 3"/>
-          <p:cNvSpPr>
-            <a:spLocks noGrp="1"/>
-          </p:cNvSpPr>
-          <p:nvPr>
-            <p:ph type="body" sz="quarter" idx="13"/>
-          </p:nvPr>
-        </p:nvSpPr>
-        <p:spPr/>
-        <p:txBody>
-          <a:bodyPr/>
-          <a:lstStyle/>
-          <a:p>
-            <a:endParaRPr lang="en-GB"/>
-          </a:p>
-        </p:txBody>
-      </p:sp>
-      <p:sp>
-        <p:nvSpPr>
-          <p:cNvPr id="5" name="Date Placeholder 4"/>
-          <p:cNvSpPr>
-            <a:spLocks noGrp="1"/>
-          </p:cNvSpPr>
-          <p:nvPr>
-            <p:ph type="dt" sz="half" idx="14"/>
-          </p:nvPr>
-        </p:nvSpPr>
-        <p:spPr/>
-        <p:txBody>
-          <a:bodyPr/>
-          <a:lstStyle/>
-          <a:p>
-            <a:pPr>
-              <a:defRPr/>
-            </a:pPr>
-            <a:fld id="{D95CFEC9-DCDE-483F-9C62-EBF9D31C73AA}" type="datetime3">
-              <a:rPr lang="en-US" smtClean="0"/>
-              <a:pPr>
-                <a:defRPr/>
-              </a:pPr>
-              <a:t>27 July 2015</a:t>
-            </a:fld>
-            <a:endParaRPr lang="en-US" dirty="0"/>
-          </a:p>
-        </p:txBody>
-      </p:sp>
-      <p:sp>
-        <p:nvSpPr>
-          <p:cNvPr id="6" name="Slide Number Placeholder 5"/>
-          <p:cNvSpPr>
-            <a:spLocks noGrp="1"/>
-          </p:cNvSpPr>
-          <p:nvPr>
-            <p:ph type="sldNum" sz="quarter" idx="15"/>
-          </p:nvPr>
-        </p:nvSpPr>
-        <p:spPr/>
-        <p:txBody>
-          <a:bodyPr/>
-          <a:lstStyle/>
-          <a:p>
-            <a:pPr>
-              <a:defRPr/>
-            </a:pPr>
-            <a:fld id="{90600ADF-17AC-4085-9C50-2A0435A05455}" type="slidenum">
-              <a:rPr lang="en-US" smtClean="0"/>
-              <a:pPr>
-                <a:defRPr/>
-              </a:pPr>
-              <a:t>2</a:t>
-            </a:fld>
-            <a:endParaRPr lang="en-US" dirty="0"/>
-          </a:p>
-        </p:txBody>
-      </p:sp>
-    </p:spTree>
-    <p:extLst>
-      <p:ext uri="{BB962C8B-B14F-4D97-AF65-F5344CB8AC3E}">
-        <p14:creationId xmlns:p14="http://schemas.microsoft.com/office/powerpoint/2010/main" val="2450996531"/>
-      </p:ext>
-    </p:extLst>
-  </p:cSld>
-  <p:clrMapOvr>
-    <a:masterClrMapping/>
-  </p:clrMapOvr>
-  <p:timing>
-    <p:tnLst>
-      <p:par>
-        <p:cTn id="1" dur="indefinite" restart="never" nodeType="tmRoot"/>
-      </p:par>
-    </p:tnLst>
-  </p:timing>
-</p:sld>
-</file>
-
-<file path=ppt/slides/slide4.xml><?xml version="1.0" encoding="utf-8"?>
-<p:sld xmlns:a="http://schemas.openxmlformats.org/drawingml/2006/main" xmlns:r="http://schemas.openxmlformats.org/officeDocument/2006/relationships" xmlns:p="http://schemas.openxmlformats.org/presentationml/2006/main">
-  <p:cSld>
-    <p:spTree>
-      <p:nvGrpSpPr>
-        <p:cNvPr id="1" name=""/>
-        <p:cNvGrpSpPr/>
-        <p:nvPr/>
-      </p:nvGrpSpPr>
-      <p:grpSpPr>
-        <a:xfrm>
-          <a:off x="0" y="0"/>
-          <a:ext cx="0" cy="0"/>
-          <a:chOff x="0" y="0"/>
-          <a:chExt cx="0" cy="0"/>
-        </a:xfrm>
-      </p:grpSpPr>
-      <p:sp>
-        <p:nvSpPr>
-          <p:cNvPr id="3" name="Content Placeholder 2"/>
-          <p:cNvSpPr>
-            <a:spLocks noGrp="1"/>
-          </p:cNvSpPr>
-          <p:nvPr>
-            <p:ph sz="half" idx="1"/>
-          </p:nvPr>
-        </p:nvSpPr>
-        <p:spPr/>
-        <p:txBody>
-          <a:bodyPr/>
-          <a:lstStyle/>
-          <a:p>
-            <a:r>
-              <a:rPr lang="en-GB" sz="1800" dirty="0"/>
-              <a:t>Into your application </a:t>
-            </a:r>
-            <a:r>
-              <a:rPr lang="en-GB" sz="1800" dirty="0" smtClean="0"/>
-              <a:t>code</a:t>
-            </a:r>
-          </a:p>
-          <a:p>
-            <a:pPr marL="0" indent="0">
-              <a:buNone/>
-            </a:pPr>
-            <a:endParaRPr lang="en-GB" sz="1800" dirty="0" smtClean="0"/>
-          </a:p>
-          <a:p>
-            <a:r>
-              <a:rPr lang="en-GB" sz="1800" dirty="0" smtClean="0"/>
-              <a:t>exist </a:t>
-            </a:r>
-            <a:r>
-              <a:rPr lang="en-GB" sz="1800" dirty="0"/>
-              <a:t>in same JVM as application </a:t>
-            </a:r>
-            <a:r>
-              <a:rPr lang="en-GB" sz="1800" dirty="0" smtClean="0"/>
-              <a:t>code.</a:t>
-            </a:r>
-          </a:p>
-          <a:p>
-            <a:r>
-              <a:rPr lang="en-GB" sz="1800" dirty="0" smtClean="0"/>
-              <a:t>Data grid </a:t>
-            </a:r>
-            <a:r>
-              <a:rPr lang="en-GB" sz="1800" dirty="0"/>
-              <a:t>easily </a:t>
-            </a:r>
-            <a:r>
-              <a:rPr lang="en-GB" sz="1800" dirty="0" smtClean="0"/>
-              <a:t>scalable.</a:t>
-            </a:r>
-          </a:p>
-          <a:p>
-            <a:pPr marL="0" indent="0">
-              <a:buNone/>
-            </a:pPr>
-            <a:endParaRPr lang="en-GB" sz="1800" dirty="0" smtClean="0"/>
-          </a:p>
-          <a:p>
-            <a:r>
-              <a:rPr lang="en-GB" sz="1800" dirty="0" smtClean="0"/>
-              <a:t>Used when, application </a:t>
-            </a:r>
-            <a:r>
-              <a:rPr lang="en-GB" sz="1800" dirty="0"/>
-              <a:t>or a </a:t>
-            </a:r>
-            <a:r>
-              <a:rPr lang="en-GB" sz="1800" dirty="0" smtClean="0"/>
-              <a:t>framework needs </a:t>
-            </a:r>
-            <a:r>
-              <a:rPr lang="en-GB" sz="1800" dirty="0"/>
-              <a:t>to be </a:t>
-            </a:r>
-            <a:r>
-              <a:rPr lang="en-GB" sz="1800" dirty="0" smtClean="0"/>
-              <a:t>cluster-aware</a:t>
-            </a:r>
-          </a:p>
-          <a:p>
-            <a:pPr marL="0" indent="0">
-              <a:buNone/>
-            </a:pPr>
-            <a:endParaRPr lang="en-GB" sz="1800" dirty="0" smtClean="0"/>
-          </a:p>
-          <a:p>
-            <a:r>
-              <a:rPr lang="en-GB" sz="1800" dirty="0" smtClean="0"/>
-              <a:t>Used </a:t>
-            </a:r>
-            <a:r>
-              <a:rPr lang="en-GB" sz="1800" dirty="0"/>
-              <a:t>when, application </a:t>
-            </a:r>
-            <a:r>
-              <a:rPr lang="en-GB" sz="1800" dirty="0" smtClean="0"/>
-              <a:t>needs </a:t>
-            </a:r>
-            <a:r>
-              <a:rPr lang="en-GB" sz="1800" dirty="0"/>
-              <a:t>an in-memory distributed cache to front a database or some other expensive data </a:t>
-            </a:r>
-            <a:r>
-              <a:rPr lang="en-GB" sz="1800" dirty="0" smtClean="0"/>
-              <a:t>source</a:t>
-            </a:r>
-          </a:p>
-          <a:p>
-            <a:pPr marL="0" indent="0">
-              <a:buNone/>
-            </a:pPr>
-            <a:endParaRPr lang="en-GB" sz="1800" dirty="0" smtClean="0"/>
-          </a:p>
-          <a:p>
-            <a:r>
-              <a:rPr lang="en-GB" sz="1800" dirty="0" smtClean="0"/>
-              <a:t>Starting </a:t>
-            </a:r>
-            <a:r>
-              <a:rPr lang="en-GB" sz="1800" dirty="0"/>
-              <a:t>and stopping these instances can be a slow process due to state </a:t>
-            </a:r>
-            <a:r>
-              <a:rPr lang="en-GB" sz="1800" dirty="0" smtClean="0"/>
-              <a:t>transfer</a:t>
-            </a:r>
-          </a:p>
-          <a:p>
-            <a:pPr lvl="2">
-              <a:buClrTx/>
-              <a:buFont typeface="Wingdings" panose="05000000000000000000" pitchFamily="2" charset="2"/>
-              <a:buChar char="§"/>
-            </a:pPr>
-            <a:endParaRPr lang="en-GB" sz="1800" dirty="0"/>
-          </a:p>
-          <a:p>
-            <a:pPr marL="571500" lvl="1" indent="0">
-              <a:buNone/>
-            </a:pPr>
-            <a:endParaRPr lang="en-GB" dirty="0"/>
-          </a:p>
-          <a:p>
-            <a:endParaRPr lang="en-GB" dirty="0"/>
-          </a:p>
-        </p:txBody>
-      </p:sp>
-      <p:pic>
-        <p:nvPicPr>
-          <p:cNvPr id="1026" name="Picture 2"/>
-          <p:cNvPicPr>
-            <a:picLocks noGrp="1" noChangeAspect="1" noChangeArrowheads="1"/>
-          </p:cNvPicPr>
-          <p:nvPr>
-            <p:ph sz="half" idx="2"/>
-          </p:nvPr>
-        </p:nvPicPr>
-        <p:blipFill>
-          <a:blip r:embed="rId2">
-            <a:extLst>
-              <a:ext uri="{28A0092B-C50C-407E-A947-70E740481C1C}">
-                <a14:useLocalDpi xmlns:a14="http://schemas.microsoft.com/office/drawing/2010/main" val="0"/>
-              </a:ext>
-            </a:extLst>
-          </a:blip>
-          <a:stretch>
-            <a:fillRect/>
-          </a:stretch>
-        </p:blipFill>
-        <p:spPr bwMode="auto">
-          <a:xfrm>
-            <a:off x="4764025" y="2660900"/>
-            <a:ext cx="4065588" cy="2229063"/>
-          </a:xfrm>
-          <a:prstGeom prst="rect">
-            <a:avLst/>
-          </a:prstGeom>
-          <a:noFill/>
-          <a:ln>
-            <a:noFill/>
-          </a:ln>
-          <a:extLst>
-            <a:ext uri="{909E8E84-426E-40DD-AFC4-6F175D3DCCD1}">
-              <a14:hiddenFill xmlns:a14="http://schemas.microsoft.com/office/drawing/2010/main">
-                <a:solidFill>
-                  <a:schemeClr val="accent1"/>
-                </a:solidFill>
-              </a14:hiddenFill>
-            </a:ext>
-            <a:ext uri="{91240B29-F687-4F45-9708-019B960494DF}">
-              <a14:hiddenLine xmlns:a14="http://schemas.microsoft.com/office/drawing/2010/main" w="9525">
-                <a:solidFill>
-                  <a:schemeClr val="tx1"/>
-                </a:solidFill>
-                <a:miter lim="800000"/>
-                <a:headEnd/>
-                <a:tailEnd/>
-              </a14:hiddenLine>
-            </a:ext>
-          </a:extLst>
-        </p:spPr>
-      </p:pic>
-      <p:sp>
-        <p:nvSpPr>
-          <p:cNvPr id="2" name="Title 1"/>
-          <p:cNvSpPr>
-            <a:spLocks noGrp="1"/>
-          </p:cNvSpPr>
-          <p:nvPr>
-            <p:ph type="title"/>
-          </p:nvPr>
-        </p:nvSpPr>
-        <p:spPr>
-          <a:prstGeom prst="rect">
-            <a:avLst/>
-          </a:prstGeom>
-        </p:spPr>
-        <p:txBody>
-          <a:bodyPr/>
-          <a:lstStyle/>
-          <a:p>
-            <a:r>
-              <a:rPr lang="en-GB" dirty="0"/>
-              <a:t>Interacting with </a:t>
-            </a:r>
-            <a:r>
-              <a:rPr lang="en-GB" dirty="0" err="1"/>
-              <a:t>Infinispan</a:t>
-            </a:r>
-            <a:r>
-              <a:rPr lang="en-GB" dirty="0"/>
-              <a:t/>
-            </a:r>
-            <a:br>
-              <a:rPr lang="en-GB" dirty="0"/>
-            </a:br>
-            <a:endParaRPr lang="en-GB" dirty="0"/>
-          </a:p>
-        </p:txBody>
-      </p:sp>
-      <p:sp>
-        <p:nvSpPr>
-          <p:cNvPr id="9" name="Text Placeholder 8"/>
-          <p:cNvSpPr>
-            <a:spLocks noGrp="1"/>
-          </p:cNvSpPr>
-          <p:nvPr>
-            <p:ph type="body" sz="quarter" idx="13"/>
-          </p:nvPr>
-        </p:nvSpPr>
-        <p:spPr/>
-        <p:txBody>
-          <a:bodyPr/>
-          <a:lstStyle/>
-          <a:p>
-            <a:r>
-              <a:rPr lang="en-GB" dirty="0"/>
-              <a:t>Embedded (P2P)</a:t>
-            </a:r>
-          </a:p>
-          <a:p>
-            <a:endParaRPr lang="en-GB" dirty="0"/>
-          </a:p>
-        </p:txBody>
-      </p:sp>
-      <p:sp>
-        <p:nvSpPr>
-          <p:cNvPr id="5" name="Date Placeholder 4"/>
-          <p:cNvSpPr>
-            <a:spLocks noGrp="1"/>
-          </p:cNvSpPr>
-          <p:nvPr>
-            <p:ph type="dt" sz="half" idx="10"/>
-          </p:nvPr>
-        </p:nvSpPr>
-        <p:spPr/>
-        <p:txBody>
-          <a:bodyPr/>
-          <a:lstStyle/>
-          <a:p>
-            <a:pPr>
-              <a:defRPr/>
-            </a:pPr>
-            <a:fld id="{D95CFEC9-DCDE-483F-9C62-EBF9D31C73AA}" type="datetime3">
-              <a:rPr lang="en-US" smtClean="0"/>
-              <a:pPr>
-                <a:defRPr/>
-              </a:pPr>
-              <a:t>27 July 2015</a:t>
-            </a:fld>
-            <a:endParaRPr lang="en-US" dirty="0"/>
-          </a:p>
-        </p:txBody>
-      </p:sp>
-      <p:sp>
-        <p:nvSpPr>
-          <p:cNvPr id="6" name="Slide Number Placeholder 5"/>
-          <p:cNvSpPr>
-            <a:spLocks noGrp="1"/>
-          </p:cNvSpPr>
-          <p:nvPr>
-            <p:ph type="sldNum" sz="quarter" idx="12"/>
-          </p:nvPr>
-        </p:nvSpPr>
-        <p:spPr/>
-        <p:txBody>
-          <a:bodyPr/>
-          <a:lstStyle/>
-          <a:p>
-            <a:pPr>
-              <a:defRPr/>
-            </a:pPr>
-            <a:fld id="{90600ADF-17AC-4085-9C50-2A0435A05455}" type="slidenum">
-              <a:rPr lang="en-US" smtClean="0"/>
-              <a:pPr>
-                <a:defRPr/>
-              </a:pPr>
-              <a:t>3</a:t>
-            </a:fld>
-            <a:endParaRPr lang="en-US" dirty="0"/>
-          </a:p>
-        </p:txBody>
-      </p:sp>
-    </p:spTree>
-    <p:extLst>
-      <p:ext uri="{BB962C8B-B14F-4D97-AF65-F5344CB8AC3E}">
-        <p14:creationId xmlns:p14="http://schemas.microsoft.com/office/powerpoint/2010/main" val="12587641"/>
-      </p:ext>
-    </p:extLst>
-  </p:cSld>
-  <p:clrMapOvr>
-    <a:masterClrMapping/>
-  </p:clrMapOvr>
-  <p:timing>
-    <p:tnLst>
-      <p:par>
-        <p:cTn id="1" dur="indefinite" restart="never" nodeType="tmRoot"/>
-      </p:par>
-    </p:tnLst>
-  </p:timing>
-</p:sld>
-</file>
-
-<file path=ppt/slides/slide5.xml><?xml version="1.0" encoding="utf-8"?>
-<p:sld xmlns:a="http://schemas.openxmlformats.org/drawingml/2006/main" xmlns:r="http://schemas.openxmlformats.org/officeDocument/2006/relationships" xmlns:p="http://schemas.openxmlformats.org/presentationml/2006/main">
-  <p:cSld>
-    <p:spTree>
-      <p:nvGrpSpPr>
-        <p:cNvPr id="1" name=""/>
-        <p:cNvGrpSpPr/>
-        <p:nvPr/>
-      </p:nvGrpSpPr>
-      <p:grpSpPr>
-        <a:xfrm>
-          <a:off x="0" y="0"/>
-          <a:ext cx="0" cy="0"/>
-          <a:chOff x="0" y="0"/>
-          <a:chExt cx="0" cy="0"/>
-        </a:xfrm>
-      </p:grpSpPr>
-      <p:sp>
-        <p:nvSpPr>
-          <p:cNvPr id="3" name="Content Placeholder 2"/>
-          <p:cNvSpPr>
-            <a:spLocks noGrp="1"/>
-          </p:cNvSpPr>
-          <p:nvPr>
-            <p:ph sz="half" idx="1"/>
-          </p:nvPr>
-        </p:nvSpPr>
-        <p:spPr>
-          <a:xfrm>
-            <a:off x="232235" y="1239915"/>
-            <a:ext cx="4493385" cy="5146675"/>
-          </a:xfrm>
-        </p:spPr>
-        <p:txBody>
-          <a:bodyPr/>
-          <a:lstStyle/>
-          <a:p>
-            <a:r>
-              <a:rPr lang="en-GB" sz="1800" dirty="0" smtClean="0"/>
-              <a:t>Accessed </a:t>
-            </a:r>
-            <a:r>
-              <a:rPr lang="en-GB" sz="1800" dirty="0"/>
-              <a:t>by a </a:t>
-            </a:r>
-            <a:r>
-              <a:rPr lang="en-GB" sz="1800" dirty="0" smtClean="0"/>
-              <a:t>client</a:t>
-            </a:r>
-          </a:p>
-          <a:p>
-            <a:pPr marL="0" indent="0">
-              <a:buNone/>
-            </a:pPr>
-            <a:endParaRPr lang="en-GB" sz="1800" dirty="0" smtClean="0"/>
-          </a:p>
-          <a:p>
-            <a:r>
-              <a:rPr lang="en-GB" sz="1800" dirty="0" smtClean="0"/>
-              <a:t>Supported </a:t>
-            </a:r>
-            <a:r>
-              <a:rPr lang="en-GB" sz="1800" dirty="0"/>
-              <a:t>protocols are</a:t>
-            </a:r>
-            <a:r>
-              <a:rPr lang="en-GB" sz="1800" dirty="0" smtClean="0"/>
-              <a:t>: REST, </a:t>
-            </a:r>
-            <a:r>
-              <a:rPr lang="en-GB" sz="1800" dirty="0" err="1" smtClean="0"/>
-              <a:t>Memcached</a:t>
-            </a:r>
-            <a:r>
-              <a:rPr lang="en-GB" sz="1800" dirty="0" smtClean="0"/>
-              <a:t>, Hot Rod</a:t>
-            </a:r>
-          </a:p>
-          <a:p>
-            <a:pPr marL="0" indent="0">
-              <a:buNone/>
-            </a:pPr>
-            <a:endParaRPr lang="en-GB" sz="1800" dirty="0" smtClean="0"/>
-          </a:p>
-          <a:p>
-            <a:r>
-              <a:rPr lang="en-GB" sz="1800" dirty="0" smtClean="0"/>
-              <a:t>Built on top of </a:t>
-            </a:r>
-            <a:r>
-              <a:rPr lang="en-GB" sz="1800" dirty="0" err="1" smtClean="0"/>
-              <a:t>JBoss</a:t>
-            </a:r>
-            <a:r>
-              <a:rPr lang="en-GB" sz="1800" dirty="0" smtClean="0"/>
-              <a:t> AS 7.2</a:t>
-            </a:r>
-          </a:p>
-          <a:p>
-            <a:pPr marL="0" indent="0">
-              <a:buNone/>
-            </a:pPr>
-            <a:endParaRPr lang="en-GB" sz="1800" dirty="0" smtClean="0"/>
-          </a:p>
-          <a:p>
-            <a:r>
-              <a:rPr lang="en-GB" sz="1800" dirty="0" smtClean="0"/>
-              <a:t>Provide external access to data grid.</a:t>
-            </a:r>
-          </a:p>
-          <a:p>
-            <a:pPr marL="0" indent="0">
-              <a:buNone/>
-            </a:pPr>
-            <a:endParaRPr lang="en-GB" sz="1800" dirty="0" smtClean="0"/>
-          </a:p>
-          <a:p>
-            <a:r>
-              <a:rPr lang="en-GB" sz="1800" dirty="0" smtClean="0"/>
-              <a:t>Provide access from </a:t>
-            </a:r>
-            <a:r>
-              <a:rPr lang="en-GB" sz="1800" dirty="0"/>
-              <a:t>a </a:t>
-            </a:r>
-            <a:r>
-              <a:rPr lang="en-GB" sz="1800" dirty="0" smtClean="0"/>
-              <a:t>non-JVM environment</a:t>
-            </a:r>
-          </a:p>
-          <a:p>
-            <a:pPr marL="0" indent="0">
-              <a:buNone/>
-            </a:pPr>
-            <a:endParaRPr lang="en-GB" sz="1800" dirty="0" smtClean="0"/>
-          </a:p>
-          <a:p>
-            <a:r>
-              <a:rPr lang="en-GB" sz="1800" dirty="0" smtClean="0"/>
-              <a:t>Acts as </a:t>
-            </a:r>
-            <a:r>
-              <a:rPr lang="en-GB" sz="1800" dirty="0"/>
-              <a:t>a shared storage </a:t>
-            </a:r>
-            <a:r>
-              <a:rPr lang="en-GB" sz="1800" dirty="0" smtClean="0"/>
-              <a:t>tier when multiple </a:t>
-            </a:r>
-            <a:r>
-              <a:rPr lang="en-GB" sz="1800" dirty="0"/>
-              <a:t>applications </a:t>
-            </a:r>
-            <a:r>
-              <a:rPr lang="en-GB" sz="1800" dirty="0" smtClean="0"/>
-              <a:t>need </a:t>
-            </a:r>
-            <a:r>
-              <a:rPr lang="en-GB" sz="1800" dirty="0"/>
-              <a:t>access to data </a:t>
-            </a:r>
-            <a:r>
-              <a:rPr lang="en-GB" sz="1800" dirty="0" smtClean="0"/>
-              <a:t>storage.</a:t>
-            </a:r>
-          </a:p>
-          <a:p>
-            <a:pPr lvl="2">
-              <a:buClrTx/>
-              <a:buFont typeface="Wingdings" panose="05000000000000000000" pitchFamily="2" charset="2"/>
-              <a:buChar char="§"/>
-            </a:pPr>
-            <a:endParaRPr lang="en-GB" dirty="0"/>
-          </a:p>
-          <a:p>
-            <a:endParaRPr lang="en-GB" dirty="0"/>
-          </a:p>
-        </p:txBody>
-      </p:sp>
-      <p:sp>
-        <p:nvSpPr>
-          <p:cNvPr id="2" name="Title 1"/>
-          <p:cNvSpPr>
-            <a:spLocks noGrp="1"/>
-          </p:cNvSpPr>
-          <p:nvPr>
-            <p:ph type="title"/>
-          </p:nvPr>
-        </p:nvSpPr>
-        <p:spPr/>
-        <p:txBody>
-          <a:bodyPr/>
-          <a:lstStyle/>
-          <a:p>
-            <a:r>
-              <a:rPr lang="en-GB" dirty="0"/>
-              <a:t>Interacting with </a:t>
-            </a:r>
-            <a:r>
-              <a:rPr lang="en-GB" dirty="0" err="1"/>
-              <a:t>Infinispan</a:t>
-            </a:r>
-            <a:endParaRPr lang="en-GB" dirty="0"/>
-          </a:p>
-        </p:txBody>
-      </p:sp>
-      <p:sp>
-        <p:nvSpPr>
-          <p:cNvPr id="8" name="Text Placeholder 7"/>
-          <p:cNvSpPr>
-            <a:spLocks noGrp="1"/>
-          </p:cNvSpPr>
-          <p:nvPr>
-            <p:ph type="body" sz="quarter" idx="13"/>
-          </p:nvPr>
-        </p:nvSpPr>
-        <p:spPr/>
-        <p:txBody>
-          <a:bodyPr/>
-          <a:lstStyle/>
-          <a:p>
-            <a:r>
-              <a:rPr lang="en-GB" dirty="0"/>
-              <a:t>As a Remote server</a:t>
-            </a:r>
-          </a:p>
-          <a:p>
-            <a:endParaRPr lang="en-GB" dirty="0"/>
-          </a:p>
-        </p:txBody>
-      </p:sp>
-      <p:sp>
-        <p:nvSpPr>
-          <p:cNvPr id="5" name="Date Placeholder 4"/>
-          <p:cNvSpPr>
-            <a:spLocks noGrp="1"/>
-          </p:cNvSpPr>
-          <p:nvPr>
-            <p:ph type="dt" sz="half" idx="10"/>
-          </p:nvPr>
-        </p:nvSpPr>
-        <p:spPr/>
-        <p:txBody>
-          <a:bodyPr/>
-          <a:lstStyle/>
-          <a:p>
-            <a:pPr>
-              <a:defRPr/>
-            </a:pPr>
-            <a:fld id="{D95CFEC9-DCDE-483F-9C62-EBF9D31C73AA}" type="datetime3">
-              <a:rPr lang="en-US" smtClean="0"/>
-              <a:pPr>
-                <a:defRPr/>
-              </a:pPr>
-              <a:t>27 July 2015</a:t>
-            </a:fld>
-            <a:endParaRPr lang="en-US" dirty="0"/>
-          </a:p>
-        </p:txBody>
-      </p:sp>
-      <p:sp>
-        <p:nvSpPr>
-          <p:cNvPr id="6" name="Slide Number Placeholder 5"/>
-          <p:cNvSpPr>
-            <a:spLocks noGrp="1"/>
-          </p:cNvSpPr>
-          <p:nvPr>
-            <p:ph type="sldNum" sz="quarter" idx="12"/>
-          </p:nvPr>
-        </p:nvSpPr>
-        <p:spPr/>
-        <p:txBody>
-          <a:bodyPr/>
-          <a:lstStyle/>
-          <a:p>
-            <a:pPr>
-              <a:defRPr/>
-            </a:pPr>
-            <a:fld id="{90600ADF-17AC-4085-9C50-2A0435A05455}" type="slidenum">
-              <a:rPr lang="en-US" smtClean="0"/>
-              <a:pPr>
-                <a:defRPr/>
-              </a:pPr>
-              <a:t>4</a:t>
-            </a:fld>
-            <a:endParaRPr lang="en-US" dirty="0"/>
-          </a:p>
-        </p:txBody>
-      </p:sp>
-      <p:pic>
-        <p:nvPicPr>
-          <p:cNvPr id="9" name="Picture 2" descr="https://www.safaribooksonline.com/library/view/infinispan-data-grid/9781782169970/graphics/9970_03_04.jpg"/>
-          <p:cNvPicPr>
-            <a:picLocks noGrp="1" noChangeAspect="1" noChangeArrowheads="1"/>
-          </p:cNvPicPr>
-          <p:nvPr>
-            <p:ph sz="half" idx="2"/>
-          </p:nvPr>
-        </p:nvPicPr>
-        <p:blipFill>
-          <a:blip r:embed="rId2">
-            <a:extLst>
-              <a:ext uri="{28A0092B-C50C-407E-A947-70E740481C1C}">
-                <a14:useLocalDpi xmlns:a14="http://schemas.microsoft.com/office/drawing/2010/main" val="0"/>
-              </a:ext>
-            </a:extLst>
-          </a:blip>
-          <a:srcRect/>
-          <a:stretch>
-            <a:fillRect/>
-          </a:stretch>
-        </p:blipFill>
-        <p:spPr bwMode="auto">
-          <a:xfrm>
-            <a:off x="4994455" y="1931205"/>
-            <a:ext cx="3891686" cy="3189427"/>
-          </a:xfrm>
-          <a:prstGeom prst="rect">
-            <a:avLst/>
-          </a:prstGeom>
-          <a:noFill/>
-          <a:extLst>
-            <a:ext uri="{909E8E84-426E-40DD-AFC4-6F175D3DCCD1}">
-              <a14:hiddenFill xmlns:a14="http://schemas.microsoft.com/office/drawing/2010/main">
-                <a:solidFill>
-                  <a:srgbClr val="FFFFFF"/>
-                </a:solidFill>
-              </a14:hiddenFill>
-            </a:ext>
-          </a:extLst>
-        </p:spPr>
-      </p:pic>
-    </p:spTree>
-    <p:extLst>
-      <p:ext uri="{BB962C8B-B14F-4D97-AF65-F5344CB8AC3E}">
-        <p14:creationId xmlns:p14="http://schemas.microsoft.com/office/powerpoint/2010/main" val="3297347341"/>
-      </p:ext>
-    </p:extLst>
-  </p:cSld>
-  <p:clrMapOvr>
-    <a:masterClrMapping/>
-  </p:clrMapOvr>
-  <p:timing>
-    <p:tnLst>
-      <p:par>
-        <p:cTn id="1" dur="indefinite" restart="never" nodeType="tmRoot"/>
-      </p:par>
-    </p:tnLst>
-  </p:timing>
-</p:sld>
-</file>
-
-<file path=ppt/slides/slide6.xml><?xml version="1.0" encoding="utf-8"?>
-<p:sld xmlns:a="http://schemas.openxmlformats.org/drawingml/2006/main" xmlns:r="http://schemas.openxmlformats.org/officeDocument/2006/relationships" xmlns:p="http://schemas.openxmlformats.org/presentationml/2006/main">
-  <p:cSld>
-    <p:spTree>
-      <p:nvGrpSpPr>
-        <p:cNvPr id="1" name=""/>
-        <p:cNvGrpSpPr/>
-        <p:nvPr/>
-      </p:nvGrpSpPr>
-      <p:grpSpPr>
-        <a:xfrm>
-          <a:off x="0" y="0"/>
-          <a:ext cx="0" cy="0"/>
-          <a:chOff x="0" y="0"/>
-          <a:chExt cx="0" cy="0"/>
-        </a:xfrm>
-      </p:grpSpPr>
-      <p:sp>
-        <p:nvSpPr>
-          <p:cNvPr id="8" name="Title 7"/>
-          <p:cNvSpPr>
-            <a:spLocks noGrp="1"/>
-          </p:cNvSpPr>
-          <p:nvPr>
-            <p:ph type="title"/>
-          </p:nvPr>
-        </p:nvSpPr>
-        <p:spPr/>
-        <p:txBody>
-          <a:bodyPr/>
-          <a:lstStyle/>
-          <a:p>
-            <a:r>
-              <a:rPr lang="en-GB" dirty="0"/>
-              <a:t>Caching Modes</a:t>
-            </a:r>
-            <a:br>
-              <a:rPr lang="en-GB" dirty="0"/>
-            </a:br>
-            <a:endParaRPr lang="en-GB" dirty="0"/>
-          </a:p>
-        </p:txBody>
-      </p:sp>
-      <p:sp>
-        <p:nvSpPr>
-          <p:cNvPr id="9" name="Text Placeholder 8"/>
-          <p:cNvSpPr>
-            <a:spLocks noGrp="1"/>
-          </p:cNvSpPr>
-          <p:nvPr>
-            <p:ph type="body" sz="quarter" idx="13"/>
-          </p:nvPr>
-        </p:nvSpPr>
-        <p:spPr/>
-        <p:txBody>
-          <a:bodyPr/>
-          <a:lstStyle/>
-          <a:p>
-            <a:r>
-              <a:rPr lang="en-GB" dirty="0" smtClean="0"/>
-              <a:t>Local Mode</a:t>
-            </a:r>
-            <a:endParaRPr lang="en-GB" dirty="0"/>
-          </a:p>
-        </p:txBody>
-      </p:sp>
-      <p:sp>
-        <p:nvSpPr>
-          <p:cNvPr id="6" name="Date Placeholder 5"/>
-          <p:cNvSpPr>
-            <a:spLocks noGrp="1"/>
-          </p:cNvSpPr>
-          <p:nvPr>
-            <p:ph type="dt" sz="half" idx="10"/>
-          </p:nvPr>
-        </p:nvSpPr>
-        <p:spPr/>
-        <p:txBody>
-          <a:bodyPr/>
-          <a:lstStyle/>
-          <a:p>
-            <a:pPr>
-              <a:defRPr/>
-            </a:pPr>
-            <a:fld id="{262EFB65-E16C-451A-8365-0EA1441EB5B7}" type="datetime3">
-              <a:rPr lang="en-US" smtClean="0"/>
-              <a:pPr>
-                <a:defRPr/>
-              </a:pPr>
-              <a:t>27 July 2015</a:t>
-            </a:fld>
-            <a:endParaRPr lang="en-US" dirty="0"/>
-          </a:p>
-        </p:txBody>
-      </p:sp>
-      <p:sp>
-        <p:nvSpPr>
-          <p:cNvPr id="7" name="Slide Number Placeholder 6"/>
-          <p:cNvSpPr>
-            <a:spLocks noGrp="1"/>
-          </p:cNvSpPr>
-          <p:nvPr>
-            <p:ph type="sldNum" sz="quarter" idx="12"/>
-          </p:nvPr>
-        </p:nvSpPr>
-        <p:spPr/>
-        <p:txBody>
-          <a:bodyPr/>
-          <a:lstStyle/>
-          <a:p>
-            <a:pPr>
-              <a:defRPr/>
-            </a:pPr>
-            <a:fld id="{62FEDF8E-5B0F-4A65-9F05-A41FA81134FA}" type="slidenum">
-              <a:rPr lang="en-US" smtClean="0"/>
-              <a:pPr>
-                <a:defRPr/>
-              </a:pPr>
-              <a:t>5</a:t>
+              <a:t>8</a:t>
             </a:fld>
             <a:endParaRPr lang="en-US"/>
           </a:p>
@@ -8928,8 +10981,16 @@
           </a:lstStyle>
           <a:p>
             <a:r>
+              <a:rPr lang="en-GB" sz="1800" kern="0" dirty="0"/>
+              <a:t>A</a:t>
+            </a:r>
+            <a:r>
               <a:rPr lang="en-GB" sz="1800" kern="0" dirty="0" smtClean="0"/>
-              <a:t>acts as a simple, in-memory data cache </a:t>
+              <a:t>cts </a:t>
+            </a:r>
+            <a:r>
+              <a:rPr lang="en-GB" sz="1800" kern="0" dirty="0" smtClean="0"/>
+              <a:t>as a simple, in-memory data cache </a:t>
             </a:r>
           </a:p>
           <a:p>
@@ -8941,8 +11002,16 @@
           </a:p>
           <a:p>
             <a:r>
+              <a:rPr lang="en-GB" sz="1800" kern="0" dirty="0"/>
+              <a:t>E</a:t>
+            </a:r>
+            <a:r>
               <a:rPr lang="en-GB" sz="1800" kern="0" dirty="0" smtClean="0"/>
-              <a:t>entries are stored on the local node only</a:t>
+              <a:t>ntries </a:t>
+            </a:r>
+            <a:r>
+              <a:rPr lang="en-GB" sz="1800" kern="0" dirty="0" smtClean="0"/>
+              <a:t>are stored on the local node only</a:t>
             </a:r>
           </a:p>
           <a:p>
@@ -8950,8 +11019,16 @@
           </a:p>
           <a:p>
             <a:r>
+              <a:rPr lang="en-GB" sz="1800" kern="0" dirty="0"/>
+              <a:t>L</a:t>
+            </a:r>
+            <a:r>
               <a:rPr lang="en-GB" sz="1800" kern="0" dirty="0" smtClean="0"/>
-              <a:t>limited by the maximum size of JVM heap</a:t>
+              <a:t>imited </a:t>
+            </a:r>
+            <a:r>
+              <a:rPr lang="en-GB" sz="1800" kern="0" dirty="0" smtClean="0"/>
+              <a:t>by the maximum size of JVM heap</a:t>
             </a:r>
           </a:p>
           <a:p>
@@ -9006,7 +11083,7 @@
         </p:blipFill>
         <p:spPr bwMode="auto">
           <a:xfrm>
-            <a:off x="4879240" y="2185197"/>
+            <a:off x="4994455" y="1777585"/>
             <a:ext cx="3960451" cy="2857500"/>
           </a:xfrm>
           <a:prstGeom prst="rect">
@@ -9018,14 +11095,14 @@
           </a:ln>
           <a:effectLst/>
           <a:extLst>
-            <a:ext uri="{909E8E84-426E-40DD-AFC4-6F175D3DCCD1}">
+            <a:ext uri="{909E8E84-426E-40dd-AFC4-6F175D3DCCD1}">
               <a14:hiddenFill xmlns:a14="http://schemas.microsoft.com/office/drawing/2010/main">
                 <a:solidFill>
                   <a:schemeClr val="accent1"/>
                 </a:solidFill>
               </a14:hiddenFill>
             </a:ext>
-            <a:ext uri="{91240B29-F687-4F45-9708-019B960494DF}">
+            <a:ext uri="{91240B29-F687-4f45-9708-019B960494DF}">
               <a14:hiddenLine xmlns:a14="http://schemas.microsoft.com/office/drawing/2010/main" w="9525">
                 <a:solidFill>
                   <a:schemeClr val="tx1"/>
@@ -9035,7 +11112,7 @@
                 <a:tailEnd/>
               </a14:hiddenLine>
             </a:ext>
-            <a:ext uri="{AF507438-7753-43E0-B8FC-AC1667EBCBE1}">
+            <a:ext uri="{AF507438-7753-43e0-B8FC-AC1667EBCBE1}">
               <a14:hiddenEffects xmlns:a14="http://schemas.microsoft.com/office/drawing/2010/main">
                 <a:effectLst>
                   <a:outerShdw dist="35921" dir="2700000" algn="ctr" rotWithShape="0">
@@ -9130,1158 +11207,7 @@
   <p:timing>
     <p:tnLst>
       <p:par>
-        <p:cTn id="1" dur="indefinite" restart="never" nodeType="tmRoot"/>
-      </p:par>
-    </p:tnLst>
-  </p:timing>
-</p:sld>
-</file>
-
-<file path=ppt/slides/slide7.xml><?xml version="1.0" encoding="utf-8"?>
-<p:sld xmlns:a="http://schemas.openxmlformats.org/drawingml/2006/main" xmlns:r="http://schemas.openxmlformats.org/officeDocument/2006/relationships" xmlns:p="http://schemas.openxmlformats.org/presentationml/2006/main">
-  <p:cSld>
-    <p:spTree>
-      <p:nvGrpSpPr>
-        <p:cNvPr id="1" name=""/>
-        <p:cNvGrpSpPr/>
-        <p:nvPr/>
-      </p:nvGrpSpPr>
-      <p:grpSpPr>
-        <a:xfrm>
-          <a:off x="0" y="0"/>
-          <a:ext cx="0" cy="0"/>
-          <a:chOff x="0" y="0"/>
-          <a:chExt cx="0" cy="0"/>
-        </a:xfrm>
-      </p:grpSpPr>
-      <p:sp>
-        <p:nvSpPr>
-          <p:cNvPr id="20" name="Content Placeholder 19"/>
-          <p:cNvSpPr>
-            <a:spLocks noGrp="1"/>
-          </p:cNvSpPr>
-          <p:nvPr>
-            <p:ph sz="half" idx="1"/>
-          </p:nvPr>
-        </p:nvSpPr>
-        <p:spPr>
-          <a:xfrm>
-            <a:off x="431799" y="1239840"/>
-            <a:ext cx="4447441" cy="3456525"/>
-          </a:xfrm>
-        </p:spPr>
-        <p:txBody>
-          <a:bodyPr/>
-          <a:lstStyle/>
-          <a:p>
-            <a:r>
-              <a:rPr lang="en-GB" sz="1800" dirty="0" smtClean="0"/>
-              <a:t>Does not share data</a:t>
-            </a:r>
-          </a:p>
-          <a:p>
-            <a:pPr marL="0" indent="0">
-              <a:buNone/>
-            </a:pPr>
-            <a:endParaRPr lang="en-GB" sz="1800" dirty="0" smtClean="0"/>
-          </a:p>
-          <a:p>
-            <a:r>
-              <a:rPr lang="en-GB" sz="1800" dirty="0" smtClean="0"/>
-              <a:t>Removes data that may be stale from remote cache</a:t>
-            </a:r>
-          </a:p>
-          <a:p>
-            <a:pPr marL="0" indent="0">
-              <a:buNone/>
-            </a:pPr>
-            <a:endParaRPr lang="en-GB" sz="1800" dirty="0" smtClean="0"/>
-          </a:p>
-          <a:p>
-            <a:r>
-              <a:rPr lang="en-GB" sz="1800" dirty="0" smtClean="0"/>
-              <a:t>Used for optimization with other permanent store</a:t>
-            </a:r>
-          </a:p>
-          <a:p>
-            <a:endParaRPr lang="en-GB" sz="1800" dirty="0" smtClean="0"/>
-          </a:p>
-          <a:p>
-            <a:r>
-              <a:rPr lang="en-GB" sz="1800" dirty="0" smtClean="0"/>
-              <a:t>Minimized </a:t>
-            </a:r>
-            <a:r>
-              <a:rPr lang="en-GB" sz="1800" dirty="0"/>
-              <a:t>network </a:t>
-            </a:r>
-            <a:r>
-              <a:rPr lang="en-GB" sz="1800" dirty="0" smtClean="0"/>
-              <a:t>traffic</a:t>
-            </a:r>
-          </a:p>
-          <a:p>
-            <a:endParaRPr lang="en-GB" sz="1800" dirty="0"/>
-          </a:p>
-          <a:p>
-            <a:r>
-              <a:rPr lang="en-GB" sz="1800" dirty="0" smtClean="0"/>
-              <a:t>Modified </a:t>
-            </a:r>
-            <a:r>
-              <a:rPr lang="en-GB" sz="1800" dirty="0"/>
-              <a:t>data </a:t>
-            </a:r>
-            <a:r>
-              <a:rPr lang="en-GB" sz="1800" dirty="0" smtClean="0"/>
-              <a:t>looked up in lazily manner.</a:t>
-            </a:r>
-            <a:endParaRPr lang="en-GB" sz="1800" dirty="0"/>
-          </a:p>
-        </p:txBody>
-      </p:sp>
-      <p:sp>
-        <p:nvSpPr>
-          <p:cNvPr id="19" name="Title 18"/>
-          <p:cNvSpPr>
-            <a:spLocks noGrp="1"/>
-          </p:cNvSpPr>
-          <p:nvPr>
-            <p:ph type="title"/>
-          </p:nvPr>
-        </p:nvSpPr>
-        <p:spPr/>
-        <p:txBody>
-          <a:bodyPr/>
-          <a:lstStyle/>
-          <a:p>
-            <a:r>
-              <a:rPr lang="en-GB" dirty="0"/>
-              <a:t>Caching Modes</a:t>
-            </a:r>
-            <a:br>
-              <a:rPr lang="en-GB" dirty="0"/>
-            </a:br>
-            <a:endParaRPr lang="en-GB" dirty="0"/>
-          </a:p>
-        </p:txBody>
-      </p:sp>
-      <p:sp>
-        <p:nvSpPr>
-          <p:cNvPr id="21" name="Text Placeholder 20"/>
-          <p:cNvSpPr>
-            <a:spLocks noGrp="1"/>
-          </p:cNvSpPr>
-          <p:nvPr>
-            <p:ph type="body" sz="quarter" idx="13"/>
-          </p:nvPr>
-        </p:nvSpPr>
-        <p:spPr/>
-        <p:txBody>
-          <a:bodyPr/>
-          <a:lstStyle/>
-          <a:p>
-            <a:r>
-              <a:rPr lang="en-GB" dirty="0" smtClean="0"/>
-              <a:t>Invalidation Mode</a:t>
-            </a:r>
-            <a:endParaRPr lang="en-GB" dirty="0"/>
-          </a:p>
-        </p:txBody>
-      </p:sp>
-      <p:sp>
-        <p:nvSpPr>
-          <p:cNvPr id="5" name="Date Placeholder 4"/>
-          <p:cNvSpPr>
-            <a:spLocks noGrp="1"/>
-          </p:cNvSpPr>
-          <p:nvPr>
-            <p:ph type="dt" sz="half" idx="10"/>
-          </p:nvPr>
-        </p:nvSpPr>
-        <p:spPr/>
-        <p:txBody>
-          <a:bodyPr/>
-          <a:lstStyle/>
-          <a:p>
-            <a:pPr>
-              <a:defRPr/>
-            </a:pPr>
-            <a:fld id="{D95CFEC9-DCDE-483F-9C62-EBF9D31C73AA}" type="datetime3">
-              <a:rPr lang="en-US" smtClean="0"/>
-              <a:pPr>
-                <a:defRPr/>
-              </a:pPr>
-              <a:t>27 July 2015</a:t>
-            </a:fld>
-            <a:endParaRPr lang="en-US" dirty="0"/>
-          </a:p>
-        </p:txBody>
-      </p:sp>
-      <p:sp>
-        <p:nvSpPr>
-          <p:cNvPr id="6" name="Slide Number Placeholder 5"/>
-          <p:cNvSpPr>
-            <a:spLocks noGrp="1"/>
-          </p:cNvSpPr>
-          <p:nvPr>
-            <p:ph type="sldNum" sz="quarter" idx="12"/>
-          </p:nvPr>
-        </p:nvSpPr>
-        <p:spPr/>
-        <p:txBody>
-          <a:bodyPr/>
-          <a:lstStyle/>
-          <a:p>
-            <a:pPr>
-              <a:defRPr/>
-            </a:pPr>
-            <a:fld id="{90600ADF-17AC-4085-9C50-2A0435A05455}" type="slidenum">
-              <a:rPr lang="en-US" smtClean="0"/>
-              <a:pPr>
-                <a:defRPr/>
-              </a:pPr>
-              <a:t>6</a:t>
-            </a:fld>
-            <a:endParaRPr lang="en-US" dirty="0"/>
-          </a:p>
-        </p:txBody>
-      </p:sp>
-      <p:pic>
-        <p:nvPicPr>
-          <p:cNvPr id="11" name="Content Placeholder 10" descr="Figure2 5"/>
-          <p:cNvPicPr>
-            <a:picLocks noGrp="1" noChangeAspect="1" noChangeArrowheads="1"/>
-          </p:cNvPicPr>
-          <p:nvPr>
-            <p:ph sz="half" idx="2"/>
-          </p:nvPr>
-        </p:nvPicPr>
-        <p:blipFill>
-          <a:blip r:embed="rId2">
-            <a:extLst>
-              <a:ext uri="{28A0092B-C50C-407E-A947-70E740481C1C}">
-                <a14:useLocalDpi xmlns:a14="http://schemas.microsoft.com/office/drawing/2010/main" val="0"/>
-              </a:ext>
-            </a:extLst>
-          </a:blip>
-          <a:srcRect/>
-          <a:stretch>
-            <a:fillRect/>
-          </a:stretch>
-        </p:blipFill>
-        <p:spPr bwMode="auto">
-          <a:xfrm>
-            <a:off x="4840835" y="1700775"/>
-            <a:ext cx="4065588" cy="2435486"/>
-          </a:xfrm>
-          <a:prstGeom prst="rect">
-            <a:avLst/>
-          </a:prstGeom>
-          <a:noFill/>
-          <a:extLst>
-            <a:ext uri="{909E8E84-426E-40DD-AFC4-6F175D3DCCD1}">
-              <a14:hiddenFill xmlns:a14="http://schemas.microsoft.com/office/drawing/2010/main">
-                <a:solidFill>
-                  <a:srgbClr val="FFFFFF"/>
-                </a:solidFill>
-              </a14:hiddenFill>
-            </a:ext>
-          </a:extLst>
-        </p:spPr>
-      </p:pic>
-      <p:sp>
-        <p:nvSpPr>
-          <p:cNvPr id="2" name="TextBox 1"/>
-          <p:cNvSpPr txBox="1"/>
-          <p:nvPr/>
-        </p:nvSpPr>
-        <p:spPr>
-          <a:xfrm>
-            <a:off x="396504" y="4849985"/>
-            <a:ext cx="8372291" cy="1520416"/>
-          </a:xfrm>
-          <a:prstGeom prst="rect">
-            <a:avLst/>
-          </a:prstGeom>
-        </p:spPr>
-        <p:style>
-          <a:lnRef idx="1">
-            <a:schemeClr val="accent1"/>
-          </a:lnRef>
-          <a:fillRef idx="2">
-            <a:schemeClr val="accent1"/>
-          </a:fillRef>
-          <a:effectRef idx="1">
-            <a:schemeClr val="accent1"/>
-          </a:effectRef>
-          <a:fontRef idx="minor">
-            <a:schemeClr val="dk1"/>
-          </a:fontRef>
-        </p:style>
-        <p:txBody>
-          <a:bodyPr wrap="square" rtlCol="0">
-            <a:spAutoFit/>
-          </a:bodyPr>
-          <a:lstStyle/>
-          <a:p>
-            <a:pPr>
-              <a:buClr>
-                <a:srgbClr val="00A4F2"/>
-              </a:buClr>
-              <a:buNone/>
-            </a:pPr>
-            <a:r>
-              <a:rPr lang="en-GB" sz="1600" dirty="0"/>
-              <a:t>&lt;invalidation-cache name="</a:t>
-            </a:r>
-            <a:r>
-              <a:rPr lang="en-GB" sz="1600" dirty="0" err="1" smtClean="0"/>
-              <a:t>invalidatedCache</a:t>
-            </a:r>
-            <a:r>
-              <a:rPr lang="en-GB" sz="1600" dirty="0"/>
-              <a:t>" mode="SYNC</a:t>
-            </a:r>
-            <a:r>
-              <a:rPr lang="en-GB" sz="1600" dirty="0" smtClean="0"/>
-              <a:t>"&gt; </a:t>
-            </a:r>
-          </a:p>
-          <a:p>
-            <a:pPr>
-              <a:buClr>
-                <a:srgbClr val="00A4F2"/>
-              </a:buClr>
-              <a:buNone/>
-            </a:pPr>
-            <a:r>
-              <a:rPr lang="en-GB" sz="1600" dirty="0" smtClean="0"/>
-              <a:t>	&lt;</a:t>
-            </a:r>
-            <a:r>
-              <a:rPr lang="en-GB" sz="1600" dirty="0"/>
-              <a:t>persistence</a:t>
-            </a:r>
-            <a:r>
-              <a:rPr lang="en-GB" sz="1600" dirty="0" smtClean="0"/>
-              <a:t>&gt;</a:t>
-            </a:r>
-          </a:p>
-          <a:p>
-            <a:pPr>
-              <a:buClr>
-                <a:srgbClr val="00A4F2"/>
-              </a:buClr>
-              <a:buNone/>
-            </a:pPr>
-            <a:r>
-              <a:rPr lang="en-GB" sz="1600" dirty="0" smtClean="0"/>
-              <a:t>		&lt;</a:t>
-            </a:r>
-            <a:r>
-              <a:rPr lang="en-GB" sz="1600" dirty="0"/>
-              <a:t>cluster-loader remote-timeout="20000" preload="false" </a:t>
-            </a:r>
-            <a:r>
-              <a:rPr lang="en-GB" sz="1600" dirty="0" smtClean="0"/>
-              <a:t>/&gt;</a:t>
-            </a:r>
-          </a:p>
-          <a:p>
-            <a:pPr>
-              <a:buClr>
-                <a:srgbClr val="00A4F2"/>
-              </a:buClr>
-              <a:buNone/>
-            </a:pPr>
-            <a:r>
-              <a:rPr lang="en-GB" sz="1600" dirty="0" smtClean="0"/>
-              <a:t>	&lt;/</a:t>
-            </a:r>
-            <a:r>
-              <a:rPr lang="en-GB" sz="1600" dirty="0"/>
-              <a:t>persistence</a:t>
-            </a:r>
-            <a:r>
-              <a:rPr lang="en-GB" sz="1600" dirty="0" smtClean="0"/>
-              <a:t>&gt;</a:t>
-            </a:r>
-          </a:p>
-          <a:p>
-            <a:pPr>
-              <a:buClr>
-                <a:srgbClr val="00A4F2"/>
-              </a:buClr>
-              <a:buNone/>
-            </a:pPr>
-            <a:r>
-              <a:rPr lang="en-GB" sz="1600" dirty="0" smtClean="0"/>
-              <a:t>&lt;/</a:t>
-            </a:r>
-            <a:r>
-              <a:rPr lang="en-GB" sz="1600" dirty="0"/>
-              <a:t>invalidation-cache&gt;</a:t>
-            </a:r>
-            <a:endParaRPr lang="en-GB" sz="1600" dirty="0" smtClean="0"/>
-          </a:p>
-        </p:txBody>
-      </p:sp>
-    </p:spTree>
-    <p:extLst>
-      <p:ext uri="{BB962C8B-B14F-4D97-AF65-F5344CB8AC3E}">
-        <p14:creationId xmlns:p14="http://schemas.microsoft.com/office/powerpoint/2010/main" val="1524566408"/>
-      </p:ext>
-    </p:extLst>
-  </p:cSld>
-  <p:clrMapOvr>
-    <a:masterClrMapping/>
-  </p:clrMapOvr>
-  <p:timing>
-    <p:tnLst>
-      <p:par>
-        <p:cTn id="1" dur="indefinite" restart="never" nodeType="tmRoot"/>
-      </p:par>
-    </p:tnLst>
-  </p:timing>
-</p:sld>
-</file>
-
-<file path=ppt/slides/slide8.xml><?xml version="1.0" encoding="utf-8"?>
-<p:sld xmlns:a="http://schemas.openxmlformats.org/drawingml/2006/main" xmlns:r="http://schemas.openxmlformats.org/officeDocument/2006/relationships" xmlns:p="http://schemas.openxmlformats.org/presentationml/2006/main">
-  <p:cSld>
-    <p:spTree>
-      <p:nvGrpSpPr>
-        <p:cNvPr id="1" name=""/>
-        <p:cNvGrpSpPr/>
-        <p:nvPr/>
-      </p:nvGrpSpPr>
-      <p:grpSpPr>
-        <a:xfrm>
-          <a:off x="0" y="0"/>
-          <a:ext cx="0" cy="0"/>
-          <a:chOff x="0" y="0"/>
-          <a:chExt cx="0" cy="0"/>
-        </a:xfrm>
-      </p:grpSpPr>
-      <p:pic>
-        <p:nvPicPr>
-          <p:cNvPr id="1026" name="Picture 2"/>
-          <p:cNvPicPr>
-            <a:picLocks noGrp="1" noChangeAspect="1" noChangeArrowheads="1"/>
-          </p:cNvPicPr>
-          <p:nvPr>
-            <p:ph sz="half" idx="1"/>
-          </p:nvPr>
-        </p:nvPicPr>
-        <p:blipFill>
-          <a:blip r:embed="rId2">
-            <a:extLst>
-              <a:ext uri="{28A0092B-C50C-407E-A947-70E740481C1C}">
-                <a14:useLocalDpi xmlns:a14="http://schemas.microsoft.com/office/drawing/2010/main" val="0"/>
-              </a:ext>
-            </a:extLst>
-          </a:blip>
-          <a:stretch>
-            <a:fillRect/>
-          </a:stretch>
-        </p:blipFill>
-        <p:spPr bwMode="auto">
-          <a:xfrm>
-            <a:off x="4956050" y="1777585"/>
-            <a:ext cx="4064000" cy="3302830"/>
-          </a:xfrm>
-          <a:prstGeom prst="rect">
-            <a:avLst/>
-          </a:prstGeom>
-          <a:noFill/>
-          <a:ln>
-            <a:noFill/>
-          </a:ln>
-          <a:extLst>
-            <a:ext uri="{909E8E84-426E-40DD-AFC4-6F175D3DCCD1}">
-              <a14:hiddenFill xmlns:a14="http://schemas.microsoft.com/office/drawing/2010/main">
-                <a:solidFill>
-                  <a:schemeClr val="accent1"/>
-                </a:solidFill>
-              </a14:hiddenFill>
-            </a:ext>
-            <a:ext uri="{91240B29-F687-4F45-9708-019B960494DF}">
-              <a14:hiddenLine xmlns:a14="http://schemas.microsoft.com/office/drawing/2010/main" w="9525">
-                <a:solidFill>
-                  <a:schemeClr val="tx1"/>
-                </a:solidFill>
-                <a:miter lim="800000"/>
-                <a:headEnd/>
-                <a:tailEnd/>
-              </a14:hiddenLine>
-            </a:ext>
-          </a:extLst>
-        </p:spPr>
-      </p:pic>
-      <p:sp>
-        <p:nvSpPr>
-          <p:cNvPr id="20" name="Content Placeholder 19"/>
-          <p:cNvSpPr>
-            <a:spLocks noGrp="1"/>
-          </p:cNvSpPr>
-          <p:nvPr>
-            <p:ph sz="half" idx="2"/>
-          </p:nvPr>
-        </p:nvSpPr>
-        <p:spPr>
-          <a:xfrm>
-            <a:off x="347450" y="1201510"/>
-            <a:ext cx="4762220" cy="4301360"/>
-          </a:xfrm>
-        </p:spPr>
-        <p:txBody>
-          <a:bodyPr/>
-          <a:lstStyle/>
-          <a:p>
-            <a:r>
-              <a:rPr lang="en-GB" sz="1800" dirty="0" smtClean="0"/>
-              <a:t>Entries replicated </a:t>
-            </a:r>
-            <a:r>
-              <a:rPr lang="en-GB" sz="1800" dirty="0"/>
-              <a:t>to all </a:t>
-            </a:r>
-            <a:r>
-              <a:rPr lang="en-GB" sz="1800" dirty="0" smtClean="0"/>
-              <a:t>cache instances, high availability</a:t>
-            </a:r>
-          </a:p>
-          <a:p>
-            <a:pPr marL="0" indent="0">
-              <a:buNone/>
-            </a:pPr>
-            <a:endParaRPr lang="en-GB" sz="1800" dirty="0" smtClean="0"/>
-          </a:p>
-          <a:p>
-            <a:r>
-              <a:rPr lang="en-GB" sz="1800" dirty="0" smtClean="0"/>
-              <a:t>Does not offer increased heap space</a:t>
-            </a:r>
-          </a:p>
-          <a:p>
-            <a:pPr marL="0" indent="0">
-              <a:buNone/>
-            </a:pPr>
-            <a:endParaRPr lang="en-GB" sz="1800" dirty="0" smtClean="0"/>
-          </a:p>
-          <a:p>
-            <a:r>
-              <a:rPr lang="en-GB" sz="1800" dirty="0"/>
-              <a:t>S</a:t>
-            </a:r>
-            <a:r>
-              <a:rPr lang="en-GB" sz="1800" dirty="0" smtClean="0"/>
-              <a:t>ynchronous </a:t>
-            </a:r>
-            <a:r>
-              <a:rPr lang="en-GB" sz="1800" dirty="0"/>
-              <a:t>replication requires acknowledgments from </a:t>
-            </a:r>
-            <a:r>
-              <a:rPr lang="en-GB" sz="1800" dirty="0" smtClean="0"/>
-              <a:t>all, guarantee success </a:t>
-            </a:r>
-          </a:p>
-          <a:p>
-            <a:pPr marL="0" indent="0">
-              <a:buNone/>
-            </a:pPr>
-            <a:endParaRPr lang="en-GB" sz="1800" dirty="0" smtClean="0"/>
-          </a:p>
-          <a:p>
-            <a:r>
-              <a:rPr lang="en-GB" sz="1800" dirty="0" smtClean="0"/>
-              <a:t>Asynchronous </a:t>
-            </a:r>
-            <a:r>
-              <a:rPr lang="en-GB" sz="1800" dirty="0"/>
-              <a:t>replication </a:t>
-            </a:r>
-            <a:r>
-              <a:rPr lang="en-GB" sz="1800" dirty="0" smtClean="0"/>
-              <a:t>works </a:t>
-            </a:r>
-            <a:r>
-              <a:rPr lang="en-GB" sz="1800" dirty="0"/>
-              <a:t>in a </a:t>
-            </a:r>
-            <a:r>
-              <a:rPr lang="en-GB" sz="1800" i="1" dirty="0"/>
-              <a:t>fire-and-forget</a:t>
-            </a:r>
-            <a:r>
-              <a:rPr lang="en-GB" sz="1800" dirty="0"/>
-              <a:t> </a:t>
-            </a:r>
-            <a:r>
-              <a:rPr lang="en-GB" sz="1800" dirty="0" smtClean="0"/>
-              <a:t>mode, can have data inconsistency</a:t>
-            </a:r>
-          </a:p>
-          <a:p>
-            <a:pPr marL="0" indent="0">
-              <a:buNone/>
-            </a:pPr>
-            <a:endParaRPr lang="en-GB" sz="1800" dirty="0" smtClean="0"/>
-          </a:p>
-          <a:p>
-            <a:r>
-              <a:rPr lang="en-GB" sz="1800" dirty="0" smtClean="0"/>
-              <a:t>Practically performs </a:t>
-            </a:r>
-            <a:r>
-              <a:rPr lang="en-GB" sz="1800" dirty="0"/>
-              <a:t>well in small </a:t>
-            </a:r>
-            <a:r>
-              <a:rPr lang="en-GB" sz="1800" dirty="0" smtClean="0"/>
-              <a:t>clusters, due to no of replication messages</a:t>
-            </a:r>
-            <a:endParaRPr lang="en-GB" sz="1800" dirty="0"/>
-          </a:p>
-        </p:txBody>
-      </p:sp>
-      <p:sp>
-        <p:nvSpPr>
-          <p:cNvPr id="19" name="Title 18"/>
-          <p:cNvSpPr>
-            <a:spLocks noGrp="1"/>
-          </p:cNvSpPr>
-          <p:nvPr>
-            <p:ph type="title"/>
-          </p:nvPr>
-        </p:nvSpPr>
-        <p:spPr/>
-        <p:txBody>
-          <a:bodyPr/>
-          <a:lstStyle/>
-          <a:p>
-            <a:r>
-              <a:rPr lang="en-GB" dirty="0"/>
-              <a:t>Caching Modes</a:t>
-            </a:r>
-            <a:br>
-              <a:rPr lang="en-GB" dirty="0"/>
-            </a:br>
-            <a:endParaRPr lang="en-GB" dirty="0"/>
-          </a:p>
-        </p:txBody>
-      </p:sp>
-      <p:sp>
-        <p:nvSpPr>
-          <p:cNvPr id="21" name="Text Placeholder 20"/>
-          <p:cNvSpPr>
-            <a:spLocks noGrp="1"/>
-          </p:cNvSpPr>
-          <p:nvPr>
-            <p:ph type="body" sz="quarter" idx="13"/>
-          </p:nvPr>
-        </p:nvSpPr>
-        <p:spPr/>
-        <p:txBody>
-          <a:bodyPr/>
-          <a:lstStyle/>
-          <a:p>
-            <a:r>
-              <a:rPr lang="en-GB" dirty="0" smtClean="0"/>
-              <a:t>Replication Mode</a:t>
-            </a:r>
-            <a:endParaRPr lang="en-GB" dirty="0"/>
-          </a:p>
-        </p:txBody>
-      </p:sp>
-      <p:sp>
-        <p:nvSpPr>
-          <p:cNvPr id="5" name="Date Placeholder 4"/>
-          <p:cNvSpPr>
-            <a:spLocks noGrp="1"/>
-          </p:cNvSpPr>
-          <p:nvPr>
-            <p:ph type="dt" sz="half" idx="10"/>
-          </p:nvPr>
-        </p:nvSpPr>
-        <p:spPr/>
-        <p:txBody>
-          <a:bodyPr/>
-          <a:lstStyle/>
-          <a:p>
-            <a:pPr>
-              <a:defRPr/>
-            </a:pPr>
-            <a:fld id="{D95CFEC9-DCDE-483F-9C62-EBF9D31C73AA}" type="datetime3">
-              <a:rPr lang="en-US" smtClean="0"/>
-              <a:pPr>
-                <a:defRPr/>
-              </a:pPr>
-              <a:t>27 July 2015</a:t>
-            </a:fld>
-            <a:endParaRPr lang="en-US" dirty="0"/>
-          </a:p>
-        </p:txBody>
-      </p:sp>
-      <p:sp>
-        <p:nvSpPr>
-          <p:cNvPr id="6" name="Slide Number Placeholder 5"/>
-          <p:cNvSpPr>
-            <a:spLocks noGrp="1"/>
-          </p:cNvSpPr>
-          <p:nvPr>
-            <p:ph type="sldNum" sz="quarter" idx="12"/>
-          </p:nvPr>
-        </p:nvSpPr>
-        <p:spPr/>
-        <p:txBody>
-          <a:bodyPr/>
-          <a:lstStyle/>
-          <a:p>
-            <a:pPr>
-              <a:defRPr/>
-            </a:pPr>
-            <a:fld id="{90600ADF-17AC-4085-9C50-2A0435A05455}" type="slidenum">
-              <a:rPr lang="en-US" smtClean="0"/>
-              <a:pPr>
-                <a:defRPr/>
-              </a:pPr>
-              <a:t>7</a:t>
-            </a:fld>
-            <a:endParaRPr lang="en-US" dirty="0"/>
-          </a:p>
-        </p:txBody>
-      </p:sp>
-      <p:sp>
-        <p:nvSpPr>
-          <p:cNvPr id="7" name="TextBox 6"/>
-          <p:cNvSpPr txBox="1"/>
-          <p:nvPr/>
-        </p:nvSpPr>
-        <p:spPr>
-          <a:xfrm>
-            <a:off x="417941" y="5656490"/>
-            <a:ext cx="8333884" cy="792000"/>
-          </a:xfrm>
-          <a:prstGeom prst="rect">
-            <a:avLst/>
-          </a:prstGeom>
-        </p:spPr>
-        <p:style>
-          <a:lnRef idx="1">
-            <a:schemeClr val="accent1"/>
-          </a:lnRef>
-          <a:fillRef idx="2">
-            <a:schemeClr val="accent1"/>
-          </a:fillRef>
-          <a:effectRef idx="1">
-            <a:schemeClr val="accent1"/>
-          </a:effectRef>
-          <a:fontRef idx="minor">
-            <a:schemeClr val="dk1"/>
-          </a:fontRef>
-        </p:style>
-        <p:txBody>
-          <a:bodyPr wrap="square" rtlCol="0">
-            <a:spAutoFit/>
-          </a:bodyPr>
-          <a:lstStyle/>
-          <a:p>
-            <a:pPr>
-              <a:buClr>
-                <a:srgbClr val="00A4F2"/>
-              </a:buClr>
-              <a:buNone/>
-            </a:pPr>
-            <a:r>
-              <a:rPr lang="en-GB" sz="1600" dirty="0"/>
-              <a:t>&lt;replicated-cache name="</a:t>
-            </a:r>
-            <a:r>
-              <a:rPr lang="en-GB" sz="1600" dirty="0" err="1"/>
-              <a:t>replicationCache</a:t>
-            </a:r>
-            <a:r>
-              <a:rPr lang="en-GB" sz="1600" dirty="0"/>
-              <a:t>" mode="SYNC" remote-timeout="20000"&gt; </a:t>
-            </a:r>
-            <a:r>
-              <a:rPr lang="en-GB" sz="1600" dirty="0" smtClean="0"/>
-              <a:t>	&lt;</a:t>
-            </a:r>
-            <a:r>
-              <a:rPr lang="en-GB" sz="1600" dirty="0"/>
-              <a:t>state-transfer enabled="false" timeout="240000" chunk-size="0" /&gt; &lt;/replicated-cache&gt;</a:t>
-            </a:r>
-            <a:endParaRPr lang="en-GB" sz="1600" dirty="0" smtClean="0"/>
-          </a:p>
-        </p:txBody>
-      </p:sp>
-    </p:spTree>
-    <p:extLst>
-      <p:ext uri="{BB962C8B-B14F-4D97-AF65-F5344CB8AC3E}">
-        <p14:creationId xmlns:p14="http://schemas.microsoft.com/office/powerpoint/2010/main" val="1749713803"/>
-      </p:ext>
-    </p:extLst>
-  </p:cSld>
-  <p:clrMapOvr>
-    <a:masterClrMapping/>
-  </p:clrMapOvr>
-  <p:timing>
-    <p:tnLst>
-      <p:par>
-        <p:cTn id="1" dur="indefinite" restart="never" nodeType="tmRoot"/>
-      </p:par>
-    </p:tnLst>
-  </p:timing>
-</p:sld>
-</file>
-
-<file path=ppt/slides/slide9.xml><?xml version="1.0" encoding="utf-8"?>
-<p:sld xmlns:a="http://schemas.openxmlformats.org/drawingml/2006/main" xmlns:r="http://schemas.openxmlformats.org/officeDocument/2006/relationships" xmlns:p="http://schemas.openxmlformats.org/presentationml/2006/main">
-  <p:cSld>
-    <p:spTree>
-      <p:nvGrpSpPr>
-        <p:cNvPr id="1" name=""/>
-        <p:cNvGrpSpPr/>
-        <p:nvPr/>
-      </p:nvGrpSpPr>
-      <p:grpSpPr>
-        <a:xfrm>
-          <a:off x="0" y="0"/>
-          <a:ext cx="0" cy="0"/>
-          <a:chOff x="0" y="0"/>
-          <a:chExt cx="0" cy="0"/>
-        </a:xfrm>
-      </p:grpSpPr>
-      <p:pic>
-        <p:nvPicPr>
-          <p:cNvPr id="2050" name="Picture 2"/>
-          <p:cNvPicPr>
-            <a:picLocks noGrp="1" noChangeAspect="1" noChangeArrowheads="1"/>
-          </p:cNvPicPr>
-          <p:nvPr>
-            <p:ph sz="half" idx="1"/>
-          </p:nvPr>
-        </p:nvPicPr>
-        <p:blipFill>
-          <a:blip r:embed="rId2">
-            <a:extLst>
-              <a:ext uri="{28A0092B-C50C-407E-A947-70E740481C1C}">
-                <a14:useLocalDpi xmlns:a14="http://schemas.microsoft.com/office/drawing/2010/main" val="0"/>
-              </a:ext>
-            </a:extLst>
-          </a:blip>
-          <a:stretch>
-            <a:fillRect/>
-          </a:stretch>
-        </p:blipFill>
-        <p:spPr bwMode="auto">
-          <a:xfrm>
-            <a:off x="4956050" y="1815990"/>
-            <a:ext cx="4064000" cy="3003826"/>
-          </a:xfrm>
-          <a:prstGeom prst="rect">
-            <a:avLst/>
-          </a:prstGeom>
-          <a:noFill/>
-          <a:ln>
-            <a:noFill/>
-          </a:ln>
-          <a:extLst>
-            <a:ext uri="{909E8E84-426E-40DD-AFC4-6F175D3DCCD1}">
-              <a14:hiddenFill xmlns:a14="http://schemas.microsoft.com/office/drawing/2010/main">
-                <a:solidFill>
-                  <a:schemeClr val="accent1"/>
-                </a:solidFill>
-              </a14:hiddenFill>
-            </a:ext>
-            <a:ext uri="{91240B29-F687-4F45-9708-019B960494DF}">
-              <a14:hiddenLine xmlns:a14="http://schemas.microsoft.com/office/drawing/2010/main" w="9525">
-                <a:solidFill>
-                  <a:schemeClr val="tx1"/>
-                </a:solidFill>
-                <a:miter lim="800000"/>
-                <a:headEnd/>
-                <a:tailEnd/>
-              </a14:hiddenLine>
-            </a:ext>
-          </a:extLst>
-        </p:spPr>
-      </p:pic>
-      <p:sp>
-        <p:nvSpPr>
-          <p:cNvPr id="2" name="Title 1"/>
-          <p:cNvSpPr>
-            <a:spLocks noGrp="1"/>
-          </p:cNvSpPr>
-          <p:nvPr>
-            <p:ph type="title"/>
-          </p:nvPr>
-        </p:nvSpPr>
-        <p:spPr/>
-        <p:txBody>
-          <a:bodyPr/>
-          <a:lstStyle/>
-          <a:p>
-            <a:r>
-              <a:rPr lang="en-GB" dirty="0"/>
-              <a:t>Caching Modes</a:t>
-            </a:r>
-            <a:br>
-              <a:rPr lang="en-GB" dirty="0"/>
-            </a:br>
-            <a:endParaRPr lang="en-GB" dirty="0"/>
-          </a:p>
-        </p:txBody>
-      </p:sp>
-      <p:sp>
-        <p:nvSpPr>
-          <p:cNvPr id="8" name="Text Placeholder 7"/>
-          <p:cNvSpPr>
-            <a:spLocks noGrp="1"/>
-          </p:cNvSpPr>
-          <p:nvPr>
-            <p:ph type="body" sz="quarter" idx="13"/>
-          </p:nvPr>
-        </p:nvSpPr>
-        <p:spPr/>
-        <p:txBody>
-          <a:bodyPr/>
-          <a:lstStyle/>
-          <a:p>
-            <a:r>
-              <a:rPr lang="en-GB" dirty="0"/>
-              <a:t>Distribution Mode</a:t>
-            </a:r>
-          </a:p>
-        </p:txBody>
-      </p:sp>
-      <p:sp>
-        <p:nvSpPr>
-          <p:cNvPr id="5" name="Date Placeholder 4"/>
-          <p:cNvSpPr>
-            <a:spLocks noGrp="1"/>
-          </p:cNvSpPr>
-          <p:nvPr>
-            <p:ph type="dt" sz="half" idx="10"/>
-          </p:nvPr>
-        </p:nvSpPr>
-        <p:spPr/>
-        <p:txBody>
-          <a:bodyPr/>
-          <a:lstStyle/>
-          <a:p>
-            <a:pPr>
-              <a:defRPr/>
-            </a:pPr>
-            <a:fld id="{D95CFEC9-DCDE-483F-9C62-EBF9D31C73AA}" type="datetime3">
-              <a:rPr lang="en-US" smtClean="0"/>
-              <a:pPr>
-                <a:defRPr/>
-              </a:pPr>
-              <a:t>27 July 2015</a:t>
-            </a:fld>
-            <a:endParaRPr lang="en-US" dirty="0"/>
-          </a:p>
-        </p:txBody>
-      </p:sp>
-      <p:sp>
-        <p:nvSpPr>
-          <p:cNvPr id="6" name="Slide Number Placeholder 5"/>
-          <p:cNvSpPr>
-            <a:spLocks noGrp="1"/>
-          </p:cNvSpPr>
-          <p:nvPr>
-            <p:ph type="sldNum" sz="quarter" idx="12"/>
-          </p:nvPr>
-        </p:nvSpPr>
-        <p:spPr/>
-        <p:txBody>
-          <a:bodyPr/>
-          <a:lstStyle/>
-          <a:p>
-            <a:pPr>
-              <a:defRPr/>
-            </a:pPr>
-            <a:fld id="{90600ADF-17AC-4085-9C50-2A0435A05455}" type="slidenum">
-              <a:rPr lang="en-US" smtClean="0"/>
-              <a:pPr>
-                <a:defRPr/>
-              </a:pPr>
-              <a:t>8</a:t>
-            </a:fld>
-            <a:endParaRPr lang="en-US" dirty="0"/>
-          </a:p>
-        </p:txBody>
-      </p:sp>
-      <p:sp>
-        <p:nvSpPr>
-          <p:cNvPr id="11" name="Content Placeholder 19"/>
-          <p:cNvSpPr>
-            <a:spLocks noGrp="1"/>
-          </p:cNvSpPr>
-          <p:nvPr>
-            <p:ph sz="half" idx="2"/>
-          </p:nvPr>
-        </p:nvSpPr>
-        <p:spPr>
-          <a:xfrm>
-            <a:off x="347450" y="1201510"/>
-            <a:ext cx="4762220" cy="4070930"/>
-          </a:xfrm>
-        </p:spPr>
-        <p:txBody>
-          <a:bodyPr/>
-          <a:lstStyle/>
-          <a:p>
-            <a:r>
-              <a:rPr lang="en-GB" sz="1800" dirty="0" smtClean="0"/>
-              <a:t>Entries distributed to a subset of nodes, high scalability</a:t>
-            </a:r>
-          </a:p>
-          <a:p>
-            <a:pPr marL="0" indent="0">
-              <a:buNone/>
-            </a:pPr>
-            <a:endParaRPr lang="en-GB" sz="1800" dirty="0" smtClean="0"/>
-          </a:p>
-          <a:p>
-            <a:r>
-              <a:rPr lang="en-GB" sz="1800" dirty="0" smtClean="0"/>
-              <a:t>Working as in-memory data grid and provide increased heap space</a:t>
-            </a:r>
-          </a:p>
-          <a:p>
-            <a:pPr marL="0" indent="0">
-              <a:buNone/>
-            </a:pPr>
-            <a:endParaRPr lang="en-GB" sz="1800" dirty="0" smtClean="0"/>
-          </a:p>
-          <a:p>
-            <a:r>
-              <a:rPr lang="en-GB" sz="1800" dirty="0" smtClean="0"/>
-              <a:t>No of copies represent trade-off between performance and durability</a:t>
-            </a:r>
-          </a:p>
-          <a:p>
-            <a:pPr marL="0" indent="0">
-              <a:buNone/>
-            </a:pPr>
-            <a:endParaRPr lang="en-GB" sz="1800" dirty="0" smtClean="0"/>
-          </a:p>
-          <a:p>
-            <a:r>
-              <a:rPr lang="en-GB" sz="1800" dirty="0" smtClean="0"/>
-              <a:t>No of copies for a entry is configurable</a:t>
-            </a:r>
-          </a:p>
-          <a:p>
-            <a:endParaRPr lang="en-GB" sz="1800" dirty="0"/>
-          </a:p>
-          <a:p>
-            <a:r>
-              <a:rPr lang="en-GB" sz="1800" dirty="0" smtClean="0"/>
-              <a:t>Uses Consistent Hash algorithm to determine nodes to store </a:t>
-            </a:r>
-            <a:r>
-              <a:rPr lang="en-GB" sz="1800" dirty="0" smtClean="0"/>
-              <a:t>entries</a:t>
-            </a:r>
-            <a:endParaRPr lang="en-GB" sz="1800" dirty="0" smtClean="0"/>
-          </a:p>
-          <a:p>
-            <a:pPr marL="0" indent="0">
-              <a:buNone/>
-            </a:pPr>
-            <a:endParaRPr lang="en-GB" sz="1800" dirty="0" smtClean="0"/>
-          </a:p>
-          <a:p>
-            <a:endParaRPr lang="en-GB" sz="1800" dirty="0"/>
-          </a:p>
-        </p:txBody>
-      </p:sp>
-      <p:sp>
-        <p:nvSpPr>
-          <p:cNvPr id="12" name="TextBox 11"/>
-          <p:cNvSpPr txBox="1"/>
-          <p:nvPr/>
-        </p:nvSpPr>
-        <p:spPr>
-          <a:xfrm>
-            <a:off x="417941" y="5656490"/>
-            <a:ext cx="8333884" cy="584775"/>
-          </a:xfrm>
-          <a:prstGeom prst="rect">
-            <a:avLst/>
-          </a:prstGeom>
-        </p:spPr>
-        <p:style>
-          <a:lnRef idx="1">
-            <a:schemeClr val="accent1"/>
-          </a:lnRef>
-          <a:fillRef idx="2">
-            <a:schemeClr val="accent1"/>
-          </a:fillRef>
-          <a:effectRef idx="1">
-            <a:schemeClr val="accent1"/>
-          </a:effectRef>
-          <a:fontRef idx="minor">
-            <a:schemeClr val="dk1"/>
-          </a:fontRef>
-        </p:style>
-        <p:txBody>
-          <a:bodyPr wrap="square" rtlCol="0">
-            <a:spAutoFit/>
-          </a:bodyPr>
-          <a:lstStyle/>
-          <a:p>
-            <a:pPr>
-              <a:buClr>
-                <a:srgbClr val="00A4F2"/>
-              </a:buClr>
-              <a:buNone/>
-            </a:pPr>
-            <a:r>
-              <a:rPr lang="en-GB" sz="1600" dirty="0"/>
-              <a:t>&lt;distributed-cache name="</a:t>
-            </a:r>
-            <a:r>
-              <a:rPr lang="en-GB" sz="1600" dirty="0" err="1" smtClean="0"/>
-              <a:t>distributedCache</a:t>
-            </a:r>
-            <a:r>
-              <a:rPr lang="en-GB" sz="1600" dirty="0"/>
-              <a:t>" mode="SYNC" owners="2" segments="80</a:t>
-            </a:r>
-            <a:r>
-              <a:rPr lang="en-GB" sz="1600" dirty="0" smtClean="0"/>
-              <a:t>" </a:t>
-            </a:r>
-            <a:r>
-              <a:rPr lang="en-GB" sz="1600" dirty="0"/>
-              <a:t>/&gt;</a:t>
-            </a:r>
-            <a:endParaRPr lang="en-GB" sz="1600" dirty="0" smtClean="0"/>
-          </a:p>
-        </p:txBody>
-      </p:sp>
-    </p:spTree>
-    <p:extLst>
-      <p:ext uri="{BB962C8B-B14F-4D97-AF65-F5344CB8AC3E}">
-        <p14:creationId xmlns:p14="http://schemas.microsoft.com/office/powerpoint/2010/main" val="2089670844"/>
-      </p:ext>
-    </p:extLst>
-  </p:cSld>
-  <p:clrMapOvr>
-    <a:masterClrMapping/>
-  </p:clrMapOvr>
-  <p:timing>
-    <p:tnLst>
-      <p:par>
-        <p:cTn id="1" dur="indefinite" restart="never" nodeType="tmRoot"/>
+        <p:cTn xmlns:p14="http://schemas.microsoft.com/office/powerpoint/2010/main" id="1" dur="indefinite" restart="never" nodeType="tmRoot"/>
       </p:par>
     </p:tnLst>
   </p:timing>

--- a/infinispan-embedded-tutorial/Infinispan.pptx
+++ b/infinispan-embedded-tutorial/Infinispan.pptx
@@ -27,7 +27,7 @@
     <p:sldId id="270" r:id="rId18"/>
     <p:sldId id="275" r:id="rId19"/>
     <p:sldId id="260" r:id="rId20"/>
-    <p:sldId id="259" r:id="rId21"/>
+    <p:sldId id="278" r:id="rId21"/>
   </p:sldIdLst>
   <p:sldSz cx="9144000" cy="6858000" type="screen4x3"/>
   <p:notesSz cx="6669088" cy="9872663"/>
@@ -182,7 +182,7 @@
             <p14:sldId id="270"/>
             <p14:sldId id="275"/>
             <p14:sldId id="260"/>
-            <p14:sldId id="259"/>
+            <p14:sldId id="278"/>
           </p14:sldIdLst>
         </p14:section>
       </p14:sectionLst>
@@ -274,7 +274,7 @@
             <a:fld id="{AB771C5C-997B-4FBD-B8F3-A0A3C30CDBE5}" type="datetimeFigureOut">
               <a:rPr lang="en-GB" smtClean="0"/>
               <a:pPr/>
-              <a:t>09/08/2015</a:t>
+              <a:t>11/08/2015</a:t>
             </a:fld>
             <a:endParaRPr lang="en-GB"/>
           </a:p>
@@ -1768,7 +1768,7 @@
               <a:pPr>
                 <a:defRPr/>
               </a:pPr>
-              <a:t>9 August 2015</a:t>
+              <a:t>11 August 2015</a:t>
             </a:fld>
             <a:endParaRPr lang="en-US" dirty="0"/>
           </a:p>
@@ -1959,7 +1959,7 @@
               <a:pPr>
                 <a:defRPr/>
               </a:pPr>
-              <a:t>9 August 2015</a:t>
+              <a:t>11 August 2015</a:t>
             </a:fld>
             <a:endParaRPr lang="en-US" dirty="0"/>
           </a:p>
@@ -2236,7 +2236,7 @@
               <a:pPr>
                 <a:defRPr/>
               </a:pPr>
-              <a:t>9 August 2015</a:t>
+              <a:t>11 August 2015</a:t>
             </a:fld>
             <a:endParaRPr lang="en-US" dirty="0"/>
           </a:p>
@@ -2429,7 +2429,7 @@
               <a:pPr>
                 <a:defRPr/>
               </a:pPr>
-              <a:t>9 August 2015</a:t>
+              <a:t>11 August 2015</a:t>
             </a:fld>
             <a:endParaRPr lang="en-US" dirty="0"/>
           </a:p>
@@ -2803,7 +2803,7 @@
               <a:pPr>
                 <a:defRPr/>
               </a:pPr>
-              <a:t>9 August 2015</a:t>
+              <a:t>11 August 2015</a:t>
             </a:fld>
             <a:endParaRPr lang="en-US" dirty="0"/>
           </a:p>
@@ -3307,7 +3307,7 @@
               <a:pPr>
                 <a:defRPr/>
               </a:pPr>
-              <a:t>9 August 2015</a:t>
+              <a:t>11 August 2015</a:t>
             </a:fld>
             <a:endParaRPr lang="en-US" dirty="0"/>
           </a:p>
@@ -3511,7 +3511,7 @@
               <a:pPr>
                 <a:defRPr/>
               </a:pPr>
-              <a:t>9 August 2015</a:t>
+              <a:t>11 August 2015</a:t>
             </a:fld>
             <a:endParaRPr lang="en-US" dirty="0"/>
           </a:p>
@@ -3715,7 +3715,7 @@
               <a:pPr>
                 <a:defRPr/>
               </a:pPr>
-              <a:t>9 August 2015</a:t>
+              <a:t>11 August 2015</a:t>
             </a:fld>
             <a:endParaRPr lang="en-US" dirty="0"/>
           </a:p>
@@ -4003,7 +4003,7 @@
               <a:pPr>
                 <a:defRPr/>
               </a:pPr>
-              <a:t>9 August 2015</a:t>
+              <a:t>11 August 2015</a:t>
             </a:fld>
             <a:endParaRPr lang="en-US" dirty="0"/>
           </a:p>
@@ -4272,7 +4272,7 @@
               <a:pPr>
                 <a:defRPr/>
               </a:pPr>
-              <a:t>9 August 2015</a:t>
+              <a:t>11 August 2015</a:t>
             </a:fld>
             <a:endParaRPr lang="en-US" dirty="0"/>
           </a:p>
@@ -4476,7 +4476,7 @@
               <a:pPr>
                 <a:defRPr/>
               </a:pPr>
-              <a:t>9 August 2015</a:t>
+              <a:t>11 August 2015</a:t>
             </a:fld>
             <a:endParaRPr lang="en-US" dirty="0"/>
           </a:p>
@@ -5461,7 +5461,11 @@
             </a:r>
             <a:r>
               <a:rPr lang="en-GB" sz="1800" dirty="0" smtClean="0"/>
-              <a:t>looked up in lazily manner.</a:t>
+              <a:t>looked up in lazily </a:t>
+            </a:r>
+            <a:r>
+              <a:rPr lang="en-GB" sz="1800" dirty="0" smtClean="0"/>
+              <a:t>manner</a:t>
             </a:r>
             <a:endParaRPr lang="en-GB" sz="1800" dirty="0"/>
           </a:p>
@@ -5539,7 +5543,7 @@
               <a:pPr>
                 <a:defRPr/>
               </a:pPr>
-              <a:t>9 August 2015</a:t>
+              <a:t>11 August 2015</a:t>
             </a:fld>
             <a:endParaRPr lang="en-US" dirty="0"/>
           </a:p>
@@ -5876,7 +5880,29 @@
             </a:r>
             <a:r>
               <a:rPr lang="en-GB" sz="1800" dirty="0" smtClean="0"/>
-              <a:t>cache instances, high availability</a:t>
+              <a:t>cache instances, </a:t>
+            </a:r>
+            <a:endParaRPr lang="en-GB" sz="1800" dirty="0" smtClean="0"/>
+          </a:p>
+          <a:p>
+            <a:pPr marL="0" indent="0">
+              <a:buNone/>
+            </a:pPr>
+            <a:r>
+              <a:rPr lang="en-GB" sz="1800" dirty="0"/>
+              <a:t> </a:t>
+            </a:r>
+            <a:r>
+              <a:rPr lang="en-GB" sz="1800" dirty="0" smtClean="0"/>
+              <a:t>  </a:t>
+            </a:r>
+            <a:r>
+              <a:rPr lang="en-GB" sz="1800" dirty="0" smtClean="0"/>
+              <a:t>high </a:t>
+            </a:r>
+            <a:r>
+              <a:rPr lang="en-GB" sz="1800" dirty="0" smtClean="0"/>
+              <a:t>availability</a:t>
             </a:r>
           </a:p>
           <a:p>
@@ -5899,57 +5925,27 @@
           </a:p>
           <a:p>
             <a:r>
+              <a:rPr lang="en-GB" sz="1800" dirty="0" smtClean="0"/>
+              <a:t>Can be Synchronous </a:t>
+            </a:r>
+            <a:r>
               <a:rPr lang="en-GB" sz="1800" dirty="0"/>
-              <a:t>S</a:t>
+              <a:t>or </a:t>
             </a:r>
             <a:r>
               <a:rPr lang="en-GB" sz="1800" dirty="0" smtClean="0"/>
-              <a:t>ynchronous </a:t>
-            </a:r>
-            <a:r>
-              <a:rPr lang="en-GB" sz="1800" dirty="0"/>
-              <a:t>replication requires acknowledgments from </a:t>
-            </a:r>
+              <a:t>Asynchronous</a:t>
+            </a:r>
+          </a:p>
+          <a:p>
+            <a:endParaRPr lang="en-GB" sz="1800" dirty="0" smtClean="0"/>
+          </a:p>
+          <a:p>
             <a:r>
               <a:rPr lang="en-GB" sz="1800" dirty="0" smtClean="0"/>
-              <a:t>all, guarantee success </a:t>
-            </a:r>
-          </a:p>
-          <a:p>
-            <a:pPr marL="0" indent="0">
-              <a:buNone/>
-            </a:pPr>
+              <a:t>Uses Replication Queue, to increase performance</a:t>
+            </a:r>
             <a:endParaRPr lang="en-GB" sz="1800" dirty="0" smtClean="0"/>
-          </a:p>
-          <a:p>
-            <a:r>
-              <a:rPr lang="en-GB" sz="1800" dirty="0" smtClean="0"/>
-              <a:t>Asynchronous </a:t>
-            </a:r>
-            <a:r>
-              <a:rPr lang="en-GB" sz="1800" dirty="0"/>
-              <a:t>replication </a:t>
-            </a:r>
-            <a:r>
-              <a:rPr lang="en-GB" sz="1800" dirty="0" smtClean="0"/>
-              <a:t>works </a:t>
-            </a:r>
-            <a:r>
-              <a:rPr lang="en-GB" sz="1800" dirty="0"/>
-              <a:t>in a </a:t>
-            </a:r>
-            <a:r>
-              <a:rPr lang="en-GB" sz="1800" i="1" dirty="0"/>
-              <a:t>fire-and-forget</a:t>
-            </a:r>
-            <a:r>
-              <a:rPr lang="en-GB" sz="1800" dirty="0"/>
-              <a:t> </a:t>
-            </a:r>
-            <a:r>
-              <a:rPr lang="en-GB" sz="1800" dirty="0" smtClean="0"/>
-              <a:t>mode, can have data inconsistency</a:t>
-            </a:r>
           </a:p>
           <a:p>
             <a:pPr marL="0" indent="0">
@@ -6046,7 +6042,7 @@
               <a:pPr>
                 <a:defRPr/>
               </a:pPr>
-              <a:t>9 August 2015</a:t>
+              <a:t>11 August 2015</a:t>
             </a:fld>
             <a:endParaRPr lang="en-US" dirty="0"/>
           </a:p>
@@ -6089,8 +6085,8 @@
         </p:nvSpPr>
         <p:spPr>
           <a:xfrm>
-            <a:off x="417941" y="5656490"/>
-            <a:ext cx="8333884" cy="792000"/>
+            <a:off x="424260" y="5502870"/>
+            <a:ext cx="8333884" cy="880241"/>
           </a:xfrm>
           <a:prstGeom prst="rect">
             <a:avLst/>
@@ -6140,7 +6136,24 @@
             </a:r>
             <a:r>
               <a:rPr lang="en-GB" sz="1600" dirty="0"/>
-              <a:t>state-transfer enabled="false" timeout="240000" chunk-size="0" /&gt; &lt;/replicated-cache&gt;</a:t>
+              <a:t>state-transfer enabled="false" timeout="240000" chunk-size="0" /&gt; </a:t>
+            </a:r>
+            <a:endParaRPr lang="en-GB" sz="1600" dirty="0" smtClean="0"/>
+          </a:p>
+          <a:p>
+            <a:pPr>
+              <a:buClr>
+                <a:srgbClr val="00A4F2"/>
+              </a:buClr>
+              <a:buNone/>
+            </a:pPr>
+            <a:r>
+              <a:rPr lang="en-GB" sz="1600" dirty="0" smtClean="0"/>
+              <a:t>&lt;</a:t>
+            </a:r>
+            <a:r>
+              <a:rPr lang="en-GB" sz="1600" dirty="0"/>
+              <a:t>/replicated-cache&gt;</a:t>
             </a:r>
             <a:endParaRPr lang="en-GB" sz="1600" dirty="0" smtClean="0"/>
           </a:p>
@@ -6207,7 +6220,7 @@
         </p:blipFill>
         <p:spPr bwMode="auto">
           <a:xfrm>
-            <a:off x="4956050" y="1815990"/>
+            <a:off x="4994455" y="1777585"/>
             <a:ext cx="4064000" cy="3003826"/>
           </a:xfrm>
           <a:prstGeom prst="rect">
@@ -6309,7 +6322,7 @@
               <a:pPr>
                 <a:defRPr/>
               </a:pPr>
-              <a:t>9 August 2015</a:t>
+              <a:t>11 August 2015</a:t>
             </a:fld>
             <a:endParaRPr lang="en-US" dirty="0"/>
           </a:p>
@@ -6356,8 +6369,8 @@
         </p:nvSpPr>
         <p:spPr>
           <a:xfrm>
-            <a:off x="347450" y="1201510"/>
-            <a:ext cx="4762220" cy="4070930"/>
+            <a:off x="347449" y="1201510"/>
+            <a:ext cx="5299891" cy="4608600"/>
           </a:xfrm>
         </p:spPr>
         <p:txBody>
@@ -6366,43 +6379,62 @@
           <a:p>
             <a:r>
               <a:rPr lang="en-GB" sz="1800" dirty="0" smtClean="0"/>
-              <a:t>Entries distributed to a subset of nodes, high scalability</a:t>
-            </a:r>
-          </a:p>
-          <a:p>
-            <a:pPr marL="0" indent="0">
-              <a:buNone/>
-            </a:pPr>
+              <a:t>Entries distributed to a subset of nodes, </a:t>
+            </a:r>
+            <a:r>
+              <a:rPr lang="en-GB" sz="1800" dirty="0" smtClean="0"/>
+              <a:t>high scalability</a:t>
+            </a:r>
+          </a:p>
+          <a:p>
             <a:endParaRPr lang="en-GB" sz="1800" dirty="0" smtClean="0"/>
           </a:p>
           <a:p>
             <a:r>
               <a:rPr lang="en-GB" sz="1800" dirty="0" smtClean="0"/>
-              <a:t>Working as in-memory data grid and provide increased heap space</a:t>
-            </a:r>
-          </a:p>
-          <a:p>
-            <a:pPr marL="0" indent="0">
-              <a:buNone/>
-            </a:pPr>
+              <a:t>Working as in-memory data grid and </a:t>
+            </a:r>
+            <a:r>
+              <a:rPr lang="en-GB" sz="1800" dirty="0" smtClean="0"/>
+              <a:t>provide </a:t>
+            </a:r>
+            <a:r>
+              <a:rPr lang="en-GB" sz="1800" dirty="0" smtClean="0"/>
+              <a:t>increased heap </a:t>
+            </a:r>
+            <a:r>
+              <a:rPr lang="en-GB" sz="1800" dirty="0" smtClean="0"/>
+              <a:t>space</a:t>
+            </a:r>
+          </a:p>
+          <a:p>
             <a:endParaRPr lang="en-GB" sz="1800" dirty="0" smtClean="0"/>
           </a:p>
           <a:p>
             <a:r>
               <a:rPr lang="en-GB" sz="1800" dirty="0" smtClean="0"/>
-              <a:t>No of copies represent trade-off between performance and durability</a:t>
-            </a:r>
-          </a:p>
-          <a:p>
-            <a:pPr marL="0" indent="0">
-              <a:buNone/>
-            </a:pPr>
+              <a:t>No of copies represent trade-off between performance and </a:t>
+            </a:r>
+            <a:r>
+              <a:rPr lang="en-GB" sz="1800" dirty="0" smtClean="0"/>
+              <a:t>durability</a:t>
+            </a:r>
+          </a:p>
+          <a:p>
             <a:endParaRPr lang="en-GB" sz="1800" dirty="0" smtClean="0"/>
           </a:p>
           <a:p>
             <a:r>
               <a:rPr lang="en-GB" sz="1800" dirty="0" smtClean="0"/>
-              <a:t>No of copies for a entry is configurable</a:t>
+              <a:t>Handles the Split </a:t>
+            </a:r>
+            <a:r>
+              <a:rPr lang="en-GB" sz="1800" dirty="0"/>
+              <a:t>B</a:t>
+            </a:r>
+            <a:r>
+              <a:rPr lang="en-GB" sz="1800" dirty="0" smtClean="0"/>
+              <a:t>rain scenario</a:t>
             </a:r>
           </a:p>
           <a:p>
@@ -6411,8 +6443,22 @@
           <a:p>
             <a:r>
               <a:rPr lang="en-GB" sz="1800" dirty="0" smtClean="0"/>
-              <a:t>Uses Consistent Hash algorithm to determine nodes to store entries</a:t>
-            </a:r>
+              <a:t>Uses Consistent Hash algorithm to determine nodes to store </a:t>
+            </a:r>
+            <a:r>
+              <a:rPr lang="en-GB" sz="1800" dirty="0" smtClean="0"/>
+              <a:t>entries</a:t>
+            </a:r>
+          </a:p>
+          <a:p>
+            <a:endParaRPr lang="en-GB" sz="1800" dirty="0"/>
+          </a:p>
+          <a:p>
+            <a:r>
+              <a:rPr lang="en-GB" sz="1800" dirty="0" smtClean="0"/>
+              <a:t>Issue remote calls to fetch data from other cache</a:t>
+            </a:r>
+            <a:endParaRPr lang="en-GB" sz="1800" dirty="0" smtClean="0"/>
           </a:p>
           <a:p>
             <a:pPr marL="0" indent="0">
@@ -6433,8 +6479,8 @@
         </p:nvSpPr>
         <p:spPr>
           <a:xfrm>
-            <a:off x="417941" y="5656490"/>
-            <a:ext cx="8333884" cy="584775"/>
+            <a:off x="347450" y="6002135"/>
+            <a:ext cx="8487504" cy="338554"/>
           </a:xfrm>
           <a:prstGeom prst="rect">
             <a:avLst/>
@@ -6585,7 +6631,11 @@
           <a:p>
             <a:r>
               <a:rPr lang="en-GB" sz="1800" dirty="0" smtClean="0"/>
-              <a:t>Increases the Java heap memory consumption.</a:t>
+              <a:t>Increases the Java heap memory </a:t>
+            </a:r>
+            <a:r>
+              <a:rPr lang="en-GB" sz="1800" dirty="0" smtClean="0"/>
+              <a:t>consumption</a:t>
             </a:r>
             <a:endParaRPr lang="en-GB" sz="1800" dirty="0"/>
           </a:p>
@@ -6665,7 +6715,7 @@
               <a:pPr>
                 <a:defRPr/>
               </a:pPr>
-              <a:t>9 August 2015</a:t>
+              <a:t>11 August 2015</a:t>
             </a:fld>
             <a:endParaRPr lang="en-US" dirty="0"/>
           </a:p>
@@ -6815,7 +6865,11 @@
             </a:r>
             <a:r>
               <a:rPr lang="en-GB" sz="1600" dirty="0"/>
-              <a:t>owners="2" l1-lifespan="600000" l1-cleanup-interval="1200"&gt;</a:t>
+              <a:t>owners="2" l1-lifespan="</a:t>
+            </a:r>
+            <a:r>
+              <a:rPr lang="en-GB" sz="1600" dirty="0" smtClean="0"/>
+              <a:t>600000” /&gt;</a:t>
             </a:r>
             <a:endParaRPr lang="en-GB" sz="1600" dirty="0" smtClean="0"/>
           </a:p>
@@ -6930,7 +6984,7 @@
               <a:pPr>
                 <a:defRPr/>
               </a:pPr>
-              <a:t>9 August 2015</a:t>
+              <a:t>11 August 2015</a:t>
             </a:fld>
             <a:endParaRPr lang="en-US" dirty="0"/>
           </a:p>
@@ -7110,7 +7164,7 @@
               <a:pPr>
                 <a:defRPr/>
               </a:pPr>
-              <a:t>9 August 2015</a:t>
+              <a:t>11 August 2015</a:t>
             </a:fld>
             <a:endParaRPr lang="en-US" dirty="0"/>
           </a:p>
@@ -7339,15 +7393,7 @@
             </a:r>
             <a:r>
               <a:rPr lang="en-GB" sz="1800" dirty="0" smtClean="0"/>
-              <a:t>for : Increased Durability, Write</a:t>
-            </a:r>
-            <a:r>
-              <a:rPr lang="en-GB" sz="1800" dirty="0" smtClean="0"/>
-              <a:t>-</a:t>
-            </a:r>
-            <a:r>
-              <a:rPr lang="en-GB" sz="1800" dirty="0" smtClean="0"/>
-              <a:t>through and Overflow Data</a:t>
+              <a:t>for : Increased Durability, Write-through and Overflow Data</a:t>
             </a:r>
           </a:p>
           <a:p>
@@ -7412,21 +7458,7 @@
                 <a:ea typeface="+mn-ea"/>
                 <a:cs typeface="+mn-cs"/>
               </a:rPr>
-              <a:t>save/load </a:t>
-            </a:r>
-            <a:r>
-              <a:rPr lang="en-GB" sz="1800" dirty="0" smtClean="0">
-                <a:ea typeface="+mn-ea"/>
-                <a:cs typeface="+mn-cs"/>
-              </a:rPr>
-              <a:t>data </a:t>
-            </a:r>
-            <a:r>
-              <a:rPr lang="en-GB" sz="1800" dirty="0" smtClean="0">
-                <a:ea typeface="+mn-ea"/>
-                <a:cs typeface="+mn-cs"/>
-              </a:rPr>
-              <a:t>to/from </a:t>
+              <a:t>save/load data to/from </a:t>
             </a:r>
             <a:r>
               <a:rPr lang="en-GB" sz="1800" dirty="0" smtClean="0"/>
@@ -7438,11 +7470,7 @@
             </a:r>
             <a:r>
               <a:rPr lang="en-GB" sz="1800" dirty="0" smtClean="0"/>
-              <a:t>in </a:t>
-            </a:r>
-            <a:r>
-              <a:rPr lang="en-GB" sz="1800" dirty="0" smtClean="0"/>
-              <a:t>cache</a:t>
+              <a:t>in cache</a:t>
             </a:r>
           </a:p>
           <a:p>
@@ -7466,11 +7494,7 @@
             </a:pPr>
             <a:r>
               <a:rPr lang="en-GB" sz="1800" dirty="0" smtClean="0"/>
-              <a:t>Available </a:t>
-            </a:r>
-            <a:r>
-              <a:rPr lang="en-GB" sz="1800" dirty="0" smtClean="0"/>
-              <a:t>cache loaders/stores:</a:t>
+              <a:t>Available cache loaders/stores:</a:t>
             </a:r>
             <a:endParaRPr lang="en-GB" sz="1000" dirty="0" smtClean="0"/>
           </a:p>
@@ -7647,7 +7671,7 @@
               <a:pPr>
                 <a:defRPr/>
               </a:pPr>
-              <a:t>9 August 2015</a:t>
+              <a:t>11 August 2015</a:t>
             </a:fld>
             <a:endParaRPr lang="en-US" dirty="0"/>
           </a:p>
@@ -7787,7 +7811,7 @@
       </p:grpSpPr>
       <p:sp>
         <p:nvSpPr>
-          <p:cNvPr id="2" name="Title 1"/>
+          <p:cNvPr id="8" name="Title 7"/>
           <p:cNvSpPr>
             <a:spLocks noGrp="1"/>
           </p:cNvSpPr>
@@ -7801,21 +7825,21 @@
           <a:lstStyle/>
           <a:p>
             <a:r>
-              <a:rPr lang="en-GB" dirty="0" smtClean="0"/>
-              <a:t>Features</a:t>
-            </a:r>
-            <a:endParaRPr lang="en-GB" dirty="0"/>
-          </a:p>
-        </p:txBody>
-      </p:sp>
-      <p:sp>
-        <p:nvSpPr>
-          <p:cNvPr id="3" name="Content Placeholder 2"/>
+              <a:rPr lang="en-US" dirty="0" smtClean="0"/>
+              <a:t>Questions</a:t>
+            </a:r>
+            <a:endParaRPr lang="en-US" dirty="0"/>
+          </a:p>
+        </p:txBody>
+      </p:sp>
+      <p:sp>
+        <p:nvSpPr>
+          <p:cNvPr id="10" name="Text Placeholder 9"/>
           <p:cNvSpPr>
             <a:spLocks noGrp="1"/>
           </p:cNvSpPr>
           <p:nvPr>
-            <p:ph idx="1"/>
+            <p:ph type="body" sz="quarter" idx="13"/>
           </p:nvPr>
         </p:nvSpPr>
         <p:spPr/>
@@ -7823,54 +7847,18 @@
           <a:bodyPr/>
           <a:lstStyle/>
           <a:p>
-            <a:r>
-              <a:rPr lang="en-GB" dirty="0"/>
-              <a:t>In-memory local and clustered cache</a:t>
-            </a:r>
-          </a:p>
-          <a:p>
-            <a:r>
-              <a:rPr lang="en-GB" dirty="0"/>
-              <a:t>Clustering</a:t>
-            </a:r>
-          </a:p>
-          <a:p>
-            <a:r>
-              <a:rPr lang="en-GB" dirty="0"/>
-              <a:t>Transactions</a:t>
-            </a:r>
-          </a:p>
-          <a:p>
-            <a:r>
-              <a:rPr lang="en-GB" dirty="0"/>
-              <a:t>Persistence</a:t>
-            </a:r>
-          </a:p>
-          <a:p>
-            <a:r>
-              <a:rPr lang="en-GB" dirty="0"/>
-              <a:t>Configuration / Development</a:t>
-            </a:r>
-          </a:p>
-          <a:p>
-            <a:r>
-              <a:rPr lang="en-GB" dirty="0"/>
-              <a:t>Integrations</a:t>
-            </a:r>
-          </a:p>
-          <a:p>
-            <a:endParaRPr lang="en-GB" dirty="0"/>
-          </a:p>
-        </p:txBody>
-      </p:sp>
-      <p:sp>
-        <p:nvSpPr>
-          <p:cNvPr id="4" name="Text Placeholder 3"/>
+            <a:endParaRPr lang="en-US"/>
+          </a:p>
+        </p:txBody>
+      </p:sp>
+      <p:sp>
+        <p:nvSpPr>
+          <p:cNvPr id="6" name="Date Placeholder 5"/>
           <p:cNvSpPr>
             <a:spLocks noGrp="1"/>
           </p:cNvSpPr>
           <p:nvPr>
-            <p:ph type="body" sz="quarter" idx="13"/>
+            <p:ph type="dt" sz="half" idx="14"/>
           </p:nvPr>
         </p:nvSpPr>
         <p:spPr/>
@@ -7878,34 +7866,15 @@
           <a:bodyPr/>
           <a:lstStyle/>
           <a:p>
-            <a:endParaRPr lang="en-GB"/>
-          </a:p>
-        </p:txBody>
-      </p:sp>
-      <p:sp>
-        <p:nvSpPr>
-          <p:cNvPr id="5" name="Date Placeholder 4"/>
-          <p:cNvSpPr>
-            <a:spLocks noGrp="1"/>
-          </p:cNvSpPr>
-          <p:nvPr>
-            <p:ph type="dt" sz="half" idx="14"/>
-          </p:nvPr>
-        </p:nvSpPr>
-        <p:spPr/>
-        <p:txBody>
-          <a:bodyPr/>
-          <a:lstStyle/>
-          <a:p>
             <a:pPr>
               <a:defRPr/>
             </a:pPr>
-            <a:fld id="{D95CFEC9-DCDE-483F-9C62-EBF9D31C73AA}" type="datetime3">
+            <a:fld id="{262EFB65-E16C-451A-8365-0EA1441EB5B7}" type="datetime3">
               <a:rPr lang="en-US" smtClean="0"/>
               <a:pPr>
                 <a:defRPr/>
               </a:pPr>
-              <a:t>9 August 2015</a:t>
+              <a:t>11 August 2015</a:t>
             </a:fld>
             <a:endParaRPr lang="en-US" dirty="0"/>
           </a:p>
@@ -7913,7 +7882,7 @@
       </p:sp>
       <p:sp>
         <p:nvSpPr>
-          <p:cNvPr id="6" name="Slide Number Placeholder 5"/>
+          <p:cNvPr id="7" name="Slide Number Placeholder 6"/>
           <p:cNvSpPr>
             <a:spLocks noGrp="1"/>
           </p:cNvSpPr>
@@ -7929,21 +7898,54 @@
             <a:pPr>
               <a:defRPr/>
             </a:pPr>
-            <a:fld id="{90600ADF-17AC-4085-9C50-2A0435A05455}" type="slidenum">
+            <a:fld id="{62FEDF8E-5B0F-4A65-9F05-A41FA81134FA}" type="slidenum">
               <a:rPr lang="en-US" smtClean="0"/>
               <a:pPr>
                 <a:defRPr/>
               </a:pPr>
               <a:t>16</a:t>
             </a:fld>
-            <a:endParaRPr lang="en-US" dirty="0"/>
-          </a:p>
-        </p:txBody>
-      </p:sp>
+            <a:endParaRPr lang="en-US"/>
+          </a:p>
+        </p:txBody>
+      </p:sp>
+      <p:pic>
+        <p:nvPicPr>
+          <p:cNvPr id="14" name="Content Placeholder 13" descr="Unknown.jpg"/>
+          <p:cNvPicPr>
+            <a:picLocks noGrp="1" noChangeAspect="1"/>
+          </p:cNvPicPr>
+          <p:nvPr>
+            <p:ph idx="1"/>
+          </p:nvPr>
+        </p:nvPicPr>
+        <p:blipFill rotWithShape="1">
+          <a:blip r:embed="rId2">
+            <a:extLst>
+              <a:ext uri="{28A0092B-C50C-407E-A947-70E740481C1C}">
+                <a14:useLocalDpi xmlns:a14="http://schemas.microsoft.com/office/drawing/2010/main" val="0"/>
+              </a:ext>
+            </a:extLst>
+          </a:blip>
+          <a:srcRect l="2153" t="4826" r="6205" b="2765"/>
+          <a:stretch/>
+        </p:blipFill>
+        <p:spPr>
+          <a:xfrm>
+            <a:off x="3168728" y="1849348"/>
+            <a:ext cx="2367299" cy="2884984"/>
+          </a:xfrm>
+          <a:effectLst/>
+          <a:scene3d>
+            <a:camera prst="perspectiveFront"/>
+            <a:lightRig rig="threePt" dir="t"/>
+          </a:scene3d>
+        </p:spPr>
+      </p:pic>
     </p:spTree>
     <p:extLst>
       <p:ext uri="{BB962C8B-B14F-4D97-AF65-F5344CB8AC3E}">
-        <p14:creationId xmlns:p14="http://schemas.microsoft.com/office/powerpoint/2010/main" val="1007208415"/>
+        <p14:creationId xmlns:p14="http://schemas.microsoft.com/office/powerpoint/2010/main" val="2837727982"/>
       </p:ext>
     </p:extLst>
   </p:cSld>
@@ -8059,7 +8061,6 @@
               <a:rPr lang="en-GB" dirty="0" smtClean="0"/>
               <a:t>Cache API</a:t>
             </a:r>
-            <a:endParaRPr lang="en-GB" dirty="0" smtClean="0"/>
           </a:p>
           <a:p>
             <a:pPr>
@@ -8071,7 +8072,6 @@
               <a:rPr lang="en-GB" dirty="0" smtClean="0"/>
               <a:t>Caching Modes</a:t>
             </a:r>
-            <a:endParaRPr lang="en-GB" dirty="0" smtClean="0"/>
           </a:p>
           <a:p>
             <a:pPr>
@@ -8095,7 +8095,6 @@
               <a:rPr lang="en-GB" dirty="0" smtClean="0"/>
               <a:t>Transactions</a:t>
             </a:r>
-            <a:endParaRPr lang="en-GB" dirty="0" smtClean="0"/>
           </a:p>
           <a:p>
             <a:pPr>
@@ -8152,7 +8151,7 @@
               <a:pPr>
                 <a:defRPr/>
               </a:pPr>
-              <a:t>9 August 2015</a:t>
+              <a:t>11 August 2015</a:t>
             </a:fld>
             <a:endParaRPr lang="en-US" dirty="0"/>
           </a:p>
@@ -8275,11 +8274,7 @@
             </a:pPr>
             <a:r>
               <a:rPr lang="en-GB" dirty="0" smtClean="0"/>
-              <a:t>Data Grid </a:t>
-            </a:r>
-            <a:r>
-              <a:rPr lang="en-GB" dirty="0" smtClean="0"/>
-              <a:t>Platform</a:t>
+              <a:t>Data Grid Platform</a:t>
             </a:r>
           </a:p>
           <a:p>
@@ -8292,7 +8287,6 @@
               <a:rPr lang="en-GB" dirty="0" smtClean="0"/>
               <a:t>Distributed</a:t>
             </a:r>
-            <a:endParaRPr lang="en-GB" dirty="0" smtClean="0"/>
           </a:p>
           <a:p>
             <a:pPr lvl="1">
@@ -8313,15 +8307,7 @@
             </a:pPr>
             <a:r>
               <a:rPr lang="en-GB" dirty="0" smtClean="0"/>
-              <a:t>K</a:t>
-            </a:r>
-            <a:r>
-              <a:rPr lang="en-GB" dirty="0" smtClean="0"/>
-              <a:t>ey</a:t>
-            </a:r>
-            <a:r>
-              <a:rPr lang="en-GB" dirty="0" smtClean="0"/>
-              <a:t>/value store</a:t>
+              <a:t>Key/value store</a:t>
             </a:r>
           </a:p>
           <a:p>
@@ -8416,7 +8402,7 @@
               <a:pPr>
                 <a:defRPr/>
               </a:pPr>
-              <a:t>9 August 2015</a:t>
+              <a:t>11 August 2015</a:t>
             </a:fld>
             <a:endParaRPr lang="en-US" dirty="0"/>
           </a:p>
@@ -8505,36 +8491,13 @@
           <a:p>
             <a:r>
               <a:rPr lang="en-GB" sz="1800" dirty="0"/>
-              <a:t>Into your application </a:t>
+              <a:t>Exist in same JVM as application </a:t>
             </a:r>
             <a:r>
               <a:rPr lang="en-GB" sz="1800" dirty="0" smtClean="0"/>
               <a:t>code</a:t>
             </a:r>
-          </a:p>
-          <a:p>
-            <a:pPr marL="0" indent="0">
-              <a:buNone/>
-            </a:pPr>
             <a:endParaRPr lang="en-GB" sz="1800" dirty="0" smtClean="0"/>
-          </a:p>
-          <a:p>
-            <a:r>
-              <a:rPr lang="en-GB" sz="1800" dirty="0"/>
-              <a:t>E</a:t>
-            </a:r>
-            <a:r>
-              <a:rPr lang="en-GB" sz="1800" dirty="0" smtClean="0"/>
-              <a:t>xist </a:t>
-            </a:r>
-            <a:r>
-              <a:rPr lang="en-GB" sz="1800" dirty="0"/>
-              <a:t>in same JVM as application </a:t>
-            </a:r>
-            <a:r>
-              <a:rPr lang="en-GB" sz="1800" dirty="0" smtClean="0"/>
-              <a:t>code</a:t>
-            </a:r>
           </a:p>
           <a:p>
             <a:pPr marL="0" indent="0">
@@ -8565,28 +8528,9 @@
           <a:p>
             <a:r>
               <a:rPr lang="en-GB" sz="1800" dirty="0" smtClean="0"/>
-              <a:t>Used </a:t>
-            </a:r>
-            <a:r>
-              <a:rPr lang="en-GB" sz="1800" dirty="0" smtClean="0"/>
-              <a:t>when, application </a:t>
-            </a:r>
-            <a:r>
-              <a:rPr lang="en-GB" sz="1800" dirty="0"/>
-              <a:t>or a </a:t>
-            </a:r>
-            <a:r>
-              <a:rPr lang="en-GB" sz="1800" dirty="0" smtClean="0"/>
-              <a:t>framework needs </a:t>
-            </a:r>
-            <a:r>
-              <a:rPr lang="en-GB" sz="1800" dirty="0"/>
-              <a:t>to be </a:t>
-            </a:r>
-            <a:r>
-              <a:rPr lang="en-GB" sz="1800" dirty="0" smtClean="0"/>
-              <a:t>cluster-aware</a:t>
-            </a:r>
+              <a:t>P2P communication through RPC calls between nodes</a:t>
+            </a:r>
+            <a:endParaRPr lang="en-GB" sz="1800" dirty="0" smtClean="0"/>
           </a:p>
           <a:p>
             <a:pPr marL="0" indent="0">
@@ -8796,7 +8740,7 @@
               <a:pPr>
                 <a:defRPr/>
               </a:pPr>
-              <a:t>9 August 2015</a:t>
+              <a:t>11 August 2015</a:t>
             </a:fld>
             <a:endParaRPr lang="en-US" dirty="0"/>
           </a:p>
@@ -8889,17 +8833,58 @@
           <a:lstStyle/>
           <a:p>
             <a:r>
+              <a:rPr lang="en-GB" sz="1800" dirty="0"/>
+              <a:t>Provide external access to data </a:t>
+            </a:r>
+            <a:r>
               <a:rPr lang="en-GB" sz="1800" dirty="0" smtClean="0"/>
-              <a:t>Accessed </a:t>
-            </a:r>
+              <a:t>grid</a:t>
+            </a:r>
+          </a:p>
+          <a:p>
+            <a:endParaRPr lang="en-GB" sz="1800" dirty="0"/>
+          </a:p>
+          <a:p>
             <a:r>
               <a:rPr lang="en-GB" sz="1800" dirty="0"/>
-              <a:t>by a </a:t>
+              <a:t>Provide access from a non-JVM </a:t>
             </a:r>
             <a:r>
               <a:rPr lang="en-GB" sz="1800" dirty="0" smtClean="0"/>
-              <a:t>client</a:t>
-            </a:r>
+              <a:t>environment</a:t>
+            </a:r>
+            <a:endParaRPr lang="en-GB" sz="1800" dirty="0"/>
+          </a:p>
+          <a:p>
+            <a:endParaRPr lang="en-GB" sz="1800" dirty="0" smtClean="0"/>
+          </a:p>
+          <a:p>
+            <a:r>
+              <a:rPr lang="en-GB" sz="1800" dirty="0" smtClean="0"/>
+              <a:t>Describe relationship between </a:t>
+            </a:r>
+            <a:r>
+              <a:rPr lang="en-GB" sz="1800" dirty="0" err="1" smtClean="0"/>
+              <a:t>Infinispan</a:t>
+            </a:r>
+            <a:r>
+              <a:rPr lang="en-GB" sz="1800" dirty="0" smtClean="0"/>
+              <a:t> data grid and clients</a:t>
+            </a:r>
+          </a:p>
+          <a:p>
+            <a:endParaRPr lang="en-GB" sz="1800" dirty="0"/>
+          </a:p>
+          <a:p>
+            <a:r>
+              <a:rPr lang="en-GB" sz="1800" dirty="0"/>
+              <a:t>Acts as a shared storage tier when multiple applications need access to data </a:t>
+            </a:r>
+            <a:r>
+              <a:rPr lang="en-GB" sz="1800" dirty="0" smtClean="0"/>
+              <a:t>storage</a:t>
+            </a:r>
+            <a:endParaRPr lang="en-GB" sz="1800" dirty="0" smtClean="0"/>
           </a:p>
           <a:p>
             <a:pPr marL="0" indent="0">
@@ -8946,81 +8931,18 @@
             </a:r>
             <a:r>
               <a:rPr lang="en-GB" sz="1800" dirty="0" smtClean="0"/>
-              <a:t> AS 7.2</a:t>
-            </a:r>
+              <a:t> AS </a:t>
+            </a:r>
+            <a:r>
+              <a:rPr lang="en-GB" sz="1800" dirty="0" smtClean="0"/>
+              <a:t>7.2</a:t>
+            </a:r>
+            <a:endParaRPr lang="en-GB" sz="1800" dirty="0" smtClean="0"/>
           </a:p>
           <a:p>
             <a:pPr marL="0" indent="0">
               <a:buNone/>
             </a:pPr>
-            <a:endParaRPr lang="en-GB" sz="1800" dirty="0" smtClean="0"/>
-          </a:p>
-          <a:p>
-            <a:r>
-              <a:rPr lang="en-GB" sz="1800" dirty="0" smtClean="0"/>
-              <a:t>Provide external access to data </a:t>
-            </a:r>
-            <a:r>
-              <a:rPr lang="en-GB" sz="1800" dirty="0" smtClean="0"/>
-              <a:t>grid</a:t>
-            </a:r>
-            <a:endParaRPr lang="en-GB" sz="1800" dirty="0" smtClean="0"/>
-          </a:p>
-          <a:p>
-            <a:pPr marL="0" indent="0">
-              <a:buNone/>
-            </a:pPr>
-            <a:endParaRPr lang="en-GB" sz="1800" dirty="0" smtClean="0"/>
-          </a:p>
-          <a:p>
-            <a:r>
-              <a:rPr lang="en-GB" sz="1800" dirty="0" smtClean="0"/>
-              <a:t>Provide access from </a:t>
-            </a:r>
-            <a:r>
-              <a:rPr lang="en-GB" sz="1800" dirty="0"/>
-              <a:t>a </a:t>
-            </a:r>
-            <a:r>
-              <a:rPr lang="en-GB" sz="1800" dirty="0" smtClean="0"/>
-              <a:t>non-JVM environment</a:t>
-            </a:r>
-          </a:p>
-          <a:p>
-            <a:pPr marL="0" indent="0">
-              <a:buNone/>
-            </a:pPr>
-            <a:endParaRPr lang="en-GB" sz="1800" dirty="0" smtClean="0"/>
-          </a:p>
-          <a:p>
-            <a:r>
-              <a:rPr lang="en-GB" sz="1800" dirty="0" smtClean="0"/>
-              <a:t>Acts as </a:t>
-            </a:r>
-            <a:r>
-              <a:rPr lang="en-GB" sz="1800" dirty="0"/>
-              <a:t>a shared storage </a:t>
-            </a:r>
-            <a:r>
-              <a:rPr lang="en-GB" sz="1800" dirty="0" smtClean="0"/>
-              <a:t>tier when multiple </a:t>
-            </a:r>
-            <a:r>
-              <a:rPr lang="en-GB" sz="1800" dirty="0"/>
-              <a:t>applications </a:t>
-            </a:r>
-            <a:r>
-              <a:rPr lang="en-GB" sz="1800" dirty="0" smtClean="0"/>
-              <a:t>need </a:t>
-            </a:r>
-            <a:r>
-              <a:rPr lang="en-GB" sz="1800" dirty="0"/>
-              <a:t>access to data </a:t>
-            </a:r>
-            <a:r>
-              <a:rPr lang="en-GB" sz="1800" dirty="0" smtClean="0"/>
-              <a:t>storage</a:t>
-            </a:r>
             <a:endParaRPr lang="en-GB" sz="1800" dirty="0" smtClean="0"/>
           </a:p>
           <a:p>
@@ -9111,7 +9033,7 @@
               <a:pPr>
                 <a:defRPr/>
               </a:pPr>
-              <a:t>9 August 2015</a:t>
+              <a:t>11 August 2015</a:t>
             </a:fld>
             <a:endParaRPr lang="en-US" dirty="0"/>
           </a:p>
@@ -9304,7 +9226,11 @@
             </a:pPr>
             <a:r>
               <a:rPr lang="en-US" sz="1600" dirty="0" smtClean="0"/>
-              <a:t>Provides : Eviction/Expiration, Event Notifications, Persistence and Transactions</a:t>
+              <a:t>Provides </a:t>
+            </a:r>
+            <a:r>
+              <a:rPr lang="en-US" sz="1600" dirty="0" smtClean="0"/>
+              <a:t>Eviction/Expiration, Event Notifications, Persistence and Transactions</a:t>
             </a:r>
           </a:p>
           <a:p>
@@ -9315,23 +9241,43 @@
               <a:buNone/>
             </a:pPr>
             <a:r>
-              <a:rPr lang="en-US" sz="1600" dirty="0" smtClean="0"/>
+              <a:rPr lang="en-US" sz="1600" dirty="0" smtClean="0">
+                <a:solidFill>
+                  <a:schemeClr val="tx2"/>
+                </a:solidFill>
+              </a:rPr>
               <a:t>Cache cache = new </a:t>
             </a:r>
             <a:r>
-              <a:rPr lang="en-US" sz="1600" dirty="0" err="1" smtClean="0"/>
+              <a:rPr lang="en-US" sz="1600" dirty="0" err="1" smtClean="0">
+                <a:solidFill>
+                  <a:schemeClr val="tx2"/>
+                </a:solidFill>
+              </a:rPr>
               <a:t>DafaultCacheManager</a:t>
             </a:r>
             <a:r>
-              <a:rPr lang="en-US" sz="1600" dirty="0" smtClean="0"/>
+              <a:rPr lang="en-US" sz="1600" dirty="0" smtClean="0">
+                <a:solidFill>
+                  <a:schemeClr val="tx2"/>
+                </a:solidFill>
+              </a:rPr>
               <a:t>().</a:t>
             </a:r>
             <a:r>
-              <a:rPr lang="en-US" sz="1600" dirty="0" err="1" smtClean="0"/>
+              <a:rPr lang="en-US" sz="1600" dirty="0" err="1" smtClean="0">
+                <a:solidFill>
+                  <a:schemeClr val="tx2"/>
+                </a:solidFill>
+              </a:rPr>
               <a:t>getCache</a:t>
             </a:r>
             <a:r>
-              <a:rPr lang="en-US" sz="1600" dirty="0" smtClean="0"/>
+              <a:rPr lang="en-US" sz="1600" dirty="0" smtClean="0">
+                <a:solidFill>
+                  <a:schemeClr val="tx2"/>
+                </a:solidFill>
+              </a:rPr>
               <a:t>();</a:t>
             </a:r>
           </a:p>
@@ -9380,27 +9326,51 @@
               <a:buNone/>
             </a:pPr>
             <a:r>
-              <a:rPr lang="en-US" sz="1600" dirty="0" err="1" smtClean="0"/>
+              <a:rPr lang="en-US" sz="1600" dirty="0" err="1">
+                <a:solidFill>
+                  <a:schemeClr val="tx2"/>
+                </a:solidFill>
+              </a:rPr>
               <a:t>AdvancedCache</a:t>
             </a:r>
             <a:r>
-              <a:rPr lang="en-US" sz="1600" dirty="0" smtClean="0"/>
+              <a:rPr lang="en-US" sz="1600" dirty="0">
+                <a:solidFill>
+                  <a:schemeClr val="tx2"/>
+                </a:solidFill>
+              </a:rPr>
               <a:t> </a:t>
             </a:r>
             <a:r>
-              <a:rPr lang="en-US" sz="1600" dirty="0" err="1"/>
+              <a:rPr lang="en-US" sz="1600" dirty="0" err="1">
+                <a:solidFill>
+                  <a:schemeClr val="tx2"/>
+                </a:solidFill>
+              </a:rPr>
               <a:t>advancedCache</a:t>
             </a:r>
             <a:r>
-              <a:rPr lang="en-US" sz="1600" dirty="0"/>
+              <a:rPr lang="en-US" sz="1600" dirty="0">
+                <a:solidFill>
+                  <a:schemeClr val="tx2"/>
+                </a:solidFill>
+              </a:rPr>
               <a:t> = </a:t>
             </a:r>
             <a:r>
-              <a:rPr lang="en-US" sz="1600" dirty="0" err="1"/>
+              <a:rPr lang="en-US" sz="1600" dirty="0" err="1">
+                <a:solidFill>
+                  <a:schemeClr val="tx2"/>
+                </a:solidFill>
+              </a:rPr>
               <a:t>cache.getAdvancedCache</a:t>
             </a:r>
             <a:r>
-              <a:rPr lang="en-US" sz="1600" dirty="0"/>
+              <a:rPr lang="en-US" sz="1600" dirty="0">
+                <a:solidFill>
+                  <a:schemeClr val="tx2"/>
+                </a:solidFill>
+              </a:rPr>
               <a:t>();</a:t>
             </a:r>
           </a:p>
@@ -9472,31 +9442,59 @@
               <a:buNone/>
             </a:pPr>
             <a:r>
-              <a:rPr lang="en-US" sz="1600" dirty="0" smtClean="0"/>
+              <a:rPr lang="en-US" sz="1600" dirty="0">
+                <a:solidFill>
+                  <a:schemeClr val="tx2"/>
+                </a:solidFill>
+              </a:rPr>
               <a:t>Future future </a:t>
             </a:r>
             <a:r>
-              <a:rPr lang="en-US" sz="1600" dirty="0"/>
+              <a:rPr lang="en-US" sz="1600" dirty="0">
+                <a:solidFill>
+                  <a:schemeClr val="tx2"/>
+                </a:solidFill>
+              </a:rPr>
               <a:t>= </a:t>
             </a:r>
             <a:r>
-              <a:rPr lang="en-US" sz="1600" dirty="0" err="1" smtClean="0"/>
+              <a:rPr lang="en-US" sz="1600" dirty="0" err="1">
+                <a:solidFill>
+                  <a:schemeClr val="tx2"/>
+                </a:solidFill>
+              </a:rPr>
               <a:t>cache.putAsync</a:t>
             </a:r>
             <a:r>
-              <a:rPr lang="en-US" sz="1600" dirty="0"/>
+              <a:rPr lang="en-US" sz="1600" dirty="0">
+                <a:solidFill>
+                  <a:schemeClr val="tx2"/>
+                </a:solidFill>
+              </a:rPr>
               <a:t>(key1, value1</a:t>
             </a:r>
             <a:r>
-              <a:rPr lang="en-US" sz="1600" dirty="0" smtClean="0"/>
+              <a:rPr lang="en-US" sz="1600" dirty="0">
+                <a:solidFill>
+                  <a:schemeClr val="tx2"/>
+                </a:solidFill>
+              </a:rPr>
               <a:t>); </a:t>
             </a:r>
             <a:r>
-              <a:rPr lang="en-US" sz="1600" dirty="0"/>
+              <a:rPr lang="en-US" sz="1600" dirty="0">
+                <a:solidFill>
+                  <a:srgbClr val="1BD050"/>
+                </a:solidFill>
+              </a:rPr>
               <a:t>// does not </a:t>
             </a:r>
             <a:r>
-              <a:rPr lang="en-US" sz="1600" dirty="0" smtClean="0"/>
+              <a:rPr lang="en-US" sz="1600" dirty="0" smtClean="0">
+                <a:solidFill>
+                  <a:srgbClr val="1BD050"/>
+                </a:solidFill>
+              </a:rPr>
               <a:t>block</a:t>
             </a:r>
           </a:p>
@@ -9508,29 +9506,34 @@
               <a:buNone/>
             </a:pPr>
             <a:r>
-              <a:rPr lang="en-US" sz="1600" dirty="0" err="1"/>
-              <a:t>f</a:t>
-            </a:r>
-            <a:r>
-              <a:rPr lang="en-US" sz="1600" dirty="0" err="1" smtClean="0"/>
-              <a:t>uture.get</a:t>
-            </a:r>
-            <a:r>
-              <a:rPr lang="en-US" sz="1600" dirty="0" smtClean="0"/>
+              <a:rPr lang="en-US" sz="1600" dirty="0" err="1" smtClean="0">
+                <a:solidFill>
+                  <a:schemeClr val="tx2"/>
+                </a:solidFill>
+              </a:rPr>
+              <a:t>future.get</a:t>
+            </a:r>
+            <a:r>
+              <a:rPr lang="en-US" sz="1600" dirty="0" smtClean="0">
+                <a:solidFill>
+                  <a:schemeClr val="tx2"/>
+                </a:solidFill>
+              </a:rPr>
               <a:t>(); </a:t>
             </a:r>
             <a:r>
-              <a:rPr lang="en-US" sz="1600" i="1" dirty="0" smtClean="0"/>
-              <a:t>// </a:t>
-            </a:r>
-            <a:r>
-              <a:rPr lang="en-US" sz="1600" dirty="0" smtClean="0"/>
-              <a:t>check </a:t>
-            </a:r>
-            <a:r>
-              <a:rPr lang="en-US" sz="1600" dirty="0"/>
-              <a:t>that the puts completed successfully</a:t>
-            </a:r>
+              <a:rPr lang="en-US" sz="1600" dirty="0" smtClean="0">
+                <a:solidFill>
+                  <a:srgbClr val="1BD050"/>
+                </a:solidFill>
+              </a:rPr>
+              <a:t>// check that the puts completed successfully</a:t>
+            </a:r>
+            <a:endParaRPr lang="en-US" sz="1600" dirty="0">
+              <a:solidFill>
+                <a:srgbClr val="1BD050"/>
+              </a:solidFill>
+            </a:endParaRPr>
           </a:p>
         </p:txBody>
       </p:sp>
@@ -9576,7 +9579,7 @@
               <a:pPr>
                 <a:defRPr/>
               </a:pPr>
-              <a:t>9 August 2015</a:t>
+              <a:t>11 August 2015</a:t>
             </a:fld>
             <a:endParaRPr lang="en-US" dirty="0"/>
           </a:p>
@@ -9683,8 +9686,8 @@
         </p:nvSpPr>
         <p:spPr>
           <a:xfrm>
-            <a:off x="431800" y="1239838"/>
-            <a:ext cx="8281988" cy="5261562"/>
+            <a:off x="431800" y="1163105"/>
+            <a:ext cx="8281988" cy="5338295"/>
           </a:xfrm>
         </p:spPr>
         <p:txBody>
@@ -9704,8 +9707,13 @@
             </a:pPr>
             <a:r>
               <a:rPr lang="en-US" sz="1600" dirty="0"/>
-              <a:t>Store information in a hierarchical way.</a:t>
-            </a:r>
+              <a:t>Store information in a hierarchical </a:t>
+            </a:r>
+            <a:r>
+              <a:rPr lang="en-US" sz="1600" dirty="0" smtClean="0"/>
+              <a:t>way</a:t>
+            </a:r>
+            <a:endParaRPr lang="en-US" sz="1600" dirty="0"/>
           </a:p>
           <a:p>
             <a:pPr lvl="1">
@@ -9749,27 +9757,51 @@
               <a:buNone/>
             </a:pPr>
             <a:r>
-              <a:rPr lang="en-US" sz="1600" dirty="0"/>
+              <a:rPr lang="en-US" sz="1600" dirty="0">
+                <a:solidFill>
+                  <a:schemeClr val="tx2"/>
+                </a:solidFill>
+              </a:rPr>
               <a:t>Configuration </a:t>
             </a:r>
             <a:r>
-              <a:rPr lang="en-US" sz="1600" dirty="0" err="1"/>
+              <a:rPr lang="en-US" sz="1600" dirty="0" err="1">
+                <a:solidFill>
+                  <a:schemeClr val="tx2"/>
+                </a:solidFill>
+              </a:rPr>
               <a:t>config</a:t>
             </a:r>
             <a:r>
-              <a:rPr lang="en-US" sz="1600" dirty="0"/>
+              <a:rPr lang="en-US" sz="1600" dirty="0">
+                <a:solidFill>
+                  <a:schemeClr val="tx2"/>
+                </a:solidFill>
+              </a:rPr>
               <a:t> = new Configuration(</a:t>
             </a:r>
             <a:r>
-              <a:rPr lang="en-US" sz="1600" dirty="0" smtClean="0"/>
+              <a:rPr lang="en-US" sz="1600" dirty="0">
+                <a:solidFill>
+                  <a:schemeClr val="tx2"/>
+                </a:solidFill>
+              </a:rPr>
               <a:t>).</a:t>
             </a:r>
             <a:r>
-              <a:rPr lang="en-US" sz="1600" dirty="0" err="1" smtClean="0"/>
+              <a:rPr lang="en-US" sz="1600" dirty="0" err="1">
+                <a:solidFill>
+                  <a:schemeClr val="tx2"/>
+                </a:solidFill>
+              </a:rPr>
               <a:t>setInvocationBatchingEnabled</a:t>
             </a:r>
             <a:r>
-              <a:rPr lang="en-US" sz="1600" dirty="0"/>
+              <a:rPr lang="en-US" sz="1600" dirty="0">
+                <a:solidFill>
+                  <a:schemeClr val="tx2"/>
+                </a:solidFill>
+              </a:rPr>
               <a:t>(true);</a:t>
             </a:r>
           </a:p>
@@ -9781,31 +9813,59 @@
               <a:buNone/>
             </a:pPr>
             <a:r>
-              <a:rPr lang="en-US" sz="1600" dirty="0"/>
+              <a:rPr lang="en-US" sz="1600" dirty="0">
+                <a:solidFill>
+                  <a:schemeClr val="tx2"/>
+                </a:solidFill>
+              </a:rPr>
               <a:t>Cache cache = new </a:t>
             </a:r>
             <a:r>
-              <a:rPr lang="en-US" sz="1600" dirty="0" err="1"/>
+              <a:rPr lang="en-US" sz="1600" dirty="0" err="1">
+                <a:solidFill>
+                  <a:schemeClr val="tx2"/>
+                </a:solidFill>
+              </a:rPr>
               <a:t>DefaultCacheManager</a:t>
             </a:r>
             <a:r>
-              <a:rPr lang="en-US" sz="1600" dirty="0"/>
+              <a:rPr lang="en-US" sz="1600" dirty="0">
+                <a:solidFill>
+                  <a:schemeClr val="tx2"/>
+                </a:solidFill>
+              </a:rPr>
               <a:t>(</a:t>
             </a:r>
             <a:r>
-              <a:rPr lang="en-US" sz="1600" dirty="0" err="1"/>
+              <a:rPr lang="en-US" sz="1600" dirty="0" err="1">
+                <a:solidFill>
+                  <a:schemeClr val="tx2"/>
+                </a:solidFill>
+              </a:rPr>
               <a:t>config</a:t>
             </a:r>
             <a:r>
-              <a:rPr lang="en-US" sz="1600" dirty="0"/>
+              <a:rPr lang="en-US" sz="1600" dirty="0">
+                <a:solidFill>
+                  <a:schemeClr val="tx2"/>
+                </a:solidFill>
+              </a:rPr>
               <a:t>).</a:t>
             </a:r>
             <a:r>
-              <a:rPr lang="en-US" sz="1600" dirty="0" err="1"/>
+              <a:rPr lang="en-US" sz="1600" dirty="0" err="1">
+                <a:solidFill>
+                  <a:schemeClr val="tx2"/>
+                </a:solidFill>
+              </a:rPr>
               <a:t>getCache</a:t>
             </a:r>
             <a:r>
-              <a:rPr lang="en-US" sz="1600" dirty="0"/>
+              <a:rPr lang="en-US" sz="1600" dirty="0">
+                <a:solidFill>
+                  <a:schemeClr val="tx2"/>
+                </a:solidFill>
+              </a:rPr>
               <a:t>();</a:t>
             </a:r>
           </a:p>
@@ -9817,30 +9877,53 @@
               <a:buNone/>
             </a:pPr>
             <a:r>
-              <a:rPr lang="en-US" sz="1600" dirty="0" err="1"/>
+              <a:rPr lang="en-US" sz="1600" dirty="0" err="1">
+                <a:solidFill>
+                  <a:schemeClr val="tx2"/>
+                </a:solidFill>
+              </a:rPr>
               <a:t>TreeCache</a:t>
             </a:r>
             <a:r>
-              <a:rPr lang="en-US" sz="1600" dirty="0"/>
+              <a:rPr lang="en-US" sz="1600" dirty="0">
+                <a:solidFill>
+                  <a:schemeClr val="tx2"/>
+                </a:solidFill>
+              </a:rPr>
               <a:t> </a:t>
             </a:r>
             <a:r>
-              <a:rPr lang="en-US" sz="1600" dirty="0" err="1"/>
+              <a:rPr lang="en-US" sz="1600" dirty="0" err="1">
+                <a:solidFill>
+                  <a:schemeClr val="tx2"/>
+                </a:solidFill>
+              </a:rPr>
               <a:t>treeCache</a:t>
             </a:r>
             <a:r>
-              <a:rPr lang="en-US" sz="1600" dirty="0"/>
+              <a:rPr lang="en-US" sz="1600" dirty="0">
+                <a:solidFill>
+                  <a:schemeClr val="tx2"/>
+                </a:solidFill>
+              </a:rPr>
               <a:t> = </a:t>
             </a:r>
             <a:r>
-              <a:rPr lang="en-US" sz="1600" dirty="0" err="1"/>
+              <a:rPr lang="en-US" sz="1600" dirty="0" err="1">
+                <a:solidFill>
+                  <a:schemeClr val="tx2"/>
+                </a:solidFill>
+              </a:rPr>
               <a:t>TreeCacheFactory.createTreeCache</a:t>
             </a:r>
             <a:r>
-              <a:rPr lang="en-US" sz="1600" dirty="0"/>
+              <a:rPr lang="en-US" sz="1600" dirty="0">
+                <a:solidFill>
+                  <a:schemeClr val="tx2"/>
+                </a:solidFill>
+              </a:rPr>
               <a:t>(cache);</a:t>
             </a:r>
-            <a:endParaRPr lang="en-US" sz="1600" dirty="0"/>
           </a:p>
           <a:p>
             <a:pPr marL="571500" lvl="1" indent="0">
@@ -9866,15 +9949,11 @@
             </a:pPr>
             <a:r>
               <a:rPr lang="en-GB" sz="1600" dirty="0" smtClean="0"/>
-              <a:t>Application </a:t>
+              <a:t>Application can get notification about some events that occur inside the </a:t>
             </a:r>
             <a:r>
               <a:rPr lang="en-GB" sz="1600" dirty="0" smtClean="0"/>
-              <a:t>can get notification about some events that occur inside the grid</a:t>
-            </a:r>
-            <a:r>
-              <a:rPr lang="en-GB" sz="1600" dirty="0" smtClean="0"/>
-              <a:t>.</a:t>
+              <a:t>grid</a:t>
             </a:r>
             <a:endParaRPr lang="en-GB" sz="1800" dirty="0" smtClean="0"/>
           </a:p>
@@ -9886,12 +9965,44 @@
             </a:pPr>
             <a:r>
               <a:rPr lang="en-GB" sz="1600" dirty="0" smtClean="0"/>
-              <a:t>API is annotation </a:t>
+              <a:t>API is annotation driven (</a:t>
+            </a:r>
+            <a:r>
+              <a:rPr lang="en-GB" sz="1600" dirty="0">
+                <a:solidFill>
+                  <a:schemeClr val="tx2"/>
+                </a:solidFill>
+              </a:rPr>
+              <a:t>@Listener</a:t>
             </a:r>
             <a:r>
               <a:rPr lang="en-GB" sz="1600" dirty="0" smtClean="0"/>
-              <a:t>driven (@Listener)</a:t>
-            </a:r>
+              <a:t>)</a:t>
+            </a:r>
+          </a:p>
+          <a:p>
+            <a:pPr lvl="1">
+              <a:lnSpc>
+                <a:spcPct val="110000"/>
+              </a:lnSpc>
+            </a:pPr>
+            <a:r>
+              <a:rPr lang="en-GB" sz="1600" dirty="0"/>
+              <a:t>Cluster Listener (</a:t>
+            </a:r>
+            <a:r>
+              <a:rPr lang="en-GB" sz="1600" dirty="0">
+                <a:solidFill>
+                  <a:schemeClr val="tx2"/>
+                </a:solidFill>
+              </a:rPr>
+              <a:t>@Listener(clustered=yes)</a:t>
+            </a:r>
+            <a:r>
+              <a:rPr lang="en-GB" sz="1600" dirty="0" smtClean="0"/>
+              <a:t>)</a:t>
+            </a:r>
+            <a:endParaRPr lang="en-GB" sz="1600" dirty="0" smtClean="0"/>
           </a:p>
           <a:p>
             <a:pPr lvl="1">
@@ -9994,17 +10105,6 @@
             </a:r>
             <a:endParaRPr lang="en-GB" sz="1800" dirty="0" smtClean="0"/>
           </a:p>
-          <a:p>
-            <a:pPr lvl="1">
-              <a:lnSpc>
-                <a:spcPct val="110000"/>
-              </a:lnSpc>
-            </a:pPr>
-            <a:r>
-              <a:rPr lang="en-GB" sz="1600" dirty="0"/>
-              <a:t>Cluster Listener (@Listener(clustered=yes))</a:t>
-            </a:r>
-          </a:p>
         </p:txBody>
       </p:sp>
       <p:sp>
@@ -10049,7 +10149,7 @@
               <a:pPr>
                 <a:defRPr/>
               </a:pPr>
-              <a:t>9 August 2015</a:t>
+              <a:t>11 August 2015</a:t>
             </a:fld>
             <a:endParaRPr lang="en-US" dirty="0"/>
           </a:p>
@@ -10529,8 +10629,13 @@
             </a:r>
             <a:r>
               <a:rPr lang="en-GB" sz="1800" dirty="0"/>
-              <a:t> exceptions, to keep really necessary entries in cache.</a:t>
-            </a:r>
+              <a:t> exceptions, to keep really necessary entries in </a:t>
+            </a:r>
+            <a:r>
+              <a:rPr lang="en-GB" sz="1800" dirty="0" smtClean="0"/>
+              <a:t>cache</a:t>
+            </a:r>
+            <a:endParaRPr lang="en-GB" sz="1800" dirty="0"/>
           </a:p>
           <a:p>
             <a:endParaRPr lang="en-GB" dirty="0"/>
@@ -10579,7 +10684,6 @@
               <a:rPr lang="en-GB" dirty="0"/>
               <a:t>Eviction/Expiration</a:t>
             </a:r>
-            <a:endParaRPr lang="en-GB" dirty="0"/>
           </a:p>
         </p:txBody>
       </p:sp>
@@ -10606,7 +10710,7 @@
               <a:pPr>
                 <a:defRPr/>
               </a:pPr>
-              <a:t>9 August 2015</a:t>
+              <a:t>11 August 2015</a:t>
             </a:fld>
             <a:endParaRPr lang="en-US" dirty="0"/>
           </a:p>
@@ -10750,7 +10854,7 @@
               <a:pPr>
                 <a:defRPr/>
               </a:pPr>
-              <a:t>9 August 2015</a:t>
+              <a:t>11 August 2015</a:t>
             </a:fld>
             <a:endParaRPr lang="en-US" dirty="0"/>
           </a:p>
@@ -10986,11 +11090,7 @@
             </a:r>
             <a:r>
               <a:rPr lang="en-GB" sz="1800" kern="0" dirty="0" smtClean="0"/>
-              <a:t>cts </a:t>
-            </a:r>
-            <a:r>
-              <a:rPr lang="en-GB" sz="1800" kern="0" dirty="0" smtClean="0"/>
-              <a:t>as a simple, in-memory data cache </a:t>
+              <a:t>cts as a simple, in-memory data cache </a:t>
             </a:r>
           </a:p>
           <a:p>
@@ -11007,11 +11107,7 @@
             </a:r>
             <a:r>
               <a:rPr lang="en-GB" sz="1800" kern="0" dirty="0" smtClean="0"/>
-              <a:t>ntries </a:t>
-            </a:r>
-            <a:r>
-              <a:rPr lang="en-GB" sz="1800" kern="0" dirty="0" smtClean="0"/>
-              <a:t>are stored on the local node only</a:t>
+              <a:t>ntries are stored on the local node only</a:t>
             </a:r>
           </a:p>
           <a:p>
@@ -11024,11 +11120,7 @@
             </a:r>
             <a:r>
               <a:rPr lang="en-GB" sz="1800" kern="0" dirty="0" smtClean="0"/>
-              <a:t>imited </a:t>
-            </a:r>
-            <a:r>
-              <a:rPr lang="en-GB" sz="1800" kern="0" dirty="0" smtClean="0"/>
-              <a:t>by the maximum size of JVM heap</a:t>
+              <a:t>imited by the maximum size of JVM heap</a:t>
             </a:r>
           </a:p>
           <a:p>

--- a/infinispan-embedded-tutorial/Infinispan.pptx
+++ b/infinispan-embedded-tutorial/Infinispan.pptx
@@ -5,10 +5,10 @@
     <p:sldMasterId id="2147483733" r:id="rId4"/>
   </p:sldMasterIdLst>
   <p:notesMasterIdLst>
-    <p:notesMasterId r:id="rId22"/>
+    <p:notesMasterId r:id="rId23"/>
   </p:notesMasterIdLst>
   <p:handoutMasterIdLst>
-    <p:handoutMasterId r:id="rId23"/>
+    <p:handoutMasterId r:id="rId24"/>
   </p:handoutMasterIdLst>
   <p:sldIdLst>
     <p:sldId id="256" r:id="rId5"/>
@@ -27,7 +27,8 @@
     <p:sldId id="270" r:id="rId18"/>
     <p:sldId id="275" r:id="rId19"/>
     <p:sldId id="260" r:id="rId20"/>
-    <p:sldId id="278" r:id="rId21"/>
+    <p:sldId id="279" r:id="rId21"/>
+    <p:sldId id="278" r:id="rId22"/>
   </p:sldIdLst>
   <p:sldSz cx="9144000" cy="6858000" type="screen4x3"/>
   <p:notesSz cx="6669088" cy="9872663"/>
@@ -182,6 +183,7 @@
             <p14:sldId id="270"/>
             <p14:sldId id="275"/>
             <p14:sldId id="260"/>
+            <p14:sldId id="279"/>
             <p14:sldId id="278"/>
           </p14:sldIdLst>
         </p14:section>
@@ -7826,8 +7828,27 @@
           <a:p>
             <a:r>
               <a:rPr lang="en-US" dirty="0" smtClean="0"/>
-              <a:t>Questions</a:t>
-            </a:r>
+              <a:t>References</a:t>
+            </a:r>
+            <a:endParaRPr lang="en-US" dirty="0"/>
+          </a:p>
+        </p:txBody>
+      </p:sp>
+      <p:sp>
+        <p:nvSpPr>
+          <p:cNvPr id="9" name="Content Placeholder 8"/>
+          <p:cNvSpPr>
+            <a:spLocks noGrp="1"/>
+          </p:cNvSpPr>
+          <p:nvPr>
+            <p:ph idx="1"/>
+          </p:nvPr>
+        </p:nvSpPr>
+        <p:spPr/>
+        <p:txBody>
+          <a:bodyPr/>
+          <a:lstStyle/>
+          <a:p>
             <a:endParaRPr lang="en-US" dirty="0"/>
           </a:p>
         </p:txBody>
@@ -7904,6 +7925,136 @@
                 <a:defRPr/>
               </a:pPr>
               <a:t>16</a:t>
+            </a:fld>
+            <a:endParaRPr lang="en-US"/>
+          </a:p>
+        </p:txBody>
+      </p:sp>
+    </p:spTree>
+    <p:extLst>
+      <p:ext uri="{BB962C8B-B14F-4D97-AF65-F5344CB8AC3E}">
+        <p14:creationId xmlns:p14="http://schemas.microsoft.com/office/powerpoint/2010/main" val="3317250479"/>
+      </p:ext>
+    </p:extLst>
+  </p:cSld>
+  <p:clrMapOvr>
+    <a:masterClrMapping/>
+  </p:clrMapOvr>
+</p:sld>
+</file>
+
+<file path=ppt/slides/slide18.xml><?xml version="1.0" encoding="utf-8"?>
+<p:sld xmlns:a="http://schemas.openxmlformats.org/drawingml/2006/main" xmlns:r="http://schemas.openxmlformats.org/officeDocument/2006/relationships" xmlns:p="http://schemas.openxmlformats.org/presentationml/2006/main">
+  <p:cSld>
+    <p:spTree>
+      <p:nvGrpSpPr>
+        <p:cNvPr id="1" name=""/>
+        <p:cNvGrpSpPr/>
+        <p:nvPr/>
+      </p:nvGrpSpPr>
+      <p:grpSpPr>
+        <a:xfrm>
+          <a:off x="0" y="0"/>
+          <a:ext cx="0" cy="0"/>
+          <a:chOff x="0" y="0"/>
+          <a:chExt cx="0" cy="0"/>
+        </a:xfrm>
+      </p:grpSpPr>
+      <p:sp>
+        <p:nvSpPr>
+          <p:cNvPr id="8" name="Title 7"/>
+          <p:cNvSpPr>
+            <a:spLocks noGrp="1"/>
+          </p:cNvSpPr>
+          <p:nvPr>
+            <p:ph type="title"/>
+          </p:nvPr>
+        </p:nvSpPr>
+        <p:spPr/>
+        <p:txBody>
+          <a:bodyPr/>
+          <a:lstStyle/>
+          <a:p>
+            <a:r>
+              <a:rPr lang="en-US" dirty="0" smtClean="0"/>
+              <a:t>Questions</a:t>
+            </a:r>
+            <a:endParaRPr lang="en-US" dirty="0"/>
+          </a:p>
+        </p:txBody>
+      </p:sp>
+      <p:sp>
+        <p:nvSpPr>
+          <p:cNvPr id="10" name="Text Placeholder 9"/>
+          <p:cNvSpPr>
+            <a:spLocks noGrp="1"/>
+          </p:cNvSpPr>
+          <p:nvPr>
+            <p:ph type="body" sz="quarter" idx="13"/>
+          </p:nvPr>
+        </p:nvSpPr>
+        <p:spPr/>
+        <p:txBody>
+          <a:bodyPr/>
+          <a:lstStyle/>
+          <a:p>
+            <a:endParaRPr lang="en-US"/>
+          </a:p>
+        </p:txBody>
+      </p:sp>
+      <p:sp>
+        <p:nvSpPr>
+          <p:cNvPr id="6" name="Date Placeholder 5"/>
+          <p:cNvSpPr>
+            <a:spLocks noGrp="1"/>
+          </p:cNvSpPr>
+          <p:nvPr>
+            <p:ph type="dt" sz="half" idx="14"/>
+          </p:nvPr>
+        </p:nvSpPr>
+        <p:spPr/>
+        <p:txBody>
+          <a:bodyPr/>
+          <a:lstStyle/>
+          <a:p>
+            <a:pPr>
+              <a:defRPr/>
+            </a:pPr>
+            <a:fld id="{262EFB65-E16C-451A-8365-0EA1441EB5B7}" type="datetime3">
+              <a:rPr lang="en-US" smtClean="0"/>
+              <a:pPr>
+                <a:defRPr/>
+              </a:pPr>
+              <a:t>11 August 2015</a:t>
+            </a:fld>
+            <a:endParaRPr lang="en-US" dirty="0"/>
+          </a:p>
+        </p:txBody>
+      </p:sp>
+      <p:sp>
+        <p:nvSpPr>
+          <p:cNvPr id="7" name="Slide Number Placeholder 6"/>
+          <p:cNvSpPr>
+            <a:spLocks noGrp="1"/>
+          </p:cNvSpPr>
+          <p:nvPr>
+            <p:ph type="sldNum" sz="quarter" idx="15"/>
+          </p:nvPr>
+        </p:nvSpPr>
+        <p:spPr/>
+        <p:txBody>
+          <a:bodyPr/>
+          <a:lstStyle/>
+          <a:p>
+            <a:pPr>
+              <a:defRPr/>
+            </a:pPr>
+            <a:fld id="{62FEDF8E-5B0F-4A65-9F05-A41FA81134FA}" type="slidenum">
+              <a:rPr lang="en-US" smtClean="0"/>
+              <a:pPr>
+                <a:defRPr/>
+              </a:pPr>
+              <a:t>17</a:t>
             </a:fld>
             <a:endParaRPr lang="en-US"/>
           </a:p>
@@ -9193,8 +9344,9 @@
             </a:pPr>
             <a:r>
               <a:rPr lang="en-US" sz="1800" dirty="0" smtClean="0"/>
-              <a:t>The Cache Interface</a:t>
-            </a:r>
+              <a:t>Cache</a:t>
+            </a:r>
+            <a:endParaRPr lang="en-US" sz="1800" dirty="0" smtClean="0"/>
           </a:p>
           <a:p>
             <a:pPr lvl="1">
@@ -9234,7 +9386,7 @@
             </a:r>
           </a:p>
           <a:p>
-            <a:pPr marL="571500" lvl="1" indent="0" algn="ctr">
+            <a:pPr marL="571500" lvl="1" indent="0">
               <a:lnSpc>
                 <a:spcPct val="110000"/>
               </a:lnSpc>
@@ -9246,7 +9398,15 @@
                   <a:schemeClr val="tx2"/>
                 </a:solidFill>
               </a:rPr>
-              <a:t>Cache cache = new </a:t>
+              <a:t>                 Cache </a:t>
+            </a:r>
+            <a:r>
+              <a:rPr lang="en-US" sz="1600" dirty="0" smtClean="0">
+                <a:solidFill>
+                  <a:schemeClr val="tx2"/>
+                </a:solidFill>
+              </a:rPr>
+              <a:t>cache = new </a:t>
             </a:r>
             <a:r>
               <a:rPr lang="en-US" sz="1600" dirty="0" err="1" smtClean="0">
@@ -9291,17 +9451,10 @@
               </a:lnSpc>
             </a:pPr>
             <a:r>
-              <a:rPr lang="en-US" sz="1800" dirty="0"/>
-              <a:t>The </a:t>
-            </a:r>
-            <a:r>
-              <a:rPr lang="en-US" sz="1800" dirty="0" err="1"/>
+              <a:rPr lang="en-US" sz="1800" dirty="0" err="1" smtClean="0"/>
               <a:t>AdvancedCache</a:t>
             </a:r>
-            <a:r>
-              <a:rPr lang="en-US" sz="1800" dirty="0"/>
-              <a:t> Interface</a:t>
-            </a:r>
+            <a:endParaRPr lang="en-US" sz="1800" dirty="0"/>
           </a:p>
           <a:p>
             <a:pPr lvl="1">
@@ -9385,8 +9538,12 @@
               </a:lnSpc>
             </a:pPr>
             <a:r>
+              <a:rPr lang="en-US" sz="1800" dirty="0" smtClean="0"/>
+              <a:t>Asynchronous </a:t>
+            </a:r>
+            <a:r>
               <a:rPr lang="en-US" sz="1800" dirty="0"/>
-              <a:t>The Asynchronous API</a:t>
+              <a:t>API</a:t>
             </a:r>
           </a:p>
           <a:p>
@@ -9499,12 +9656,20 @@
             </a:r>
           </a:p>
           <a:p>
-            <a:pPr marL="571500" lvl="1" indent="0" algn="ctr">
+            <a:pPr marL="571500" lvl="1" indent="0">
               <a:lnSpc>
                 <a:spcPct val="110000"/>
               </a:lnSpc>
               <a:buNone/>
             </a:pPr>
+            <a:r>
+              <a:rPr lang="en-US" sz="1600" dirty="0" smtClean="0">
+                <a:solidFill>
+                  <a:schemeClr val="tx2"/>
+                </a:solidFill>
+              </a:rPr>
+              <a:t>	          </a:t>
+            </a:r>
             <a:r>
               <a:rPr lang="en-US" sz="1600" dirty="0" err="1" smtClean="0">
                 <a:solidFill>
@@ -9695,8 +9860,12 @@
           <a:lstStyle/>
           <a:p>
             <a:r>
+              <a:rPr lang="en-US" sz="1800" dirty="0" smtClean="0"/>
+              <a:t>Tree </a:t>
+            </a:r>
+            <a:r>
               <a:rPr lang="en-US" sz="1800" dirty="0"/>
-              <a:t>The Tree Module API</a:t>
+              <a:t>Module API</a:t>
             </a:r>
           </a:p>
           <a:p>
@@ -9802,26 +9971,34 @@
                   <a:schemeClr val="tx2"/>
                 </a:solidFill>
               </a:rPr>
-              <a:t>(true);</a:t>
-            </a:r>
-          </a:p>
-          <a:p>
-            <a:pPr marL="571500" lvl="1" indent="0" algn="ctr">
-              <a:lnSpc>
-                <a:spcPct val="110000"/>
-              </a:lnSpc>
-              <a:buNone/>
-            </a:pPr>
-            <a:r>
-              <a:rPr lang="en-US" sz="1600" dirty="0">
+              <a:t>(true)</a:t>
+            </a:r>
+            <a:r>
+              <a:rPr lang="en-US" sz="1600" dirty="0" smtClean="0">
                 <a:solidFill>
                   <a:schemeClr val="tx2"/>
                 </a:solidFill>
               </a:rPr>
-              <a:t>Cache cache = new </a:t>
-            </a:r>
-            <a:r>
-              <a:rPr lang="en-US" sz="1600" dirty="0" err="1">
+              <a:t>;</a:t>
+            </a:r>
+          </a:p>
+          <a:p>
+            <a:pPr marL="571500" lvl="1" indent="0">
+              <a:lnSpc>
+                <a:spcPct val="110000"/>
+              </a:lnSpc>
+              <a:buNone/>
+            </a:pPr>
+            <a:r>
+              <a:rPr lang="en-US" sz="1600" dirty="0" smtClean="0">
+                <a:solidFill>
+                  <a:schemeClr val="tx2"/>
+                </a:solidFill>
+              </a:rPr>
+              <a:t>    Cache cache = new </a:t>
+            </a:r>
+            <a:r>
+              <a:rPr lang="en-US" sz="1600" dirty="0" err="1" smtClean="0">
                 <a:solidFill>
                   <a:schemeClr val="tx2"/>
                 </a:solidFill>
@@ -9829,7 +10006,7 @@
               <a:t>DefaultCacheManager</a:t>
             </a:r>
             <a:r>
-              <a:rPr lang="en-US" sz="1600" dirty="0">
+              <a:rPr lang="en-US" sz="1600" dirty="0" smtClean="0">
                 <a:solidFill>
                   <a:schemeClr val="tx2"/>
                 </a:solidFill>
@@ -9837,7 +10014,7 @@
               <a:t>(</a:t>
             </a:r>
             <a:r>
-              <a:rPr lang="en-US" sz="1600" dirty="0" err="1">
+              <a:rPr lang="en-US" sz="1600" dirty="0" err="1" smtClean="0">
                 <a:solidFill>
                   <a:schemeClr val="tx2"/>
                 </a:solidFill>
@@ -9845,7 +10022,7 @@
               <a:t>config</a:t>
             </a:r>
             <a:r>
-              <a:rPr lang="en-US" sz="1600" dirty="0">
+              <a:rPr lang="en-US" sz="1600" dirty="0" smtClean="0">
                 <a:solidFill>
                   <a:schemeClr val="tx2"/>
                 </a:solidFill>
@@ -9853,7 +10030,7 @@
               <a:t>).</a:t>
             </a:r>
             <a:r>
-              <a:rPr lang="en-US" sz="1600" dirty="0" err="1">
+              <a:rPr lang="en-US" sz="1600" dirty="0" err="1" smtClean="0">
                 <a:solidFill>
                   <a:schemeClr val="tx2"/>
                 </a:solidFill>
@@ -9861,7 +10038,7 @@
               <a:t>getCache</a:t>
             </a:r>
             <a:r>
-              <a:rPr lang="en-US" sz="1600" dirty="0">
+              <a:rPr lang="en-US" sz="1600" dirty="0" smtClean="0">
                 <a:solidFill>
                   <a:schemeClr val="tx2"/>
                 </a:solidFill>
@@ -9870,14 +10047,22 @@
             </a:r>
           </a:p>
           <a:p>
-            <a:pPr marL="571500" lvl="1" indent="0" algn="ctr">
+            <a:pPr marL="571500" lvl="1" indent="0">
               <a:lnSpc>
                 <a:spcPct val="110000"/>
               </a:lnSpc>
               <a:buNone/>
             </a:pPr>
             <a:r>
-              <a:rPr lang="en-US" sz="1600" dirty="0" err="1">
+              <a:rPr lang="en-US" sz="1600" dirty="0" smtClean="0">
+                <a:solidFill>
+                  <a:schemeClr val="tx2"/>
+                </a:solidFill>
+              </a:rPr>
+              <a:t>    </a:t>
+            </a:r>
+            <a:r>
+              <a:rPr lang="en-US" sz="1600" dirty="0" err="1" smtClean="0">
                 <a:solidFill>
                   <a:schemeClr val="tx2"/>
                 </a:solidFill>
@@ -9885,7 +10070,7 @@
               <a:t>TreeCache</a:t>
             </a:r>
             <a:r>
-              <a:rPr lang="en-US" sz="1600" dirty="0">
+              <a:rPr lang="en-US" sz="1600" dirty="0" smtClean="0">
                 <a:solidFill>
                   <a:schemeClr val="tx2"/>
                 </a:solidFill>
@@ -9934,7 +10119,7 @@
           <a:p>
             <a:r>
               <a:rPr lang="en-GB" sz="1800" dirty="0" smtClean="0"/>
-              <a:t>The Listener </a:t>
+              <a:t>Listener </a:t>
             </a:r>
             <a:r>
               <a:rPr lang="en-GB" sz="1800" dirty="0"/>

--- a/infinispan-embedded-tutorial/Infinispan.pptx
+++ b/infinispan-embedded-tutorial/Infinispan.pptx
@@ -276,7 +276,7 @@
             <a:fld id="{AB771C5C-997B-4FBD-B8F3-A0A3C30CDBE5}" type="datetimeFigureOut">
               <a:rPr lang="en-GB" smtClean="0"/>
               <a:pPr/>
-              <a:t>11/08/2015</a:t>
+              <a:t>12/08/2015</a:t>
             </a:fld>
             <a:endParaRPr lang="en-GB"/>
           </a:p>
@@ -1770,7 +1770,7 @@
               <a:pPr>
                 <a:defRPr/>
               </a:pPr>
-              <a:t>11 August 2015</a:t>
+              <a:t>12 August 2015</a:t>
             </a:fld>
             <a:endParaRPr lang="en-US" dirty="0"/>
           </a:p>
@@ -1961,7 +1961,7 @@
               <a:pPr>
                 <a:defRPr/>
               </a:pPr>
-              <a:t>11 August 2015</a:t>
+              <a:t>12 August 2015</a:t>
             </a:fld>
             <a:endParaRPr lang="en-US" dirty="0"/>
           </a:p>
@@ -2238,7 +2238,7 @@
               <a:pPr>
                 <a:defRPr/>
               </a:pPr>
-              <a:t>11 August 2015</a:t>
+              <a:t>12 August 2015</a:t>
             </a:fld>
             <a:endParaRPr lang="en-US" dirty="0"/>
           </a:p>
@@ -2431,7 +2431,7 @@
               <a:pPr>
                 <a:defRPr/>
               </a:pPr>
-              <a:t>11 August 2015</a:t>
+              <a:t>12 August 2015</a:t>
             </a:fld>
             <a:endParaRPr lang="en-US" dirty="0"/>
           </a:p>
@@ -2805,7 +2805,7 @@
               <a:pPr>
                 <a:defRPr/>
               </a:pPr>
-              <a:t>11 August 2015</a:t>
+              <a:t>12 August 2015</a:t>
             </a:fld>
             <a:endParaRPr lang="en-US" dirty="0"/>
           </a:p>
@@ -3309,7 +3309,7 @@
               <a:pPr>
                 <a:defRPr/>
               </a:pPr>
-              <a:t>11 August 2015</a:t>
+              <a:t>12 August 2015</a:t>
             </a:fld>
             <a:endParaRPr lang="en-US" dirty="0"/>
           </a:p>
@@ -3513,7 +3513,7 @@
               <a:pPr>
                 <a:defRPr/>
               </a:pPr>
-              <a:t>11 August 2015</a:t>
+              <a:t>12 August 2015</a:t>
             </a:fld>
             <a:endParaRPr lang="en-US" dirty="0"/>
           </a:p>
@@ -3717,7 +3717,7 @@
               <a:pPr>
                 <a:defRPr/>
               </a:pPr>
-              <a:t>11 August 2015</a:t>
+              <a:t>12 August 2015</a:t>
             </a:fld>
             <a:endParaRPr lang="en-US" dirty="0"/>
           </a:p>
@@ -4005,7 +4005,7 @@
               <a:pPr>
                 <a:defRPr/>
               </a:pPr>
-              <a:t>11 August 2015</a:t>
+              <a:t>12 August 2015</a:t>
             </a:fld>
             <a:endParaRPr lang="en-US" dirty="0"/>
           </a:p>
@@ -4274,7 +4274,7 @@
               <a:pPr>
                 <a:defRPr/>
               </a:pPr>
-              <a:t>11 August 2015</a:t>
+              <a:t>12 August 2015</a:t>
             </a:fld>
             <a:endParaRPr lang="en-US" dirty="0"/>
           </a:p>
@@ -4478,7 +4478,7 @@
               <a:pPr>
                 <a:defRPr/>
               </a:pPr>
-              <a:t>11 August 2015</a:t>
+              <a:t>12 August 2015</a:t>
             </a:fld>
             <a:endParaRPr lang="en-US" dirty="0"/>
           </a:p>
@@ -5359,7 +5359,7 @@
   <p:timing>
     <p:tnLst>
       <p:par>
-        <p:cTn xmlns:p14="http://schemas.microsoft.com/office/powerpoint/2010/main" id="1" dur="indefinite" restart="never" nodeType="tmRoot"/>
+        <p:cTn id="1" dur="indefinite" restart="never" nodeType="tmRoot"/>
       </p:par>
     </p:tnLst>
   </p:timing>
@@ -5463,11 +5463,7 @@
             </a:r>
             <a:r>
               <a:rPr lang="en-GB" sz="1800" dirty="0" smtClean="0"/>
-              <a:t>looked up in lazily </a:t>
-            </a:r>
-            <a:r>
-              <a:rPr lang="en-GB" sz="1800" dirty="0" smtClean="0"/>
-              <a:t>manner</a:t>
+              <a:t>looked up in lazily manner</a:t>
             </a:r>
             <a:endParaRPr lang="en-GB" sz="1800" dirty="0"/>
           </a:p>
@@ -5545,7 +5541,7 @@
               <a:pPr>
                 <a:defRPr/>
               </a:pPr>
-              <a:t>11 August 2015</a:t>
+              <a:t>12 August 2015</a:t>
             </a:fld>
             <a:endParaRPr lang="en-US" dirty="0"/>
           </a:p>
@@ -5613,7 +5609,7 @@
           </a:prstGeom>
           <a:noFill/>
           <a:extLst>
-            <a:ext uri="{909E8E84-426E-40dd-AFC4-6F175D3DCCD1}">
+            <a:ext uri="{909E8E84-426E-40DD-AFC4-6F175D3DCCD1}">
               <a14:hiddenFill xmlns:a14="http://schemas.microsoft.com/office/drawing/2010/main">
                 <a:solidFill>
                   <a:srgbClr val="FFFFFF"/>
@@ -5773,7 +5769,7 @@
   <p:timing>
     <p:tnLst>
       <p:par>
-        <p:cTn xmlns:p14="http://schemas.microsoft.com/office/powerpoint/2010/main" id="1" dur="indefinite" restart="never" nodeType="tmRoot"/>
+        <p:cTn id="1" dur="indefinite" restart="never" nodeType="tmRoot"/>
       </p:par>
     </p:tnLst>
   </p:timing>
@@ -5832,14 +5828,14 @@
             <a:noFill/>
           </a:ln>
           <a:extLst>
-            <a:ext uri="{909E8E84-426E-40dd-AFC4-6F175D3DCCD1}">
+            <a:ext uri="{909E8E84-426E-40DD-AFC4-6F175D3DCCD1}">
               <a14:hiddenFill xmlns:a14="http://schemas.microsoft.com/office/drawing/2010/main">
                 <a:solidFill>
                   <a:schemeClr val="accent1"/>
                 </a:solidFill>
               </a14:hiddenFill>
             </a:ext>
-            <a:ext uri="{91240B29-F687-4f45-9708-019B960494DF}">
+            <a:ext uri="{91240B29-F687-4F45-9708-019B960494DF}">
               <a14:hiddenLine xmlns:a14="http://schemas.microsoft.com/office/drawing/2010/main" w="9525">
                 <a:solidFill>
                   <a:schemeClr val="tx1"/>
@@ -5884,7 +5880,6 @@
               <a:rPr lang="en-GB" sz="1800" dirty="0" smtClean="0"/>
               <a:t>cache instances, </a:t>
             </a:r>
-            <a:endParaRPr lang="en-GB" sz="1800" dirty="0" smtClean="0"/>
           </a:p>
           <a:p>
             <a:pPr marL="0" indent="0">
@@ -5896,15 +5891,7 @@
             </a:r>
             <a:r>
               <a:rPr lang="en-GB" sz="1800" dirty="0" smtClean="0"/>
-              <a:t>  </a:t>
-            </a:r>
-            <a:r>
-              <a:rPr lang="en-GB" sz="1800" dirty="0" smtClean="0"/>
-              <a:t>high </a:t>
-            </a:r>
-            <a:r>
-              <a:rPr lang="en-GB" sz="1800" dirty="0" smtClean="0"/>
-              <a:t>availability</a:t>
+              <a:t>  high availability</a:t>
             </a:r>
           </a:p>
           <a:p>
@@ -5947,7 +5934,6 @@
               <a:rPr lang="en-GB" sz="1800" dirty="0" smtClean="0"/>
               <a:t>Uses Replication Queue, to increase performance</a:t>
             </a:r>
-            <a:endParaRPr lang="en-GB" sz="1800" dirty="0" smtClean="0"/>
           </a:p>
           <a:p>
             <a:pPr marL="0" indent="0">
@@ -6044,7 +6030,7 @@
               <a:pPr>
                 <a:defRPr/>
               </a:pPr>
-              <a:t>11 August 2015</a:t>
+              <a:t>12 August 2015</a:t>
             </a:fld>
             <a:endParaRPr lang="en-US" dirty="0"/>
           </a:p>
@@ -6174,7 +6160,7 @@
   <p:timing>
     <p:tnLst>
       <p:par>
-        <p:cTn xmlns:p14="http://schemas.microsoft.com/office/powerpoint/2010/main" id="1" dur="indefinite" restart="never" nodeType="tmRoot"/>
+        <p:cTn id="1" dur="indefinite" restart="never" nodeType="tmRoot"/>
       </p:par>
     </p:tnLst>
   </p:timing>
@@ -6233,14 +6219,14 @@
             <a:noFill/>
           </a:ln>
           <a:extLst>
-            <a:ext uri="{909E8E84-426E-40dd-AFC4-6F175D3DCCD1}">
+            <a:ext uri="{909E8E84-426E-40DD-AFC4-6F175D3DCCD1}">
               <a14:hiddenFill xmlns:a14="http://schemas.microsoft.com/office/drawing/2010/main">
                 <a:solidFill>
                   <a:schemeClr val="accent1"/>
                 </a:solidFill>
               </a14:hiddenFill>
             </a:ext>
-            <a:ext uri="{91240B29-F687-4f45-9708-019B960494DF}">
+            <a:ext uri="{91240B29-F687-4F45-9708-019B960494DF}">
               <a14:hiddenLine xmlns:a14="http://schemas.microsoft.com/office/drawing/2010/main" w="9525">
                 <a:solidFill>
                   <a:schemeClr val="tx1"/>
@@ -6324,7 +6310,7 @@
               <a:pPr>
                 <a:defRPr/>
               </a:pPr>
-              <a:t>11 August 2015</a:t>
+              <a:t>12 August 2015</a:t>
             </a:fld>
             <a:endParaRPr lang="en-US" dirty="0"/>
           </a:p>
@@ -6381,11 +6367,16 @@
           <a:p>
             <a:r>
               <a:rPr lang="en-GB" sz="1800" dirty="0" smtClean="0"/>
-              <a:t>Entries distributed to a subset of nodes, </a:t>
-            </a:r>
+              <a:t>Entries distributed to a subset of nodes, high scalability</a:t>
+            </a:r>
+          </a:p>
+          <a:p>
+            <a:endParaRPr lang="en-GB" sz="1800" dirty="0" smtClean="0"/>
+          </a:p>
+          <a:p>
             <a:r>
               <a:rPr lang="en-GB" sz="1800" dirty="0" smtClean="0"/>
-              <a:t>high scalability</a:t>
+              <a:t>Working as in-memory data grid and provide increased heap space</a:t>
             </a:r>
           </a:p>
           <a:p>
@@ -6394,32 +6385,7 @@
           <a:p>
             <a:r>
               <a:rPr lang="en-GB" sz="1800" dirty="0" smtClean="0"/>
-              <a:t>Working as in-memory data grid and </a:t>
-            </a:r>
-            <a:r>
-              <a:rPr lang="en-GB" sz="1800" dirty="0" smtClean="0"/>
-              <a:t>provide </a:t>
-            </a:r>
-            <a:r>
-              <a:rPr lang="en-GB" sz="1800" dirty="0" smtClean="0"/>
-              <a:t>increased heap </a:t>
-            </a:r>
-            <a:r>
-              <a:rPr lang="en-GB" sz="1800" dirty="0" smtClean="0"/>
-              <a:t>space</a:t>
-            </a:r>
-          </a:p>
-          <a:p>
-            <a:endParaRPr lang="en-GB" sz="1800" dirty="0" smtClean="0"/>
-          </a:p>
-          <a:p>
-            <a:r>
-              <a:rPr lang="en-GB" sz="1800" dirty="0" smtClean="0"/>
-              <a:t>No of copies represent trade-off between performance and </a:t>
-            </a:r>
-            <a:r>
-              <a:rPr lang="en-GB" sz="1800" dirty="0" smtClean="0"/>
-              <a:t>durability</a:t>
+              <a:t>No of copies represent trade-off between performance and durability</a:t>
             </a:r>
           </a:p>
           <a:p>
@@ -6445,11 +6411,7 @@
           <a:p>
             <a:r>
               <a:rPr lang="en-GB" sz="1800" dirty="0" smtClean="0"/>
-              <a:t>Uses Consistent Hash algorithm to determine nodes to store </a:t>
-            </a:r>
-            <a:r>
-              <a:rPr lang="en-GB" sz="1800" dirty="0" smtClean="0"/>
-              <a:t>entries</a:t>
+              <a:t>Uses Consistent Hash algorithm to determine nodes to store entries</a:t>
             </a:r>
           </a:p>
           <a:p>
@@ -6460,7 +6422,6 @@
               <a:rPr lang="en-GB" sz="1800" dirty="0" smtClean="0"/>
               <a:t>Issue remote calls to fetch data from other cache</a:t>
             </a:r>
-            <a:endParaRPr lang="en-GB" sz="1800" dirty="0" smtClean="0"/>
           </a:p>
           <a:p>
             <a:pPr marL="0" indent="0">
@@ -6551,7 +6512,7 @@
   <p:timing>
     <p:tnLst>
       <p:par>
-        <p:cTn xmlns:p14="http://schemas.microsoft.com/office/powerpoint/2010/main" id="1" dur="indefinite" restart="never" nodeType="tmRoot"/>
+        <p:cTn id="1" dur="indefinite" restart="never" nodeType="tmRoot"/>
       </p:par>
     </p:tnLst>
   </p:timing>
@@ -6633,11 +6594,7 @@
           <a:p>
             <a:r>
               <a:rPr lang="en-GB" sz="1800" dirty="0" smtClean="0"/>
-              <a:t>Increases the Java heap memory </a:t>
-            </a:r>
-            <a:r>
-              <a:rPr lang="en-GB" sz="1800" dirty="0" smtClean="0"/>
-              <a:t>consumption</a:t>
+              <a:t>Increases the Java heap memory consumption</a:t>
             </a:r>
             <a:endParaRPr lang="en-GB" sz="1800" dirty="0"/>
           </a:p>
@@ -6717,7 +6674,7 @@
               <a:pPr>
                 <a:defRPr/>
               </a:pPr>
-              <a:t>11 August 2015</a:t>
+              <a:t>12 August 2015</a:t>
             </a:fld>
             <a:endParaRPr lang="en-US" dirty="0"/>
           </a:p>
@@ -6788,14 +6745,14 @@
             <a:noFill/>
           </a:ln>
           <a:extLst>
-            <a:ext uri="{909E8E84-426E-40dd-AFC4-6F175D3DCCD1}">
+            <a:ext uri="{909E8E84-426E-40DD-AFC4-6F175D3DCCD1}">
               <a14:hiddenFill xmlns:a14="http://schemas.microsoft.com/office/drawing/2010/main">
                 <a:solidFill>
                   <a:schemeClr val="accent1"/>
                 </a:solidFill>
               </a14:hiddenFill>
             </a:ext>
-            <a:ext uri="{91240B29-F687-4f45-9708-019B960494DF}">
+            <a:ext uri="{91240B29-F687-4F45-9708-019B960494DF}">
               <a14:hiddenLine xmlns:a14="http://schemas.microsoft.com/office/drawing/2010/main" w="9525">
                 <a:solidFill>
                   <a:schemeClr val="tx1"/>
@@ -6873,7 +6830,6 @@
               <a:rPr lang="en-GB" sz="1600" dirty="0" smtClean="0"/>
               <a:t>600000” /&gt;</a:t>
             </a:r>
-            <a:endParaRPr lang="en-GB" sz="1600" dirty="0" smtClean="0"/>
           </a:p>
         </p:txBody>
       </p:sp>
@@ -6890,7 +6846,7 @@
   <p:timing>
     <p:tnLst>
       <p:par>
-        <p:cTn xmlns:p14="http://schemas.microsoft.com/office/powerpoint/2010/main" id="1" dur="indefinite" restart="never" nodeType="tmRoot"/>
+        <p:cTn id="1" dur="indefinite" restart="never" nodeType="tmRoot"/>
       </p:par>
     </p:tnLst>
   </p:timing>
@@ -6986,7 +6942,7 @@
               <a:pPr>
                 <a:defRPr/>
               </a:pPr>
-              <a:t>11 August 2015</a:t>
+              <a:t>12 August 2015</a:t>
             </a:fld>
             <a:endParaRPr lang="en-US" dirty="0"/>
           </a:p>
@@ -7052,7 +7008,7 @@
           </a:prstGeom>
           <a:noFill/>
           <a:extLst>
-            <a:ext uri="{909E8E84-426E-40dd-AFC4-6F175D3DCCD1}">
+            <a:ext uri="{909E8E84-426E-40DD-AFC4-6F175D3DCCD1}">
               <a14:hiddenFill xmlns:a14="http://schemas.microsoft.com/office/drawing/2010/main">
                 <a:solidFill>
                   <a:srgbClr val="FFFFFF"/>
@@ -7075,7 +7031,7 @@
   <p:timing>
     <p:tnLst>
       <p:par>
-        <p:cTn xmlns:p14="http://schemas.microsoft.com/office/powerpoint/2010/main" id="1" dur="indefinite" restart="never" nodeType="tmRoot"/>
+        <p:cTn id="1" dur="indefinite" restart="never" nodeType="tmRoot"/>
       </p:par>
     </p:tnLst>
   </p:timing>
@@ -7166,7 +7122,7 @@
               <a:pPr>
                 <a:defRPr/>
               </a:pPr>
-              <a:t>11 August 2015</a:t>
+              <a:t>12 August 2015</a:t>
             </a:fld>
             <a:endParaRPr lang="en-US" dirty="0"/>
           </a:p>
@@ -7235,14 +7191,14 @@
             <a:noFill/>
           </a:ln>
           <a:extLst>
-            <a:ext uri="{909E8E84-426E-40dd-AFC4-6F175D3DCCD1}">
+            <a:ext uri="{909E8E84-426E-40DD-AFC4-6F175D3DCCD1}">
               <a14:hiddenFill xmlns:a14="http://schemas.microsoft.com/office/drawing/2010/main">
                 <a:solidFill>
                   <a:schemeClr val="accent1"/>
                 </a:solidFill>
               </a14:hiddenFill>
             </a:ext>
-            <a:ext uri="{91240B29-F687-4f45-9708-019B960494DF}">
+            <a:ext uri="{91240B29-F687-4F45-9708-019B960494DF}">
               <a14:hiddenLine xmlns:a14="http://schemas.microsoft.com/office/drawing/2010/main" w="9525">
                 <a:solidFill>
                   <a:schemeClr val="tx1"/>
@@ -7286,7 +7242,7 @@
           </a:prstGeom>
           <a:noFill/>
           <a:extLst>
-            <a:ext uri="{909E8E84-426E-40dd-AFC4-6F175D3DCCD1}">
+            <a:ext uri="{909E8E84-426E-40DD-AFC4-6F175D3DCCD1}">
               <a14:hiddenFill xmlns:a14="http://schemas.microsoft.com/office/drawing/2010/main">
                 <a:solidFill>
                   <a:srgbClr val="FFFFFF"/>
@@ -7309,7 +7265,7 @@
   <p:timing>
     <p:tnLst>
       <p:par>
-        <p:cTn xmlns:p14="http://schemas.microsoft.com/office/powerpoint/2010/main" id="1" dur="indefinite" restart="never" nodeType="tmRoot"/>
+        <p:cTn id="1" dur="indefinite" restart="never" nodeType="tmRoot"/>
       </p:par>
     </p:tnLst>
   </p:timing>
@@ -7673,7 +7629,7 @@
               <a:pPr>
                 <a:defRPr/>
               </a:pPr>
-              <a:t>11 August 2015</a:t>
+              <a:t>12 August 2015</a:t>
             </a:fld>
             <a:endParaRPr lang="en-US" dirty="0"/>
           </a:p>
@@ -7745,14 +7701,14 @@
           </a:ln>
           <a:effectLst/>
           <a:extLst>
-            <a:ext uri="{909E8E84-426E-40dd-AFC4-6F175D3DCCD1}">
+            <a:ext uri="{909E8E84-426E-40DD-AFC4-6F175D3DCCD1}">
               <a14:hiddenFill xmlns:a14="http://schemas.microsoft.com/office/drawing/2010/main">
                 <a:solidFill>
                   <a:schemeClr val="accent1"/>
                 </a:solidFill>
               </a14:hiddenFill>
             </a:ext>
-            <a:ext uri="{91240B29-F687-4f45-9708-019B960494DF}">
+            <a:ext uri="{91240B29-F687-4F45-9708-019B960494DF}">
               <a14:hiddenLine xmlns:a14="http://schemas.microsoft.com/office/drawing/2010/main" w="9525">
                 <a:solidFill>
                   <a:schemeClr val="tx1"/>
@@ -7762,7 +7718,7 @@
                 <a:tailEnd/>
               </a14:hiddenLine>
             </a:ext>
-            <a:ext uri="{AF507438-7753-43e0-B8FC-AC1667EBCBE1}">
+            <a:ext uri="{AF507438-7753-43E0-B8FC-AC1667EBCBE1}">
               <a14:hiddenEffects xmlns:a14="http://schemas.microsoft.com/office/drawing/2010/main">
                 <a:effectLst>
                   <a:outerShdw dist="35921" dir="2700000" algn="ctr" rotWithShape="0">
@@ -7787,7 +7743,7 @@
   <p:timing>
     <p:tnLst>
       <p:par>
-        <p:cTn xmlns:p14="http://schemas.microsoft.com/office/powerpoint/2010/main" id="1" dur="indefinite" restart="never" nodeType="tmRoot"/>
+        <p:cTn id="1" dur="indefinite" restart="never" nodeType="tmRoot"/>
       </p:par>
     </p:tnLst>
   </p:timing>
@@ -7849,6 +7805,53 @@
           <a:bodyPr/>
           <a:lstStyle/>
           <a:p>
+            <a:r>
+              <a:rPr lang="en-US" sz="1800" dirty="0">
+                <a:hlinkClick r:id="rId2"/>
+              </a:rPr>
+              <a:t>http://</a:t>
+            </a:r>
+            <a:r>
+              <a:rPr lang="en-US" sz="1800" dirty="0" smtClean="0">
+                <a:hlinkClick r:id="rId2"/>
+              </a:rPr>
+              <a:t>infinispan.org/docs/7.2.x/user_guide/user_guide.html</a:t>
+            </a:r>
+            <a:endParaRPr lang="en-US" sz="1800" dirty="0" smtClean="0"/>
+          </a:p>
+          <a:p>
+            <a:endParaRPr lang="en-US" sz="1800" dirty="0" smtClean="0"/>
+          </a:p>
+          <a:p>
+            <a:r>
+              <a:rPr lang="en-US" sz="1800" dirty="0">
+                <a:hlinkClick r:id="rId3"/>
+              </a:rPr>
+              <a:t>http://</a:t>
+            </a:r>
+            <a:r>
+              <a:rPr lang="en-US" sz="1800" dirty="0" smtClean="0">
+                <a:hlinkClick r:id="rId3"/>
+              </a:rPr>
+              <a:t>infinispan.org/docs/7.2.x/getting_started/getting_started.html</a:t>
+            </a:r>
+            <a:endParaRPr lang="en-US" sz="1800" dirty="0" smtClean="0"/>
+          </a:p>
+          <a:p>
+            <a:endParaRPr lang="en-US" sz="1800" dirty="0"/>
+          </a:p>
+          <a:p>
+            <a:r>
+              <a:rPr lang="en-US" sz="1800" dirty="0" err="1"/>
+              <a:t>Infinispan</a:t>
+            </a:r>
+            <a:r>
+              <a:rPr lang="en-US" sz="1800" dirty="0"/>
+              <a:t> Data Grid Platform Definitive Guide</a:t>
+            </a:r>
+            <a:endParaRPr lang="en-US" sz="1800" dirty="0" smtClean="0"/>
+          </a:p>
+          <a:p>
             <a:endParaRPr lang="en-US" dirty="0"/>
           </a:p>
         </p:txBody>
@@ -7895,7 +7898,7 @@
               <a:pPr>
                 <a:defRPr/>
               </a:pPr>
-              <a:t>11 August 2015</a:t>
+              <a:t>12 August 2015</a:t>
             </a:fld>
             <a:endParaRPr lang="en-US" dirty="0"/>
           </a:p>
@@ -7940,6 +7943,13 @@
   <p:clrMapOvr>
     <a:masterClrMapping/>
   </p:clrMapOvr>
+  <p:timing>
+    <p:tnLst>
+      <p:par>
+        <p:cTn id="1" dur="indefinite" restart="never" nodeType="tmRoot"/>
+      </p:par>
+    </p:tnLst>
+  </p:timing>
 </p:sld>
 </file>
 
@@ -8025,7 +8035,7 @@
               <a:pPr>
                 <a:defRPr/>
               </a:pPr>
-              <a:t>11 August 2015</a:t>
+              <a:t>12 August 2015</a:t>
             </a:fld>
             <a:endParaRPr lang="en-US" dirty="0"/>
           </a:p>
@@ -8106,7 +8116,7 @@
   <p:timing>
     <p:tnLst>
       <p:par>
-        <p:cTn xmlns:p14="http://schemas.microsoft.com/office/powerpoint/2010/main" id="1" dur="indefinite" restart="never" nodeType="tmRoot"/>
+        <p:cTn id="1" dur="indefinite" restart="never" nodeType="tmRoot"/>
       </p:par>
     </p:tnLst>
   </p:timing>
@@ -8231,21 +8241,10 @@
               </a:lnSpc>
             </a:pPr>
             <a:r>
-              <a:rPr lang="en-GB" dirty="0"/>
+              <a:rPr lang="en-GB" dirty="0" smtClean="0"/>
               <a:t>Persistence</a:t>
             </a:r>
             <a:endParaRPr lang="en-GB" dirty="0" smtClean="0"/>
-          </a:p>
-          <a:p>
-            <a:pPr>
-              <a:lnSpc>
-                <a:spcPct val="130000"/>
-              </a:lnSpc>
-            </a:pPr>
-            <a:r>
-              <a:rPr lang="en-GB" dirty="0" smtClean="0"/>
-              <a:t>Transactions</a:t>
-            </a:r>
           </a:p>
           <a:p>
             <a:pPr>
@@ -8302,7 +8301,7 @@
               <a:pPr>
                 <a:defRPr/>
               </a:pPr>
-              <a:t>11 August 2015</a:t>
+              <a:t>12 August 2015</a:t>
             </a:fld>
             <a:endParaRPr lang="en-US" dirty="0"/>
           </a:p>
@@ -8345,7 +8344,7 @@
   <p:timing>
     <p:tnLst>
       <p:par>
-        <p:cTn xmlns:p14="http://schemas.microsoft.com/office/powerpoint/2010/main" id="1" dur="indefinite" restart="never" nodeType="tmRoot"/>
+        <p:cTn id="1" dur="indefinite" restart="never" nodeType="tmRoot"/>
       </p:par>
     </p:tnLst>
   </p:timing>
@@ -8553,7 +8552,7 @@
               <a:pPr>
                 <a:defRPr/>
               </a:pPr>
-              <a:t>11 August 2015</a:t>
+              <a:t>12 August 2015</a:t>
             </a:fld>
             <a:endParaRPr lang="en-US" dirty="0"/>
           </a:p>
@@ -8601,7 +8600,7 @@
   <p:timing>
     <p:tnLst>
       <p:par>
-        <p:cTn xmlns:p14="http://schemas.microsoft.com/office/powerpoint/2010/main" id="1" dur="indefinite" restart="never" nodeType="tmRoot"/>
+        <p:cTn id="1" dur="indefinite" restart="never" nodeType="tmRoot"/>
       </p:par>
     </p:tnLst>
   </p:timing>
@@ -8648,7 +8647,6 @@
               <a:rPr lang="en-GB" sz="1800" dirty="0" smtClean="0"/>
               <a:t>code</a:t>
             </a:r>
-            <a:endParaRPr lang="en-GB" sz="1800" dirty="0" smtClean="0"/>
           </a:p>
           <a:p>
             <a:pPr marL="0" indent="0">
@@ -8681,7 +8679,6 @@
               <a:rPr lang="en-GB" sz="1800" dirty="0" smtClean="0"/>
               <a:t>P2P communication through RPC calls between nodes</a:t>
             </a:r>
-            <a:endParaRPr lang="en-GB" sz="1800" dirty="0" smtClean="0"/>
           </a:p>
           <a:p>
             <a:pPr marL="0" indent="0">
@@ -8785,14 +8782,14 @@
             <a:noFill/>
           </a:ln>
           <a:extLst>
-            <a:ext uri="{909E8E84-426E-40dd-AFC4-6F175D3DCCD1}">
+            <a:ext uri="{909E8E84-426E-40DD-AFC4-6F175D3DCCD1}">
               <a14:hiddenFill xmlns:a14="http://schemas.microsoft.com/office/drawing/2010/main">
                 <a:solidFill>
                   <a:schemeClr val="accent1"/>
                 </a:solidFill>
               </a14:hiddenFill>
             </a:ext>
-            <a:ext uri="{91240B29-F687-4f45-9708-019B960494DF}">
+            <a:ext uri="{91240B29-F687-4F45-9708-019B960494DF}">
               <a14:hiddenLine xmlns:a14="http://schemas.microsoft.com/office/drawing/2010/main" w="9525">
                 <a:solidFill>
                   <a:schemeClr val="tx1"/>
@@ -8891,7 +8888,7 @@
               <a:pPr>
                 <a:defRPr/>
               </a:pPr>
-              <a:t>11 August 2015</a:t>
+              <a:t>12 August 2015</a:t>
             </a:fld>
             <a:endParaRPr lang="en-US" dirty="0"/>
           </a:p>
@@ -8939,7 +8936,7 @@
   <p:timing>
     <p:tnLst>
       <p:par>
-        <p:cTn xmlns:p14="http://schemas.microsoft.com/office/powerpoint/2010/main" id="1" dur="indefinite" restart="never" nodeType="tmRoot"/>
+        <p:cTn id="1" dur="indefinite" restart="never" nodeType="tmRoot"/>
       </p:par>
     </p:tnLst>
   </p:timing>
@@ -9035,7 +9032,6 @@
               <a:rPr lang="en-GB" sz="1800" dirty="0" smtClean="0"/>
               <a:t>storage</a:t>
             </a:r>
-            <a:endParaRPr lang="en-GB" sz="1800" dirty="0" smtClean="0"/>
           </a:p>
           <a:p>
             <a:pPr marL="0" indent="0">
@@ -9082,13 +9078,8 @@
             </a:r>
             <a:r>
               <a:rPr lang="en-GB" sz="1800" dirty="0" smtClean="0"/>
-              <a:t> AS </a:t>
-            </a:r>
-            <a:r>
-              <a:rPr lang="en-GB" sz="1800" dirty="0" smtClean="0"/>
-              <a:t>7.2</a:t>
-            </a:r>
-            <a:endParaRPr lang="en-GB" sz="1800" dirty="0" smtClean="0"/>
+              <a:t> AS 7.2</a:t>
+            </a:r>
           </a:p>
           <a:p>
             <a:pPr marL="0" indent="0">
@@ -9184,7 +9175,7 @@
               <a:pPr>
                 <a:defRPr/>
               </a:pPr>
-              <a:t>11 August 2015</a:t>
+              <a:t>12 August 2015</a:t>
             </a:fld>
             <a:endParaRPr lang="en-US" dirty="0"/>
           </a:p>
@@ -9252,7 +9243,7 @@
           </a:prstGeom>
           <a:noFill/>
           <a:extLst>
-            <a:ext uri="{909E8E84-426E-40dd-AFC4-6F175D3DCCD1}">
+            <a:ext uri="{909E8E84-426E-40DD-AFC4-6F175D3DCCD1}">
               <a14:hiddenFill xmlns:a14="http://schemas.microsoft.com/office/drawing/2010/main">
                 <a:solidFill>
                   <a:srgbClr val="FFFFFF"/>
@@ -9275,7 +9266,7 @@
   <p:timing>
     <p:tnLst>
       <p:par>
-        <p:cTn xmlns:p14="http://schemas.microsoft.com/office/powerpoint/2010/main" id="1" dur="indefinite" restart="never" nodeType="tmRoot"/>
+        <p:cTn id="1" dur="indefinite" restart="never" nodeType="tmRoot"/>
       </p:par>
     </p:tnLst>
   </p:timing>
@@ -9346,7 +9337,6 @@
               <a:rPr lang="en-US" sz="1800" dirty="0" smtClean="0"/>
               <a:t>Cache</a:t>
             </a:r>
-            <a:endParaRPr lang="en-US" sz="1800" dirty="0" smtClean="0"/>
           </a:p>
           <a:p>
             <a:pPr lvl="1">
@@ -9378,11 +9368,7 @@
             </a:pPr>
             <a:r>
               <a:rPr lang="en-US" sz="1600" dirty="0" smtClean="0"/>
-              <a:t>Provides </a:t>
-            </a:r>
-            <a:r>
-              <a:rPr lang="en-US" sz="1600" dirty="0" smtClean="0"/>
-              <a:t>Eviction/Expiration, Event Notifications, Persistence and Transactions</a:t>
+              <a:t>Provides Eviction/Expiration, Event Notifications, Persistence and Transactions</a:t>
             </a:r>
           </a:p>
           <a:p>
@@ -9398,15 +9384,7 @@
                   <a:schemeClr val="tx2"/>
                 </a:solidFill>
               </a:rPr>
-              <a:t>                 Cache </a:t>
-            </a:r>
-            <a:r>
-              <a:rPr lang="en-US" sz="1600" dirty="0" smtClean="0">
-                <a:solidFill>
-                  <a:schemeClr val="tx2"/>
-                </a:solidFill>
-              </a:rPr>
-              <a:t>cache = new </a:t>
+              <a:t>                 Cache cache = new </a:t>
             </a:r>
             <a:r>
               <a:rPr lang="en-US" sz="1600" dirty="0" err="1" smtClean="0">
@@ -9604,15 +9582,7 @@
                   <a:schemeClr val="tx2"/>
                 </a:solidFill>
               </a:rPr>
-              <a:t>Future future </a:t>
-            </a:r>
-            <a:r>
-              <a:rPr lang="en-US" sz="1600" dirty="0">
-                <a:solidFill>
-                  <a:schemeClr val="tx2"/>
-                </a:solidFill>
-              </a:rPr>
-              <a:t>= </a:t>
+              <a:t>Future future = </a:t>
             </a:r>
             <a:r>
               <a:rPr lang="en-US" sz="1600" dirty="0" err="1">
@@ -9628,15 +9598,7 @@
                   <a:schemeClr val="tx2"/>
                 </a:solidFill>
               </a:rPr>
-              <a:t>(key1, value1</a:t>
-            </a:r>
-            <a:r>
-              <a:rPr lang="en-US" sz="1600" dirty="0">
-                <a:solidFill>
-                  <a:schemeClr val="tx2"/>
-                </a:solidFill>
-              </a:rPr>
-              <a:t>); </a:t>
+              <a:t>(key1, value1); </a:t>
             </a:r>
             <a:r>
               <a:rPr lang="en-US" sz="1600" dirty="0">
@@ -9744,7 +9706,7 @@
               <a:pPr>
                 <a:defRPr/>
               </a:pPr>
-              <a:t>11 August 2015</a:t>
+              <a:t>12 August 2015</a:t>
             </a:fld>
             <a:endParaRPr lang="en-US" dirty="0"/>
           </a:p>
@@ -9792,7 +9754,7 @@
   <p:timing>
     <p:tnLst>
       <p:par>
-        <p:cTn xmlns:p14="http://schemas.microsoft.com/office/powerpoint/2010/main" id="1" dur="indefinite" restart="never" nodeType="tmRoot"/>
+        <p:cTn id="1" dur="indefinite" restart="never" nodeType="tmRoot"/>
       </p:par>
     </p:tnLst>
   </p:timing>
@@ -9947,15 +9909,7 @@
                   <a:schemeClr val="tx2"/>
                 </a:solidFill>
               </a:rPr>
-              <a:t> = new Configuration(</a:t>
-            </a:r>
-            <a:r>
-              <a:rPr lang="en-US" sz="1600" dirty="0">
-                <a:solidFill>
-                  <a:schemeClr val="tx2"/>
-                </a:solidFill>
-              </a:rPr>
-              <a:t>).</a:t>
+              <a:t> = new Configuration().</a:t>
             </a:r>
             <a:r>
               <a:rPr lang="en-US" sz="1600" dirty="0" err="1">
@@ -10134,11 +10088,7 @@
             </a:pPr>
             <a:r>
               <a:rPr lang="en-GB" sz="1600" dirty="0" smtClean="0"/>
-              <a:t>Application can get notification about some events that occur inside the </a:t>
-            </a:r>
-            <a:r>
-              <a:rPr lang="en-GB" sz="1600" dirty="0" smtClean="0"/>
-              <a:t>grid</a:t>
+              <a:t>Application can get notification about some events that occur inside the grid</a:t>
             </a:r>
             <a:endParaRPr lang="en-GB" sz="1800" dirty="0" smtClean="0"/>
           </a:p>
@@ -10187,7 +10137,6 @@
               <a:rPr lang="en-GB" sz="1600" dirty="0" smtClean="0"/>
               <a:t>)</a:t>
             </a:r>
-            <a:endParaRPr lang="en-GB" sz="1600" dirty="0" smtClean="0"/>
           </a:p>
           <a:p>
             <a:pPr lvl="1">
@@ -10282,11 +10231,7 @@
             </a:r>
             <a:r>
               <a:rPr lang="en-GB" sz="1400" dirty="0" smtClean="0"/>
-              <a:t>/</a:t>
-            </a:r>
-            <a:r>
-              <a:rPr lang="en-GB" sz="1400" dirty="0" smtClean="0"/>
-              <a:t>Merged</a:t>
+              <a:t>/Merged</a:t>
             </a:r>
             <a:endParaRPr lang="en-GB" sz="1800" dirty="0" smtClean="0"/>
           </a:p>
@@ -10334,7 +10279,7 @@
               <a:pPr>
                 <a:defRPr/>
               </a:pPr>
-              <a:t>11 August 2015</a:t>
+              <a:t>12 August 2015</a:t>
             </a:fld>
             <a:endParaRPr lang="en-US" dirty="0"/>
           </a:p>
@@ -10382,7 +10327,7 @@
   <p:timing>
     <p:tnLst>
       <p:par>
-        <p:cTn xmlns:p14="http://schemas.microsoft.com/office/powerpoint/2010/main" id="1" dur="indefinite" restart="never" nodeType="tmRoot"/>
+        <p:cTn id="1" dur="indefinite" restart="never" nodeType="tmRoot"/>
       </p:par>
     </p:tnLst>
   </p:timing>
@@ -10895,7 +10840,7 @@
               <a:pPr>
                 <a:defRPr/>
               </a:pPr>
-              <a:t>11 August 2015</a:t>
+              <a:t>12 August 2015</a:t>
             </a:fld>
             <a:endParaRPr lang="en-US" dirty="0"/>
           </a:p>
@@ -10943,7 +10888,7 @@
   <p:timing>
     <p:tnLst>
       <p:par>
-        <p:cTn xmlns:p14="http://schemas.microsoft.com/office/powerpoint/2010/main" id="1" dur="indefinite" restart="never" nodeType="tmRoot"/>
+        <p:cTn id="1" dur="indefinite" restart="never" nodeType="tmRoot"/>
       </p:par>
     </p:tnLst>
   </p:timing>
@@ -11039,7 +10984,7 @@
               <a:pPr>
                 <a:defRPr/>
               </a:pPr>
-              <a:t>11 August 2015</a:t>
+              <a:t>12 August 2015</a:t>
             </a:fld>
             <a:endParaRPr lang="en-US" dirty="0"/>
           </a:p>
@@ -11372,14 +11317,14 @@
           </a:ln>
           <a:effectLst/>
           <a:extLst>
-            <a:ext uri="{909E8E84-426E-40dd-AFC4-6F175D3DCCD1}">
+            <a:ext uri="{909E8E84-426E-40DD-AFC4-6F175D3DCCD1}">
               <a14:hiddenFill xmlns:a14="http://schemas.microsoft.com/office/drawing/2010/main">
                 <a:solidFill>
                   <a:schemeClr val="accent1"/>
                 </a:solidFill>
               </a14:hiddenFill>
             </a:ext>
-            <a:ext uri="{91240B29-F687-4f45-9708-019B960494DF}">
+            <a:ext uri="{91240B29-F687-4F45-9708-019B960494DF}">
               <a14:hiddenLine xmlns:a14="http://schemas.microsoft.com/office/drawing/2010/main" w="9525">
                 <a:solidFill>
                   <a:schemeClr val="tx1"/>
@@ -11389,7 +11334,7 @@
                 <a:tailEnd/>
               </a14:hiddenLine>
             </a:ext>
-            <a:ext uri="{AF507438-7753-43e0-B8FC-AC1667EBCBE1}">
+            <a:ext uri="{AF507438-7753-43E0-B8FC-AC1667EBCBE1}">
               <a14:hiddenEffects xmlns:a14="http://schemas.microsoft.com/office/drawing/2010/main">
                 <a:effectLst>
                   <a:outerShdw dist="35921" dir="2700000" algn="ctr" rotWithShape="0">
@@ -11484,7 +11429,7 @@
   <p:timing>
     <p:tnLst>
       <p:par>
-        <p:cTn xmlns:p14="http://schemas.microsoft.com/office/powerpoint/2010/main" id="1" dur="indefinite" restart="never" nodeType="tmRoot"/>
+        <p:cTn id="1" dur="indefinite" restart="never" nodeType="tmRoot"/>
       </p:par>
     </p:tnLst>
   </p:timing>
@@ -12899,6 +12844,21 @@
 </file>
 
 <file path=customXml/item1.xml><?xml version="1.0" encoding="utf-8"?>
+<?mso-contentType ?>
+<FormTemplates xmlns="http://schemas.microsoft.com/sharepoint/v3/contenttype/forms">
+  <Display>DocumentLibraryForm</Display>
+  <Edit>DocumentLibraryForm</Edit>
+  <New>DocumentLibraryForm</New>
+</FormTemplates>
+</file>
+
+<file path=customXml/item2.xml><?xml version="1.0" encoding="utf-8"?>
+<p:properties xmlns:p="http://schemas.microsoft.com/office/2006/metadata/properties" xmlns:xsi="http://www.w3.org/2001/XMLSchema-instance">
+  <documentManagement/>
+</p:properties>
+</file>
+
+<file path=customXml/item3.xml><?xml version="1.0" encoding="utf-8"?>
 <ct:contentTypeSchema xmlns:ct="http://schemas.microsoft.com/office/2006/metadata/contentType" xmlns:ma="http://schemas.microsoft.com/office/2006/metadata/properties/metaAttributes" ct:_="" ma:_="" ma:contentTypeName="Document" ma:contentTypeID="0x01010052A6242B10924A4DBFB6124D54A27815" ma:contentTypeVersion="0" ma:contentTypeDescription="Create a new document." ma:contentTypeScope="" ma:versionID="b57ed8ccf37977ae283eeff73d3b9890">
   <xsd:schema xmlns:xsd="http://www.w3.org/2001/XMLSchema" xmlns:xs="http://www.w3.org/2001/XMLSchema" xmlns:p="http://schemas.microsoft.com/office/2006/metadata/properties" targetNamespace="http://schemas.microsoft.com/office/2006/metadata/properties" ma:root="true" ma:fieldsID="c64490b4aec6201516c3a874156f37b2">
     <xsd:element name="properties">
@@ -13012,33 +12972,10 @@
 </ct:contentTypeSchema>
 </file>
 
-<file path=customXml/item2.xml><?xml version="1.0" encoding="utf-8"?>
-<p:properties xmlns:p="http://schemas.microsoft.com/office/2006/metadata/properties" xmlns:xsi="http://www.w3.org/2001/XMLSchema-instance">
-  <documentManagement/>
-</p:properties>
-</file>
-
-<file path=customXml/item3.xml><?xml version="1.0" encoding="utf-8"?>
-<?mso-contentType ?>
-<FormTemplates xmlns="http://schemas.microsoft.com/sharepoint/v3/contenttype/forms">
-  <Display>DocumentLibraryForm</Display>
-  <Edit>DocumentLibraryForm</Edit>
-  <New>DocumentLibraryForm</New>
-</FormTemplates>
-</file>
-
 <file path=customXml/itemProps1.xml><?xml version="1.0" encoding="utf-8"?>
-<ds:datastoreItem xmlns:ds="http://schemas.openxmlformats.org/officeDocument/2006/customXml" ds:itemID="{6A646D34-48B1-41EF-AFA6-EB967E20351F}">
+<ds:datastoreItem xmlns:ds="http://schemas.openxmlformats.org/officeDocument/2006/customXml" ds:itemID="{5DF3DE8E-7DF2-4573-85BC-A64B51AF200C}">
   <ds:schemaRefs>
-    <ds:schemaRef ds:uri="http://schemas.microsoft.com/office/2006/metadata/contentType"/>
-    <ds:schemaRef ds:uri="http://schemas.microsoft.com/office/2006/metadata/properties/metaAttributes"/>
-    <ds:schemaRef ds:uri="http://www.w3.org/2001/XMLSchema"/>
-    <ds:schemaRef ds:uri="http://schemas.microsoft.com/office/2006/metadata/properties"/>
-    <ds:schemaRef ds:uri="http://schemas.openxmlformats.org/package/2006/metadata/core-properties"/>
-    <ds:schemaRef ds:uri="http://purl.org/dc/elements/1.1/"/>
-    <ds:schemaRef ds:uri="http://purl.org/dc/terms/"/>
-    <ds:schemaRef ds:uri="http://schemas.microsoft.com/internal/obd"/>
-    <ds:schemaRef ds:uri="http://schemas.microsoft.com/office/infopath/2007/PartnerControls"/>
+    <ds:schemaRef ds:uri="http://schemas.microsoft.com/sharepoint/v3/contenttype/forms"/>
   </ds:schemaRefs>
 </ds:datastoreItem>
 </file>
@@ -13059,9 +12996,17 @@
 </file>
 
 <file path=customXml/itemProps3.xml><?xml version="1.0" encoding="utf-8"?>
-<ds:datastoreItem xmlns:ds="http://schemas.openxmlformats.org/officeDocument/2006/customXml" ds:itemID="{5DF3DE8E-7DF2-4573-85BC-A64B51AF200C}">
+<ds:datastoreItem xmlns:ds="http://schemas.openxmlformats.org/officeDocument/2006/customXml" ds:itemID="{6A646D34-48B1-41EF-AFA6-EB967E20351F}">
   <ds:schemaRefs>
-    <ds:schemaRef ds:uri="http://schemas.microsoft.com/sharepoint/v3/contenttype/forms"/>
+    <ds:schemaRef ds:uri="http://schemas.microsoft.com/office/2006/metadata/contentType"/>
+    <ds:schemaRef ds:uri="http://schemas.microsoft.com/office/2006/metadata/properties/metaAttributes"/>
+    <ds:schemaRef ds:uri="http://www.w3.org/2001/XMLSchema"/>
+    <ds:schemaRef ds:uri="http://schemas.microsoft.com/office/2006/metadata/properties"/>
+    <ds:schemaRef ds:uri="http://schemas.openxmlformats.org/package/2006/metadata/core-properties"/>
+    <ds:schemaRef ds:uri="http://purl.org/dc/elements/1.1/"/>
+    <ds:schemaRef ds:uri="http://purl.org/dc/terms/"/>
+    <ds:schemaRef ds:uri="http://schemas.microsoft.com/internal/obd"/>
+    <ds:schemaRef ds:uri="http://schemas.microsoft.com/office/infopath/2007/PartnerControls"/>
   </ds:schemaRefs>
 </ds:datastoreItem>
 </file>